--- a/Slide.pptx
+++ b/Slide.pptx
@@ -5,16 +5,17 @@
     <p:sldMasterId id="2147483648" r:id="rId1"/>
   </p:sldMasterIdLst>
   <p:notesMasterIdLst>
-    <p:notesMasterId r:id="rId9"/>
+    <p:notesMasterId r:id="rId10"/>
   </p:notesMasterIdLst>
   <p:sldIdLst>
     <p:sldId id="256" r:id="rId2"/>
-    <p:sldId id="257" r:id="rId3"/>
+    <p:sldId id="261" r:id="rId3"/>
     <p:sldId id="258" r:id="rId4"/>
-    <p:sldId id="259" r:id="rId5"/>
-    <p:sldId id="260" r:id="rId6"/>
-    <p:sldId id="261" r:id="rId7"/>
-    <p:sldId id="262" r:id="rId8"/>
+    <p:sldId id="260" r:id="rId5"/>
+    <p:sldId id="259" r:id="rId6"/>
+    <p:sldId id="262" r:id="rId7"/>
+    <p:sldId id="263" r:id="rId8"/>
+    <p:sldId id="264" r:id="rId9"/>
   </p:sldIdLst>
   <p:sldSz cx="12192000" cy="6858000"/>
   <p:notesSz cx="6858000" cy="9144000"/>
@@ -113,7 +114,24 @@
       </a:defRPr>
     </a:lvl9pPr>
   </p:defaultTextStyle>
+  <p:extLst>
+    <p:ext uri="{EFAFB233-063F-42B5-8137-9DF3F51BA10A}">
+      <p15:sldGuideLst xmlns:p15="http://schemas.microsoft.com/office/powerpoint/2012/main"/>
+    </p:ext>
+  </p:extLst>
 </p:presentation>
+</file>
+
+<file path=ppt/commentAuthors.xml><?xml version="1.0" encoding="utf-8"?>
+<p:cmAuthorLst xmlns:a="http://schemas.openxmlformats.org/drawingml/2006/main" xmlns:r="http://schemas.openxmlformats.org/officeDocument/2006/relationships" xmlns:p="http://schemas.openxmlformats.org/presentationml/2006/main">
+  <p:cmAuthor id="1" name="Windows User" initials="WU" lastIdx="1" clrIdx="0">
+    <p:extLst>
+      <p:ext uri="{19B8F6BF-5375-455C-9EA6-DF929625EA0E}">
+        <p15:presenceInfo xmlns:p15="http://schemas.microsoft.com/office/powerpoint/2012/main" userId="e228b3c22618f4cb" providerId="Windows Live"/>
+      </p:ext>
+    </p:extLst>
+  </p:cmAuthor>
+</p:cmAuthorLst>
 </file>
 
 <file path=ppt/notesMasters/notesMaster1.xml><?xml version="1.0" encoding="utf-8"?>
@@ -5674,10 +5692,16 @@
           <a:lstStyle/>
           <a:p>
             <a:r>
-              <a:rPr lang="en-US" sz="4400" dirty="0" smtClean="0"/>
+              <a:rPr lang="en-US" sz="4400" dirty="0" smtClean="0">
+                <a:latin typeface="Arial" panose="020B0604020202020204" pitchFamily="34" charset="0"/>
+                <a:cs typeface="Arial" panose="020B0604020202020204" pitchFamily="34" charset="0"/>
+              </a:rPr>
               <a:t>WOHE</a:t>
             </a:r>
-            <a:endParaRPr lang="en-US" sz="4400" dirty="0"/>
+            <a:endParaRPr lang="en-US" sz="4400" dirty="0">
+              <a:latin typeface="Arial" panose="020B0604020202020204" pitchFamily="34" charset="0"/>
+              <a:cs typeface="Arial" panose="020B0604020202020204" pitchFamily="34" charset="0"/>
+            </a:endParaRPr>
           </a:p>
         </p:txBody>
       </p:sp>
@@ -5708,16 +5732,40 @@
                 <a:solidFill>
                   <a:schemeClr val="tx1"/>
                 </a:solidFill>
+                <a:latin typeface="Arial" panose="020B0604020202020204" pitchFamily="34" charset="0"/>
+                <a:cs typeface="Arial" panose="020B0604020202020204" pitchFamily="34" charset="0"/>
               </a:rPr>
-              <a:t>Công Nghệ Web và dịch vụ trực tuyến</a:t>
-            </a:r>
-          </a:p>
-          <a:p>
+              <a:t>Công Nghệ Web và </a:t>
+            </a:r>
             <a:r>
               <a:rPr lang="en-US" sz="3200" dirty="0" smtClean="0">
                 <a:solidFill>
                   <a:schemeClr val="tx1"/>
                 </a:solidFill>
+                <a:latin typeface="Arial" panose="020B0604020202020204" pitchFamily="34" charset="0"/>
+                <a:cs typeface="Arial" panose="020B0604020202020204" pitchFamily="34" charset="0"/>
+              </a:rPr>
+              <a:t>Dịch </a:t>
+            </a:r>
+            <a:r>
+              <a:rPr lang="en-US" sz="3200" dirty="0" smtClean="0">
+                <a:solidFill>
+                  <a:schemeClr val="tx1"/>
+                </a:solidFill>
+                <a:latin typeface="Arial" panose="020B0604020202020204" pitchFamily="34" charset="0"/>
+                <a:cs typeface="Arial" panose="020B0604020202020204" pitchFamily="34" charset="0"/>
+              </a:rPr>
+              <a:t>vụ trực tuyến</a:t>
+            </a:r>
+          </a:p>
+          <a:p>
+            <a:r>
+              <a:rPr lang="en-US" sz="3200" dirty="0" smtClean="0">
+                <a:solidFill>
+                  <a:schemeClr val="tx1"/>
+                </a:solidFill>
+                <a:latin typeface="Arial" panose="020B0604020202020204" pitchFamily="34" charset="0"/>
+                <a:cs typeface="Arial" panose="020B0604020202020204" pitchFamily="34" charset="0"/>
               </a:rPr>
               <a:t>IT4409-</a:t>
             </a:r>
@@ -5726,14 +5774,11 @@
                 <a:solidFill>
                   <a:schemeClr val="tx1"/>
                 </a:solidFill>
+                <a:latin typeface="Arial" panose="020B0604020202020204" pitchFamily="34" charset="0"/>
+                <a:cs typeface="Arial" panose="020B0604020202020204" pitchFamily="34" charset="0"/>
               </a:rPr>
               <a:t>115650</a:t>
             </a:r>
-            <a:endParaRPr lang="en-US" sz="3200" dirty="0">
-              <a:solidFill>
-                <a:schemeClr val="tx1"/>
-              </a:solidFill>
-            </a:endParaRPr>
           </a:p>
         </p:txBody>
       </p:sp>
@@ -5837,10 +5882,16 @@
           </a:lstStyle>
           <a:p>
             <a:r>
-              <a:rPr lang="en-US" sz="1200" dirty="0" smtClean="0"/>
+              <a:rPr lang="en-US" sz="1200" dirty="0" smtClean="0">
+                <a:latin typeface="Arial" panose="020B0604020202020204" pitchFamily="34" charset="0"/>
+                <a:cs typeface="Arial" panose="020B0604020202020204" pitchFamily="34" charset="0"/>
+              </a:rPr>
               <a:t>Work-Helper</a:t>
             </a:r>
-            <a:endParaRPr lang="en-US" sz="1200" dirty="0"/>
+            <a:endParaRPr lang="en-US" sz="1200" dirty="0">
+              <a:latin typeface="Arial" panose="020B0604020202020204" pitchFamily="34" charset="0"/>
+              <a:cs typeface="Arial" panose="020B0604020202020204" pitchFamily="34" charset="0"/>
+            </a:endParaRPr>
           </a:p>
         </p:txBody>
       </p:sp>
@@ -5854,7 +5905,7 @@
         </p:nvSpPr>
         <p:spPr>
           <a:xfrm>
-            <a:off x="586240" y="4143226"/>
+            <a:off x="586239" y="4765526"/>
             <a:ext cx="5381853" cy="1873854"/>
           </a:xfrm>
           <a:prstGeom prst="rect">
@@ -6098,6 +6149,8 @@
                 <a:solidFill>
                   <a:schemeClr val="bg1"/>
                 </a:solidFill>
+                <a:latin typeface="Arial" panose="020B0604020202020204" pitchFamily="34" charset="0"/>
+                <a:cs typeface="Arial" panose="020B0604020202020204" pitchFamily="34" charset="0"/>
               </a:rPr>
               <a:t>Nhóm 2:</a:t>
             </a:r>
@@ -6108,6 +6161,8 @@
                 <a:solidFill>
                   <a:schemeClr val="bg1"/>
                 </a:solidFill>
+                <a:latin typeface="Arial" panose="020B0604020202020204" pitchFamily="34" charset="0"/>
+                <a:cs typeface="Arial" panose="020B0604020202020204" pitchFamily="34" charset="0"/>
               </a:rPr>
               <a:t>Nguyễn Duy Đoàn – 20155365</a:t>
             </a:r>
@@ -6118,6 +6173,8 @@
                 <a:solidFill>
                   <a:schemeClr val="bg1"/>
                 </a:solidFill>
+                <a:latin typeface="Arial" panose="020B0604020202020204" pitchFamily="34" charset="0"/>
+                <a:cs typeface="Arial" panose="020B0604020202020204" pitchFamily="34" charset="0"/>
               </a:rPr>
               <a:t>Đinh Quang Đạt – 2017xxxx</a:t>
             </a:r>
@@ -6128,6 +6185,8 @@
                 <a:solidFill>
                   <a:schemeClr val="bg1"/>
                 </a:solidFill>
+                <a:latin typeface="Arial" panose="020B0604020202020204" pitchFamily="34" charset="0"/>
+                <a:cs typeface="Arial" panose="020B0604020202020204" pitchFamily="34" charset="0"/>
               </a:rPr>
               <a:t>Nông Thanh Đạt – 2017xxxx</a:t>
             </a:r>
@@ -6137,6 +6196,8 @@
               <a:solidFill>
                 <a:schemeClr val="bg1"/>
               </a:solidFill>
+              <a:latin typeface="Arial" panose="020B0604020202020204" pitchFamily="34" charset="0"/>
+              <a:cs typeface="Arial" panose="020B0604020202020204" pitchFamily="34" charset="0"/>
             </a:endParaRPr>
           </a:p>
           <a:p>
@@ -6144,15 +6205,39 @@
             <a:r>
               <a:rPr lang="en-US" sz="1400" dirty="0" smtClean="0">
                 <a:solidFill>
-                  <a:schemeClr val="bg1"/>
-                </a:solidFill>
+                  <a:schemeClr val="tx1"/>
+                </a:solidFill>
+                <a:latin typeface="Arial" panose="020B0604020202020204" pitchFamily="34" charset="0"/>
+                <a:cs typeface="Arial" panose="020B0604020202020204" pitchFamily="34" charset="0"/>
               </a:rPr>
-              <a:t>GV. Đỗ Bá Lâm</a:t>
+              <a:t>GV. </a:t>
+            </a:r>
+            <a:r>
+              <a:rPr lang="en-US" sz="1400" dirty="0" smtClean="0">
+                <a:solidFill>
+                  <a:schemeClr val="tx1"/>
+                </a:solidFill>
+                <a:latin typeface="Arial" panose="020B0604020202020204" pitchFamily="34" charset="0"/>
+                <a:cs typeface="Arial" panose="020B0604020202020204" pitchFamily="34" charset="0"/>
+              </a:rPr>
+              <a:t>Ts.Đỗ </a:t>
+            </a:r>
+            <a:r>
+              <a:rPr lang="en-US" sz="1400" dirty="0" smtClean="0">
+                <a:solidFill>
+                  <a:schemeClr val="tx1"/>
+                </a:solidFill>
+                <a:latin typeface="Arial" panose="020B0604020202020204" pitchFamily="34" charset="0"/>
+                <a:cs typeface="Arial" panose="020B0604020202020204" pitchFamily="34" charset="0"/>
+              </a:rPr>
+              <a:t>Bá Lâm</a:t>
             </a:r>
             <a:endParaRPr lang="en-US" sz="1400" dirty="0">
               <a:solidFill>
-                <a:schemeClr val="bg1"/>
+                <a:schemeClr val="tx1"/>
               </a:solidFill>
+              <a:latin typeface="Arial" panose="020B0604020202020204" pitchFamily="34" charset="0"/>
+              <a:cs typeface="Arial" panose="020B0604020202020204" pitchFamily="34" charset="0"/>
             </a:endParaRPr>
           </a:p>
         </p:txBody>
@@ -6257,10 +6342,16 @@
           </a:lstStyle>
           <a:p>
             <a:r>
-              <a:rPr lang="en-US" sz="1800" cap="none" dirty="0" smtClean="0"/>
+              <a:rPr lang="en-US" sz="1800" cap="none" dirty="0" smtClean="0">
+                <a:latin typeface="Arial" panose="020B0604020202020204" pitchFamily="34" charset="0"/>
+                <a:cs typeface="Arial" panose="020B0604020202020204" pitchFamily="34" charset="0"/>
+              </a:rPr>
               <a:t>Website quản lý Công Việc</a:t>
             </a:r>
-            <a:endParaRPr lang="en-US" sz="1800" cap="none" dirty="0"/>
+            <a:endParaRPr lang="en-US" sz="1800" cap="none" dirty="0">
+              <a:latin typeface="Arial" panose="020B0604020202020204" pitchFamily="34" charset="0"/>
+              <a:cs typeface="Arial" panose="020B0604020202020204" pitchFamily="34" charset="0"/>
+            </a:endParaRPr>
           </a:p>
         </p:txBody>
       </p:sp>
@@ -6357,8 +6448,8 @@
         </p:nvSpPr>
         <p:spPr>
           <a:xfrm>
-            <a:off x="4996542" y="204106"/>
-            <a:ext cx="2140266" cy="523220"/>
+            <a:off x="9520606" y="281927"/>
+            <a:ext cx="1984839" cy="523220"/>
           </a:xfrm>
           <a:prstGeom prst="rect">
             <a:avLst/>
@@ -6371,18 +6462,269 @@
           </a:bodyPr>
           <a:lstStyle/>
           <a:p>
-            <a:r>
-              <a:rPr lang="en-US" sz="2800" b="1" dirty="0" smtClean="0"/>
-              <a:t>GIỚI THIỆU</a:t>
-            </a:r>
-            <a:endParaRPr lang="en-US" sz="2800" b="1" dirty="0"/>
+            <a:pPr algn="r"/>
+            <a:r>
+              <a:rPr lang="en-US" sz="2800" b="1" dirty="0" smtClean="0">
+                <a:latin typeface="Arial" panose="020B0604020202020204" pitchFamily="34" charset="0"/>
+                <a:cs typeface="Arial" panose="020B0604020202020204" pitchFamily="34" charset="0"/>
+              </a:rPr>
+              <a:t>NỘI DUNG</a:t>
+            </a:r>
+            <a:endParaRPr lang="en-US" sz="2800" b="1" dirty="0">
+              <a:latin typeface="Arial" panose="020B0604020202020204" pitchFamily="34" charset="0"/>
+              <a:cs typeface="Arial" panose="020B0604020202020204" pitchFamily="34" charset="0"/>
+            </a:endParaRPr>
+          </a:p>
+        </p:txBody>
+      </p:sp>
+      <p:sp>
+        <p:nvSpPr>
+          <p:cNvPr id="2" name="TextBox 1"/>
+          <p:cNvSpPr txBox="1"/>
+          <p:nvPr/>
+        </p:nvSpPr>
+        <p:spPr>
+          <a:xfrm>
+            <a:off x="913040" y="1541690"/>
+            <a:ext cx="2949077" cy="461665"/>
+          </a:xfrm>
+          <a:prstGeom prst="rect">
+            <a:avLst/>
+          </a:prstGeom>
+          <a:noFill/>
+        </p:spPr>
+        <p:txBody>
+          <a:bodyPr wrap="none" rtlCol="0">
+            <a:spAutoFit/>
+          </a:bodyPr>
+          <a:lstStyle/>
+          <a:p>
+            <a:r>
+              <a:rPr lang="en-US" sz="2400" dirty="0" smtClean="0">
+                <a:latin typeface="Arial" panose="020B0604020202020204" pitchFamily="34" charset="0"/>
+                <a:cs typeface="Arial" panose="020B0604020202020204" pitchFamily="34" charset="0"/>
+              </a:rPr>
+              <a:t>1. Giới Thiệu Chung</a:t>
+            </a:r>
+            <a:endParaRPr lang="en-US" sz="2400" dirty="0">
+              <a:latin typeface="Arial" panose="020B0604020202020204" pitchFamily="34" charset="0"/>
+              <a:cs typeface="Arial" panose="020B0604020202020204" pitchFamily="34" charset="0"/>
+            </a:endParaRPr>
+          </a:p>
+        </p:txBody>
+      </p:sp>
+      <p:sp>
+        <p:nvSpPr>
+          <p:cNvPr id="6" name="TextBox 5"/>
+          <p:cNvSpPr txBox="1"/>
+          <p:nvPr/>
+        </p:nvSpPr>
+        <p:spPr>
+          <a:xfrm>
+            <a:off x="913040" y="2208440"/>
+            <a:ext cx="3405099" cy="461665"/>
+          </a:xfrm>
+          <a:prstGeom prst="rect">
+            <a:avLst/>
+          </a:prstGeom>
+          <a:noFill/>
+        </p:spPr>
+        <p:txBody>
+          <a:bodyPr wrap="none" rtlCol="0">
+            <a:spAutoFit/>
+          </a:bodyPr>
+          <a:lstStyle/>
+          <a:p>
+            <a:r>
+              <a:rPr lang="en-US" sz="2400" dirty="0" smtClean="0">
+                <a:latin typeface="Arial" panose="020B0604020202020204" pitchFamily="34" charset="0"/>
+                <a:cs typeface="Arial" panose="020B0604020202020204" pitchFamily="34" charset="0"/>
+              </a:rPr>
+              <a:t>2. </a:t>
+            </a:r>
+            <a:r>
+              <a:rPr lang="en-US" sz="2400" dirty="0">
+                <a:latin typeface="Arial" panose="020B0604020202020204" pitchFamily="34" charset="0"/>
+                <a:cs typeface="Arial" panose="020B0604020202020204" pitchFamily="34" charset="0"/>
+              </a:rPr>
+              <a:t>Công Nghệ Sử </a:t>
+            </a:r>
+            <a:r>
+              <a:rPr lang="en-US" sz="2400" dirty="0" smtClean="0">
+                <a:latin typeface="Arial" panose="020B0604020202020204" pitchFamily="34" charset="0"/>
+                <a:cs typeface="Arial" panose="020B0604020202020204" pitchFamily="34" charset="0"/>
+              </a:rPr>
+              <a:t>Dụng</a:t>
+            </a:r>
+            <a:endParaRPr lang="en-US" sz="2400" dirty="0">
+              <a:latin typeface="Arial" panose="020B0604020202020204" pitchFamily="34" charset="0"/>
+              <a:cs typeface="Arial" panose="020B0604020202020204" pitchFamily="34" charset="0"/>
+            </a:endParaRPr>
+          </a:p>
+        </p:txBody>
+      </p:sp>
+      <p:sp>
+        <p:nvSpPr>
+          <p:cNvPr id="7" name="TextBox 6"/>
+          <p:cNvSpPr txBox="1"/>
+          <p:nvPr/>
+        </p:nvSpPr>
+        <p:spPr>
+          <a:xfrm>
+            <a:off x="913040" y="2875190"/>
+            <a:ext cx="3688702" cy="461665"/>
+          </a:xfrm>
+          <a:prstGeom prst="rect">
+            <a:avLst/>
+          </a:prstGeom>
+          <a:noFill/>
+        </p:spPr>
+        <p:txBody>
+          <a:bodyPr wrap="none" rtlCol="0">
+            <a:spAutoFit/>
+          </a:bodyPr>
+          <a:lstStyle/>
+          <a:p>
+            <a:r>
+              <a:rPr lang="en-US" sz="2400" dirty="0" smtClean="0">
+                <a:latin typeface="Arial" panose="020B0604020202020204" pitchFamily="34" charset="0"/>
+                <a:cs typeface="Arial" panose="020B0604020202020204" pitchFamily="34" charset="0"/>
+              </a:rPr>
+              <a:t>3. </a:t>
+            </a:r>
+            <a:r>
+              <a:rPr lang="en-US" sz="2400" dirty="0">
+                <a:latin typeface="Arial" panose="020B0604020202020204" pitchFamily="34" charset="0"/>
+                <a:cs typeface="Arial" panose="020B0604020202020204" pitchFamily="34" charset="0"/>
+              </a:rPr>
+              <a:t>Chức Năng Trang </a:t>
+            </a:r>
+            <a:r>
+              <a:rPr lang="en-US" sz="2400" dirty="0" smtClean="0">
+                <a:latin typeface="Arial" panose="020B0604020202020204" pitchFamily="34" charset="0"/>
+                <a:cs typeface="Arial" panose="020B0604020202020204" pitchFamily="34" charset="0"/>
+              </a:rPr>
+              <a:t>Web</a:t>
+            </a:r>
+            <a:endParaRPr lang="en-US" sz="2400" dirty="0">
+              <a:latin typeface="Arial" panose="020B0604020202020204" pitchFamily="34" charset="0"/>
+              <a:cs typeface="Arial" panose="020B0604020202020204" pitchFamily="34" charset="0"/>
+            </a:endParaRPr>
+          </a:p>
+        </p:txBody>
+      </p:sp>
+      <p:sp>
+        <p:nvSpPr>
+          <p:cNvPr id="9" name="TextBox 8"/>
+          <p:cNvSpPr txBox="1"/>
+          <p:nvPr/>
+        </p:nvSpPr>
+        <p:spPr>
+          <a:xfrm>
+            <a:off x="913040" y="4208690"/>
+            <a:ext cx="1278555" cy="461665"/>
+          </a:xfrm>
+          <a:prstGeom prst="rect">
+            <a:avLst/>
+          </a:prstGeom>
+          <a:noFill/>
+        </p:spPr>
+        <p:txBody>
+          <a:bodyPr wrap="none" rtlCol="0">
+            <a:spAutoFit/>
+          </a:bodyPr>
+          <a:lstStyle/>
+          <a:p>
+            <a:r>
+              <a:rPr lang="en-US" sz="2400" dirty="0" smtClean="0">
+                <a:latin typeface="Arial" panose="020B0604020202020204" pitchFamily="34" charset="0"/>
+                <a:cs typeface="Arial" panose="020B0604020202020204" pitchFamily="34" charset="0"/>
+              </a:rPr>
+              <a:t>5. AJAX</a:t>
+            </a:r>
+            <a:endParaRPr lang="en-US" sz="2400" dirty="0">
+              <a:latin typeface="Arial" panose="020B0604020202020204" pitchFamily="34" charset="0"/>
+              <a:cs typeface="Arial" panose="020B0604020202020204" pitchFamily="34" charset="0"/>
+            </a:endParaRPr>
+          </a:p>
+        </p:txBody>
+      </p:sp>
+      <p:sp>
+        <p:nvSpPr>
+          <p:cNvPr id="10" name="TextBox 9"/>
+          <p:cNvSpPr txBox="1"/>
+          <p:nvPr/>
+        </p:nvSpPr>
+        <p:spPr>
+          <a:xfrm>
+            <a:off x="913040" y="3541940"/>
+            <a:ext cx="2573974" cy="461665"/>
+          </a:xfrm>
+          <a:prstGeom prst="rect">
+            <a:avLst/>
+          </a:prstGeom>
+          <a:noFill/>
+        </p:spPr>
+        <p:txBody>
+          <a:bodyPr wrap="none" rtlCol="0">
+            <a:spAutoFit/>
+          </a:bodyPr>
+          <a:lstStyle/>
+          <a:p>
+            <a:r>
+              <a:rPr lang="en-US" sz="2400" dirty="0" smtClean="0">
+                <a:latin typeface="Arial" panose="020B0604020202020204" pitchFamily="34" charset="0"/>
+                <a:cs typeface="Arial" panose="020B0604020202020204" pitchFamily="34" charset="0"/>
+              </a:rPr>
+              <a:t>4. Thiết Kế CSDL</a:t>
+            </a:r>
+            <a:endParaRPr lang="en-US" sz="2400" dirty="0">
+              <a:latin typeface="Arial" panose="020B0604020202020204" pitchFamily="34" charset="0"/>
+              <a:cs typeface="Arial" panose="020B0604020202020204" pitchFamily="34" charset="0"/>
+            </a:endParaRPr>
+          </a:p>
+        </p:txBody>
+      </p:sp>
+      <p:sp>
+        <p:nvSpPr>
+          <p:cNvPr id="11" name="TextBox 10"/>
+          <p:cNvSpPr txBox="1"/>
+          <p:nvPr/>
+        </p:nvSpPr>
+        <p:spPr>
+          <a:xfrm>
+            <a:off x="913039" y="4875440"/>
+            <a:ext cx="8130046" cy="461665"/>
+          </a:xfrm>
+          <a:prstGeom prst="rect">
+            <a:avLst/>
+          </a:prstGeom>
+          <a:noFill/>
+        </p:spPr>
+        <p:txBody>
+          <a:bodyPr wrap="none" rtlCol="0">
+            <a:spAutoFit/>
+          </a:bodyPr>
+          <a:lstStyle/>
+          <a:p>
+            <a:r>
+              <a:rPr lang="en-US" sz="2400" dirty="0" smtClean="0">
+                <a:latin typeface="Arial" panose="020B0604020202020204" pitchFamily="34" charset="0"/>
+                <a:cs typeface="Arial" panose="020B0604020202020204" pitchFamily="34" charset="0"/>
+              </a:rPr>
+              <a:t>6. Thông Báo + Bình Luận Thời Gian Thực (Server Node) </a:t>
+            </a:r>
+            <a:endParaRPr lang="en-US" sz="2400" dirty="0">
+              <a:latin typeface="Arial" panose="020B0604020202020204" pitchFamily="34" charset="0"/>
+              <a:cs typeface="Arial" panose="020B0604020202020204" pitchFamily="34" charset="0"/>
+            </a:endParaRPr>
           </a:p>
         </p:txBody>
       </p:sp>
     </p:spTree>
     <p:extLst>
       <p:ext uri="{BB962C8B-B14F-4D97-AF65-F5344CB8AC3E}">
-        <p14:creationId xmlns:p14="http://schemas.microsoft.com/office/powerpoint/2010/main" val="1116620823"/>
+        <p14:creationId xmlns:p14="http://schemas.microsoft.com/office/powerpoint/2010/main" val="540468137"/>
       </p:ext>
     </p:extLst>
   </p:cSld>
@@ -6418,44 +6760,6 @@
       </p:grpSpPr>
       <p:sp>
         <p:nvSpPr>
-          <p:cNvPr id="2" name="Title 1"/>
-          <p:cNvSpPr>
-            <a:spLocks noGrp="1"/>
-          </p:cNvSpPr>
-          <p:nvPr>
-            <p:ph type="title"/>
-          </p:nvPr>
-        </p:nvSpPr>
-        <p:spPr/>
-        <p:txBody>
-          <a:bodyPr/>
-          <a:lstStyle/>
-          <a:p>
-            <a:endParaRPr lang="en-US"/>
-          </a:p>
-        </p:txBody>
-      </p:sp>
-      <p:sp>
-        <p:nvSpPr>
-          <p:cNvPr id="3" name="Content Placeholder 2"/>
-          <p:cNvSpPr>
-            <a:spLocks noGrp="1"/>
-          </p:cNvSpPr>
-          <p:nvPr>
-            <p:ph idx="1"/>
-          </p:nvPr>
-        </p:nvSpPr>
-        <p:spPr/>
-        <p:txBody>
-          <a:bodyPr/>
-          <a:lstStyle/>
-          <a:p>
-            <a:endParaRPr lang="en-US"/>
-          </a:p>
-        </p:txBody>
-      </p:sp>
-      <p:sp>
-        <p:nvSpPr>
           <p:cNvPr id="4" name="Slide Number Placeholder 3"/>
           <p:cNvSpPr>
             <a:spLocks noGrp="1"/>
@@ -6478,10 +6782,304 @@
           </a:p>
         </p:txBody>
       </p:sp>
+      <p:sp>
+        <p:nvSpPr>
+          <p:cNvPr id="5" name="TextBox 4"/>
+          <p:cNvSpPr txBox="1"/>
+          <p:nvPr/>
+        </p:nvSpPr>
+        <p:spPr>
+          <a:xfrm>
+            <a:off x="7943251" y="160338"/>
+            <a:ext cx="3562194" cy="523220"/>
+          </a:xfrm>
+          <a:prstGeom prst="rect">
+            <a:avLst/>
+          </a:prstGeom>
+          <a:noFill/>
+        </p:spPr>
+        <p:txBody>
+          <a:bodyPr wrap="none" rtlCol="0">
+            <a:spAutoFit/>
+          </a:bodyPr>
+          <a:lstStyle/>
+          <a:p>
+            <a:pPr algn="r"/>
+            <a:r>
+              <a:rPr lang="en-US" sz="2800" b="1" dirty="0" smtClean="0">
+                <a:latin typeface="Arial" panose="020B0604020202020204" pitchFamily="34" charset="0"/>
+                <a:cs typeface="Arial" panose="020B0604020202020204" pitchFamily="34" charset="0"/>
+              </a:rPr>
+              <a:t>GIỚI THIỆU CHUNG</a:t>
+            </a:r>
+            <a:endParaRPr lang="en-US" sz="2800" b="1" dirty="0">
+              <a:latin typeface="Arial" panose="020B0604020202020204" pitchFamily="34" charset="0"/>
+              <a:cs typeface="Arial" panose="020B0604020202020204" pitchFamily="34" charset="0"/>
+            </a:endParaRPr>
+          </a:p>
+        </p:txBody>
+      </p:sp>
+      <p:sp>
+        <p:nvSpPr>
+          <p:cNvPr id="3" name="AutoShape 2" descr="Download Free png Work Schedule, Vector Material, Schedules, Work ..."/>
+          <p:cNvSpPr>
+            <a:spLocks noChangeAspect="1" noChangeArrowheads="1"/>
+          </p:cNvSpPr>
+          <p:nvPr/>
+        </p:nvSpPr>
+        <p:spPr bwMode="auto">
+          <a:xfrm>
+            <a:off x="155575" y="-144463"/>
+            <a:ext cx="304800" cy="304801"/>
+          </a:xfrm>
+          <a:prstGeom prst="rect">
+            <a:avLst/>
+          </a:prstGeom>
+          <a:noFill/>
+          <a:extLst>
+            <a:ext uri="{909E8E84-426E-40DD-AFC4-6F175D3DCCD1}">
+              <a14:hiddenFill xmlns:a14="http://schemas.microsoft.com/office/drawing/2010/main">
+                <a:solidFill>
+                  <a:srgbClr val="FFFFFF"/>
+                </a:solidFill>
+              </a14:hiddenFill>
+            </a:ext>
+          </a:extLst>
+        </p:spPr>
+        <p:txBody>
+          <a:bodyPr vert="horz" wrap="square" lIns="91440" tIns="45720" rIns="91440" bIns="45720" numCol="1" anchor="t" anchorCtr="0" compatLnSpc="1">
+            <a:prstTxWarp prst="textNoShape">
+              <a:avLst/>
+            </a:prstTxWarp>
+          </a:bodyPr>
+          <a:lstStyle/>
+          <a:p>
+            <a:endParaRPr lang="en-US"/>
+          </a:p>
+        </p:txBody>
+      </p:sp>
+      <p:pic>
+        <p:nvPicPr>
+          <p:cNvPr id="9" name="Picture 8"/>
+          <p:cNvPicPr>
+            <a:picLocks noChangeAspect="1"/>
+          </p:cNvPicPr>
+          <p:nvPr/>
+        </p:nvPicPr>
+        <p:blipFill>
+          <a:blip r:embed="rId2"/>
+          <a:stretch>
+            <a:fillRect/>
+          </a:stretch>
+        </p:blipFill>
+        <p:spPr>
+          <a:xfrm>
+            <a:off x="754030" y="1324485"/>
+            <a:ext cx="2518475" cy="1828800"/>
+          </a:xfrm>
+          <a:prstGeom prst="rect">
+            <a:avLst/>
+          </a:prstGeom>
+        </p:spPr>
+      </p:pic>
+      <p:sp>
+        <p:nvSpPr>
+          <p:cNvPr id="10" name="TextBox 9"/>
+          <p:cNvSpPr txBox="1"/>
+          <p:nvPr/>
+        </p:nvSpPr>
+        <p:spPr>
+          <a:xfrm>
+            <a:off x="3592952" y="1324485"/>
+            <a:ext cx="2693558" cy="1292662"/>
+          </a:xfrm>
+          <a:prstGeom prst="rect">
+            <a:avLst/>
+          </a:prstGeom>
+          <a:noFill/>
+        </p:spPr>
+        <p:txBody>
+          <a:bodyPr wrap="none" rtlCol="0">
+            <a:spAutoFit/>
+          </a:bodyPr>
+          <a:lstStyle/>
+          <a:p>
+            <a:r>
+              <a:rPr lang="en-US" sz="2400" dirty="0" smtClean="0">
+                <a:latin typeface="Arial" panose="020B0604020202020204" pitchFamily="34" charset="0"/>
+                <a:cs typeface="Arial" panose="020B0604020202020204" pitchFamily="34" charset="0"/>
+              </a:rPr>
+              <a:t>Lập Kế Hoạch</a:t>
+            </a:r>
+          </a:p>
+          <a:p>
+            <a:r>
+              <a:rPr lang="en-US" dirty="0">
+                <a:latin typeface="Arial" panose="020B0604020202020204" pitchFamily="34" charset="0"/>
+                <a:cs typeface="Arial" panose="020B0604020202020204" pitchFamily="34" charset="0"/>
+              </a:rPr>
+              <a:t> </a:t>
+            </a:r>
+            <a:r>
+              <a:rPr lang="en-US" dirty="0" smtClean="0">
+                <a:latin typeface="Arial" panose="020B0604020202020204" pitchFamily="34" charset="0"/>
+                <a:cs typeface="Arial" panose="020B0604020202020204" pitchFamily="34" charset="0"/>
+              </a:rPr>
+              <a:t> + Nội dung</a:t>
+            </a:r>
+          </a:p>
+          <a:p>
+            <a:r>
+              <a:rPr lang="en-US" dirty="0">
+                <a:latin typeface="Arial" panose="020B0604020202020204" pitchFamily="34" charset="0"/>
+                <a:cs typeface="Arial" panose="020B0604020202020204" pitchFamily="34" charset="0"/>
+              </a:rPr>
+              <a:t> </a:t>
+            </a:r>
+            <a:r>
+              <a:rPr lang="en-US" dirty="0" smtClean="0">
+                <a:latin typeface="Arial" panose="020B0604020202020204" pitchFamily="34" charset="0"/>
+                <a:cs typeface="Arial" panose="020B0604020202020204" pitchFamily="34" charset="0"/>
+              </a:rPr>
+              <a:t> + Thời gian hoàn thành</a:t>
+            </a:r>
+          </a:p>
+          <a:p>
+            <a:r>
+              <a:rPr lang="en-US" dirty="0">
+                <a:latin typeface="Arial" panose="020B0604020202020204" pitchFamily="34" charset="0"/>
+                <a:cs typeface="Arial" panose="020B0604020202020204" pitchFamily="34" charset="0"/>
+              </a:rPr>
+              <a:t> </a:t>
+            </a:r>
+            <a:r>
+              <a:rPr lang="en-US" dirty="0" smtClean="0">
+                <a:latin typeface="Arial" panose="020B0604020202020204" pitchFamily="34" charset="0"/>
+                <a:cs typeface="Arial" panose="020B0604020202020204" pitchFamily="34" charset="0"/>
+              </a:rPr>
+              <a:t> + Nhắc nhở tiến độ</a:t>
+            </a:r>
+          </a:p>
+        </p:txBody>
+      </p:sp>
+      <p:pic>
+        <p:nvPicPr>
+          <p:cNvPr id="1030" name="Picture 6" descr="Focus Group Png 7 » PNG Image #160064 - PNG Images - PNGio"/>
+          <p:cNvPicPr>
+            <a:picLocks noChangeAspect="1" noChangeArrowheads="1"/>
+          </p:cNvPicPr>
+          <p:nvPr/>
+        </p:nvPicPr>
+        <p:blipFill>
+          <a:blip r:embed="rId3">
+            <a:extLst>
+              <a:ext uri="{28A0092B-C50C-407E-A947-70E740481C1C}">
+                <a14:useLocalDpi xmlns:a14="http://schemas.microsoft.com/office/drawing/2010/main" val="0"/>
+              </a:ext>
+            </a:extLst>
+          </a:blip>
+          <a:srcRect/>
+          <a:stretch>
+            <a:fillRect/>
+          </a:stretch>
+        </p:blipFill>
+        <p:spPr bwMode="auto">
+          <a:xfrm>
+            <a:off x="754030" y="4084637"/>
+            <a:ext cx="2518475" cy="1828800"/>
+          </a:xfrm>
+          <a:prstGeom prst="rect">
+            <a:avLst/>
+          </a:prstGeom>
+          <a:noFill/>
+          <a:extLst>
+            <a:ext uri="{909E8E84-426E-40DD-AFC4-6F175D3DCCD1}">
+              <a14:hiddenFill xmlns:a14="http://schemas.microsoft.com/office/drawing/2010/main">
+                <a:solidFill>
+                  <a:srgbClr val="FFFFFF"/>
+                </a:solidFill>
+              </a14:hiddenFill>
+            </a:ext>
+          </a:extLst>
+        </p:spPr>
+      </p:pic>
+      <p:sp>
+        <p:nvSpPr>
+          <p:cNvPr id="13" name="TextBox 12"/>
+          <p:cNvSpPr txBox="1"/>
+          <p:nvPr/>
+        </p:nvSpPr>
+        <p:spPr>
+          <a:xfrm>
+            <a:off x="3592952" y="4084637"/>
+            <a:ext cx="2576346" cy="1292662"/>
+          </a:xfrm>
+          <a:prstGeom prst="rect">
+            <a:avLst/>
+          </a:prstGeom>
+          <a:noFill/>
+        </p:spPr>
+        <p:txBody>
+          <a:bodyPr wrap="none" rtlCol="0">
+            <a:spAutoFit/>
+          </a:bodyPr>
+          <a:lstStyle/>
+          <a:p>
+            <a:r>
+              <a:rPr lang="en-US" sz="2400" dirty="0" smtClean="0">
+                <a:latin typeface="Arial" panose="020B0604020202020204" pitchFamily="34" charset="0"/>
+                <a:cs typeface="Arial" panose="020B0604020202020204" pitchFamily="34" charset="0"/>
+              </a:rPr>
+              <a:t>Làm Việc Nhóm:</a:t>
+            </a:r>
+          </a:p>
+          <a:p>
+            <a:r>
+              <a:rPr lang="en-US" dirty="0" smtClean="0">
+                <a:latin typeface="Arial" panose="020B0604020202020204" pitchFamily="34" charset="0"/>
+                <a:cs typeface="Arial" panose="020B0604020202020204" pitchFamily="34" charset="0"/>
+              </a:rPr>
+              <a:t>  + Phân chia công việc</a:t>
+            </a:r>
+          </a:p>
+          <a:p>
+            <a:r>
+              <a:rPr lang="en-US" dirty="0">
+                <a:latin typeface="Arial" panose="020B0604020202020204" pitchFamily="34" charset="0"/>
+                <a:cs typeface="Arial" panose="020B0604020202020204" pitchFamily="34" charset="0"/>
+              </a:rPr>
+              <a:t> </a:t>
+            </a:r>
+            <a:r>
+              <a:rPr lang="en-US" dirty="0" smtClean="0">
+                <a:latin typeface="Arial" panose="020B0604020202020204" pitchFamily="34" charset="0"/>
+                <a:cs typeface="Arial" panose="020B0604020202020204" pitchFamily="34" charset="0"/>
+              </a:rPr>
+              <a:t> + Trao đổi, thảo luận</a:t>
+            </a:r>
+          </a:p>
+          <a:p>
+            <a:r>
+              <a:rPr lang="en-US" dirty="0">
+                <a:latin typeface="Arial" panose="020B0604020202020204" pitchFamily="34" charset="0"/>
+                <a:cs typeface="Arial" panose="020B0604020202020204" pitchFamily="34" charset="0"/>
+              </a:rPr>
+              <a:t> </a:t>
+            </a:r>
+            <a:r>
+              <a:rPr lang="en-US" dirty="0" smtClean="0">
+                <a:latin typeface="Arial" panose="020B0604020202020204" pitchFamily="34" charset="0"/>
+                <a:cs typeface="Arial" panose="020B0604020202020204" pitchFamily="34" charset="0"/>
+              </a:rPr>
+              <a:t> + Đánh giá kết quả </a:t>
+            </a:r>
+          </a:p>
+        </p:txBody>
+      </p:sp>
     </p:spTree>
     <p:extLst>
       <p:ext uri="{BB962C8B-B14F-4D97-AF65-F5344CB8AC3E}">
-        <p14:creationId xmlns:p14="http://schemas.microsoft.com/office/powerpoint/2010/main" val="1158556368"/>
+        <p14:creationId xmlns:p14="http://schemas.microsoft.com/office/powerpoint/2010/main" val="3670033158"/>
       </p:ext>
     </p:extLst>
   </p:cSld>
@@ -6517,44 +7115,6 @@
       </p:grpSpPr>
       <p:sp>
         <p:nvSpPr>
-          <p:cNvPr id="2" name="Title 1"/>
-          <p:cNvSpPr>
-            <a:spLocks noGrp="1"/>
-          </p:cNvSpPr>
-          <p:nvPr>
-            <p:ph type="title"/>
-          </p:nvPr>
-        </p:nvSpPr>
-        <p:spPr/>
-        <p:txBody>
-          <a:bodyPr/>
-          <a:lstStyle/>
-          <a:p>
-            <a:endParaRPr lang="en-US"/>
-          </a:p>
-        </p:txBody>
-      </p:sp>
-      <p:sp>
-        <p:nvSpPr>
-          <p:cNvPr id="3" name="Content Placeholder 2"/>
-          <p:cNvSpPr>
-            <a:spLocks noGrp="1"/>
-          </p:cNvSpPr>
-          <p:nvPr>
-            <p:ph idx="1"/>
-          </p:nvPr>
-        </p:nvSpPr>
-        <p:spPr/>
-        <p:txBody>
-          <a:bodyPr/>
-          <a:lstStyle/>
-          <a:p>
-            <a:endParaRPr lang="en-US"/>
-          </a:p>
-        </p:txBody>
-      </p:sp>
-      <p:sp>
-        <p:nvSpPr>
           <p:cNvPr id="4" name="Slide Number Placeholder 3"/>
           <p:cNvSpPr>
             <a:spLocks noGrp="1"/>
@@ -6577,10 +7137,430 @@
           </a:p>
         </p:txBody>
       </p:sp>
+      <p:sp>
+        <p:nvSpPr>
+          <p:cNvPr id="5" name="TextBox 4"/>
+          <p:cNvSpPr txBox="1"/>
+          <p:nvPr/>
+        </p:nvSpPr>
+        <p:spPr>
+          <a:xfrm>
+            <a:off x="7313271" y="160338"/>
+            <a:ext cx="4192174" cy="523220"/>
+          </a:xfrm>
+          <a:prstGeom prst="rect">
+            <a:avLst/>
+          </a:prstGeom>
+          <a:noFill/>
+        </p:spPr>
+        <p:txBody>
+          <a:bodyPr wrap="none" rtlCol="0">
+            <a:spAutoFit/>
+          </a:bodyPr>
+          <a:lstStyle/>
+          <a:p>
+            <a:pPr algn="r"/>
+            <a:r>
+              <a:rPr lang="en-US" sz="2800" b="1" dirty="0" smtClean="0">
+                <a:latin typeface="Arial" panose="020B0604020202020204" pitchFamily="34" charset="0"/>
+                <a:cs typeface="Arial" panose="020B0604020202020204" pitchFamily="34" charset="0"/>
+              </a:rPr>
+              <a:t>CÔNG NGHỆ SỬ DỤNG</a:t>
+            </a:r>
+            <a:endParaRPr lang="en-US" sz="2800" b="1" dirty="0">
+              <a:latin typeface="Arial" panose="020B0604020202020204" pitchFamily="34" charset="0"/>
+              <a:cs typeface="Arial" panose="020B0604020202020204" pitchFamily="34" charset="0"/>
+            </a:endParaRPr>
+          </a:p>
+        </p:txBody>
+      </p:sp>
+      <p:sp>
+        <p:nvSpPr>
+          <p:cNvPr id="3" name="AutoShape 2" descr="Download Free png Work Schedule, Vector Material, Schedules, Work ..."/>
+          <p:cNvSpPr>
+            <a:spLocks noChangeAspect="1" noChangeArrowheads="1"/>
+          </p:cNvSpPr>
+          <p:nvPr/>
+        </p:nvSpPr>
+        <p:spPr bwMode="auto">
+          <a:xfrm>
+            <a:off x="155575" y="-144463"/>
+            <a:ext cx="304800" cy="304801"/>
+          </a:xfrm>
+          <a:prstGeom prst="rect">
+            <a:avLst/>
+          </a:prstGeom>
+          <a:noFill/>
+          <a:extLst>
+            <a:ext uri="{909E8E84-426E-40DD-AFC4-6F175D3DCCD1}">
+              <a14:hiddenFill xmlns:a14="http://schemas.microsoft.com/office/drawing/2010/main">
+                <a:solidFill>
+                  <a:srgbClr val="FFFFFF"/>
+                </a:solidFill>
+              </a14:hiddenFill>
+            </a:ext>
+          </a:extLst>
+        </p:spPr>
+        <p:txBody>
+          <a:bodyPr vert="horz" wrap="square" lIns="91440" tIns="45720" rIns="91440" bIns="45720" numCol="1" anchor="t" anchorCtr="0" compatLnSpc="1">
+            <a:prstTxWarp prst="textNoShape">
+              <a:avLst/>
+            </a:prstTxWarp>
+          </a:bodyPr>
+          <a:lstStyle/>
+          <a:p>
+            <a:endParaRPr lang="en-US"/>
+          </a:p>
+        </p:txBody>
+      </p:sp>
+      <p:pic>
+        <p:nvPicPr>
+          <p:cNvPr id="2" name="Picture 1"/>
+          <p:cNvPicPr>
+            <a:picLocks noChangeAspect="1"/>
+          </p:cNvPicPr>
+          <p:nvPr/>
+        </p:nvPicPr>
+        <p:blipFill>
+          <a:blip r:embed="rId2">
+            <a:extLst>
+              <a:ext uri="{28A0092B-C50C-407E-A947-70E740481C1C}">
+                <a14:useLocalDpi xmlns:a14="http://schemas.microsoft.com/office/drawing/2010/main" val="0"/>
+              </a:ext>
+            </a:extLst>
+          </a:blip>
+          <a:stretch>
+            <a:fillRect/>
+          </a:stretch>
+        </p:blipFill>
+        <p:spPr>
+          <a:xfrm>
+            <a:off x="6738831" y="1051559"/>
+            <a:ext cx="2138417" cy="1308110"/>
+          </a:xfrm>
+          <a:prstGeom prst="rect">
+            <a:avLst/>
+          </a:prstGeom>
+        </p:spPr>
+      </p:pic>
+      <p:sp>
+        <p:nvSpPr>
+          <p:cNvPr id="11" name="TextBox 10"/>
+          <p:cNvSpPr txBox="1"/>
+          <p:nvPr/>
+        </p:nvSpPr>
+        <p:spPr>
+          <a:xfrm>
+            <a:off x="8877248" y="2450015"/>
+            <a:ext cx="1902953" cy="523220"/>
+          </a:xfrm>
+          <a:prstGeom prst="rect">
+            <a:avLst/>
+          </a:prstGeom>
+          <a:noFill/>
+        </p:spPr>
+        <p:txBody>
+          <a:bodyPr wrap="square" rtlCol="0">
+            <a:spAutoFit/>
+          </a:bodyPr>
+          <a:lstStyle/>
+          <a:p>
+            <a:pPr algn="ctr"/>
+            <a:r>
+              <a:rPr lang="en-US" sz="2800" i="1" dirty="0" smtClean="0">
+                <a:latin typeface="Arial" panose="020B0604020202020204" pitchFamily="34" charset="0"/>
+                <a:cs typeface="Arial" panose="020B0604020202020204" pitchFamily="34" charset="0"/>
+              </a:rPr>
+              <a:t>Express</a:t>
+            </a:r>
+            <a:endParaRPr lang="en-US" sz="2800" i="1" dirty="0">
+              <a:latin typeface="Arial" panose="020B0604020202020204" pitchFamily="34" charset="0"/>
+              <a:cs typeface="Arial" panose="020B0604020202020204" pitchFamily="34" charset="0"/>
+            </a:endParaRPr>
+          </a:p>
+        </p:txBody>
+      </p:sp>
+      <p:pic>
+        <p:nvPicPr>
+          <p:cNvPr id="7" name="Picture 6"/>
+          <p:cNvPicPr>
+            <a:picLocks noChangeAspect="1"/>
+          </p:cNvPicPr>
+          <p:nvPr/>
+        </p:nvPicPr>
+        <p:blipFill>
+          <a:blip r:embed="rId3">
+            <a:extLst>
+              <a:ext uri="{28A0092B-C50C-407E-A947-70E740481C1C}">
+                <a14:useLocalDpi xmlns:a14="http://schemas.microsoft.com/office/drawing/2010/main" val="0"/>
+              </a:ext>
+            </a:extLst>
+          </a:blip>
+          <a:stretch>
+            <a:fillRect/>
+          </a:stretch>
+        </p:blipFill>
+        <p:spPr>
+          <a:xfrm>
+            <a:off x="6519383" y="2774247"/>
+            <a:ext cx="2357865" cy="2357865"/>
+          </a:xfrm>
+          <a:prstGeom prst="rect">
+            <a:avLst/>
+          </a:prstGeom>
+        </p:spPr>
+      </p:pic>
+      <p:pic>
+        <p:nvPicPr>
+          <p:cNvPr id="8" name="Picture 7"/>
+          <p:cNvPicPr>
+            <a:picLocks noChangeAspect="1"/>
+          </p:cNvPicPr>
+          <p:nvPr/>
+        </p:nvPicPr>
+        <p:blipFill>
+          <a:blip r:embed="rId4">
+            <a:extLst>
+              <a:ext uri="{28A0092B-C50C-407E-A947-70E740481C1C}">
+                <a14:useLocalDpi xmlns:a14="http://schemas.microsoft.com/office/drawing/2010/main" val="0"/>
+              </a:ext>
+            </a:extLst>
+          </a:blip>
+          <a:stretch>
+            <a:fillRect/>
+          </a:stretch>
+        </p:blipFill>
+        <p:spPr>
+          <a:xfrm>
+            <a:off x="8990027" y="4333871"/>
+            <a:ext cx="1677394" cy="811642"/>
+          </a:xfrm>
+          <a:prstGeom prst="rect">
+            <a:avLst/>
+          </a:prstGeom>
+        </p:spPr>
+      </p:pic>
+      <p:pic>
+        <p:nvPicPr>
+          <p:cNvPr id="14" name="Picture 13"/>
+          <p:cNvPicPr>
+            <a:picLocks noChangeAspect="1"/>
+          </p:cNvPicPr>
+          <p:nvPr/>
+        </p:nvPicPr>
+        <p:blipFill>
+          <a:blip r:embed="rId5">
+            <a:extLst>
+              <a:ext uri="{28A0092B-C50C-407E-A947-70E740481C1C}">
+                <a14:useLocalDpi xmlns:a14="http://schemas.microsoft.com/office/drawing/2010/main" val="0"/>
+              </a:ext>
+            </a:extLst>
+          </a:blip>
+          <a:stretch>
+            <a:fillRect/>
+          </a:stretch>
+        </p:blipFill>
+        <p:spPr>
+          <a:xfrm>
+            <a:off x="7275119" y="5381456"/>
+            <a:ext cx="1074199" cy="1074199"/>
+          </a:xfrm>
+          <a:prstGeom prst="rect">
+            <a:avLst/>
+          </a:prstGeom>
+        </p:spPr>
+      </p:pic>
+      <p:sp>
+        <p:nvSpPr>
+          <p:cNvPr id="16" name="TextBox 15"/>
+          <p:cNvSpPr txBox="1"/>
+          <p:nvPr/>
+        </p:nvSpPr>
+        <p:spPr>
+          <a:xfrm>
+            <a:off x="8191448" y="5986790"/>
+            <a:ext cx="1902953" cy="523220"/>
+          </a:xfrm>
+          <a:prstGeom prst="rect">
+            <a:avLst/>
+          </a:prstGeom>
+          <a:noFill/>
+        </p:spPr>
+        <p:txBody>
+          <a:bodyPr wrap="square" rtlCol="0">
+            <a:spAutoFit/>
+          </a:bodyPr>
+          <a:lstStyle/>
+          <a:p>
+            <a:pPr algn="ctr"/>
+            <a:r>
+              <a:rPr lang="en-US" sz="2800" i="1" dirty="0" smtClean="0">
+                <a:latin typeface="Arial" panose="020B0604020202020204" pitchFamily="34" charset="0"/>
+                <a:cs typeface="Arial" panose="020B0604020202020204" pitchFamily="34" charset="0"/>
+              </a:rPr>
+              <a:t>Socket.io</a:t>
+            </a:r>
+            <a:endParaRPr lang="en-US" sz="2800" i="1" dirty="0">
+              <a:latin typeface="Arial" panose="020B0604020202020204" pitchFamily="34" charset="0"/>
+              <a:cs typeface="Arial" panose="020B0604020202020204" pitchFamily="34" charset="0"/>
+            </a:endParaRPr>
+          </a:p>
+        </p:txBody>
+      </p:sp>
+      <p:pic>
+        <p:nvPicPr>
+          <p:cNvPr id="19" name="Picture 18"/>
+          <p:cNvPicPr>
+            <a:picLocks noChangeAspect="1"/>
+          </p:cNvPicPr>
+          <p:nvPr/>
+        </p:nvPicPr>
+        <p:blipFill>
+          <a:blip r:embed="rId6">
+            <a:extLst>
+              <a:ext uri="{28A0092B-C50C-407E-A947-70E740481C1C}">
+                <a14:useLocalDpi xmlns:a14="http://schemas.microsoft.com/office/drawing/2010/main" val="0"/>
+              </a:ext>
+            </a:extLst>
+          </a:blip>
+          <a:stretch>
+            <a:fillRect/>
+          </a:stretch>
+        </p:blipFill>
+        <p:spPr>
+          <a:xfrm>
+            <a:off x="3373344" y="4299125"/>
+            <a:ext cx="1279350" cy="1279350"/>
+          </a:xfrm>
+          <a:prstGeom prst="rect">
+            <a:avLst/>
+          </a:prstGeom>
+        </p:spPr>
+      </p:pic>
+      <p:pic>
+        <p:nvPicPr>
+          <p:cNvPr id="21" name="Picture 20"/>
+          <p:cNvPicPr>
+            <a:picLocks noChangeAspect="1"/>
+          </p:cNvPicPr>
+          <p:nvPr/>
+        </p:nvPicPr>
+        <p:blipFill>
+          <a:blip r:embed="rId7">
+            <a:extLst>
+              <a:ext uri="{28A0092B-C50C-407E-A947-70E740481C1C}">
+                <a14:useLocalDpi xmlns:a14="http://schemas.microsoft.com/office/drawing/2010/main" val="0"/>
+              </a:ext>
+            </a:extLst>
+          </a:blip>
+          <a:stretch>
+            <a:fillRect/>
+          </a:stretch>
+        </p:blipFill>
+        <p:spPr>
+          <a:xfrm>
+            <a:off x="1381178" y="4102169"/>
+            <a:ext cx="1245714" cy="1273891"/>
+          </a:xfrm>
+          <a:prstGeom prst="rect">
+            <a:avLst/>
+          </a:prstGeom>
+        </p:spPr>
+      </p:pic>
+      <p:pic>
+        <p:nvPicPr>
+          <p:cNvPr id="22" name="Picture 21"/>
+          <p:cNvPicPr>
+            <a:picLocks noChangeAspect="1"/>
+          </p:cNvPicPr>
+          <p:nvPr/>
+        </p:nvPicPr>
+        <p:blipFill>
+          <a:blip r:embed="rId8">
+            <a:extLst>
+              <a:ext uri="{28A0092B-C50C-407E-A947-70E740481C1C}">
+                <a14:useLocalDpi xmlns:a14="http://schemas.microsoft.com/office/drawing/2010/main" val="0"/>
+              </a:ext>
+            </a:extLst>
+          </a:blip>
+          <a:stretch>
+            <a:fillRect/>
+          </a:stretch>
+        </p:blipFill>
+        <p:spPr>
+          <a:xfrm>
+            <a:off x="1059544" y="1204849"/>
+            <a:ext cx="2579799" cy="1102864"/>
+          </a:xfrm>
+          <a:prstGeom prst="rect">
+            <a:avLst/>
+          </a:prstGeom>
+        </p:spPr>
+      </p:pic>
+      <p:pic>
+        <p:nvPicPr>
+          <p:cNvPr id="23" name="Picture 22"/>
+          <p:cNvPicPr>
+            <a:picLocks noChangeAspect="1"/>
+          </p:cNvPicPr>
+          <p:nvPr/>
+        </p:nvPicPr>
+        <p:blipFill>
+          <a:blip r:embed="rId9">
+            <a:extLst>
+              <a:ext uri="{28A0092B-C50C-407E-A947-70E740481C1C}">
+                <a14:useLocalDpi xmlns:a14="http://schemas.microsoft.com/office/drawing/2010/main" val="0"/>
+              </a:ext>
+            </a:extLst>
+          </a:blip>
+          <a:stretch>
+            <a:fillRect/>
+          </a:stretch>
+        </p:blipFill>
+        <p:spPr>
+          <a:xfrm>
+            <a:off x="3901904" y="1094293"/>
+            <a:ext cx="1323975" cy="1323975"/>
+          </a:xfrm>
+          <a:prstGeom prst="rect">
+            <a:avLst/>
+          </a:prstGeom>
+        </p:spPr>
+      </p:pic>
+      <p:pic>
+        <p:nvPicPr>
+          <p:cNvPr id="24" name="Picture 23"/>
+          <p:cNvPicPr>
+            <a:picLocks noChangeAspect="1"/>
+          </p:cNvPicPr>
+          <p:nvPr/>
+        </p:nvPicPr>
+        <p:blipFill>
+          <a:blip r:embed="rId10">
+            <a:extLst>
+              <a:ext uri="{28A0092B-C50C-407E-A947-70E740481C1C}">
+                <a14:useLocalDpi xmlns:a14="http://schemas.microsoft.com/office/drawing/2010/main" val="0"/>
+              </a:ext>
+            </a:extLst>
+          </a:blip>
+          <a:stretch>
+            <a:fillRect/>
+          </a:stretch>
+        </p:blipFill>
+        <p:spPr>
+          <a:xfrm>
+            <a:off x="2626892" y="2506310"/>
+            <a:ext cx="1571625" cy="1571625"/>
+          </a:xfrm>
+          <a:prstGeom prst="rect">
+            <a:avLst/>
+          </a:prstGeom>
+        </p:spPr>
+      </p:pic>
     </p:spTree>
     <p:extLst>
       <p:ext uri="{BB962C8B-B14F-4D97-AF65-F5344CB8AC3E}">
-        <p14:creationId xmlns:p14="http://schemas.microsoft.com/office/powerpoint/2010/main" val="3041711709"/>
+        <p14:creationId xmlns:p14="http://schemas.microsoft.com/office/powerpoint/2010/main" val="802297981"/>
       </p:ext>
     </p:extLst>
   </p:cSld>
@@ -6616,44 +7596,6 @@
       </p:grpSpPr>
       <p:sp>
         <p:nvSpPr>
-          <p:cNvPr id="2" name="Title 1"/>
-          <p:cNvSpPr>
-            <a:spLocks noGrp="1"/>
-          </p:cNvSpPr>
-          <p:nvPr>
-            <p:ph type="title"/>
-          </p:nvPr>
-        </p:nvSpPr>
-        <p:spPr/>
-        <p:txBody>
-          <a:bodyPr/>
-          <a:lstStyle/>
-          <a:p>
-            <a:endParaRPr lang="en-US"/>
-          </a:p>
-        </p:txBody>
-      </p:sp>
-      <p:sp>
-        <p:nvSpPr>
-          <p:cNvPr id="3" name="Content Placeholder 2"/>
-          <p:cNvSpPr>
-            <a:spLocks noGrp="1"/>
-          </p:cNvSpPr>
-          <p:nvPr>
-            <p:ph idx="1"/>
-          </p:nvPr>
-        </p:nvSpPr>
-        <p:spPr/>
-        <p:txBody>
-          <a:bodyPr/>
-          <a:lstStyle/>
-          <a:p>
-            <a:endParaRPr lang="en-US"/>
-          </a:p>
-        </p:txBody>
-      </p:sp>
-      <p:sp>
-        <p:nvSpPr>
           <p:cNvPr id="4" name="Slide Number Placeholder 3"/>
           <p:cNvSpPr>
             <a:spLocks noGrp="1"/>
@@ -6676,10 +7618,800 @@
           </a:p>
         </p:txBody>
       </p:sp>
+      <p:sp>
+        <p:nvSpPr>
+          <p:cNvPr id="5" name="TextBox 4"/>
+          <p:cNvSpPr txBox="1"/>
+          <p:nvPr/>
+        </p:nvSpPr>
+        <p:spPr>
+          <a:xfrm>
+            <a:off x="5907951" y="160338"/>
+            <a:ext cx="5597494" cy="523220"/>
+          </a:xfrm>
+          <a:prstGeom prst="rect">
+            <a:avLst/>
+          </a:prstGeom>
+          <a:noFill/>
+        </p:spPr>
+        <p:txBody>
+          <a:bodyPr wrap="none" rtlCol="0">
+            <a:spAutoFit/>
+          </a:bodyPr>
+          <a:lstStyle/>
+          <a:p>
+            <a:pPr algn="r"/>
+            <a:r>
+              <a:rPr lang="en-US" sz="2800" b="1" dirty="0" smtClean="0">
+                <a:latin typeface="Arial" panose="020B0604020202020204" pitchFamily="34" charset="0"/>
+                <a:cs typeface="Arial" panose="020B0604020202020204" pitchFamily="34" charset="0"/>
+              </a:rPr>
+              <a:t>CHỨC NĂNG CỦA TRANG WEB</a:t>
+            </a:r>
+            <a:endParaRPr lang="en-US" sz="2800" b="1" dirty="0">
+              <a:latin typeface="Arial" panose="020B0604020202020204" pitchFamily="34" charset="0"/>
+              <a:cs typeface="Arial" panose="020B0604020202020204" pitchFamily="34" charset="0"/>
+            </a:endParaRPr>
+          </a:p>
+        </p:txBody>
+      </p:sp>
+      <p:sp>
+        <p:nvSpPr>
+          <p:cNvPr id="3" name="AutoShape 2" descr="Download Free png Work Schedule, Vector Material, Schedules, Work ..."/>
+          <p:cNvSpPr>
+            <a:spLocks noChangeAspect="1" noChangeArrowheads="1"/>
+          </p:cNvSpPr>
+          <p:nvPr/>
+        </p:nvSpPr>
+        <p:spPr bwMode="auto">
+          <a:xfrm>
+            <a:off x="155575" y="-144463"/>
+            <a:ext cx="304800" cy="304801"/>
+          </a:xfrm>
+          <a:prstGeom prst="rect">
+            <a:avLst/>
+          </a:prstGeom>
+          <a:noFill/>
+          <a:extLst>
+            <a:ext uri="{909E8E84-426E-40DD-AFC4-6F175D3DCCD1}">
+              <a14:hiddenFill xmlns:a14="http://schemas.microsoft.com/office/drawing/2010/main">
+                <a:solidFill>
+                  <a:srgbClr val="FFFFFF"/>
+                </a:solidFill>
+              </a14:hiddenFill>
+            </a:ext>
+          </a:extLst>
+        </p:spPr>
+        <p:txBody>
+          <a:bodyPr vert="horz" wrap="square" lIns="91440" tIns="45720" rIns="91440" bIns="45720" numCol="1" anchor="t" anchorCtr="0" compatLnSpc="1">
+            <a:prstTxWarp prst="textNoShape">
+              <a:avLst/>
+            </a:prstTxWarp>
+          </a:bodyPr>
+          <a:lstStyle/>
+          <a:p>
+            <a:endParaRPr lang="en-US"/>
+          </a:p>
+        </p:txBody>
+      </p:sp>
+      <p:pic>
+        <p:nvPicPr>
+          <p:cNvPr id="2056" name="Picture 8" descr="Vector Users Icon, Users Icon, Avatar Icon, User Icon PNG and ..."/>
+          <p:cNvPicPr>
+            <a:picLocks noChangeAspect="1" noChangeArrowheads="1"/>
+          </p:cNvPicPr>
+          <p:nvPr/>
+        </p:nvPicPr>
+        <p:blipFill>
+          <a:blip r:embed="rId2">
+            <a:extLst>
+              <a:ext uri="{28A0092B-C50C-407E-A947-70E740481C1C}">
+                <a14:useLocalDpi xmlns:a14="http://schemas.microsoft.com/office/drawing/2010/main" val="0"/>
+              </a:ext>
+            </a:extLst>
+          </a:blip>
+          <a:srcRect/>
+          <a:stretch>
+            <a:fillRect/>
+          </a:stretch>
+        </p:blipFill>
+        <p:spPr bwMode="auto">
+          <a:xfrm>
+            <a:off x="460375" y="1031901"/>
+            <a:ext cx="1097280" cy="1097280"/>
+          </a:xfrm>
+          <a:prstGeom prst="rect">
+            <a:avLst/>
+          </a:prstGeom>
+          <a:noFill/>
+          <a:extLst>
+            <a:ext uri="{909E8E84-426E-40DD-AFC4-6F175D3DCCD1}">
+              <a14:hiddenFill xmlns:a14="http://schemas.microsoft.com/office/drawing/2010/main">
+                <a:solidFill>
+                  <a:srgbClr val="FFFFFF"/>
+                </a:solidFill>
+              </a14:hiddenFill>
+            </a:ext>
+          </a:extLst>
+        </p:spPr>
+      </p:pic>
+      <p:sp>
+        <p:nvSpPr>
+          <p:cNvPr id="6" name="TextBox 5"/>
+          <p:cNvSpPr txBox="1"/>
+          <p:nvPr/>
+        </p:nvSpPr>
+        <p:spPr>
+          <a:xfrm>
+            <a:off x="1557655" y="1031901"/>
+            <a:ext cx="1300356" cy="369332"/>
+          </a:xfrm>
+          <a:prstGeom prst="rect">
+            <a:avLst/>
+          </a:prstGeom>
+          <a:noFill/>
+        </p:spPr>
+        <p:txBody>
+          <a:bodyPr wrap="none" rtlCol="0">
+            <a:spAutoFit/>
+          </a:bodyPr>
+          <a:lstStyle/>
+          <a:p>
+            <a:r>
+              <a:rPr lang="en-US" b="1" dirty="0" smtClean="0">
+                <a:latin typeface="Arial" panose="020B0604020202020204" pitchFamily="34" charset="0"/>
+                <a:cs typeface="Arial" panose="020B0604020202020204" pitchFamily="34" charset="0"/>
+              </a:rPr>
+              <a:t>Tài Khoản</a:t>
+            </a:r>
+            <a:endParaRPr lang="en-US" b="1" dirty="0">
+              <a:latin typeface="Arial" panose="020B0604020202020204" pitchFamily="34" charset="0"/>
+              <a:cs typeface="Arial" panose="020B0604020202020204" pitchFamily="34" charset="0"/>
+            </a:endParaRPr>
+          </a:p>
+        </p:txBody>
+      </p:sp>
+      <p:sp>
+        <p:nvSpPr>
+          <p:cNvPr id="16" name="TextBox 15"/>
+          <p:cNvSpPr txBox="1"/>
+          <p:nvPr/>
+        </p:nvSpPr>
+        <p:spPr>
+          <a:xfrm>
+            <a:off x="5555046" y="975627"/>
+            <a:ext cx="2104102" cy="646331"/>
+          </a:xfrm>
+          <a:prstGeom prst="rect">
+            <a:avLst/>
+          </a:prstGeom>
+          <a:noFill/>
+        </p:spPr>
+        <p:txBody>
+          <a:bodyPr wrap="none" rtlCol="0">
+            <a:spAutoFit/>
+          </a:bodyPr>
+          <a:lstStyle/>
+          <a:p>
+            <a:r>
+              <a:rPr lang="en-US" b="1" dirty="0" smtClean="0">
+                <a:latin typeface="Arial" panose="020B0604020202020204" pitchFamily="34" charset="0"/>
+                <a:cs typeface="Arial" panose="020B0604020202020204" pitchFamily="34" charset="0"/>
+              </a:rPr>
+              <a:t>Tạo Nhóm</a:t>
+            </a:r>
+          </a:p>
+          <a:p>
+            <a:r>
+              <a:rPr lang="en-US" b="1" dirty="0" smtClean="0">
+                <a:latin typeface="Arial" panose="020B0604020202020204" pitchFamily="34" charset="0"/>
+                <a:cs typeface="Arial" panose="020B0604020202020204" pitchFamily="34" charset="0"/>
+              </a:rPr>
+              <a:t>Thêm Thành Viên</a:t>
+            </a:r>
+            <a:endParaRPr lang="en-US" b="1" dirty="0">
+              <a:latin typeface="Arial" panose="020B0604020202020204" pitchFamily="34" charset="0"/>
+              <a:cs typeface="Arial" panose="020B0604020202020204" pitchFamily="34" charset="0"/>
+            </a:endParaRPr>
+          </a:p>
+        </p:txBody>
+      </p:sp>
+      <p:pic>
+        <p:nvPicPr>
+          <p:cNvPr id="8" name="Picture 7"/>
+          <p:cNvPicPr>
+            <a:picLocks noChangeAspect="1"/>
+          </p:cNvPicPr>
+          <p:nvPr/>
+        </p:nvPicPr>
+        <p:blipFill>
+          <a:blip r:embed="rId3"/>
+          <a:stretch>
+            <a:fillRect/>
+          </a:stretch>
+        </p:blipFill>
+        <p:spPr>
+          <a:xfrm>
+            <a:off x="4504864" y="1028389"/>
+            <a:ext cx="1097280" cy="1097280"/>
+          </a:xfrm>
+          <a:prstGeom prst="rect">
+            <a:avLst/>
+          </a:prstGeom>
+        </p:spPr>
+      </p:pic>
+      <p:pic>
+        <p:nvPicPr>
+          <p:cNvPr id="2060" name="Picture 12" descr="A Project Logo Vector PNG Transparent A Project Logo Vector.PNG ..."/>
+          <p:cNvPicPr>
+            <a:picLocks noChangeAspect="1" noChangeArrowheads="1"/>
+          </p:cNvPicPr>
+          <p:nvPr/>
+        </p:nvPicPr>
+        <p:blipFill>
+          <a:blip r:embed="rId4">
+            <a:extLst>
+              <a:ext uri="{28A0092B-C50C-407E-A947-70E740481C1C}">
+                <a14:useLocalDpi xmlns:a14="http://schemas.microsoft.com/office/drawing/2010/main" val="0"/>
+              </a:ext>
+            </a:extLst>
+          </a:blip>
+          <a:srcRect/>
+          <a:stretch>
+            <a:fillRect/>
+          </a:stretch>
+        </p:blipFill>
+        <p:spPr bwMode="auto">
+          <a:xfrm>
+            <a:off x="8706698" y="1031901"/>
+            <a:ext cx="1097280" cy="1097280"/>
+          </a:xfrm>
+          <a:prstGeom prst="rect">
+            <a:avLst/>
+          </a:prstGeom>
+          <a:solidFill>
+            <a:schemeClr val="tx1"/>
+          </a:solidFill>
+        </p:spPr>
+      </p:pic>
+      <p:sp>
+        <p:nvSpPr>
+          <p:cNvPr id="21" name="TextBox 20"/>
+          <p:cNvSpPr txBox="1"/>
+          <p:nvPr/>
+        </p:nvSpPr>
+        <p:spPr>
+          <a:xfrm>
+            <a:off x="9803978" y="1031901"/>
+            <a:ext cx="1848583" cy="369332"/>
+          </a:xfrm>
+          <a:prstGeom prst="rect">
+            <a:avLst/>
+          </a:prstGeom>
+          <a:noFill/>
+        </p:spPr>
+        <p:txBody>
+          <a:bodyPr wrap="none" rtlCol="0">
+            <a:spAutoFit/>
+          </a:bodyPr>
+          <a:lstStyle/>
+          <a:p>
+            <a:r>
+              <a:rPr lang="en-US" b="1" dirty="0" smtClean="0">
+                <a:latin typeface="Arial" panose="020B0604020202020204" pitchFamily="34" charset="0"/>
+                <a:cs typeface="Arial" panose="020B0604020202020204" pitchFamily="34" charset="0"/>
+              </a:rPr>
+              <a:t>Tạo Dự Án Mới</a:t>
+            </a:r>
+            <a:endParaRPr lang="en-US" b="1" dirty="0">
+              <a:latin typeface="Arial" panose="020B0604020202020204" pitchFamily="34" charset="0"/>
+              <a:cs typeface="Arial" panose="020B0604020202020204" pitchFamily="34" charset="0"/>
+            </a:endParaRPr>
+          </a:p>
+        </p:txBody>
+      </p:sp>
+      <p:sp>
+        <p:nvSpPr>
+          <p:cNvPr id="23" name="TextBox 22"/>
+          <p:cNvSpPr txBox="1"/>
+          <p:nvPr/>
+        </p:nvSpPr>
+        <p:spPr>
+          <a:xfrm>
+            <a:off x="7556078" y="3039803"/>
+            <a:ext cx="2501647" cy="369332"/>
+          </a:xfrm>
+          <a:prstGeom prst="rect">
+            <a:avLst/>
+          </a:prstGeom>
+          <a:noFill/>
+        </p:spPr>
+        <p:txBody>
+          <a:bodyPr wrap="none" rtlCol="0">
+            <a:spAutoFit/>
+          </a:bodyPr>
+          <a:lstStyle/>
+          <a:p>
+            <a:r>
+              <a:rPr lang="en-US" b="1" dirty="0" smtClean="0">
+                <a:latin typeface="Arial" panose="020B0604020202020204" pitchFamily="34" charset="0"/>
+                <a:cs typeface="Arial" panose="020B0604020202020204" pitchFamily="34" charset="0"/>
+              </a:rPr>
+              <a:t>Phân Chia Công Việc</a:t>
+            </a:r>
+            <a:endParaRPr lang="en-US" b="1" dirty="0">
+              <a:latin typeface="Arial" panose="020B0604020202020204" pitchFamily="34" charset="0"/>
+              <a:cs typeface="Arial" panose="020B0604020202020204" pitchFamily="34" charset="0"/>
+            </a:endParaRPr>
+          </a:p>
+        </p:txBody>
+      </p:sp>
+      <p:sp>
+        <p:nvSpPr>
+          <p:cNvPr id="11" name="AutoShape 14" descr="Task Blue png download - 512*512 - Free Transparent Task png ..."/>
+          <p:cNvSpPr>
+            <a:spLocks noChangeAspect="1" noChangeArrowheads="1"/>
+          </p:cNvSpPr>
+          <p:nvPr/>
+        </p:nvSpPr>
+        <p:spPr bwMode="auto">
+          <a:xfrm>
+            <a:off x="307975" y="7937"/>
+            <a:ext cx="304800" cy="304801"/>
+          </a:xfrm>
+          <a:prstGeom prst="rect">
+            <a:avLst/>
+          </a:prstGeom>
+          <a:noFill/>
+          <a:extLst>
+            <a:ext uri="{909E8E84-426E-40DD-AFC4-6F175D3DCCD1}">
+              <a14:hiddenFill xmlns:a14="http://schemas.microsoft.com/office/drawing/2010/main">
+                <a:solidFill>
+                  <a:srgbClr val="FFFFFF"/>
+                </a:solidFill>
+              </a14:hiddenFill>
+            </a:ext>
+          </a:extLst>
+        </p:spPr>
+        <p:txBody>
+          <a:bodyPr vert="horz" wrap="square" lIns="91440" tIns="45720" rIns="91440" bIns="45720" numCol="1" anchor="t" anchorCtr="0" compatLnSpc="1">
+            <a:prstTxWarp prst="textNoShape">
+              <a:avLst/>
+            </a:prstTxWarp>
+          </a:bodyPr>
+          <a:lstStyle/>
+          <a:p>
+            <a:endParaRPr lang="en-US"/>
+          </a:p>
+        </p:txBody>
+      </p:sp>
+      <p:pic>
+        <p:nvPicPr>
+          <p:cNvPr id="17" name="Picture 16"/>
+          <p:cNvPicPr>
+            <a:picLocks noChangeAspect="1"/>
+          </p:cNvPicPr>
+          <p:nvPr/>
+        </p:nvPicPr>
+        <p:blipFill>
+          <a:blip r:embed="rId5">
+            <a:extLst>
+              <a:ext uri="{28A0092B-C50C-407E-A947-70E740481C1C}">
+                <a14:useLocalDpi xmlns:a14="http://schemas.microsoft.com/office/drawing/2010/main" val="0"/>
+              </a:ext>
+            </a:extLst>
+          </a:blip>
+          <a:stretch>
+            <a:fillRect/>
+          </a:stretch>
+        </p:blipFill>
+        <p:spPr>
+          <a:xfrm>
+            <a:off x="1865991" y="3029112"/>
+            <a:ext cx="1097280" cy="1097280"/>
+          </a:xfrm>
+          <a:prstGeom prst="rect">
+            <a:avLst/>
+          </a:prstGeom>
+          <a:solidFill>
+            <a:schemeClr val="tx1"/>
+          </a:solidFill>
+        </p:spPr>
+      </p:pic>
+      <p:sp>
+        <p:nvSpPr>
+          <p:cNvPr id="28" name="TextBox 27"/>
+          <p:cNvSpPr txBox="1"/>
+          <p:nvPr/>
+        </p:nvSpPr>
+        <p:spPr>
+          <a:xfrm>
+            <a:off x="3043932" y="3029112"/>
+            <a:ext cx="2472793" cy="646331"/>
+          </a:xfrm>
+          <a:prstGeom prst="rect">
+            <a:avLst/>
+          </a:prstGeom>
+          <a:noFill/>
+        </p:spPr>
+        <p:txBody>
+          <a:bodyPr wrap="none" rtlCol="0">
+            <a:spAutoFit/>
+          </a:bodyPr>
+          <a:lstStyle/>
+          <a:p>
+            <a:r>
+              <a:rPr lang="en-US" b="1" dirty="0" smtClean="0">
+                <a:latin typeface="Arial" panose="020B0604020202020204" pitchFamily="34" charset="0"/>
+                <a:cs typeface="Arial" panose="020B0604020202020204" pitchFamily="34" charset="0"/>
+              </a:rPr>
+              <a:t>Thêm Mới Công Việc</a:t>
+            </a:r>
+          </a:p>
+          <a:p>
+            <a:r>
+              <a:rPr lang="en-US" b="1" dirty="0" smtClean="0">
+                <a:latin typeface="Arial" panose="020B0604020202020204" pitchFamily="34" charset="0"/>
+                <a:cs typeface="Arial" panose="020B0604020202020204" pitchFamily="34" charset="0"/>
+              </a:rPr>
+              <a:t>Thiết Lập Thời Gian</a:t>
+            </a:r>
+            <a:endParaRPr lang="en-US" b="1" dirty="0">
+              <a:latin typeface="Arial" panose="020B0604020202020204" pitchFamily="34" charset="0"/>
+              <a:cs typeface="Arial" panose="020B0604020202020204" pitchFamily="34" charset="0"/>
+            </a:endParaRPr>
+          </a:p>
+        </p:txBody>
+      </p:sp>
+      <p:pic>
+        <p:nvPicPr>
+          <p:cNvPr id="2064" name="Picture 16" descr="Hands Holding Letters - Free image on Pixabay"/>
+          <p:cNvPicPr>
+            <a:picLocks noChangeAspect="1" noChangeArrowheads="1"/>
+          </p:cNvPicPr>
+          <p:nvPr/>
+        </p:nvPicPr>
+        <p:blipFill>
+          <a:blip r:embed="rId6">
+            <a:extLst>
+              <a:ext uri="{28A0092B-C50C-407E-A947-70E740481C1C}">
+                <a14:useLocalDpi xmlns:a14="http://schemas.microsoft.com/office/drawing/2010/main" val="0"/>
+              </a:ext>
+            </a:extLst>
+          </a:blip>
+          <a:srcRect/>
+          <a:stretch>
+            <a:fillRect/>
+          </a:stretch>
+        </p:blipFill>
+        <p:spPr bwMode="auto">
+          <a:xfrm>
+            <a:off x="6395165" y="3039803"/>
+            <a:ext cx="1097280" cy="1097280"/>
+          </a:xfrm>
+          <a:prstGeom prst="rect">
+            <a:avLst/>
+          </a:prstGeom>
+          <a:solidFill>
+            <a:schemeClr val="tx1"/>
+          </a:solidFill>
+        </p:spPr>
+      </p:pic>
+      <p:pic>
+        <p:nvPicPr>
+          <p:cNvPr id="2066" name="Picture 18" descr="Comment png icon 1 » PNG Image"/>
+          <p:cNvPicPr>
+            <a:picLocks noChangeAspect="1" noChangeArrowheads="1"/>
+          </p:cNvPicPr>
+          <p:nvPr/>
+        </p:nvPicPr>
+        <p:blipFill>
+          <a:blip r:embed="rId7">
+            <a:extLst>
+              <a:ext uri="{28A0092B-C50C-407E-A947-70E740481C1C}">
+                <a14:useLocalDpi xmlns:a14="http://schemas.microsoft.com/office/drawing/2010/main" val="0"/>
+              </a:ext>
+            </a:extLst>
+          </a:blip>
+          <a:srcRect/>
+          <a:stretch>
+            <a:fillRect/>
+          </a:stretch>
+        </p:blipFill>
+        <p:spPr bwMode="auto">
+          <a:xfrm>
+            <a:off x="460375" y="5029835"/>
+            <a:ext cx="1097280" cy="1097280"/>
+          </a:xfrm>
+          <a:prstGeom prst="rect">
+            <a:avLst/>
+          </a:prstGeom>
+          <a:solidFill>
+            <a:schemeClr val="tx1"/>
+          </a:solidFill>
+        </p:spPr>
+      </p:pic>
+      <p:sp>
+        <p:nvSpPr>
+          <p:cNvPr id="31" name="TextBox 30"/>
+          <p:cNvSpPr txBox="1"/>
+          <p:nvPr/>
+        </p:nvSpPr>
+        <p:spPr>
+          <a:xfrm>
+            <a:off x="1557655" y="5032763"/>
+            <a:ext cx="1313180" cy="646331"/>
+          </a:xfrm>
+          <a:prstGeom prst="rect">
+            <a:avLst/>
+          </a:prstGeom>
+          <a:noFill/>
+        </p:spPr>
+        <p:txBody>
+          <a:bodyPr wrap="none" rtlCol="0">
+            <a:spAutoFit/>
+          </a:bodyPr>
+          <a:lstStyle/>
+          <a:p>
+            <a:r>
+              <a:rPr lang="en-US" b="1" dirty="0" smtClean="0">
+                <a:latin typeface="Arial" panose="020B0604020202020204" pitchFamily="34" charset="0"/>
+                <a:cs typeface="Arial" panose="020B0604020202020204" pitchFamily="34" charset="0"/>
+              </a:rPr>
+              <a:t>Trao Đổi </a:t>
+            </a:r>
+          </a:p>
+          <a:p>
+            <a:r>
+              <a:rPr lang="en-US" b="1" dirty="0" smtClean="0">
+                <a:latin typeface="Arial" panose="020B0604020202020204" pitchFamily="34" charset="0"/>
+                <a:cs typeface="Arial" panose="020B0604020202020204" pitchFamily="34" charset="0"/>
+              </a:rPr>
+              <a:t>Bình Luận</a:t>
+            </a:r>
+            <a:endParaRPr lang="en-US" b="1" dirty="0">
+              <a:latin typeface="Arial" panose="020B0604020202020204" pitchFamily="34" charset="0"/>
+              <a:cs typeface="Arial" panose="020B0604020202020204" pitchFamily="34" charset="0"/>
+            </a:endParaRPr>
+          </a:p>
+        </p:txBody>
+      </p:sp>
+      <p:sp>
+        <p:nvSpPr>
+          <p:cNvPr id="19" name="TextBox 18"/>
+          <p:cNvSpPr txBox="1"/>
+          <p:nvPr/>
+        </p:nvSpPr>
+        <p:spPr>
+          <a:xfrm>
+            <a:off x="1557655" y="5757783"/>
+            <a:ext cx="1107996" cy="369332"/>
+          </a:xfrm>
+          <a:prstGeom prst="rect">
+            <a:avLst/>
+          </a:prstGeom>
+          <a:noFill/>
+        </p:spPr>
+        <p:txBody>
+          <a:bodyPr wrap="none" rtlCol="0">
+            <a:spAutoFit/>
+          </a:bodyPr>
+          <a:lstStyle/>
+          <a:p>
+            <a:r>
+              <a:rPr lang="en-US" dirty="0" smtClean="0">
+                <a:solidFill>
+                  <a:srgbClr val="92D050"/>
+                </a:solidFill>
+              </a:rPr>
+              <a:t>RealTime</a:t>
+            </a:r>
+            <a:endParaRPr lang="en-US" dirty="0">
+              <a:solidFill>
+                <a:srgbClr val="92D050"/>
+              </a:solidFill>
+            </a:endParaRPr>
+          </a:p>
+        </p:txBody>
+      </p:sp>
+      <p:sp>
+        <p:nvSpPr>
+          <p:cNvPr id="35" name="TextBox 34"/>
+          <p:cNvSpPr txBox="1"/>
+          <p:nvPr/>
+        </p:nvSpPr>
+        <p:spPr>
+          <a:xfrm>
+            <a:off x="5658176" y="5016591"/>
+            <a:ext cx="1390124" cy="646331"/>
+          </a:xfrm>
+          <a:prstGeom prst="rect">
+            <a:avLst/>
+          </a:prstGeom>
+          <a:noFill/>
+        </p:spPr>
+        <p:txBody>
+          <a:bodyPr wrap="none" rtlCol="0">
+            <a:spAutoFit/>
+          </a:bodyPr>
+          <a:lstStyle/>
+          <a:p>
+            <a:r>
+              <a:rPr lang="en-US" b="1" dirty="0" smtClean="0">
+                <a:latin typeface="Arial" panose="020B0604020202020204" pitchFamily="34" charset="0"/>
+                <a:cs typeface="Arial" panose="020B0604020202020204" pitchFamily="34" charset="0"/>
+              </a:rPr>
+              <a:t>Thông Báo</a:t>
+            </a:r>
+          </a:p>
+          <a:p>
+            <a:r>
+              <a:rPr lang="en-US" b="1" dirty="0" smtClean="0">
+                <a:latin typeface="Arial" panose="020B0604020202020204" pitchFamily="34" charset="0"/>
+                <a:cs typeface="Arial" panose="020B0604020202020204" pitchFamily="34" charset="0"/>
+              </a:rPr>
+              <a:t>Email</a:t>
+            </a:r>
+            <a:endParaRPr lang="en-US" b="1" dirty="0">
+              <a:latin typeface="Arial" panose="020B0604020202020204" pitchFamily="34" charset="0"/>
+              <a:cs typeface="Arial" panose="020B0604020202020204" pitchFamily="34" charset="0"/>
+            </a:endParaRPr>
+          </a:p>
+        </p:txBody>
+      </p:sp>
+      <p:sp>
+        <p:nvSpPr>
+          <p:cNvPr id="36" name="TextBox 35"/>
+          <p:cNvSpPr txBox="1"/>
+          <p:nvPr/>
+        </p:nvSpPr>
+        <p:spPr>
+          <a:xfrm>
+            <a:off x="5658176" y="5741611"/>
+            <a:ext cx="1107996" cy="369332"/>
+          </a:xfrm>
+          <a:prstGeom prst="rect">
+            <a:avLst/>
+          </a:prstGeom>
+          <a:noFill/>
+        </p:spPr>
+        <p:txBody>
+          <a:bodyPr wrap="none" rtlCol="0">
+            <a:spAutoFit/>
+          </a:bodyPr>
+          <a:lstStyle/>
+          <a:p>
+            <a:r>
+              <a:rPr lang="en-US" dirty="0" smtClean="0">
+                <a:solidFill>
+                  <a:srgbClr val="92D050"/>
+                </a:solidFill>
+              </a:rPr>
+              <a:t>RealTime</a:t>
+            </a:r>
+            <a:endParaRPr lang="en-US" dirty="0">
+              <a:solidFill>
+                <a:srgbClr val="92D050"/>
+              </a:solidFill>
+            </a:endParaRPr>
+          </a:p>
+        </p:txBody>
+      </p:sp>
+      <p:pic>
+        <p:nvPicPr>
+          <p:cNvPr id="24" name="Picture 23"/>
+          <p:cNvPicPr>
+            <a:picLocks noChangeAspect="1"/>
+          </p:cNvPicPr>
+          <p:nvPr/>
+        </p:nvPicPr>
+        <p:blipFill>
+          <a:blip r:embed="rId8">
+            <a:extLst>
+              <a:ext uri="{28A0092B-C50C-407E-A947-70E740481C1C}">
+                <a14:useLocalDpi xmlns:a14="http://schemas.microsoft.com/office/drawing/2010/main" val="0"/>
+              </a:ext>
+            </a:extLst>
+          </a:blip>
+          <a:stretch>
+            <a:fillRect/>
+          </a:stretch>
+        </p:blipFill>
+        <p:spPr>
+          <a:xfrm>
+            <a:off x="4563832" y="5029835"/>
+            <a:ext cx="1097280" cy="1097280"/>
+          </a:xfrm>
+          <a:prstGeom prst="rect">
+            <a:avLst/>
+          </a:prstGeom>
+          <a:solidFill>
+            <a:schemeClr val="tx1"/>
+          </a:solidFill>
+        </p:spPr>
+      </p:pic>
+      <p:pic>
+        <p:nvPicPr>
+          <p:cNvPr id="25" name="Picture 24"/>
+          <p:cNvPicPr>
+            <a:picLocks noChangeAspect="1"/>
+          </p:cNvPicPr>
+          <p:nvPr/>
+        </p:nvPicPr>
+        <p:blipFill>
+          <a:blip r:embed="rId9">
+            <a:extLst>
+              <a:ext uri="{28A0092B-C50C-407E-A947-70E740481C1C}">
+                <a14:useLocalDpi xmlns:a14="http://schemas.microsoft.com/office/drawing/2010/main" val="0"/>
+              </a:ext>
+            </a:extLst>
+          </a:blip>
+          <a:stretch>
+            <a:fillRect/>
+          </a:stretch>
+        </p:blipFill>
+        <p:spPr>
+          <a:xfrm>
+            <a:off x="8706564" y="5017770"/>
+            <a:ext cx="1097280" cy="1097280"/>
+          </a:xfrm>
+          <a:prstGeom prst="rect">
+            <a:avLst/>
+          </a:prstGeom>
+          <a:solidFill>
+            <a:schemeClr val="tx1"/>
+          </a:solidFill>
+        </p:spPr>
+      </p:pic>
+      <p:sp>
+        <p:nvSpPr>
+          <p:cNvPr id="40" name="TextBox 39"/>
+          <p:cNvSpPr txBox="1"/>
+          <p:nvPr/>
+        </p:nvSpPr>
+        <p:spPr>
+          <a:xfrm>
+            <a:off x="9811624" y="5000825"/>
+            <a:ext cx="1249060" cy="646331"/>
+          </a:xfrm>
+          <a:prstGeom prst="rect">
+            <a:avLst/>
+          </a:prstGeom>
+          <a:noFill/>
+        </p:spPr>
+        <p:txBody>
+          <a:bodyPr wrap="none" rtlCol="0">
+            <a:spAutoFit/>
+          </a:bodyPr>
+          <a:lstStyle/>
+          <a:p>
+            <a:r>
+              <a:rPr lang="en-US" b="1" dirty="0" smtClean="0">
+                <a:latin typeface="Arial" panose="020B0604020202020204" pitchFamily="34" charset="0"/>
+                <a:cs typeface="Arial" panose="020B0604020202020204" pitchFamily="34" charset="0"/>
+              </a:rPr>
+              <a:t>Thống Kê</a:t>
+            </a:r>
+          </a:p>
+          <a:p>
+            <a:r>
+              <a:rPr lang="en-US" b="1" dirty="0" smtClean="0">
+                <a:latin typeface="Arial" panose="020B0604020202020204" pitchFamily="34" charset="0"/>
+                <a:cs typeface="Arial" panose="020B0604020202020204" pitchFamily="34" charset="0"/>
+              </a:rPr>
+              <a:t>Đánh Giá</a:t>
+            </a:r>
+            <a:endParaRPr lang="en-US" b="1" dirty="0">
+              <a:latin typeface="Arial" panose="020B0604020202020204" pitchFamily="34" charset="0"/>
+              <a:cs typeface="Arial" panose="020B0604020202020204" pitchFamily="34" charset="0"/>
+            </a:endParaRPr>
+          </a:p>
+        </p:txBody>
+      </p:sp>
     </p:spTree>
     <p:extLst>
       <p:ext uri="{BB962C8B-B14F-4D97-AF65-F5344CB8AC3E}">
-        <p14:creationId xmlns:p14="http://schemas.microsoft.com/office/powerpoint/2010/main" val="3203625684"/>
+        <p14:creationId xmlns:p14="http://schemas.microsoft.com/office/powerpoint/2010/main" val="1425350224"/>
       </p:ext>
     </p:extLst>
   </p:cSld>
@@ -6715,44 +8447,6 @@
       </p:grpSpPr>
       <p:sp>
         <p:nvSpPr>
-          <p:cNvPr id="2" name="Title 1"/>
-          <p:cNvSpPr>
-            <a:spLocks noGrp="1"/>
-          </p:cNvSpPr>
-          <p:nvPr>
-            <p:ph type="title"/>
-          </p:nvPr>
-        </p:nvSpPr>
-        <p:spPr/>
-        <p:txBody>
-          <a:bodyPr/>
-          <a:lstStyle/>
-          <a:p>
-            <a:endParaRPr lang="en-US"/>
-          </a:p>
-        </p:txBody>
-      </p:sp>
-      <p:sp>
-        <p:nvSpPr>
-          <p:cNvPr id="3" name="Content Placeholder 2"/>
-          <p:cNvSpPr>
-            <a:spLocks noGrp="1"/>
-          </p:cNvSpPr>
-          <p:nvPr>
-            <p:ph idx="1"/>
-          </p:nvPr>
-        </p:nvSpPr>
-        <p:spPr/>
-        <p:txBody>
-          <a:bodyPr/>
-          <a:lstStyle/>
-          <a:p>
-            <a:endParaRPr lang="en-US"/>
-          </a:p>
-        </p:txBody>
-      </p:sp>
-      <p:sp>
-        <p:nvSpPr>
           <p:cNvPr id="4" name="Slide Number Placeholder 3"/>
           <p:cNvSpPr>
             <a:spLocks noGrp="1"/>
@@ -6775,10 +8469,305 @@
           </a:p>
         </p:txBody>
       </p:sp>
+      <p:sp>
+        <p:nvSpPr>
+          <p:cNvPr id="5" name="TextBox 4"/>
+          <p:cNvSpPr txBox="1"/>
+          <p:nvPr/>
+        </p:nvSpPr>
+        <p:spPr>
+          <a:xfrm>
+            <a:off x="10362183" y="281927"/>
+            <a:ext cx="1143262" cy="523220"/>
+          </a:xfrm>
+          <a:prstGeom prst="rect">
+            <a:avLst/>
+          </a:prstGeom>
+          <a:noFill/>
+        </p:spPr>
+        <p:txBody>
+          <a:bodyPr wrap="none" rtlCol="0">
+            <a:spAutoFit/>
+          </a:bodyPr>
+          <a:lstStyle/>
+          <a:p>
+            <a:pPr algn="r"/>
+            <a:r>
+              <a:rPr lang="en-US" sz="2800" b="1" dirty="0" smtClean="0">
+                <a:latin typeface="Arial" panose="020B0604020202020204" pitchFamily="34" charset="0"/>
+                <a:cs typeface="Arial" panose="020B0604020202020204" pitchFamily="34" charset="0"/>
+              </a:rPr>
+              <a:t>AJAX</a:t>
+            </a:r>
+            <a:endParaRPr lang="en-US" sz="2800" b="1" dirty="0">
+              <a:latin typeface="Arial" panose="020B0604020202020204" pitchFamily="34" charset="0"/>
+              <a:cs typeface="Arial" panose="020B0604020202020204" pitchFamily="34" charset="0"/>
+            </a:endParaRPr>
+          </a:p>
+        </p:txBody>
+      </p:sp>
+      <p:pic>
+        <p:nvPicPr>
+          <p:cNvPr id="10" name="Picture 9"/>
+          <p:cNvPicPr>
+            <a:picLocks noChangeAspect="1"/>
+          </p:cNvPicPr>
+          <p:nvPr/>
+        </p:nvPicPr>
+        <p:blipFill>
+          <a:blip r:embed="rId2"/>
+          <a:stretch>
+            <a:fillRect/>
+          </a:stretch>
+        </p:blipFill>
+        <p:spPr>
+          <a:xfrm>
+            <a:off x="585217" y="805147"/>
+            <a:ext cx="7131484" cy="1909478"/>
+          </a:xfrm>
+          <a:prstGeom prst="rect">
+            <a:avLst/>
+          </a:prstGeom>
+        </p:spPr>
+      </p:pic>
+      <p:pic>
+        <p:nvPicPr>
+          <p:cNvPr id="11" name="Picture 10"/>
+          <p:cNvPicPr>
+            <a:picLocks noChangeAspect="1"/>
+          </p:cNvPicPr>
+          <p:nvPr/>
+        </p:nvPicPr>
+        <p:blipFill>
+          <a:blip r:embed="rId3">
+            <a:extLst>
+              <a:ext uri="{28A0092B-C50C-407E-A947-70E740481C1C}">
+                <a14:useLocalDpi xmlns:a14="http://schemas.microsoft.com/office/drawing/2010/main" val="0"/>
+              </a:ext>
+            </a:extLst>
+          </a:blip>
+          <a:stretch>
+            <a:fillRect/>
+          </a:stretch>
+        </p:blipFill>
+        <p:spPr>
+          <a:xfrm>
+            <a:off x="8016851" y="821702"/>
+            <a:ext cx="497578" cy="497578"/>
+          </a:xfrm>
+          <a:prstGeom prst="rect">
+            <a:avLst/>
+          </a:prstGeom>
+        </p:spPr>
+      </p:pic>
+      <p:sp>
+        <p:nvSpPr>
+          <p:cNvPr id="12" name="TextBox 11"/>
+          <p:cNvSpPr txBox="1"/>
+          <p:nvPr/>
+        </p:nvSpPr>
+        <p:spPr>
+          <a:xfrm>
+            <a:off x="8652655" y="885825"/>
+            <a:ext cx="3095206" cy="369332"/>
+          </a:xfrm>
+          <a:prstGeom prst="rect">
+            <a:avLst/>
+          </a:prstGeom>
+          <a:noFill/>
+        </p:spPr>
+        <p:txBody>
+          <a:bodyPr wrap="none" rtlCol="0">
+            <a:spAutoFit/>
+          </a:bodyPr>
+          <a:lstStyle/>
+          <a:p>
+            <a:r>
+              <a:rPr lang="en-US" dirty="0" smtClean="0"/>
+              <a:t>Thêm Thành Viên Vào Nhóm</a:t>
+            </a:r>
+            <a:endParaRPr lang="en-US" dirty="0"/>
+          </a:p>
+        </p:txBody>
+      </p:sp>
+      <p:pic>
+        <p:nvPicPr>
+          <p:cNvPr id="13" name="Picture 12"/>
+          <p:cNvPicPr>
+            <a:picLocks noChangeAspect="1"/>
+          </p:cNvPicPr>
+          <p:nvPr/>
+        </p:nvPicPr>
+        <p:blipFill>
+          <a:blip r:embed="rId4">
+            <a:extLst>
+              <a:ext uri="{28A0092B-C50C-407E-A947-70E740481C1C}">
+                <a14:useLocalDpi xmlns:a14="http://schemas.microsoft.com/office/drawing/2010/main" val="0"/>
+              </a:ext>
+            </a:extLst>
+          </a:blip>
+          <a:stretch>
+            <a:fillRect/>
+          </a:stretch>
+        </p:blipFill>
+        <p:spPr>
+          <a:xfrm>
+            <a:off x="8016851" y="1499116"/>
+            <a:ext cx="521540" cy="521540"/>
+          </a:xfrm>
+          <a:prstGeom prst="rect">
+            <a:avLst/>
+          </a:prstGeom>
+        </p:spPr>
+      </p:pic>
+      <p:sp>
+        <p:nvSpPr>
+          <p:cNvPr id="14" name="TextBox 13"/>
+          <p:cNvSpPr txBox="1"/>
+          <p:nvPr/>
+        </p:nvSpPr>
+        <p:spPr>
+          <a:xfrm>
+            <a:off x="8652655" y="1575220"/>
+            <a:ext cx="2292615" cy="369332"/>
+          </a:xfrm>
+          <a:prstGeom prst="rect">
+            <a:avLst/>
+          </a:prstGeom>
+          <a:noFill/>
+        </p:spPr>
+        <p:txBody>
+          <a:bodyPr wrap="none" rtlCol="0">
+            <a:spAutoFit/>
+          </a:bodyPr>
+          <a:lstStyle/>
+          <a:p>
+            <a:r>
+              <a:rPr lang="en-US" dirty="0" smtClean="0"/>
+              <a:t>Phân Chia Công Việc</a:t>
+            </a:r>
+            <a:endParaRPr lang="en-US" dirty="0"/>
+          </a:p>
+        </p:txBody>
+      </p:sp>
+      <p:pic>
+        <p:nvPicPr>
+          <p:cNvPr id="15" name="Picture 14"/>
+          <p:cNvPicPr>
+            <a:picLocks noChangeAspect="1"/>
+          </p:cNvPicPr>
+          <p:nvPr/>
+        </p:nvPicPr>
+        <p:blipFill>
+          <a:blip r:embed="rId5">
+            <a:extLst>
+              <a:ext uri="{28A0092B-C50C-407E-A947-70E740481C1C}">
+                <a14:useLocalDpi xmlns:a14="http://schemas.microsoft.com/office/drawing/2010/main" val="0"/>
+              </a:ext>
+            </a:extLst>
+          </a:blip>
+          <a:stretch>
+            <a:fillRect/>
+          </a:stretch>
+        </p:blipFill>
+        <p:spPr>
+          <a:xfrm>
+            <a:off x="2596111" y="2886292"/>
+            <a:ext cx="542620" cy="542620"/>
+          </a:xfrm>
+          <a:prstGeom prst="rect">
+            <a:avLst/>
+          </a:prstGeom>
+        </p:spPr>
+      </p:pic>
+      <p:sp>
+        <p:nvSpPr>
+          <p:cNvPr id="16" name="TextBox 15"/>
+          <p:cNvSpPr txBox="1"/>
+          <p:nvPr/>
+        </p:nvSpPr>
+        <p:spPr>
+          <a:xfrm>
+            <a:off x="3342616" y="2972936"/>
+            <a:ext cx="1697837" cy="369332"/>
+          </a:xfrm>
+          <a:prstGeom prst="rect">
+            <a:avLst/>
+          </a:prstGeom>
+          <a:noFill/>
+        </p:spPr>
+        <p:txBody>
+          <a:bodyPr wrap="none" rtlCol="0">
+            <a:spAutoFit/>
+          </a:bodyPr>
+          <a:lstStyle/>
+          <a:p>
+            <a:r>
+              <a:rPr lang="en-US" dirty="0" smtClean="0"/>
+              <a:t>Sự kiện: </a:t>
+            </a:r>
+            <a:r>
+              <a:rPr lang="en-US" b="1" dirty="0" smtClean="0">
+                <a:solidFill>
+                  <a:srgbClr val="0070C0"/>
+                </a:solidFill>
+              </a:rPr>
+              <a:t>keyup</a:t>
+            </a:r>
+            <a:endParaRPr lang="en-US" b="1" dirty="0">
+              <a:solidFill>
+                <a:srgbClr val="0070C0"/>
+              </a:solidFill>
+            </a:endParaRPr>
+          </a:p>
+        </p:txBody>
+      </p:sp>
+      <p:sp>
+        <p:nvSpPr>
+          <p:cNvPr id="19" name="TextBox 18"/>
+          <p:cNvSpPr txBox="1"/>
+          <p:nvPr/>
+        </p:nvSpPr>
+        <p:spPr>
+          <a:xfrm>
+            <a:off x="585217" y="4933950"/>
+            <a:ext cx="4947958" cy="1200329"/>
+          </a:xfrm>
+          <a:prstGeom prst="rect">
+            <a:avLst/>
+          </a:prstGeom>
+          <a:noFill/>
+        </p:spPr>
+        <p:txBody>
+          <a:bodyPr wrap="none" rtlCol="0">
+            <a:spAutoFit/>
+          </a:bodyPr>
+          <a:lstStyle/>
+          <a:p>
+            <a:r>
+              <a:rPr lang="en-US" sz="2400" dirty="0" smtClean="0"/>
+              <a:t>+ Tạo mới, cập nhật công việc</a:t>
+            </a:r>
+          </a:p>
+          <a:p>
+            <a:r>
+              <a:rPr lang="en-US" sz="2400" dirty="0" smtClean="0"/>
+              <a:t>+ Đánh dấu hoàn thành công việc</a:t>
+            </a:r>
+          </a:p>
+          <a:p>
+            <a:r>
+              <a:rPr lang="en-US" sz="2400" dirty="0" smtClean="0"/>
+              <a:t>+ Các task thay đổi dữ liệu khác,..</a:t>
+            </a:r>
+            <a:endParaRPr lang="en-US" sz="2400" dirty="0"/>
+          </a:p>
+        </p:txBody>
+      </p:sp>
     </p:spTree>
     <p:extLst>
       <p:ext uri="{BB962C8B-B14F-4D97-AF65-F5344CB8AC3E}">
-        <p14:creationId xmlns:p14="http://schemas.microsoft.com/office/powerpoint/2010/main" val="852183548"/>
+        <p14:creationId xmlns:p14="http://schemas.microsoft.com/office/powerpoint/2010/main" val="3940559479"/>
       </p:ext>
     </p:extLst>
   </p:cSld>
@@ -6814,44 +8803,6 @@
       </p:grpSpPr>
       <p:sp>
         <p:nvSpPr>
-          <p:cNvPr id="2" name="Title 1"/>
-          <p:cNvSpPr>
-            <a:spLocks noGrp="1"/>
-          </p:cNvSpPr>
-          <p:nvPr>
-            <p:ph type="title"/>
-          </p:nvPr>
-        </p:nvSpPr>
-        <p:spPr/>
-        <p:txBody>
-          <a:bodyPr/>
-          <a:lstStyle/>
-          <a:p>
-            <a:endParaRPr lang="en-US"/>
-          </a:p>
-        </p:txBody>
-      </p:sp>
-      <p:sp>
-        <p:nvSpPr>
-          <p:cNvPr id="3" name="Content Placeholder 2"/>
-          <p:cNvSpPr>
-            <a:spLocks noGrp="1"/>
-          </p:cNvSpPr>
-          <p:nvPr>
-            <p:ph idx="1"/>
-          </p:nvPr>
-        </p:nvSpPr>
-        <p:spPr/>
-        <p:txBody>
-          <a:bodyPr/>
-          <a:lstStyle/>
-          <a:p>
-            <a:endParaRPr lang="en-US"/>
-          </a:p>
-        </p:txBody>
-      </p:sp>
-      <p:sp>
-        <p:nvSpPr>
           <p:cNvPr id="4" name="Slide Number Placeholder 3"/>
           <p:cNvSpPr>
             <a:spLocks noGrp="1"/>
@@ -6874,10 +8825,1237 @@
           </a:p>
         </p:txBody>
       </p:sp>
+      <p:sp>
+        <p:nvSpPr>
+          <p:cNvPr id="5" name="TextBox 4"/>
+          <p:cNvSpPr txBox="1"/>
+          <p:nvPr/>
+        </p:nvSpPr>
+        <p:spPr>
+          <a:xfrm>
+            <a:off x="9112867" y="358127"/>
+            <a:ext cx="2392578" cy="523220"/>
+          </a:xfrm>
+          <a:prstGeom prst="rect">
+            <a:avLst/>
+          </a:prstGeom>
+          <a:noFill/>
+        </p:spPr>
+        <p:txBody>
+          <a:bodyPr wrap="none" rtlCol="0">
+            <a:spAutoFit/>
+          </a:bodyPr>
+          <a:lstStyle/>
+          <a:p>
+            <a:r>
+              <a:rPr lang="en-US" sz="2800" b="1" dirty="0" smtClean="0">
+                <a:latin typeface="Arial" panose="020B0604020202020204" pitchFamily="34" charset="0"/>
+                <a:cs typeface="Arial" panose="020B0604020202020204" pitchFamily="34" charset="0"/>
+              </a:rPr>
+              <a:t>6. REALTIME</a:t>
+            </a:r>
+            <a:endParaRPr lang="en-US" sz="2800" b="1" dirty="0">
+              <a:latin typeface="Arial" panose="020B0604020202020204" pitchFamily="34" charset="0"/>
+              <a:cs typeface="Arial" panose="020B0604020202020204" pitchFamily="34" charset="0"/>
+            </a:endParaRPr>
+          </a:p>
+        </p:txBody>
+      </p:sp>
+      <p:pic>
+        <p:nvPicPr>
+          <p:cNvPr id="3" name="Picture 2"/>
+          <p:cNvPicPr>
+            <a:picLocks noChangeAspect="1"/>
+          </p:cNvPicPr>
+          <p:nvPr/>
+        </p:nvPicPr>
+        <p:blipFill>
+          <a:blip r:embed="rId2">
+            <a:extLst>
+              <a:ext uri="{28A0092B-C50C-407E-A947-70E740481C1C}">
+                <a14:useLocalDpi xmlns:a14="http://schemas.microsoft.com/office/drawing/2010/main" val="0"/>
+              </a:ext>
+            </a:extLst>
+          </a:blip>
+          <a:stretch>
+            <a:fillRect/>
+          </a:stretch>
+        </p:blipFill>
+        <p:spPr>
+          <a:xfrm>
+            <a:off x="724204" y="881346"/>
+            <a:ext cx="685800" cy="685800"/>
+          </a:xfrm>
+          <a:prstGeom prst="rect">
+            <a:avLst/>
+          </a:prstGeom>
+        </p:spPr>
+      </p:pic>
+      <p:sp>
+        <p:nvSpPr>
+          <p:cNvPr id="6" name="TextBox 5"/>
+          <p:cNvSpPr txBox="1"/>
+          <p:nvPr/>
+        </p:nvSpPr>
+        <p:spPr>
+          <a:xfrm>
+            <a:off x="1597642" y="1138872"/>
+            <a:ext cx="2319866" cy="523220"/>
+          </a:xfrm>
+          <a:prstGeom prst="rect">
+            <a:avLst/>
+          </a:prstGeom>
+          <a:noFill/>
+        </p:spPr>
+        <p:txBody>
+          <a:bodyPr wrap="none" rtlCol="0">
+            <a:spAutoFit/>
+          </a:bodyPr>
+          <a:lstStyle/>
+          <a:p>
+            <a:r>
+              <a:rPr lang="en-US" sz="2800" b="1" dirty="0" smtClean="0">
+                <a:latin typeface="Arial" panose="020B0604020202020204" pitchFamily="34" charset="0"/>
+                <a:cs typeface="Arial" panose="020B0604020202020204" pitchFamily="34" charset="0"/>
+              </a:rPr>
+              <a:t>FrontEnd JS</a:t>
+            </a:r>
+            <a:endParaRPr lang="en-US" sz="2800" b="1" dirty="0">
+              <a:latin typeface="Arial" panose="020B0604020202020204" pitchFamily="34" charset="0"/>
+              <a:cs typeface="Arial" panose="020B0604020202020204" pitchFamily="34" charset="0"/>
+            </a:endParaRPr>
+          </a:p>
+        </p:txBody>
+      </p:sp>
+      <p:sp>
+        <p:nvSpPr>
+          <p:cNvPr id="7" name="TextBox 6"/>
+          <p:cNvSpPr txBox="1"/>
+          <p:nvPr/>
+        </p:nvSpPr>
+        <p:spPr>
+          <a:xfrm>
+            <a:off x="257247" y="2089992"/>
+            <a:ext cx="2675541" cy="276999"/>
+          </a:xfrm>
+          <a:prstGeom prst="rect">
+            <a:avLst/>
+          </a:prstGeom>
+          <a:noFill/>
+        </p:spPr>
+        <p:txBody>
+          <a:bodyPr wrap="none" rtlCol="0">
+            <a:spAutoFit/>
+          </a:bodyPr>
+          <a:lstStyle/>
+          <a:p>
+            <a:r>
+              <a:rPr lang="en-US" sz="1200" dirty="0" smtClean="0"/>
+              <a:t>&lt;script </a:t>
+            </a:r>
+            <a:r>
+              <a:rPr lang="en-US" sz="1200" dirty="0" smtClean="0">
+                <a:solidFill>
+                  <a:srgbClr val="002060"/>
+                </a:solidFill>
+              </a:rPr>
+              <a:t>src</a:t>
+            </a:r>
+            <a:r>
+              <a:rPr lang="en-US" sz="1200" dirty="0">
+                <a:solidFill>
+                  <a:srgbClr val="002060"/>
+                </a:solidFill>
+              </a:rPr>
+              <a:t>='/</a:t>
+            </a:r>
+            <a:r>
+              <a:rPr lang="en-US" sz="1200" dirty="0" smtClean="0">
+                <a:solidFill>
+                  <a:srgbClr val="002060"/>
+                </a:solidFill>
+              </a:rPr>
+              <a:t>socket.io/socket.io.js</a:t>
+            </a:r>
+            <a:r>
+              <a:rPr lang="en-US" sz="1200" dirty="0" smtClean="0"/>
+              <a:t>‘/&gt;</a:t>
+            </a:r>
+            <a:endParaRPr lang="en-US" sz="1200" dirty="0"/>
+          </a:p>
+        </p:txBody>
+      </p:sp>
+      <p:sp>
+        <p:nvSpPr>
+          <p:cNvPr id="8" name="TextBox 7"/>
+          <p:cNvSpPr txBox="1"/>
+          <p:nvPr/>
+        </p:nvSpPr>
+        <p:spPr>
+          <a:xfrm>
+            <a:off x="257247" y="2306929"/>
+            <a:ext cx="3983911" cy="1200329"/>
+          </a:xfrm>
+          <a:prstGeom prst="rect">
+            <a:avLst/>
+          </a:prstGeom>
+          <a:noFill/>
+        </p:spPr>
+        <p:txBody>
+          <a:bodyPr wrap="none" rtlCol="0">
+            <a:spAutoFit/>
+          </a:bodyPr>
+          <a:lstStyle/>
+          <a:p>
+            <a:r>
+              <a:rPr lang="en-US" sz="1200" dirty="0" smtClean="0"/>
+              <a:t>&lt;script&gt;</a:t>
+            </a:r>
+          </a:p>
+          <a:p>
+            <a:r>
+              <a:rPr lang="en-US" sz="1200" dirty="0"/>
+              <a:t>	</a:t>
+            </a:r>
+            <a:r>
+              <a:rPr lang="en-US" sz="1200" dirty="0"/>
+              <a:t>const socket = io.connect(</a:t>
+            </a:r>
+            <a:r>
+              <a:rPr lang="en-US" sz="1200" dirty="0">
+                <a:solidFill>
+                  <a:srgbClr val="002060"/>
+                </a:solidFill>
+              </a:rPr>
+              <a:t>'http://localhost:3001</a:t>
+            </a:r>
+            <a:r>
+              <a:rPr lang="en-US" sz="1200" dirty="0" smtClean="0"/>
+              <a:t>');</a:t>
+            </a:r>
+          </a:p>
+          <a:p>
+            <a:r>
+              <a:rPr lang="en-US" sz="1200" dirty="0"/>
+              <a:t>	</a:t>
+            </a:r>
+            <a:r>
+              <a:rPr lang="en-US" sz="1200" dirty="0" smtClean="0"/>
+              <a:t>socket.on(“</a:t>
+            </a:r>
+            <a:r>
+              <a:rPr lang="en-US" sz="1200" dirty="0" smtClean="0">
+                <a:solidFill>
+                  <a:srgbClr val="002060"/>
+                </a:solidFill>
+              </a:rPr>
+              <a:t>EVENT_NAME</a:t>
+            </a:r>
+            <a:r>
+              <a:rPr lang="en-US" sz="1200" dirty="0" smtClean="0"/>
+              <a:t>”, function(</a:t>
+            </a:r>
+            <a:r>
+              <a:rPr lang="en-US" sz="1200" dirty="0" smtClean="0">
+                <a:solidFill>
+                  <a:schemeClr val="accent4">
+                    <a:lumMod val="60000"/>
+                    <a:lumOff val="40000"/>
+                  </a:schemeClr>
+                </a:solidFill>
+              </a:rPr>
+              <a:t>data</a:t>
+            </a:r>
+            <a:r>
+              <a:rPr lang="en-US" sz="1200" dirty="0" smtClean="0"/>
+              <a:t>){</a:t>
+            </a:r>
+          </a:p>
+          <a:p>
+            <a:r>
+              <a:rPr lang="en-US" sz="1200" dirty="0"/>
+              <a:t>	</a:t>
+            </a:r>
+            <a:r>
+              <a:rPr lang="en-US" sz="1200" dirty="0" smtClean="0"/>
+              <a:t>	// do-some-thing</a:t>
+            </a:r>
+          </a:p>
+          <a:p>
+            <a:r>
+              <a:rPr lang="en-US" sz="1200" dirty="0"/>
+              <a:t>	</a:t>
+            </a:r>
+            <a:r>
+              <a:rPr lang="en-US" sz="1200" dirty="0" smtClean="0"/>
+              <a:t>})</a:t>
+            </a:r>
+          </a:p>
+          <a:p>
+            <a:r>
+              <a:rPr lang="en-US" sz="1200" dirty="0" smtClean="0"/>
+              <a:t>&lt;/script&gt;</a:t>
+            </a:r>
+            <a:endParaRPr lang="en-US" sz="1200" dirty="0"/>
+          </a:p>
+        </p:txBody>
+      </p:sp>
+      <p:grpSp>
+        <p:nvGrpSpPr>
+          <p:cNvPr id="16" name="Group 15"/>
+          <p:cNvGrpSpPr/>
+          <p:nvPr/>
+        </p:nvGrpSpPr>
+        <p:grpSpPr>
+          <a:xfrm>
+            <a:off x="5906425" y="881346"/>
+            <a:ext cx="4812683" cy="2593641"/>
+            <a:chOff x="5906425" y="881346"/>
+            <a:chExt cx="4812683" cy="2593641"/>
+          </a:xfrm>
+        </p:grpSpPr>
+        <p:pic>
+          <p:nvPicPr>
+            <p:cNvPr id="9" name="Picture 8"/>
+            <p:cNvPicPr>
+              <a:picLocks noChangeAspect="1"/>
+            </p:cNvPicPr>
+            <p:nvPr/>
+          </p:nvPicPr>
+          <p:blipFill>
+            <a:blip r:embed="rId3">
+              <a:extLst>
+                <a:ext uri="{28A0092B-C50C-407E-A947-70E740481C1C}">
+                  <a14:useLocalDpi xmlns:a14="http://schemas.microsoft.com/office/drawing/2010/main" val="0"/>
+                </a:ext>
+              </a:extLst>
+            </a:blip>
+            <a:stretch>
+              <a:fillRect/>
+            </a:stretch>
+          </p:blipFill>
+          <p:spPr>
+            <a:xfrm>
+              <a:off x="5943905" y="881346"/>
+              <a:ext cx="685800" cy="685800"/>
+            </a:xfrm>
+            <a:prstGeom prst="rect">
+              <a:avLst/>
+            </a:prstGeom>
+          </p:spPr>
+        </p:pic>
+        <p:sp>
+          <p:nvSpPr>
+            <p:cNvPr id="10" name="TextBox 9"/>
+            <p:cNvSpPr txBox="1"/>
+            <p:nvPr/>
+          </p:nvSpPr>
+          <p:spPr>
+            <a:xfrm>
+              <a:off x="6817342" y="1043926"/>
+              <a:ext cx="2262158" cy="523220"/>
+            </a:xfrm>
+            <a:prstGeom prst="rect">
+              <a:avLst/>
+            </a:prstGeom>
+            <a:noFill/>
+          </p:spPr>
+          <p:txBody>
+            <a:bodyPr wrap="none" rtlCol="0">
+              <a:spAutoFit/>
+            </a:bodyPr>
+            <a:lstStyle/>
+            <a:p>
+              <a:r>
+                <a:rPr lang="en-US" sz="2800" b="1" dirty="0" smtClean="0">
+                  <a:latin typeface="Arial" panose="020B0604020202020204" pitchFamily="34" charset="0"/>
+                  <a:cs typeface="Arial" panose="020B0604020202020204" pitchFamily="34" charset="0"/>
+                </a:rPr>
+                <a:t>BackEnd JS</a:t>
+              </a:r>
+              <a:endParaRPr lang="en-US" sz="2800" b="1" dirty="0">
+                <a:latin typeface="Arial" panose="020B0604020202020204" pitchFamily="34" charset="0"/>
+                <a:cs typeface="Arial" panose="020B0604020202020204" pitchFamily="34" charset="0"/>
+              </a:endParaRPr>
+            </a:p>
+          </p:txBody>
+        </p:sp>
+        <p:sp>
+          <p:nvSpPr>
+            <p:cNvPr id="11" name="TextBox 10"/>
+            <p:cNvSpPr txBox="1"/>
+            <p:nvPr/>
+          </p:nvSpPr>
+          <p:spPr>
+            <a:xfrm>
+              <a:off x="5906425" y="2089992"/>
+              <a:ext cx="4812683" cy="1384995"/>
+            </a:xfrm>
+            <a:prstGeom prst="rect">
+              <a:avLst/>
+            </a:prstGeom>
+            <a:noFill/>
+          </p:spPr>
+          <p:txBody>
+            <a:bodyPr wrap="square" rtlCol="0">
+              <a:spAutoFit/>
+            </a:bodyPr>
+            <a:lstStyle/>
+            <a:p>
+              <a:r>
+                <a:rPr lang="en-US" sz="1200" dirty="0"/>
+                <a:t>const </a:t>
+              </a:r>
+              <a:r>
+                <a:rPr lang="en-US" sz="1200" dirty="0">
+                  <a:solidFill>
+                    <a:srgbClr val="002060"/>
+                  </a:solidFill>
+                </a:rPr>
+                <a:t>io</a:t>
+              </a:r>
+              <a:r>
+                <a:rPr lang="en-US" sz="1200" dirty="0"/>
+                <a:t> = require("socket.io")(server);</a:t>
+              </a:r>
+            </a:p>
+            <a:p>
+              <a:r>
+                <a:rPr lang="en-US" sz="1200" dirty="0">
+                  <a:solidFill>
+                    <a:srgbClr val="002060"/>
+                  </a:solidFill>
+                </a:rPr>
+                <a:t>io</a:t>
+              </a:r>
+              <a:r>
+                <a:rPr lang="en-US" sz="1200" dirty="0"/>
+                <a:t>.on("</a:t>
+              </a:r>
+              <a:r>
+                <a:rPr lang="en-US" sz="1200" dirty="0">
+                  <a:solidFill>
+                    <a:srgbClr val="002060"/>
+                  </a:solidFill>
+                </a:rPr>
+                <a:t>connection</a:t>
+              </a:r>
+              <a:r>
+                <a:rPr lang="en-US" sz="1200" dirty="0"/>
+                <a:t>", (socket) =&gt; {</a:t>
+              </a:r>
+            </a:p>
+            <a:p>
+              <a:r>
+                <a:rPr lang="en-US" sz="1200" dirty="0"/>
+                <a:t>    </a:t>
+              </a:r>
+              <a:r>
+                <a:rPr lang="en-US" sz="1200" dirty="0" smtClean="0"/>
+                <a:t>// do-some-thing</a:t>
+              </a:r>
+              <a:endParaRPr lang="en-US" sz="1200" dirty="0"/>
+            </a:p>
+            <a:p>
+              <a:r>
+                <a:rPr lang="en-US" sz="1200" dirty="0"/>
+                <a:t>});</a:t>
+              </a:r>
+            </a:p>
+            <a:p>
+              <a:r>
+                <a:rPr lang="en-US" sz="1200" dirty="0">
+                  <a:solidFill>
+                    <a:srgbClr val="002060"/>
+                  </a:solidFill>
+                </a:rPr>
+                <a:t>io</a:t>
+              </a:r>
+              <a:r>
+                <a:rPr lang="en-US" sz="1200" dirty="0"/>
+                <a:t>.on('</a:t>
+              </a:r>
+              <a:r>
+                <a:rPr lang="en-US" sz="1200" dirty="0">
+                  <a:solidFill>
+                    <a:srgbClr val="002060"/>
+                  </a:solidFill>
+                </a:rPr>
+                <a:t>disconnect</a:t>
+              </a:r>
+              <a:r>
+                <a:rPr lang="en-US" sz="1200" dirty="0"/>
+                <a:t>', </a:t>
+              </a:r>
+              <a:r>
+                <a:rPr lang="en-US" sz="1200" dirty="0" smtClean="0"/>
+                <a:t>(socket</a:t>
+              </a:r>
+              <a:r>
+                <a:rPr lang="en-US" sz="1200" dirty="0"/>
+                <a:t>) =&gt; {</a:t>
+              </a:r>
+            </a:p>
+            <a:p>
+              <a:r>
+                <a:rPr lang="en-US" sz="1200" dirty="0"/>
+                <a:t>    </a:t>
+              </a:r>
+              <a:r>
+                <a:rPr lang="en-US" sz="1200" dirty="0" smtClean="0"/>
+                <a:t>// do-some-thing</a:t>
+              </a:r>
+              <a:endParaRPr lang="en-US" sz="1200" dirty="0"/>
+            </a:p>
+            <a:p>
+              <a:r>
+                <a:rPr lang="en-US" sz="1200" dirty="0" smtClean="0"/>
+                <a:t>});</a:t>
+              </a:r>
+              <a:endParaRPr lang="en-US" sz="1200" dirty="0"/>
+            </a:p>
+          </p:txBody>
+        </p:sp>
+        <p:sp>
+          <p:nvSpPr>
+            <p:cNvPr id="12" name="TextBox 11"/>
+            <p:cNvSpPr txBox="1"/>
+            <p:nvPr/>
+          </p:nvSpPr>
+          <p:spPr>
+            <a:xfrm>
+              <a:off x="5906425" y="1823061"/>
+              <a:ext cx="850283" cy="307777"/>
+            </a:xfrm>
+            <a:prstGeom prst="rect">
+              <a:avLst/>
+            </a:prstGeom>
+            <a:noFill/>
+          </p:spPr>
+          <p:txBody>
+            <a:bodyPr wrap="square" rtlCol="0">
+              <a:spAutoFit/>
+            </a:bodyPr>
+            <a:lstStyle/>
+            <a:p>
+              <a:r>
+                <a:rPr lang="en-US" sz="1400" u="sng" dirty="0" smtClean="0">
+                  <a:solidFill>
+                    <a:schemeClr val="accent6"/>
+                  </a:solidFill>
+                  <a:latin typeface="Arial" panose="020B0604020202020204" pitchFamily="34" charset="0"/>
+                  <a:cs typeface="Arial" panose="020B0604020202020204" pitchFamily="34" charset="0"/>
+                </a:rPr>
+                <a:t>Index.js</a:t>
+              </a:r>
+              <a:endParaRPr lang="en-US" sz="1400" u="sng" dirty="0">
+                <a:solidFill>
+                  <a:schemeClr val="accent6"/>
+                </a:solidFill>
+                <a:latin typeface="Arial" panose="020B0604020202020204" pitchFamily="34" charset="0"/>
+                <a:cs typeface="Arial" panose="020B0604020202020204" pitchFamily="34" charset="0"/>
+              </a:endParaRPr>
+            </a:p>
+          </p:txBody>
+        </p:sp>
+      </p:grpSp>
+      <p:grpSp>
+        <p:nvGrpSpPr>
+          <p:cNvPr id="18" name="Group 17"/>
+          <p:cNvGrpSpPr/>
+          <p:nvPr/>
+        </p:nvGrpSpPr>
+        <p:grpSpPr>
+          <a:xfrm>
+            <a:off x="3475861" y="3812047"/>
+            <a:ext cx="4069220" cy="2795180"/>
+            <a:chOff x="3475861" y="3812047"/>
+            <a:chExt cx="4069220" cy="2795180"/>
+          </a:xfrm>
+        </p:grpSpPr>
+        <p:sp>
+          <p:nvSpPr>
+            <p:cNvPr id="13" name="TextBox 12"/>
+            <p:cNvSpPr txBox="1"/>
+            <p:nvPr/>
+          </p:nvSpPr>
+          <p:spPr>
+            <a:xfrm>
+              <a:off x="3475862" y="3812047"/>
+              <a:ext cx="1979405" cy="307777"/>
+            </a:xfrm>
+            <a:prstGeom prst="rect">
+              <a:avLst/>
+            </a:prstGeom>
+            <a:noFill/>
+          </p:spPr>
+          <p:txBody>
+            <a:bodyPr wrap="square" rtlCol="0">
+              <a:spAutoFit/>
+            </a:bodyPr>
+            <a:lstStyle/>
+            <a:p>
+              <a:r>
+                <a:rPr lang="en-US" sz="1400" dirty="0" smtClean="0">
+                  <a:solidFill>
+                    <a:schemeClr val="accent6"/>
+                  </a:solidFill>
+                  <a:latin typeface="Arial" panose="020B0604020202020204" pitchFamily="34" charset="0"/>
+                  <a:cs typeface="Arial" panose="020B0604020202020204" pitchFamily="34" charset="0"/>
+                </a:rPr>
+                <a:t>Trao đổi dữ liệu</a:t>
+              </a:r>
+              <a:endParaRPr lang="en-US" sz="1400" dirty="0">
+                <a:solidFill>
+                  <a:schemeClr val="accent6"/>
+                </a:solidFill>
+                <a:latin typeface="Arial" panose="020B0604020202020204" pitchFamily="34" charset="0"/>
+                <a:cs typeface="Arial" panose="020B0604020202020204" pitchFamily="34" charset="0"/>
+              </a:endParaRPr>
+            </a:p>
+          </p:txBody>
+        </p:sp>
+        <p:grpSp>
+          <p:nvGrpSpPr>
+            <p:cNvPr id="17" name="Group 16"/>
+            <p:cNvGrpSpPr/>
+            <p:nvPr/>
+          </p:nvGrpSpPr>
+          <p:grpSpPr>
+            <a:xfrm>
+              <a:off x="3475861" y="4042675"/>
+              <a:ext cx="4069220" cy="2564552"/>
+              <a:chOff x="3475861" y="3945458"/>
+              <a:chExt cx="4069220" cy="2564552"/>
+            </a:xfrm>
+          </p:grpSpPr>
+          <p:sp>
+            <p:nvSpPr>
+              <p:cNvPr id="14" name="TextBox 13"/>
+              <p:cNvSpPr txBox="1"/>
+              <p:nvPr/>
+            </p:nvSpPr>
+            <p:spPr>
+              <a:xfrm>
+                <a:off x="3475861" y="3945458"/>
+                <a:ext cx="4069219" cy="1815882"/>
+              </a:xfrm>
+              <a:prstGeom prst="rect">
+                <a:avLst/>
+              </a:prstGeom>
+              <a:noFill/>
+            </p:spPr>
+            <p:txBody>
+              <a:bodyPr wrap="square" rtlCol="0">
+                <a:spAutoFit/>
+              </a:bodyPr>
+              <a:lstStyle/>
+              <a:p>
+                <a:r>
+                  <a:rPr lang="en-US" sz="1400" dirty="0" smtClean="0"/>
+                  <a:t>Gửi dữ liệu đến 1 socket được chỉ định:</a:t>
+                </a:r>
+              </a:p>
+              <a:p>
+                <a:r>
+                  <a:rPr lang="en-US" sz="1400" dirty="0"/>
+                  <a:t>	</a:t>
+                </a:r>
+                <a:r>
+                  <a:rPr lang="en-US" sz="1400" dirty="0" smtClean="0"/>
+                  <a:t>socket.emit(“</a:t>
+                </a:r>
+                <a:r>
+                  <a:rPr lang="en-US" sz="1400" dirty="0" smtClean="0">
+                    <a:solidFill>
+                      <a:srgbClr val="002060"/>
+                    </a:solidFill>
+                  </a:rPr>
+                  <a:t>EVENT_NAME</a:t>
+                </a:r>
+                <a:r>
+                  <a:rPr lang="en-US" sz="1400" dirty="0" smtClean="0"/>
+                  <a:t>”, </a:t>
+                </a:r>
+                <a:r>
+                  <a:rPr lang="en-US" sz="1400" dirty="0" smtClean="0">
+                    <a:solidFill>
+                      <a:schemeClr val="accent4">
+                        <a:lumMod val="60000"/>
+                        <a:lumOff val="40000"/>
+                      </a:schemeClr>
+                    </a:solidFill>
+                  </a:rPr>
+                  <a:t>data</a:t>
+                </a:r>
+                <a:r>
+                  <a:rPr lang="en-US" sz="1400" dirty="0" smtClean="0"/>
+                  <a:t>);</a:t>
+                </a:r>
+              </a:p>
+              <a:p>
+                <a:endParaRPr lang="en-US" sz="1400" dirty="0" smtClean="0"/>
+              </a:p>
+              <a:p>
+                <a:r>
+                  <a:rPr lang="en-US" sz="1400" dirty="0" smtClean="0"/>
+                  <a:t>Lắng nghe sự kiện:</a:t>
+                </a:r>
+              </a:p>
+              <a:p>
+                <a:r>
+                  <a:rPr lang="en-US" sz="1400" dirty="0"/>
+                  <a:t>	socket.on(“</a:t>
+                </a:r>
+                <a:r>
+                  <a:rPr lang="en-US" sz="1400" dirty="0">
+                    <a:solidFill>
+                      <a:srgbClr val="002060"/>
+                    </a:solidFill>
+                  </a:rPr>
+                  <a:t>EVENT_NAME</a:t>
+                </a:r>
+                <a:r>
+                  <a:rPr lang="en-US" sz="1400" dirty="0"/>
+                  <a:t>”, function(</a:t>
+                </a:r>
+                <a:r>
+                  <a:rPr lang="en-US" sz="1400" dirty="0">
+                    <a:solidFill>
+                      <a:schemeClr val="accent4">
+                        <a:lumMod val="60000"/>
+                        <a:lumOff val="40000"/>
+                      </a:schemeClr>
+                    </a:solidFill>
+                  </a:rPr>
+                  <a:t>data</a:t>
+                </a:r>
+                <a:r>
+                  <a:rPr lang="en-US" sz="1400" dirty="0"/>
+                  <a:t>){</a:t>
+                </a:r>
+              </a:p>
+              <a:p>
+                <a:r>
+                  <a:rPr lang="en-US" sz="1400" dirty="0"/>
+                  <a:t>		// do-some-thing</a:t>
+                </a:r>
+              </a:p>
+              <a:p>
+                <a:r>
+                  <a:rPr lang="en-US" sz="1400" dirty="0"/>
+                  <a:t>	})</a:t>
+                </a:r>
+              </a:p>
+              <a:p>
+                <a:endParaRPr lang="en-US" sz="1400" dirty="0" smtClean="0"/>
+              </a:p>
+            </p:txBody>
+          </p:sp>
+          <p:sp>
+            <p:nvSpPr>
+              <p:cNvPr id="15" name="TextBox 14"/>
+              <p:cNvSpPr txBox="1"/>
+              <p:nvPr/>
+            </p:nvSpPr>
+            <p:spPr>
+              <a:xfrm>
+                <a:off x="3475862" y="5986790"/>
+                <a:ext cx="4069219" cy="523220"/>
+              </a:xfrm>
+              <a:prstGeom prst="rect">
+                <a:avLst/>
+              </a:prstGeom>
+              <a:noFill/>
+            </p:spPr>
+            <p:txBody>
+              <a:bodyPr wrap="square" rtlCol="0">
+                <a:spAutoFit/>
+              </a:bodyPr>
+              <a:lstStyle/>
+              <a:p>
+                <a:r>
+                  <a:rPr lang="en-US" sz="1400" dirty="0" smtClean="0"/>
+                  <a:t>Gửi dữ liệu đến tất cả socket</a:t>
+                </a:r>
+              </a:p>
+              <a:p>
+                <a:r>
+                  <a:rPr lang="en-US" sz="1400" dirty="0"/>
+                  <a:t>	</a:t>
+                </a:r>
+                <a:r>
+                  <a:rPr lang="en-US" sz="1400" dirty="0" smtClean="0"/>
+                  <a:t>io.emit(“</a:t>
+                </a:r>
+                <a:r>
+                  <a:rPr lang="en-US" sz="1400" dirty="0" smtClean="0">
+                    <a:solidFill>
+                      <a:srgbClr val="002060"/>
+                    </a:solidFill>
+                  </a:rPr>
+                  <a:t>EVENT_NAME</a:t>
+                </a:r>
+                <a:r>
+                  <a:rPr lang="en-US" sz="1400" dirty="0" smtClean="0"/>
+                  <a:t>”, </a:t>
+                </a:r>
+                <a:r>
+                  <a:rPr lang="en-US" sz="1400" dirty="0" smtClean="0">
+                    <a:solidFill>
+                      <a:schemeClr val="accent4">
+                        <a:lumMod val="60000"/>
+                        <a:lumOff val="40000"/>
+                      </a:schemeClr>
+                    </a:solidFill>
+                  </a:rPr>
+                  <a:t>data</a:t>
+                </a:r>
+                <a:r>
+                  <a:rPr lang="en-US" sz="1400" dirty="0" smtClean="0"/>
+                  <a:t>);</a:t>
+                </a:r>
+              </a:p>
+            </p:txBody>
+          </p:sp>
+        </p:grpSp>
+      </p:grpSp>
     </p:spTree>
     <p:extLst>
       <p:ext uri="{BB962C8B-B14F-4D97-AF65-F5344CB8AC3E}">
-        <p14:creationId xmlns:p14="http://schemas.microsoft.com/office/powerpoint/2010/main" val="1411171278"/>
+        <p14:creationId xmlns:p14="http://schemas.microsoft.com/office/powerpoint/2010/main" val="2738543207"/>
+      </p:ext>
+    </p:extLst>
+  </p:cSld>
+  <p:clrMapOvr>
+    <a:masterClrMapping/>
+  </p:clrMapOvr>
+  <mc:AlternateContent xmlns:mc="http://schemas.openxmlformats.org/markup-compatibility/2006">
+    <mc:Choice xmlns:p14="http://schemas.microsoft.com/office/powerpoint/2010/main" Requires="p14">
+      <p:transition spd="med" p14:dur="700">
+        <p:fade/>
+      </p:transition>
+    </mc:Choice>
+    <mc:Fallback>
+      <p:transition spd="med">
+        <p:fade/>
+      </p:transition>
+    </mc:Fallback>
+  </mc:AlternateContent>
+  <p:timing>
+    <p:tnLst>
+      <p:par>
+        <p:cTn id="1" dur="indefinite" restart="never" nodeType="tmRoot">
+          <p:childTnLst>
+            <p:seq concurrent="1" nextAc="seek">
+              <p:cTn id="2" dur="indefinite" nodeType="mainSeq">
+                <p:childTnLst>
+                  <p:par>
+                    <p:cTn id="3" fill="hold">
+                      <p:stCondLst>
+                        <p:cond delay="indefinite"/>
+                      </p:stCondLst>
+                      <p:childTnLst>
+                        <p:par>
+                          <p:cTn id="4" fill="hold">
+                            <p:stCondLst>
+                              <p:cond delay="0"/>
+                            </p:stCondLst>
+                            <p:childTnLst>
+                              <p:par>
+                                <p:cTn id="5" presetID="10" presetClass="entr" presetSubtype="0" fill="hold" nodeType="clickEffect">
+                                  <p:stCondLst>
+                                    <p:cond delay="0"/>
+                                  </p:stCondLst>
+                                  <p:childTnLst>
+                                    <p:set>
+                                      <p:cBhvr>
+                                        <p:cTn id="6" dur="1" fill="hold">
+                                          <p:stCondLst>
+                                            <p:cond delay="0"/>
+                                          </p:stCondLst>
+                                        </p:cTn>
+                                        <p:tgtEl>
+                                          <p:spTgt spid="3"/>
+                                        </p:tgtEl>
+                                        <p:attrNameLst>
+                                          <p:attrName>style.visibility</p:attrName>
+                                        </p:attrNameLst>
+                                      </p:cBhvr>
+                                      <p:to>
+                                        <p:strVal val="visible"/>
+                                      </p:to>
+                                    </p:set>
+                                    <p:animEffect transition="in" filter="fade">
+                                      <p:cBhvr>
+                                        <p:cTn id="7" dur="500"/>
+                                        <p:tgtEl>
+                                          <p:spTgt spid="3"/>
+                                        </p:tgtEl>
+                                      </p:cBhvr>
+                                    </p:animEffect>
+                                  </p:childTnLst>
+                                </p:cTn>
+                              </p:par>
+                              <p:par>
+                                <p:cTn id="8" presetID="10" presetClass="entr" presetSubtype="0" fill="hold" grpId="0" nodeType="withEffect">
+                                  <p:stCondLst>
+                                    <p:cond delay="0"/>
+                                  </p:stCondLst>
+                                  <p:childTnLst>
+                                    <p:set>
+                                      <p:cBhvr>
+                                        <p:cTn id="9" dur="1" fill="hold">
+                                          <p:stCondLst>
+                                            <p:cond delay="0"/>
+                                          </p:stCondLst>
+                                        </p:cTn>
+                                        <p:tgtEl>
+                                          <p:spTgt spid="6"/>
+                                        </p:tgtEl>
+                                        <p:attrNameLst>
+                                          <p:attrName>style.visibility</p:attrName>
+                                        </p:attrNameLst>
+                                      </p:cBhvr>
+                                      <p:to>
+                                        <p:strVal val="visible"/>
+                                      </p:to>
+                                    </p:set>
+                                    <p:animEffect transition="in" filter="fade">
+                                      <p:cBhvr>
+                                        <p:cTn id="10" dur="500"/>
+                                        <p:tgtEl>
+                                          <p:spTgt spid="6"/>
+                                        </p:tgtEl>
+                                      </p:cBhvr>
+                                    </p:animEffect>
+                                  </p:childTnLst>
+                                </p:cTn>
+                              </p:par>
+                              <p:par>
+                                <p:cTn id="11" presetID="10" presetClass="entr" presetSubtype="0" fill="hold" grpId="0" nodeType="withEffect">
+                                  <p:stCondLst>
+                                    <p:cond delay="0"/>
+                                  </p:stCondLst>
+                                  <p:childTnLst>
+                                    <p:set>
+                                      <p:cBhvr>
+                                        <p:cTn id="12" dur="1" fill="hold">
+                                          <p:stCondLst>
+                                            <p:cond delay="0"/>
+                                          </p:stCondLst>
+                                        </p:cTn>
+                                        <p:tgtEl>
+                                          <p:spTgt spid="8"/>
+                                        </p:tgtEl>
+                                        <p:attrNameLst>
+                                          <p:attrName>style.visibility</p:attrName>
+                                        </p:attrNameLst>
+                                      </p:cBhvr>
+                                      <p:to>
+                                        <p:strVal val="visible"/>
+                                      </p:to>
+                                    </p:set>
+                                    <p:animEffect transition="in" filter="fade">
+                                      <p:cBhvr>
+                                        <p:cTn id="13" dur="500"/>
+                                        <p:tgtEl>
+                                          <p:spTgt spid="8"/>
+                                        </p:tgtEl>
+                                      </p:cBhvr>
+                                    </p:animEffect>
+                                  </p:childTnLst>
+                                </p:cTn>
+                              </p:par>
+                              <p:par>
+                                <p:cTn id="14" presetID="10" presetClass="entr" presetSubtype="0" fill="hold" grpId="0" nodeType="withEffect">
+                                  <p:stCondLst>
+                                    <p:cond delay="0"/>
+                                  </p:stCondLst>
+                                  <p:childTnLst>
+                                    <p:set>
+                                      <p:cBhvr>
+                                        <p:cTn id="15" dur="1" fill="hold">
+                                          <p:stCondLst>
+                                            <p:cond delay="0"/>
+                                          </p:stCondLst>
+                                        </p:cTn>
+                                        <p:tgtEl>
+                                          <p:spTgt spid="7"/>
+                                        </p:tgtEl>
+                                        <p:attrNameLst>
+                                          <p:attrName>style.visibility</p:attrName>
+                                        </p:attrNameLst>
+                                      </p:cBhvr>
+                                      <p:to>
+                                        <p:strVal val="visible"/>
+                                      </p:to>
+                                    </p:set>
+                                    <p:animEffect transition="in" filter="fade">
+                                      <p:cBhvr>
+                                        <p:cTn id="16" dur="500"/>
+                                        <p:tgtEl>
+                                          <p:spTgt spid="7"/>
+                                        </p:tgtEl>
+                                      </p:cBhvr>
+                                    </p:animEffect>
+                                  </p:childTnLst>
+                                </p:cTn>
+                              </p:par>
+                            </p:childTnLst>
+                          </p:cTn>
+                        </p:par>
+                      </p:childTnLst>
+                    </p:cTn>
+                  </p:par>
+                  <p:par>
+                    <p:cTn id="17" fill="hold">
+                      <p:stCondLst>
+                        <p:cond delay="indefinite"/>
+                      </p:stCondLst>
+                      <p:childTnLst>
+                        <p:par>
+                          <p:cTn id="18" fill="hold">
+                            <p:stCondLst>
+                              <p:cond delay="0"/>
+                            </p:stCondLst>
+                            <p:childTnLst>
+                              <p:par>
+                                <p:cTn id="19" presetID="10" presetClass="entr" presetSubtype="0" fill="hold" nodeType="clickEffect">
+                                  <p:stCondLst>
+                                    <p:cond delay="0"/>
+                                  </p:stCondLst>
+                                  <p:childTnLst>
+                                    <p:set>
+                                      <p:cBhvr>
+                                        <p:cTn id="20" dur="1" fill="hold">
+                                          <p:stCondLst>
+                                            <p:cond delay="0"/>
+                                          </p:stCondLst>
+                                        </p:cTn>
+                                        <p:tgtEl>
+                                          <p:spTgt spid="16"/>
+                                        </p:tgtEl>
+                                        <p:attrNameLst>
+                                          <p:attrName>style.visibility</p:attrName>
+                                        </p:attrNameLst>
+                                      </p:cBhvr>
+                                      <p:to>
+                                        <p:strVal val="visible"/>
+                                      </p:to>
+                                    </p:set>
+                                    <p:animEffect transition="in" filter="fade">
+                                      <p:cBhvr>
+                                        <p:cTn id="21" dur="500"/>
+                                        <p:tgtEl>
+                                          <p:spTgt spid="16"/>
+                                        </p:tgtEl>
+                                      </p:cBhvr>
+                                    </p:animEffect>
+                                  </p:childTnLst>
+                                </p:cTn>
+                              </p:par>
+                            </p:childTnLst>
+                          </p:cTn>
+                        </p:par>
+                      </p:childTnLst>
+                    </p:cTn>
+                  </p:par>
+                  <p:par>
+                    <p:cTn id="22" fill="hold">
+                      <p:stCondLst>
+                        <p:cond delay="indefinite"/>
+                      </p:stCondLst>
+                      <p:childTnLst>
+                        <p:par>
+                          <p:cTn id="23" fill="hold">
+                            <p:stCondLst>
+                              <p:cond delay="0"/>
+                            </p:stCondLst>
+                            <p:childTnLst>
+                              <p:par>
+                                <p:cTn id="24" presetID="10" presetClass="entr" presetSubtype="0" fill="hold" nodeType="clickEffect">
+                                  <p:stCondLst>
+                                    <p:cond delay="0"/>
+                                  </p:stCondLst>
+                                  <p:childTnLst>
+                                    <p:set>
+                                      <p:cBhvr>
+                                        <p:cTn id="25" dur="1" fill="hold">
+                                          <p:stCondLst>
+                                            <p:cond delay="0"/>
+                                          </p:stCondLst>
+                                        </p:cTn>
+                                        <p:tgtEl>
+                                          <p:spTgt spid="18"/>
+                                        </p:tgtEl>
+                                        <p:attrNameLst>
+                                          <p:attrName>style.visibility</p:attrName>
+                                        </p:attrNameLst>
+                                      </p:cBhvr>
+                                      <p:to>
+                                        <p:strVal val="visible"/>
+                                      </p:to>
+                                    </p:set>
+                                    <p:animEffect transition="in" filter="fade">
+                                      <p:cBhvr>
+                                        <p:cTn id="26" dur="500"/>
+                                        <p:tgtEl>
+                                          <p:spTgt spid="18"/>
+                                        </p:tgtEl>
+                                      </p:cBhvr>
+                                    </p:animEffect>
+                                  </p:childTnLst>
+                                </p:cTn>
+                              </p:par>
+                            </p:childTnLst>
+                          </p:cTn>
+                        </p:par>
+                      </p:childTnLst>
+                    </p:cTn>
+                  </p:par>
+                </p:childTnLst>
+              </p:cTn>
+              <p:prevCondLst>
+                <p:cond evt="onPrev" delay="0">
+                  <p:tgtEl>
+                    <p:sldTgt/>
+                  </p:tgtEl>
+                </p:cond>
+              </p:prevCondLst>
+              <p:nextCondLst>
+                <p:cond evt="onNext" delay="0">
+                  <p:tgtEl>
+                    <p:sldTgt/>
+                  </p:tgtEl>
+                </p:cond>
+              </p:nextCondLst>
+            </p:seq>
+          </p:childTnLst>
+        </p:cTn>
+      </p:par>
+    </p:tnLst>
+    <p:bldLst>
+      <p:bldP spid="6" grpId="0"/>
+      <p:bldP spid="7" grpId="0"/>
+      <p:bldP spid="8" grpId="0"/>
+    </p:bldLst>
+  </p:timing>
+</p:sld>
+</file>
+
+<file path=ppt/slides/slide8.xml><?xml version="1.0" encoding="utf-8"?>
+<p:sld xmlns:a="http://schemas.openxmlformats.org/drawingml/2006/main" xmlns:r="http://schemas.openxmlformats.org/officeDocument/2006/relationships" xmlns:p="http://schemas.openxmlformats.org/presentationml/2006/main">
+  <p:cSld>
+    <p:spTree>
+      <p:nvGrpSpPr>
+        <p:cNvPr id="1" name=""/>
+        <p:cNvGrpSpPr/>
+        <p:nvPr/>
+      </p:nvGrpSpPr>
+      <p:grpSpPr>
+        <a:xfrm>
+          <a:off x="0" y="0"/>
+          <a:ext cx="0" cy="0"/>
+          <a:chOff x="0" y="0"/>
+          <a:chExt cx="0" cy="0"/>
+        </a:xfrm>
+      </p:grpSpPr>
+      <p:sp>
+        <p:nvSpPr>
+          <p:cNvPr id="4" name="Slide Number Placeholder 3"/>
+          <p:cNvSpPr>
+            <a:spLocks noGrp="1"/>
+          </p:cNvSpPr>
+          <p:nvPr>
+            <p:ph type="sldNum" sz="quarter" idx="12"/>
+          </p:nvPr>
+        </p:nvSpPr>
+        <p:spPr/>
+        <p:txBody>
+          <a:bodyPr/>
+          <a:lstStyle/>
+          <a:p>
+            <a:fld id="{D57F1E4F-1CFF-5643-939E-217C01CDF565}" type="slidenum">
+              <a:rPr lang="en-US" smtClean="0"/>
+              <a:pPr/>
+              <a:t>8</a:t>
+            </a:fld>
+            <a:endParaRPr lang="en-US" dirty="0"/>
+          </a:p>
+        </p:txBody>
+      </p:sp>
+      <p:sp>
+        <p:nvSpPr>
+          <p:cNvPr id="5" name="TextBox 4"/>
+          <p:cNvSpPr txBox="1"/>
+          <p:nvPr/>
+        </p:nvSpPr>
+        <p:spPr>
+          <a:xfrm>
+            <a:off x="9520606" y="281927"/>
+            <a:ext cx="1984839" cy="523220"/>
+          </a:xfrm>
+          <a:prstGeom prst="rect">
+            <a:avLst/>
+          </a:prstGeom>
+          <a:noFill/>
+        </p:spPr>
+        <p:txBody>
+          <a:bodyPr wrap="none" rtlCol="0">
+            <a:spAutoFit/>
+          </a:bodyPr>
+          <a:lstStyle/>
+          <a:p>
+            <a:pPr algn="r"/>
+            <a:r>
+              <a:rPr lang="en-US" sz="2800" b="1" dirty="0" smtClean="0">
+                <a:latin typeface="Arial" panose="020B0604020202020204" pitchFamily="34" charset="0"/>
+                <a:cs typeface="Arial" panose="020B0604020202020204" pitchFamily="34" charset="0"/>
+              </a:rPr>
+              <a:t>NỘI DUNG</a:t>
+            </a:r>
+            <a:endParaRPr lang="en-US" sz="2800" b="1" dirty="0">
+              <a:latin typeface="Arial" panose="020B0604020202020204" pitchFamily="34" charset="0"/>
+              <a:cs typeface="Arial" panose="020B0604020202020204" pitchFamily="34" charset="0"/>
+            </a:endParaRPr>
+          </a:p>
+        </p:txBody>
+      </p:sp>
+      <p:sp>
+        <p:nvSpPr>
+          <p:cNvPr id="2" name="TextBox 1"/>
+          <p:cNvSpPr txBox="1"/>
+          <p:nvPr/>
+        </p:nvSpPr>
+        <p:spPr>
+          <a:xfrm>
+            <a:off x="5276850" y="2628900"/>
+            <a:ext cx="1793696" cy="461665"/>
+          </a:xfrm>
+          <a:prstGeom prst="rect">
+            <a:avLst/>
+          </a:prstGeom>
+          <a:noFill/>
+        </p:spPr>
+        <p:txBody>
+          <a:bodyPr wrap="none" rtlCol="0">
+            <a:spAutoFit/>
+          </a:bodyPr>
+          <a:lstStyle/>
+          <a:p>
+            <a:r>
+              <a:rPr lang="en-US" sz="2400" b="1" dirty="0" smtClean="0"/>
+              <a:t>Thank You!</a:t>
+            </a:r>
+            <a:endParaRPr lang="en-US" sz="2400" b="1" dirty="0"/>
+          </a:p>
+        </p:txBody>
+      </p:sp>
+    </p:spTree>
+    <p:extLst>
+      <p:ext uri="{BB962C8B-B14F-4D97-AF65-F5344CB8AC3E}">
+        <p14:creationId xmlns:p14="http://schemas.microsoft.com/office/powerpoint/2010/main" val="2151670715"/>
       </p:ext>
     </p:extLst>
   </p:cSld>

--- a/Slide.pptx
+++ b/Slide.pptx
@@ -5735,27 +5735,7 @@
                 <a:latin typeface="Arial" panose="020B0604020202020204" pitchFamily="34" charset="0"/>
                 <a:cs typeface="Arial" panose="020B0604020202020204" pitchFamily="34" charset="0"/>
               </a:rPr>
-              <a:t>Công Nghệ Web và </a:t>
-            </a:r>
-            <a:r>
-              <a:rPr lang="en-US" sz="3200" dirty="0" smtClean="0">
-                <a:solidFill>
-                  <a:schemeClr val="tx1"/>
-                </a:solidFill>
-                <a:latin typeface="Arial" panose="020B0604020202020204" pitchFamily="34" charset="0"/>
-                <a:cs typeface="Arial" panose="020B0604020202020204" pitchFamily="34" charset="0"/>
-              </a:rPr>
-              <a:t>Dịch </a:t>
-            </a:r>
-            <a:r>
-              <a:rPr lang="en-US" sz="3200" dirty="0" smtClean="0">
-                <a:solidFill>
-                  <a:schemeClr val="tx1"/>
-                </a:solidFill>
-                <a:latin typeface="Arial" panose="020B0604020202020204" pitchFamily="34" charset="0"/>
-                <a:cs typeface="Arial" panose="020B0604020202020204" pitchFamily="34" charset="0"/>
-              </a:rPr>
-              <a:t>vụ trực tuyến</a:t>
+              <a:t>Công Nghệ Web và Dịch vụ trực tuyến</a:t>
             </a:r>
           </a:p>
           <a:p>
@@ -6176,8 +6156,35 @@
                 <a:latin typeface="Arial" panose="020B0604020202020204" pitchFamily="34" charset="0"/>
                 <a:cs typeface="Arial" panose="020B0604020202020204" pitchFamily="34" charset="0"/>
               </a:rPr>
-              <a:t>Đinh Quang Đạt – 2017xxxx</a:t>
-            </a:r>
+              <a:t>Đinh Quang Đạt </a:t>
+            </a:r>
+            <a:r>
+              <a:rPr lang="en-US" sz="1400" smtClean="0">
+                <a:solidFill>
+                  <a:schemeClr val="bg1"/>
+                </a:solidFill>
+                <a:latin typeface="Arial" panose="020B0604020202020204" pitchFamily="34" charset="0"/>
+                <a:cs typeface="Arial" panose="020B0604020202020204" pitchFamily="34" charset="0"/>
+              </a:rPr>
+              <a:t>– </a:t>
+            </a:r>
+            <a:r>
+              <a:rPr lang="en-US" sz="1400" smtClean="0">
+                <a:solidFill>
+                  <a:schemeClr val="bg1"/>
+                </a:solidFill>
+                <a:latin typeface="Arial" panose="020B0604020202020204" pitchFamily="34" charset="0"/>
+                <a:cs typeface="Arial" panose="020B0604020202020204" pitchFamily="34" charset="0"/>
+              </a:rPr>
+              <a:t>20173003</a:t>
+            </a:r>
+            <a:endParaRPr lang="en-US" sz="1400" dirty="0" smtClean="0">
+              <a:solidFill>
+                <a:schemeClr val="bg1"/>
+              </a:solidFill>
+              <a:latin typeface="Arial" panose="020B0604020202020204" pitchFamily="34" charset="0"/>
+              <a:cs typeface="Arial" panose="020B0604020202020204" pitchFamily="34" charset="0"/>
+            </a:endParaRPr>
           </a:p>
           <a:p>
             <a:r>
@@ -6210,27 +6217,7 @@
                 <a:latin typeface="Arial" panose="020B0604020202020204" pitchFamily="34" charset="0"/>
                 <a:cs typeface="Arial" panose="020B0604020202020204" pitchFamily="34" charset="0"/>
               </a:rPr>
-              <a:t>GV. </a:t>
-            </a:r>
-            <a:r>
-              <a:rPr lang="en-US" sz="1400" dirty="0" smtClean="0">
-                <a:solidFill>
-                  <a:schemeClr val="tx1"/>
-                </a:solidFill>
-                <a:latin typeface="Arial" panose="020B0604020202020204" pitchFamily="34" charset="0"/>
-                <a:cs typeface="Arial" panose="020B0604020202020204" pitchFamily="34" charset="0"/>
-              </a:rPr>
-              <a:t>Ts.Đỗ </a:t>
-            </a:r>
-            <a:r>
-              <a:rPr lang="en-US" sz="1400" dirty="0" smtClean="0">
-                <a:solidFill>
-                  <a:schemeClr val="tx1"/>
-                </a:solidFill>
-                <a:latin typeface="Arial" panose="020B0604020202020204" pitchFamily="34" charset="0"/>
-                <a:cs typeface="Arial" panose="020B0604020202020204" pitchFamily="34" charset="0"/>
-              </a:rPr>
-              <a:t>Bá Lâm</a:t>
+              <a:t>GV. Ts.Đỗ Bá Lâm</a:t>
             </a:r>
             <a:endParaRPr lang="en-US" sz="1400" dirty="0">
               <a:solidFill>
@@ -9015,11 +9002,7 @@
           <a:p>
             <a:r>
               <a:rPr lang="en-US" sz="1200" dirty="0"/>
-              <a:t>	</a:t>
-            </a:r>
-            <a:r>
-              <a:rPr lang="en-US" sz="1200" dirty="0"/>
-              <a:t>const socket = io.connect(</a:t>
+              <a:t>	const socket = io.connect(</a:t>
             </a:r>
             <a:r>
               <a:rPr lang="en-US" sz="1200" dirty="0">
@@ -9630,13 +9613,13 @@
   <p:clrMapOvr>
     <a:masterClrMapping/>
   </p:clrMapOvr>
-  <mc:AlternateContent xmlns:mc="http://schemas.openxmlformats.org/markup-compatibility/2006">
-    <mc:Choice xmlns:p14="http://schemas.microsoft.com/office/powerpoint/2010/main" Requires="p14">
+  <mc:AlternateContent xmlns:mc="http://schemas.openxmlformats.org/markup-compatibility/2006" xmlns:p14="http://schemas.microsoft.com/office/powerpoint/2010/main">
+    <mc:Choice Requires="p14">
       <p:transition spd="med" p14:dur="700">
         <p:fade/>
       </p:transition>
     </mc:Choice>
-    <mc:Fallback>
+    <mc:Fallback xmlns="">
       <p:transition spd="med">
         <p:fade/>
       </p:transition>

--- a/Slide.pptx
+++ b/Slide.pptx
@@ -5,7 +5,7 @@
     <p:sldMasterId id="2147483648" r:id="rId1"/>
   </p:sldMasterIdLst>
   <p:notesMasterIdLst>
-    <p:notesMasterId r:id="rId10"/>
+    <p:notesMasterId r:id="rId15"/>
   </p:notesMasterIdLst>
   <p:sldIdLst>
     <p:sldId id="256" r:id="rId2"/>
@@ -13,9 +13,14 @@
     <p:sldId id="258" r:id="rId4"/>
     <p:sldId id="260" r:id="rId5"/>
     <p:sldId id="259" r:id="rId6"/>
-    <p:sldId id="262" r:id="rId7"/>
-    <p:sldId id="263" r:id="rId8"/>
-    <p:sldId id="264" r:id="rId9"/>
+    <p:sldId id="264" r:id="rId7"/>
+    <p:sldId id="271" r:id="rId8"/>
+    <p:sldId id="265" r:id="rId9"/>
+    <p:sldId id="266" r:id="rId10"/>
+    <p:sldId id="267" r:id="rId11"/>
+    <p:sldId id="268" r:id="rId12"/>
+    <p:sldId id="269" r:id="rId13"/>
+    <p:sldId id="270" r:id="rId14"/>
   </p:sldIdLst>
   <p:sldSz cx="12192000" cy="6858000"/>
   <p:notesSz cx="6858000" cy="9144000"/>
@@ -216,7 +221,7 @@
           <a:p>
             <a:fld id="{112BAABF-4731-4B10-91EA-D4EC8AFB8615}" type="datetimeFigureOut">
               <a:rPr lang="en-US" smtClean="0"/>
-              <a:t>6/11/2020</a:t>
+              <a:t>6/17/2020</a:t>
             </a:fld>
             <a:endParaRPr lang="en-US"/>
           </a:p>
@@ -675,7 +680,7 @@
           <a:p>
             <a:fld id="{8D1B1927-3139-49FA-A3A1-43C2A82C9DEA}" type="datetime1">
               <a:rPr lang="en-US" smtClean="0"/>
-              <a:t>6/11/2020</a:t>
+              <a:t>6/17/2020</a:t>
             </a:fld>
             <a:endParaRPr lang="en-US" dirty="0"/>
           </a:p>
@@ -1107,7 +1112,7 @@
           <a:p>
             <a:fld id="{953D53DE-F8F0-44EB-A819-4DD3309E207E}" type="datetime1">
               <a:rPr lang="en-US" smtClean="0"/>
-              <a:t>6/11/2020</a:t>
+              <a:t>6/17/2020</a:t>
             </a:fld>
             <a:endParaRPr lang="en-US" dirty="0"/>
           </a:p>
@@ -1353,7 +1358,7 @@
           <a:p>
             <a:fld id="{AE98D5C9-BF6D-4636-9FA0-9971C487E19D}" type="datetime1">
               <a:rPr lang="en-US" smtClean="0"/>
-              <a:t>6/11/2020</a:t>
+              <a:t>6/17/2020</a:t>
             </a:fld>
             <a:endParaRPr lang="en-US" dirty="0"/>
           </a:p>
@@ -1657,7 +1662,7 @@
           <a:p>
             <a:fld id="{507AEC6F-681A-46DB-ACF3-375EA70B2F00}" type="datetime1">
               <a:rPr lang="en-US" smtClean="0"/>
-              <a:t>6/11/2020</a:t>
+              <a:t>6/17/2020</a:t>
             </a:fld>
             <a:endParaRPr lang="en-US" dirty="0"/>
           </a:p>
@@ -1971,7 +1976,7 @@
           <a:p>
             <a:fld id="{9DBF82B2-DC5F-40DE-B0E0-A2DB1EE5F951}" type="datetime1">
               <a:rPr lang="en-US" smtClean="0"/>
-              <a:t>6/11/2020</a:t>
+              <a:t>6/17/2020</a:t>
             </a:fld>
             <a:endParaRPr lang="en-US" dirty="0"/>
           </a:p>
@@ -2269,7 +2274,7 @@
           <a:p>
             <a:fld id="{EA41612A-1E04-4977-9CE1-C7D7F2B2EB6F}" type="datetime1">
               <a:rPr lang="en-US" smtClean="0"/>
-              <a:t>6/11/2020</a:t>
+              <a:t>6/17/2020</a:t>
             </a:fld>
             <a:endParaRPr lang="en-US" dirty="0"/>
           </a:p>
@@ -2632,7 +2637,7 @@
           <a:p>
             <a:fld id="{215FF10D-7D72-4477-9BBA-BD995BB75EC5}" type="datetime1">
               <a:rPr lang="en-US" smtClean="0"/>
-              <a:t>6/11/2020</a:t>
+              <a:t>6/17/2020</a:t>
             </a:fld>
             <a:endParaRPr lang="en-US" dirty="0"/>
           </a:p>
@@ -2802,7 +2807,7 @@
           <a:p>
             <a:fld id="{EC1F0219-E4B5-4548-9C2E-91E531217AB1}" type="datetime1">
               <a:rPr lang="en-US" smtClean="0"/>
-              <a:t>6/11/2020</a:t>
+              <a:t>6/17/2020</a:t>
             </a:fld>
             <a:endParaRPr lang="en-US" dirty="0"/>
           </a:p>
@@ -2978,7 +2983,7 @@
           <a:p>
             <a:fld id="{CD10FC33-2949-465D-B8B0-DE116804E60E}" type="datetime1">
               <a:rPr lang="en-US" smtClean="0"/>
-              <a:t>6/11/2020</a:t>
+              <a:t>6/17/2020</a:t>
             </a:fld>
             <a:endParaRPr lang="en-US" dirty="0"/>
           </a:p>
@@ -3144,7 +3149,7 @@
           <a:p>
             <a:fld id="{2EAE8272-9B72-4C52-ADE8-64785D9DF738}" type="datetime1">
               <a:rPr lang="en-US" smtClean="0"/>
-              <a:t>6/11/2020</a:t>
+              <a:t>6/17/2020</a:t>
             </a:fld>
             <a:endParaRPr lang="en-US" dirty="0"/>
           </a:p>
@@ -3390,7 +3395,7 @@
           <a:p>
             <a:fld id="{71C2BB2B-66AA-494B-8102-029CBE35BCFE}" type="datetime1">
               <a:rPr lang="en-US" smtClean="0"/>
-              <a:t>6/11/2020</a:t>
+              <a:t>6/17/2020</a:t>
             </a:fld>
             <a:endParaRPr lang="en-US" dirty="0"/>
           </a:p>
@@ -3622,7 +3627,7 @@
           <a:p>
             <a:fld id="{9EAB20E2-3FC7-4931-A6CD-5B883A99F922}" type="datetime1">
               <a:rPr lang="en-US" smtClean="0"/>
-              <a:t>6/11/2020</a:t>
+              <a:t>6/17/2020</a:t>
             </a:fld>
             <a:endParaRPr lang="en-US" dirty="0"/>
           </a:p>
@@ -4000,7 +4005,7 @@
           <a:p>
             <a:fld id="{FECD836D-BA84-4035-8DED-4A6B55726246}" type="datetime1">
               <a:rPr lang="en-US" smtClean="0"/>
-              <a:t>6/11/2020</a:t>
+              <a:t>6/17/2020</a:t>
             </a:fld>
             <a:endParaRPr lang="en-US" dirty="0"/>
           </a:p>
@@ -4114,7 +4119,7 @@
           <a:p>
             <a:fld id="{FCD32119-94B2-40A0-BC92-043EEF853D42}" type="datetime1">
               <a:rPr lang="en-US" smtClean="0"/>
-              <a:t>6/11/2020</a:t>
+              <a:t>6/17/2020</a:t>
             </a:fld>
             <a:endParaRPr lang="en-US" dirty="0"/>
           </a:p>
@@ -4205,7 +4210,7 @@
           <a:p>
             <a:fld id="{2402F70B-4ABA-46D8-885F-9B5DCCE7A7A3}" type="datetime1">
               <a:rPr lang="en-US" smtClean="0"/>
-              <a:t>6/11/2020</a:t>
+              <a:t>6/17/2020</a:t>
             </a:fld>
             <a:endParaRPr lang="en-US" dirty="0"/>
           </a:p>
@@ -4456,7 +4461,7 @@
           <a:p>
             <a:fld id="{56609FFC-5B0D-46D9-BF3C-9FAB2D87602A}" type="datetime1">
               <a:rPr lang="en-US" smtClean="0"/>
-              <a:t>6/11/2020</a:t>
+              <a:t>6/17/2020</a:t>
             </a:fld>
             <a:endParaRPr lang="en-US" dirty="0"/>
           </a:p>
@@ -4735,7 +4740,7 @@
           <a:p>
             <a:fld id="{B803EB97-A33F-43B2-A486-7BEA0A8D1D78}" type="datetime1">
               <a:rPr lang="en-US" smtClean="0"/>
-              <a:t>6/11/2020</a:t>
+              <a:t>6/17/2020</a:t>
             </a:fld>
             <a:endParaRPr lang="en-US" dirty="0"/>
           </a:p>
@@ -5137,7 +5142,7 @@
           <a:p>
             <a:fld id="{A1838368-6D6D-45D5-BCA0-DAFFFD11A950}" type="datetime1">
               <a:rPr lang="en-US" smtClean="0"/>
-              <a:t>6/11/2020</a:t>
+              <a:t>6/17/2020</a:t>
             </a:fld>
             <a:endParaRPr lang="en-US" dirty="0"/>
           </a:p>
@@ -6166,17 +6171,7 @@
                 <a:latin typeface="Arial" panose="020B0604020202020204" pitchFamily="34" charset="0"/>
                 <a:cs typeface="Arial" panose="020B0604020202020204" pitchFamily="34" charset="0"/>
               </a:rPr>
-              <a:t>– </a:t>
-            </a:r>
-            <a:r>
-              <a:rPr lang="en-US" sz="1400" smtClean="0">
-                <a:solidFill>
-                  <a:schemeClr val="bg1"/>
-                </a:solidFill>
-                <a:latin typeface="Arial" panose="020B0604020202020204" pitchFamily="34" charset="0"/>
-                <a:cs typeface="Arial" panose="020B0604020202020204" pitchFamily="34" charset="0"/>
-              </a:rPr>
-              <a:t>20173003</a:t>
+              <a:t>– 20173003</a:t>
             </a:r>
             <a:endParaRPr lang="en-US" sz="1400" dirty="0" smtClean="0">
               <a:solidFill>
@@ -6370,6 +6365,518 @@
     <p:extLst>
       <p:ext uri="{BB962C8B-B14F-4D97-AF65-F5344CB8AC3E}">
         <p14:creationId xmlns:p14="http://schemas.microsoft.com/office/powerpoint/2010/main" val="1749449120"/>
+      </p:ext>
+    </p:extLst>
+  </p:cSld>
+  <p:clrMapOvr>
+    <a:masterClrMapping/>
+  </p:clrMapOvr>
+  <p:timing>
+    <p:tnLst>
+      <p:par>
+        <p:cTn id="1" dur="indefinite" restart="never" nodeType="tmRoot"/>
+      </p:par>
+    </p:tnLst>
+  </p:timing>
+</p:sld>
+</file>
+
+<file path=ppt/slides/slide10.xml><?xml version="1.0" encoding="utf-8"?>
+<p:sld xmlns:a="http://schemas.openxmlformats.org/drawingml/2006/main" xmlns:r="http://schemas.openxmlformats.org/officeDocument/2006/relationships" xmlns:p="http://schemas.openxmlformats.org/presentationml/2006/main">
+  <p:cSld>
+    <p:spTree>
+      <p:nvGrpSpPr>
+        <p:cNvPr id="1" name=""/>
+        <p:cNvGrpSpPr/>
+        <p:nvPr/>
+      </p:nvGrpSpPr>
+      <p:grpSpPr>
+        <a:xfrm>
+          <a:off x="0" y="0"/>
+          <a:ext cx="0" cy="0"/>
+          <a:chOff x="0" y="0"/>
+          <a:chExt cx="0" cy="0"/>
+        </a:xfrm>
+      </p:grpSpPr>
+      <p:sp>
+        <p:nvSpPr>
+          <p:cNvPr id="4" name="Slide Number Placeholder 3"/>
+          <p:cNvSpPr>
+            <a:spLocks noGrp="1"/>
+          </p:cNvSpPr>
+          <p:nvPr>
+            <p:ph type="sldNum" sz="quarter" idx="12"/>
+          </p:nvPr>
+        </p:nvSpPr>
+        <p:spPr/>
+        <p:txBody>
+          <a:bodyPr/>
+          <a:lstStyle/>
+          <a:p>
+            <a:fld id="{D57F1E4F-1CFF-5643-939E-217C01CDF565}" type="slidenum">
+              <a:rPr lang="en-US" smtClean="0"/>
+              <a:pPr/>
+              <a:t>10</a:t>
+            </a:fld>
+            <a:endParaRPr lang="en-US" dirty="0"/>
+          </a:p>
+        </p:txBody>
+      </p:sp>
+      <p:sp>
+        <p:nvSpPr>
+          <p:cNvPr id="5" name="TextBox 4"/>
+          <p:cNvSpPr txBox="1"/>
+          <p:nvPr/>
+        </p:nvSpPr>
+        <p:spPr>
+          <a:xfrm>
+            <a:off x="9520606" y="281927"/>
+            <a:ext cx="1984839" cy="523220"/>
+          </a:xfrm>
+          <a:prstGeom prst="rect">
+            <a:avLst/>
+          </a:prstGeom>
+          <a:noFill/>
+        </p:spPr>
+        <p:txBody>
+          <a:bodyPr wrap="none" rtlCol="0">
+            <a:spAutoFit/>
+          </a:bodyPr>
+          <a:lstStyle/>
+          <a:p>
+            <a:pPr algn="r"/>
+            <a:r>
+              <a:rPr lang="en-US" sz="2800" b="1" dirty="0" smtClean="0">
+                <a:latin typeface="Arial" panose="020B0604020202020204" pitchFamily="34" charset="0"/>
+                <a:cs typeface="Arial" panose="020B0604020202020204" pitchFamily="34" charset="0"/>
+              </a:rPr>
+              <a:t>NỘI DUNG</a:t>
+            </a:r>
+            <a:endParaRPr lang="en-US" sz="2800" b="1" dirty="0">
+              <a:latin typeface="Arial" panose="020B0604020202020204" pitchFamily="34" charset="0"/>
+              <a:cs typeface="Arial" panose="020B0604020202020204" pitchFamily="34" charset="0"/>
+            </a:endParaRPr>
+          </a:p>
+        </p:txBody>
+      </p:sp>
+      <p:sp>
+        <p:nvSpPr>
+          <p:cNvPr id="2" name="TextBox 1"/>
+          <p:cNvSpPr txBox="1"/>
+          <p:nvPr/>
+        </p:nvSpPr>
+        <p:spPr>
+          <a:xfrm>
+            <a:off x="5276850" y="2628900"/>
+            <a:ext cx="1793696" cy="461665"/>
+          </a:xfrm>
+          <a:prstGeom prst="rect">
+            <a:avLst/>
+          </a:prstGeom>
+          <a:noFill/>
+        </p:spPr>
+        <p:txBody>
+          <a:bodyPr wrap="none" rtlCol="0">
+            <a:spAutoFit/>
+          </a:bodyPr>
+          <a:lstStyle/>
+          <a:p>
+            <a:r>
+              <a:rPr lang="en-US" sz="2400" b="1" dirty="0" smtClean="0"/>
+              <a:t>Thank You!</a:t>
+            </a:r>
+            <a:endParaRPr lang="en-US" sz="2400" b="1" dirty="0"/>
+          </a:p>
+        </p:txBody>
+      </p:sp>
+    </p:spTree>
+    <p:extLst>
+      <p:ext uri="{BB962C8B-B14F-4D97-AF65-F5344CB8AC3E}">
+        <p14:creationId xmlns:p14="http://schemas.microsoft.com/office/powerpoint/2010/main" val="802791485"/>
+      </p:ext>
+    </p:extLst>
+  </p:cSld>
+  <p:clrMapOvr>
+    <a:masterClrMapping/>
+  </p:clrMapOvr>
+  <p:timing>
+    <p:tnLst>
+      <p:par>
+        <p:cTn id="1" dur="indefinite" restart="never" nodeType="tmRoot"/>
+      </p:par>
+    </p:tnLst>
+  </p:timing>
+</p:sld>
+</file>
+
+<file path=ppt/slides/slide11.xml><?xml version="1.0" encoding="utf-8"?>
+<p:sld xmlns:a="http://schemas.openxmlformats.org/drawingml/2006/main" xmlns:r="http://schemas.openxmlformats.org/officeDocument/2006/relationships" xmlns:p="http://schemas.openxmlformats.org/presentationml/2006/main">
+  <p:cSld>
+    <p:spTree>
+      <p:nvGrpSpPr>
+        <p:cNvPr id="1" name=""/>
+        <p:cNvGrpSpPr/>
+        <p:nvPr/>
+      </p:nvGrpSpPr>
+      <p:grpSpPr>
+        <a:xfrm>
+          <a:off x="0" y="0"/>
+          <a:ext cx="0" cy="0"/>
+          <a:chOff x="0" y="0"/>
+          <a:chExt cx="0" cy="0"/>
+        </a:xfrm>
+      </p:grpSpPr>
+      <p:sp>
+        <p:nvSpPr>
+          <p:cNvPr id="4" name="Slide Number Placeholder 3"/>
+          <p:cNvSpPr>
+            <a:spLocks noGrp="1"/>
+          </p:cNvSpPr>
+          <p:nvPr>
+            <p:ph type="sldNum" sz="quarter" idx="12"/>
+          </p:nvPr>
+        </p:nvSpPr>
+        <p:spPr/>
+        <p:txBody>
+          <a:bodyPr/>
+          <a:lstStyle/>
+          <a:p>
+            <a:fld id="{D57F1E4F-1CFF-5643-939E-217C01CDF565}" type="slidenum">
+              <a:rPr lang="en-US" smtClean="0"/>
+              <a:pPr/>
+              <a:t>11</a:t>
+            </a:fld>
+            <a:endParaRPr lang="en-US" dirty="0"/>
+          </a:p>
+        </p:txBody>
+      </p:sp>
+      <p:sp>
+        <p:nvSpPr>
+          <p:cNvPr id="5" name="TextBox 4"/>
+          <p:cNvSpPr txBox="1"/>
+          <p:nvPr/>
+        </p:nvSpPr>
+        <p:spPr>
+          <a:xfrm>
+            <a:off x="9520606" y="281927"/>
+            <a:ext cx="1984839" cy="523220"/>
+          </a:xfrm>
+          <a:prstGeom prst="rect">
+            <a:avLst/>
+          </a:prstGeom>
+          <a:noFill/>
+        </p:spPr>
+        <p:txBody>
+          <a:bodyPr wrap="none" rtlCol="0">
+            <a:spAutoFit/>
+          </a:bodyPr>
+          <a:lstStyle/>
+          <a:p>
+            <a:pPr algn="r"/>
+            <a:r>
+              <a:rPr lang="en-US" sz="2800" b="1" dirty="0" smtClean="0">
+                <a:latin typeface="Arial" panose="020B0604020202020204" pitchFamily="34" charset="0"/>
+                <a:cs typeface="Arial" panose="020B0604020202020204" pitchFamily="34" charset="0"/>
+              </a:rPr>
+              <a:t>NỘI DUNG</a:t>
+            </a:r>
+            <a:endParaRPr lang="en-US" sz="2800" b="1" dirty="0">
+              <a:latin typeface="Arial" panose="020B0604020202020204" pitchFamily="34" charset="0"/>
+              <a:cs typeface="Arial" panose="020B0604020202020204" pitchFamily="34" charset="0"/>
+            </a:endParaRPr>
+          </a:p>
+        </p:txBody>
+      </p:sp>
+      <p:sp>
+        <p:nvSpPr>
+          <p:cNvPr id="2" name="TextBox 1"/>
+          <p:cNvSpPr txBox="1"/>
+          <p:nvPr/>
+        </p:nvSpPr>
+        <p:spPr>
+          <a:xfrm>
+            <a:off x="5276850" y="2628900"/>
+            <a:ext cx="1793696" cy="461665"/>
+          </a:xfrm>
+          <a:prstGeom prst="rect">
+            <a:avLst/>
+          </a:prstGeom>
+          <a:noFill/>
+        </p:spPr>
+        <p:txBody>
+          <a:bodyPr wrap="none" rtlCol="0">
+            <a:spAutoFit/>
+          </a:bodyPr>
+          <a:lstStyle/>
+          <a:p>
+            <a:r>
+              <a:rPr lang="en-US" sz="2400" b="1" dirty="0" smtClean="0"/>
+              <a:t>Thank You!</a:t>
+            </a:r>
+            <a:endParaRPr lang="en-US" sz="2400" b="1" dirty="0"/>
+          </a:p>
+        </p:txBody>
+      </p:sp>
+    </p:spTree>
+    <p:extLst>
+      <p:ext uri="{BB962C8B-B14F-4D97-AF65-F5344CB8AC3E}">
+        <p14:creationId xmlns:p14="http://schemas.microsoft.com/office/powerpoint/2010/main" val="1776187012"/>
+      </p:ext>
+    </p:extLst>
+  </p:cSld>
+  <p:clrMapOvr>
+    <a:masterClrMapping/>
+  </p:clrMapOvr>
+  <p:timing>
+    <p:tnLst>
+      <p:par>
+        <p:cTn id="1" dur="indefinite" restart="never" nodeType="tmRoot"/>
+      </p:par>
+    </p:tnLst>
+  </p:timing>
+</p:sld>
+</file>
+
+<file path=ppt/slides/slide12.xml><?xml version="1.0" encoding="utf-8"?>
+<p:sld xmlns:a="http://schemas.openxmlformats.org/drawingml/2006/main" xmlns:r="http://schemas.openxmlformats.org/officeDocument/2006/relationships" xmlns:p="http://schemas.openxmlformats.org/presentationml/2006/main">
+  <p:cSld>
+    <p:spTree>
+      <p:nvGrpSpPr>
+        <p:cNvPr id="1" name=""/>
+        <p:cNvGrpSpPr/>
+        <p:nvPr/>
+      </p:nvGrpSpPr>
+      <p:grpSpPr>
+        <a:xfrm>
+          <a:off x="0" y="0"/>
+          <a:ext cx="0" cy="0"/>
+          <a:chOff x="0" y="0"/>
+          <a:chExt cx="0" cy="0"/>
+        </a:xfrm>
+      </p:grpSpPr>
+      <p:sp>
+        <p:nvSpPr>
+          <p:cNvPr id="4" name="Slide Number Placeholder 3"/>
+          <p:cNvSpPr>
+            <a:spLocks noGrp="1"/>
+          </p:cNvSpPr>
+          <p:nvPr>
+            <p:ph type="sldNum" sz="quarter" idx="12"/>
+          </p:nvPr>
+        </p:nvSpPr>
+        <p:spPr/>
+        <p:txBody>
+          <a:bodyPr/>
+          <a:lstStyle/>
+          <a:p>
+            <a:fld id="{D57F1E4F-1CFF-5643-939E-217C01CDF565}" type="slidenum">
+              <a:rPr lang="en-US" smtClean="0"/>
+              <a:pPr/>
+              <a:t>12</a:t>
+            </a:fld>
+            <a:endParaRPr lang="en-US" dirty="0"/>
+          </a:p>
+        </p:txBody>
+      </p:sp>
+      <p:sp>
+        <p:nvSpPr>
+          <p:cNvPr id="5" name="TextBox 4"/>
+          <p:cNvSpPr txBox="1"/>
+          <p:nvPr/>
+        </p:nvSpPr>
+        <p:spPr>
+          <a:xfrm>
+            <a:off x="9520606" y="281927"/>
+            <a:ext cx="1984839" cy="523220"/>
+          </a:xfrm>
+          <a:prstGeom prst="rect">
+            <a:avLst/>
+          </a:prstGeom>
+          <a:noFill/>
+        </p:spPr>
+        <p:txBody>
+          <a:bodyPr wrap="none" rtlCol="0">
+            <a:spAutoFit/>
+          </a:bodyPr>
+          <a:lstStyle/>
+          <a:p>
+            <a:pPr algn="r"/>
+            <a:r>
+              <a:rPr lang="en-US" sz="2800" b="1" dirty="0" smtClean="0">
+                <a:latin typeface="Arial" panose="020B0604020202020204" pitchFamily="34" charset="0"/>
+                <a:cs typeface="Arial" panose="020B0604020202020204" pitchFamily="34" charset="0"/>
+              </a:rPr>
+              <a:t>NỘI DUNG</a:t>
+            </a:r>
+            <a:endParaRPr lang="en-US" sz="2800" b="1" dirty="0">
+              <a:latin typeface="Arial" panose="020B0604020202020204" pitchFamily="34" charset="0"/>
+              <a:cs typeface="Arial" panose="020B0604020202020204" pitchFamily="34" charset="0"/>
+            </a:endParaRPr>
+          </a:p>
+        </p:txBody>
+      </p:sp>
+      <p:sp>
+        <p:nvSpPr>
+          <p:cNvPr id="2" name="TextBox 1"/>
+          <p:cNvSpPr txBox="1"/>
+          <p:nvPr/>
+        </p:nvSpPr>
+        <p:spPr>
+          <a:xfrm>
+            <a:off x="5276850" y="2628900"/>
+            <a:ext cx="1793696" cy="461665"/>
+          </a:xfrm>
+          <a:prstGeom prst="rect">
+            <a:avLst/>
+          </a:prstGeom>
+          <a:noFill/>
+        </p:spPr>
+        <p:txBody>
+          <a:bodyPr wrap="none" rtlCol="0">
+            <a:spAutoFit/>
+          </a:bodyPr>
+          <a:lstStyle/>
+          <a:p>
+            <a:r>
+              <a:rPr lang="en-US" sz="2400" b="1" dirty="0" smtClean="0"/>
+              <a:t>Thank You!</a:t>
+            </a:r>
+            <a:endParaRPr lang="en-US" sz="2400" b="1" dirty="0"/>
+          </a:p>
+        </p:txBody>
+      </p:sp>
+    </p:spTree>
+    <p:extLst>
+      <p:ext uri="{BB962C8B-B14F-4D97-AF65-F5344CB8AC3E}">
+        <p14:creationId xmlns:p14="http://schemas.microsoft.com/office/powerpoint/2010/main" val="115641034"/>
+      </p:ext>
+    </p:extLst>
+  </p:cSld>
+  <p:clrMapOvr>
+    <a:masterClrMapping/>
+  </p:clrMapOvr>
+  <p:timing>
+    <p:tnLst>
+      <p:par>
+        <p:cTn id="1" dur="indefinite" restart="never" nodeType="tmRoot"/>
+      </p:par>
+    </p:tnLst>
+  </p:timing>
+</p:sld>
+</file>
+
+<file path=ppt/slides/slide13.xml><?xml version="1.0" encoding="utf-8"?>
+<p:sld xmlns:a="http://schemas.openxmlformats.org/drawingml/2006/main" xmlns:r="http://schemas.openxmlformats.org/officeDocument/2006/relationships" xmlns:p="http://schemas.openxmlformats.org/presentationml/2006/main">
+  <p:cSld>
+    <p:spTree>
+      <p:nvGrpSpPr>
+        <p:cNvPr id="1" name=""/>
+        <p:cNvGrpSpPr/>
+        <p:nvPr/>
+      </p:nvGrpSpPr>
+      <p:grpSpPr>
+        <a:xfrm>
+          <a:off x="0" y="0"/>
+          <a:ext cx="0" cy="0"/>
+          <a:chOff x="0" y="0"/>
+          <a:chExt cx="0" cy="0"/>
+        </a:xfrm>
+      </p:grpSpPr>
+      <p:sp>
+        <p:nvSpPr>
+          <p:cNvPr id="4" name="Slide Number Placeholder 3"/>
+          <p:cNvSpPr>
+            <a:spLocks noGrp="1"/>
+          </p:cNvSpPr>
+          <p:nvPr>
+            <p:ph type="sldNum" sz="quarter" idx="12"/>
+          </p:nvPr>
+        </p:nvSpPr>
+        <p:spPr/>
+        <p:txBody>
+          <a:bodyPr/>
+          <a:lstStyle/>
+          <a:p>
+            <a:fld id="{D57F1E4F-1CFF-5643-939E-217C01CDF565}" type="slidenum">
+              <a:rPr lang="en-US" smtClean="0"/>
+              <a:pPr/>
+              <a:t>13</a:t>
+            </a:fld>
+            <a:endParaRPr lang="en-US" dirty="0"/>
+          </a:p>
+        </p:txBody>
+      </p:sp>
+      <p:sp>
+        <p:nvSpPr>
+          <p:cNvPr id="5" name="TextBox 4"/>
+          <p:cNvSpPr txBox="1"/>
+          <p:nvPr/>
+        </p:nvSpPr>
+        <p:spPr>
+          <a:xfrm>
+            <a:off x="9520606" y="281927"/>
+            <a:ext cx="1984839" cy="523220"/>
+          </a:xfrm>
+          <a:prstGeom prst="rect">
+            <a:avLst/>
+          </a:prstGeom>
+          <a:noFill/>
+        </p:spPr>
+        <p:txBody>
+          <a:bodyPr wrap="none" rtlCol="0">
+            <a:spAutoFit/>
+          </a:bodyPr>
+          <a:lstStyle/>
+          <a:p>
+            <a:pPr algn="r"/>
+            <a:r>
+              <a:rPr lang="en-US" sz="2800" b="1" dirty="0" smtClean="0">
+                <a:latin typeface="Arial" panose="020B0604020202020204" pitchFamily="34" charset="0"/>
+                <a:cs typeface="Arial" panose="020B0604020202020204" pitchFamily="34" charset="0"/>
+              </a:rPr>
+              <a:t>NỘI DUNG</a:t>
+            </a:r>
+            <a:endParaRPr lang="en-US" sz="2800" b="1" dirty="0">
+              <a:latin typeface="Arial" panose="020B0604020202020204" pitchFamily="34" charset="0"/>
+              <a:cs typeface="Arial" panose="020B0604020202020204" pitchFamily="34" charset="0"/>
+            </a:endParaRPr>
+          </a:p>
+        </p:txBody>
+      </p:sp>
+      <p:sp>
+        <p:nvSpPr>
+          <p:cNvPr id="2" name="TextBox 1"/>
+          <p:cNvSpPr txBox="1"/>
+          <p:nvPr/>
+        </p:nvSpPr>
+        <p:spPr>
+          <a:xfrm>
+            <a:off x="5276850" y="2628900"/>
+            <a:ext cx="1793696" cy="461665"/>
+          </a:xfrm>
+          <a:prstGeom prst="rect">
+            <a:avLst/>
+          </a:prstGeom>
+          <a:noFill/>
+        </p:spPr>
+        <p:txBody>
+          <a:bodyPr wrap="none" rtlCol="0">
+            <a:spAutoFit/>
+          </a:bodyPr>
+          <a:lstStyle/>
+          <a:p>
+            <a:r>
+              <a:rPr lang="en-US" sz="2400" b="1" dirty="0" smtClean="0"/>
+              <a:t>Thank You!</a:t>
+            </a:r>
+            <a:endParaRPr lang="en-US" sz="2400" b="1" dirty="0"/>
+          </a:p>
+        </p:txBody>
+      </p:sp>
+    </p:spTree>
+    <p:extLst>
+      <p:ext uri="{BB962C8B-B14F-4D97-AF65-F5344CB8AC3E}">
+        <p14:creationId xmlns:p14="http://schemas.microsoft.com/office/powerpoint/2010/main" val="1906823986"/>
       </p:ext>
     </p:extLst>
   </p:cSld>
@@ -6592,114 +7099,6 @@
                 <a:cs typeface="Arial" panose="020B0604020202020204" pitchFamily="34" charset="0"/>
               </a:rPr>
               <a:t>Web</a:t>
-            </a:r>
-            <a:endParaRPr lang="en-US" sz="2400" dirty="0">
-              <a:latin typeface="Arial" panose="020B0604020202020204" pitchFamily="34" charset="0"/>
-              <a:cs typeface="Arial" panose="020B0604020202020204" pitchFamily="34" charset="0"/>
-            </a:endParaRPr>
-          </a:p>
-        </p:txBody>
-      </p:sp>
-      <p:sp>
-        <p:nvSpPr>
-          <p:cNvPr id="9" name="TextBox 8"/>
-          <p:cNvSpPr txBox="1"/>
-          <p:nvPr/>
-        </p:nvSpPr>
-        <p:spPr>
-          <a:xfrm>
-            <a:off x="913040" y="4208690"/>
-            <a:ext cx="1278555" cy="461665"/>
-          </a:xfrm>
-          <a:prstGeom prst="rect">
-            <a:avLst/>
-          </a:prstGeom>
-          <a:noFill/>
-        </p:spPr>
-        <p:txBody>
-          <a:bodyPr wrap="none" rtlCol="0">
-            <a:spAutoFit/>
-          </a:bodyPr>
-          <a:lstStyle/>
-          <a:p>
-            <a:r>
-              <a:rPr lang="en-US" sz="2400" dirty="0" smtClean="0">
-                <a:latin typeface="Arial" panose="020B0604020202020204" pitchFamily="34" charset="0"/>
-                <a:cs typeface="Arial" panose="020B0604020202020204" pitchFamily="34" charset="0"/>
-              </a:rPr>
-              <a:t>5. AJAX</a:t>
-            </a:r>
-            <a:endParaRPr lang="en-US" sz="2400" dirty="0">
-              <a:latin typeface="Arial" panose="020B0604020202020204" pitchFamily="34" charset="0"/>
-              <a:cs typeface="Arial" panose="020B0604020202020204" pitchFamily="34" charset="0"/>
-            </a:endParaRPr>
-          </a:p>
-        </p:txBody>
-      </p:sp>
-      <p:sp>
-        <p:nvSpPr>
-          <p:cNvPr id="10" name="TextBox 9"/>
-          <p:cNvSpPr txBox="1"/>
-          <p:nvPr/>
-        </p:nvSpPr>
-        <p:spPr>
-          <a:xfrm>
-            <a:off x="913040" y="3541940"/>
-            <a:ext cx="2573974" cy="461665"/>
-          </a:xfrm>
-          <a:prstGeom prst="rect">
-            <a:avLst/>
-          </a:prstGeom>
-          <a:noFill/>
-        </p:spPr>
-        <p:txBody>
-          <a:bodyPr wrap="none" rtlCol="0">
-            <a:spAutoFit/>
-          </a:bodyPr>
-          <a:lstStyle/>
-          <a:p>
-            <a:r>
-              <a:rPr lang="en-US" sz="2400" dirty="0" smtClean="0">
-                <a:latin typeface="Arial" panose="020B0604020202020204" pitchFamily="34" charset="0"/>
-                <a:cs typeface="Arial" panose="020B0604020202020204" pitchFamily="34" charset="0"/>
-              </a:rPr>
-              <a:t>4. Thiết Kế CSDL</a:t>
-            </a:r>
-            <a:endParaRPr lang="en-US" sz="2400" dirty="0">
-              <a:latin typeface="Arial" panose="020B0604020202020204" pitchFamily="34" charset="0"/>
-              <a:cs typeface="Arial" panose="020B0604020202020204" pitchFamily="34" charset="0"/>
-            </a:endParaRPr>
-          </a:p>
-        </p:txBody>
-      </p:sp>
-      <p:sp>
-        <p:nvSpPr>
-          <p:cNvPr id="11" name="TextBox 10"/>
-          <p:cNvSpPr txBox="1"/>
-          <p:nvPr/>
-        </p:nvSpPr>
-        <p:spPr>
-          <a:xfrm>
-            <a:off x="913039" y="4875440"/>
-            <a:ext cx="8130046" cy="461665"/>
-          </a:xfrm>
-          <a:prstGeom prst="rect">
-            <a:avLst/>
-          </a:prstGeom>
-          <a:noFill/>
-        </p:spPr>
-        <p:txBody>
-          <a:bodyPr wrap="none" rtlCol="0">
-            <a:spAutoFit/>
-          </a:bodyPr>
-          <a:lstStyle/>
-          <a:p>
-            <a:r>
-              <a:rPr lang="en-US" sz="2400" dirty="0" smtClean="0">
-                <a:latin typeface="Arial" panose="020B0604020202020204" pitchFamily="34" charset="0"/>
-                <a:cs typeface="Arial" panose="020B0604020202020204" pitchFamily="34" charset="0"/>
-              </a:rPr>
-              <a:t>6. Thông Báo + Bình Luận Thời Gian Thực (Server Node) </a:t>
             </a:r>
             <a:endParaRPr lang="en-US" sz="2400" dirty="0">
               <a:latin typeface="Arial" panose="020B0604020202020204" pitchFamily="34" charset="0"/>
@@ -7063,6 +7462,36 @@
           </a:p>
         </p:txBody>
       </p:sp>
+      <p:pic>
+        <p:nvPicPr>
+          <p:cNvPr id="2" name="Picture 1"/>
+          <p:cNvPicPr>
+            <a:picLocks noChangeAspect="1"/>
+          </p:cNvPicPr>
+          <p:nvPr/>
+        </p:nvPicPr>
+        <p:blipFill>
+          <a:blip r:embed="rId4">
+            <a:extLst>
+              <a:ext uri="{28A0092B-C50C-407E-A947-70E740481C1C}">
+                <a14:useLocalDpi xmlns:a14="http://schemas.microsoft.com/office/drawing/2010/main" val="0"/>
+              </a:ext>
+            </a:extLst>
+          </a:blip>
+          <a:stretch>
+            <a:fillRect/>
+          </a:stretch>
+        </p:blipFill>
+        <p:spPr>
+          <a:xfrm>
+            <a:off x="7943251" y="683558"/>
+            <a:ext cx="3673919" cy="1127958"/>
+          </a:xfrm>
+          <a:prstGeom prst="rect">
+            <a:avLst/>
+          </a:prstGeom>
+        </p:spPr>
+      </p:pic>
     </p:spTree>
     <p:extLst>
       <p:ext uri="{BB962C8B-B14F-4D97-AF65-F5344CB8AC3E}">
@@ -7076,9 +7505,265 @@
   <p:timing>
     <p:tnLst>
       <p:par>
-        <p:cTn id="1" dur="indefinite" restart="never" nodeType="tmRoot"/>
+        <p:cTn id="1" dur="indefinite" restart="never" nodeType="tmRoot">
+          <p:childTnLst>
+            <p:seq concurrent="1" nextAc="seek">
+              <p:cTn id="2" dur="indefinite" nodeType="mainSeq">
+                <p:childTnLst>
+                  <p:par>
+                    <p:cTn id="3" fill="hold">
+                      <p:stCondLst>
+                        <p:cond delay="indefinite"/>
+                      </p:stCondLst>
+                      <p:childTnLst>
+                        <p:par>
+                          <p:cTn id="4" fill="hold">
+                            <p:stCondLst>
+                              <p:cond delay="0"/>
+                            </p:stCondLst>
+                            <p:childTnLst>
+                              <p:par>
+                                <p:cTn id="5" presetID="10" presetClass="entr" presetSubtype="0" fill="hold" nodeType="clickEffect">
+                                  <p:stCondLst>
+                                    <p:cond delay="0"/>
+                                  </p:stCondLst>
+                                  <p:childTnLst>
+                                    <p:set>
+                                      <p:cBhvr>
+                                        <p:cTn id="6" dur="1" fill="hold">
+                                          <p:stCondLst>
+                                            <p:cond delay="0"/>
+                                          </p:stCondLst>
+                                        </p:cTn>
+                                        <p:tgtEl>
+                                          <p:spTgt spid="2"/>
+                                        </p:tgtEl>
+                                        <p:attrNameLst>
+                                          <p:attrName>style.visibility</p:attrName>
+                                        </p:attrNameLst>
+                                      </p:cBhvr>
+                                      <p:to>
+                                        <p:strVal val="visible"/>
+                                      </p:to>
+                                    </p:set>
+                                    <p:animEffect transition="in" filter="fade">
+                                      <p:cBhvr>
+                                        <p:cTn id="7" dur="500"/>
+                                        <p:tgtEl>
+                                          <p:spTgt spid="2"/>
+                                        </p:tgtEl>
+                                      </p:cBhvr>
+                                    </p:animEffect>
+                                  </p:childTnLst>
+                                </p:cTn>
+                              </p:par>
+                            </p:childTnLst>
+                          </p:cTn>
+                        </p:par>
+                      </p:childTnLst>
+                    </p:cTn>
+                  </p:par>
+                  <p:par>
+                    <p:cTn id="8" fill="hold">
+                      <p:stCondLst>
+                        <p:cond delay="indefinite"/>
+                      </p:stCondLst>
+                      <p:childTnLst>
+                        <p:par>
+                          <p:cTn id="9" fill="hold">
+                            <p:stCondLst>
+                              <p:cond delay="0"/>
+                            </p:stCondLst>
+                            <p:childTnLst>
+                              <p:par>
+                                <p:cTn id="10" presetID="10" presetClass="entr" presetSubtype="0" fill="hold" nodeType="clickEffect">
+                                  <p:stCondLst>
+                                    <p:cond delay="0"/>
+                                  </p:stCondLst>
+                                  <p:childTnLst>
+                                    <p:set>
+                                      <p:cBhvr>
+                                        <p:cTn id="11" dur="1" fill="hold">
+                                          <p:stCondLst>
+                                            <p:cond delay="0"/>
+                                          </p:stCondLst>
+                                        </p:cTn>
+                                        <p:tgtEl>
+                                          <p:spTgt spid="9"/>
+                                        </p:tgtEl>
+                                        <p:attrNameLst>
+                                          <p:attrName>style.visibility</p:attrName>
+                                        </p:attrNameLst>
+                                      </p:cBhvr>
+                                      <p:to>
+                                        <p:strVal val="visible"/>
+                                      </p:to>
+                                    </p:set>
+                                    <p:animEffect transition="in" filter="fade">
+                                      <p:cBhvr>
+                                        <p:cTn id="12" dur="500"/>
+                                        <p:tgtEl>
+                                          <p:spTgt spid="9"/>
+                                        </p:tgtEl>
+                                      </p:cBhvr>
+                                    </p:animEffect>
+                                  </p:childTnLst>
+                                </p:cTn>
+                              </p:par>
+                              <p:par>
+                                <p:cTn id="13" presetID="10" presetClass="entr" presetSubtype="0" fill="hold" grpId="0" nodeType="withEffect">
+                                  <p:stCondLst>
+                                    <p:cond delay="0"/>
+                                  </p:stCondLst>
+                                  <p:childTnLst>
+                                    <p:set>
+                                      <p:cBhvr>
+                                        <p:cTn id="14" dur="1" fill="hold">
+                                          <p:stCondLst>
+                                            <p:cond delay="0"/>
+                                          </p:stCondLst>
+                                        </p:cTn>
+                                        <p:tgtEl>
+                                          <p:spTgt spid="10"/>
+                                        </p:tgtEl>
+                                        <p:attrNameLst>
+                                          <p:attrName>style.visibility</p:attrName>
+                                        </p:attrNameLst>
+                                      </p:cBhvr>
+                                      <p:to>
+                                        <p:strVal val="visible"/>
+                                      </p:to>
+                                    </p:set>
+                                    <p:animEffect transition="in" filter="fade">
+                                      <p:cBhvr>
+                                        <p:cTn id="15" dur="500"/>
+                                        <p:tgtEl>
+                                          <p:spTgt spid="10"/>
+                                        </p:tgtEl>
+                                      </p:cBhvr>
+                                    </p:animEffect>
+                                  </p:childTnLst>
+                                </p:cTn>
+                              </p:par>
+                            </p:childTnLst>
+                          </p:cTn>
+                        </p:par>
+                      </p:childTnLst>
+                    </p:cTn>
+                  </p:par>
+                  <p:par>
+                    <p:cTn id="16" fill="hold">
+                      <p:stCondLst>
+                        <p:cond delay="indefinite"/>
+                      </p:stCondLst>
+                      <p:childTnLst>
+                        <p:par>
+                          <p:cTn id="17" fill="hold">
+                            <p:stCondLst>
+                              <p:cond delay="0"/>
+                            </p:stCondLst>
+                            <p:childTnLst>
+                              <p:par>
+                                <p:cTn id="18" presetID="10" presetClass="entr" presetSubtype="0" fill="hold" nodeType="clickEffect">
+                                  <p:stCondLst>
+                                    <p:cond delay="0"/>
+                                  </p:stCondLst>
+                                  <p:childTnLst>
+                                    <p:set>
+                                      <p:cBhvr>
+                                        <p:cTn id="19" dur="1" fill="hold">
+                                          <p:stCondLst>
+                                            <p:cond delay="0"/>
+                                          </p:stCondLst>
+                                        </p:cTn>
+                                        <p:tgtEl>
+                                          <p:spTgt spid="1030"/>
+                                        </p:tgtEl>
+                                        <p:attrNameLst>
+                                          <p:attrName>style.visibility</p:attrName>
+                                        </p:attrNameLst>
+                                      </p:cBhvr>
+                                      <p:to>
+                                        <p:strVal val="visible"/>
+                                      </p:to>
+                                    </p:set>
+                                    <p:animEffect transition="in" filter="fade">
+                                      <p:cBhvr>
+                                        <p:cTn id="20" dur="500"/>
+                                        <p:tgtEl>
+                                          <p:spTgt spid="1030"/>
+                                        </p:tgtEl>
+                                      </p:cBhvr>
+                                    </p:animEffect>
+                                  </p:childTnLst>
+                                </p:cTn>
+                              </p:par>
+                              <p:par>
+                                <p:cTn id="21" presetID="10" presetClass="entr" presetSubtype="0" fill="hold" grpId="0" nodeType="withEffect">
+                                  <p:stCondLst>
+                                    <p:cond delay="0"/>
+                                  </p:stCondLst>
+                                  <p:childTnLst>
+                                    <p:set>
+                                      <p:cBhvr>
+                                        <p:cTn id="22" dur="1" fill="hold">
+                                          <p:stCondLst>
+                                            <p:cond delay="0"/>
+                                          </p:stCondLst>
+                                        </p:cTn>
+                                        <p:tgtEl>
+                                          <p:spTgt spid="13"/>
+                                        </p:tgtEl>
+                                        <p:attrNameLst>
+                                          <p:attrName>style.visibility</p:attrName>
+                                        </p:attrNameLst>
+                                      </p:cBhvr>
+                                      <p:to>
+                                        <p:strVal val="visible"/>
+                                      </p:to>
+                                    </p:set>
+                                    <p:animEffect transition="in" filter="fade">
+                                      <p:cBhvr>
+                                        <p:cTn id="23" dur="500"/>
+                                        <p:tgtEl>
+                                          <p:spTgt spid="13"/>
+                                        </p:tgtEl>
+                                      </p:cBhvr>
+                                    </p:animEffect>
+                                  </p:childTnLst>
+                                </p:cTn>
+                              </p:par>
+                            </p:childTnLst>
+                          </p:cTn>
+                        </p:par>
+                      </p:childTnLst>
+                    </p:cTn>
+                  </p:par>
+                </p:childTnLst>
+              </p:cTn>
+              <p:prevCondLst>
+                <p:cond evt="onPrev" delay="0">
+                  <p:tgtEl>
+                    <p:sldTgt/>
+                  </p:tgtEl>
+                </p:cond>
+              </p:prevCondLst>
+              <p:nextCondLst>
+                <p:cond evt="onNext" delay="0">
+                  <p:tgtEl>
+                    <p:sldTgt/>
+                  </p:tgtEl>
+                </p:cond>
+              </p:nextCondLst>
+            </p:seq>
+          </p:childTnLst>
+        </p:cTn>
       </p:par>
     </p:tnLst>
+    <p:bldLst>
+      <p:bldP spid="10" grpId="0"/>
+      <p:bldP spid="13" grpId="0"/>
+    </p:bldLst>
   </p:timing>
 </p:sld>
 </file>
@@ -7704,7 +8389,7 @@
         </p:blipFill>
         <p:spPr bwMode="auto">
           <a:xfrm>
-            <a:off x="460375" y="1031901"/>
+            <a:off x="460375" y="1583111"/>
             <a:ext cx="1097280" cy="1097280"/>
           </a:xfrm>
           <a:prstGeom prst="rect">
@@ -7730,7 +8415,7 @@
         </p:nvSpPr>
         <p:spPr>
           <a:xfrm>
-            <a:off x="1557655" y="1031901"/>
+            <a:off x="1557655" y="1583111"/>
             <a:ext cx="1300356" cy="369332"/>
           </a:xfrm>
           <a:prstGeom prst="rect">
@@ -7766,8 +8451,8 @@
         </p:nvSpPr>
         <p:spPr>
           <a:xfrm>
-            <a:off x="5555046" y="975627"/>
-            <a:ext cx="2104102" cy="646331"/>
+            <a:off x="5555046" y="1526837"/>
+            <a:ext cx="838691" cy="369332"/>
           </a:xfrm>
           <a:prstGeom prst="rect">
             <a:avLst/>
@@ -7785,16 +8470,7 @@
                 <a:latin typeface="Arial" panose="020B0604020202020204" pitchFamily="34" charset="0"/>
                 <a:cs typeface="Arial" panose="020B0604020202020204" pitchFamily="34" charset="0"/>
               </a:rPr>
-              <a:t>Tạo Nhóm</a:t>
-            </a:r>
-          </a:p>
-          <a:p>
-            <a:r>
-              <a:rPr lang="en-US" b="1" dirty="0" smtClean="0">
-                <a:latin typeface="Arial" panose="020B0604020202020204" pitchFamily="34" charset="0"/>
-                <a:cs typeface="Arial" panose="020B0604020202020204" pitchFamily="34" charset="0"/>
-              </a:rPr>
-              <a:t>Thêm Thành Viên</a:t>
+              <a:t>Nhóm</a:t>
             </a:r>
             <a:endParaRPr lang="en-US" b="1" dirty="0">
               <a:latin typeface="Arial" panose="020B0604020202020204" pitchFamily="34" charset="0"/>
@@ -7819,7 +8495,7 @@
         </p:blipFill>
         <p:spPr>
           <a:xfrm>
-            <a:off x="4504864" y="1028389"/>
+            <a:off x="4504864" y="1579599"/>
             <a:ext cx="1097280" cy="1097280"/>
           </a:xfrm>
           <a:prstGeom prst="rect">
@@ -7850,7 +8526,7 @@
         </p:blipFill>
         <p:spPr bwMode="auto">
           <a:xfrm>
-            <a:off x="8706698" y="1031901"/>
+            <a:off x="8714344" y="1579599"/>
             <a:ext cx="1097280" cy="1097280"/>
           </a:xfrm>
           <a:prstGeom prst="rect">
@@ -7869,8 +8545,8 @@
         </p:nvSpPr>
         <p:spPr>
           <a:xfrm>
-            <a:off x="9803978" y="1031901"/>
-            <a:ext cx="1848583" cy="369332"/>
+            <a:off x="9803978" y="1583111"/>
+            <a:ext cx="1287532" cy="646331"/>
           </a:xfrm>
           <a:prstGeom prst="rect">
             <a:avLst/>
@@ -7888,43 +8564,16 @@
                 <a:latin typeface="Arial" panose="020B0604020202020204" pitchFamily="34" charset="0"/>
                 <a:cs typeface="Arial" panose="020B0604020202020204" pitchFamily="34" charset="0"/>
               </a:rPr>
-              <a:t>Tạo Dự Án Mới</a:t>
-            </a:r>
-            <a:endParaRPr lang="en-US" b="1" dirty="0">
-              <a:latin typeface="Arial" panose="020B0604020202020204" pitchFamily="34" charset="0"/>
-              <a:cs typeface="Arial" panose="020B0604020202020204" pitchFamily="34" charset="0"/>
-            </a:endParaRPr>
-          </a:p>
-        </p:txBody>
-      </p:sp>
-      <p:sp>
-        <p:nvSpPr>
-          <p:cNvPr id="23" name="TextBox 22"/>
-          <p:cNvSpPr txBox="1"/>
-          <p:nvPr/>
-        </p:nvSpPr>
-        <p:spPr>
-          <a:xfrm>
-            <a:off x="7556078" y="3039803"/>
-            <a:ext cx="2501647" cy="369332"/>
-          </a:xfrm>
-          <a:prstGeom prst="rect">
-            <a:avLst/>
-          </a:prstGeom>
-          <a:noFill/>
-        </p:spPr>
-        <p:txBody>
-          <a:bodyPr wrap="none" rtlCol="0">
-            <a:spAutoFit/>
-          </a:bodyPr>
-          <a:lstStyle/>
+              <a:t>Bảng</a:t>
+            </a:r>
+          </a:p>
           <a:p>
             <a:r>
               <a:rPr lang="en-US" b="1" dirty="0" smtClean="0">
                 <a:latin typeface="Arial" panose="020B0604020202020204" pitchFamily="34" charset="0"/>
                 <a:cs typeface="Arial" panose="020B0604020202020204" pitchFamily="34" charset="0"/>
               </a:rPr>
-              <a:t>Phân Chia Công Việc</a:t>
+              <a:t>Công việc</a:t>
             </a:r>
             <a:endParaRPr lang="en-US" b="1" dirty="0">
               <a:latin typeface="Arial" panose="020B0604020202020204" pitchFamily="34" charset="0"/>
@@ -7974,92 +8623,14 @@
       </p:sp>
       <p:pic>
         <p:nvPicPr>
-          <p:cNvPr id="17" name="Picture 16"/>
-          <p:cNvPicPr>
-            <a:picLocks noChangeAspect="1"/>
-          </p:cNvPicPr>
-          <p:nvPr/>
-        </p:nvPicPr>
-        <p:blipFill>
-          <a:blip r:embed="rId5">
-            <a:extLst>
-              <a:ext uri="{28A0092B-C50C-407E-A947-70E740481C1C}">
-                <a14:useLocalDpi xmlns:a14="http://schemas.microsoft.com/office/drawing/2010/main" val="0"/>
-              </a:ext>
-            </a:extLst>
-          </a:blip>
-          <a:stretch>
-            <a:fillRect/>
-          </a:stretch>
-        </p:blipFill>
-        <p:spPr>
-          <a:xfrm>
-            <a:off x="1865991" y="3029112"/>
-            <a:ext cx="1097280" cy="1097280"/>
-          </a:xfrm>
-          <a:prstGeom prst="rect">
-            <a:avLst/>
-          </a:prstGeom>
-          <a:solidFill>
-            <a:schemeClr val="tx1"/>
-          </a:solidFill>
-        </p:spPr>
-      </p:pic>
-      <p:sp>
-        <p:nvSpPr>
-          <p:cNvPr id="28" name="TextBox 27"/>
-          <p:cNvSpPr txBox="1"/>
-          <p:nvPr/>
-        </p:nvSpPr>
-        <p:spPr>
-          <a:xfrm>
-            <a:off x="3043932" y="3029112"/>
-            <a:ext cx="2472793" cy="646331"/>
-          </a:xfrm>
-          <a:prstGeom prst="rect">
-            <a:avLst/>
-          </a:prstGeom>
-          <a:noFill/>
-        </p:spPr>
-        <p:txBody>
-          <a:bodyPr wrap="none" rtlCol="0">
-            <a:spAutoFit/>
-          </a:bodyPr>
-          <a:lstStyle/>
-          <a:p>
-            <a:r>
-              <a:rPr lang="en-US" b="1" dirty="0" smtClean="0">
-                <a:latin typeface="Arial" panose="020B0604020202020204" pitchFamily="34" charset="0"/>
-                <a:cs typeface="Arial" panose="020B0604020202020204" pitchFamily="34" charset="0"/>
-              </a:rPr>
-              <a:t>Thêm Mới Công Việc</a:t>
-            </a:r>
-          </a:p>
-          <a:p>
-            <a:r>
-              <a:rPr lang="en-US" b="1" dirty="0" smtClean="0">
-                <a:latin typeface="Arial" panose="020B0604020202020204" pitchFamily="34" charset="0"/>
-                <a:cs typeface="Arial" panose="020B0604020202020204" pitchFamily="34" charset="0"/>
-              </a:rPr>
-              <a:t>Thiết Lập Thời Gian</a:t>
-            </a:r>
-            <a:endParaRPr lang="en-US" b="1" dirty="0">
-              <a:latin typeface="Arial" panose="020B0604020202020204" pitchFamily="34" charset="0"/>
-              <a:cs typeface="Arial" panose="020B0604020202020204" pitchFamily="34" charset="0"/>
-            </a:endParaRPr>
-          </a:p>
-        </p:txBody>
-      </p:sp>
-      <p:pic>
-        <p:nvPicPr>
-          <p:cNvPr id="2064" name="Picture 16" descr="Hands Holding Letters - Free image on Pixabay"/>
+          <p:cNvPr id="2066" name="Picture 18" descr="Comment png icon 1 » PNG Image"/>
           <p:cNvPicPr>
             <a:picLocks noChangeAspect="1" noChangeArrowheads="1"/>
           </p:cNvPicPr>
           <p:nvPr/>
         </p:nvPicPr>
         <p:blipFill>
-          <a:blip r:embed="rId6">
+          <a:blip r:embed="rId5">
             <a:extLst>
               <a:ext uri="{28A0092B-C50C-407E-A947-70E740481C1C}">
                 <a14:useLocalDpi xmlns:a14="http://schemas.microsoft.com/office/drawing/2010/main" val="0"/>
@@ -8073,7 +8644,7 @@
         </p:blipFill>
         <p:spPr bwMode="auto">
           <a:xfrm>
-            <a:off x="6395165" y="3039803"/>
+            <a:off x="460375" y="4118912"/>
             <a:ext cx="1097280" cy="1097280"/>
           </a:xfrm>
           <a:prstGeom prst="rect">
@@ -8084,11 +8655,132 @@
           </a:solidFill>
         </p:spPr>
       </p:pic>
+      <p:sp>
+        <p:nvSpPr>
+          <p:cNvPr id="31" name="TextBox 30"/>
+          <p:cNvSpPr txBox="1"/>
+          <p:nvPr/>
+        </p:nvSpPr>
+        <p:spPr>
+          <a:xfrm>
+            <a:off x="1557655" y="4150850"/>
+            <a:ext cx="1313180" cy="646331"/>
+          </a:xfrm>
+          <a:prstGeom prst="rect">
+            <a:avLst/>
+          </a:prstGeom>
+          <a:noFill/>
+        </p:spPr>
+        <p:txBody>
+          <a:bodyPr wrap="none" rtlCol="0">
+            <a:spAutoFit/>
+          </a:bodyPr>
+          <a:lstStyle/>
+          <a:p>
+            <a:r>
+              <a:rPr lang="en-US" b="1" dirty="0" smtClean="0">
+                <a:latin typeface="Arial" panose="020B0604020202020204" pitchFamily="34" charset="0"/>
+                <a:cs typeface="Arial" panose="020B0604020202020204" pitchFamily="34" charset="0"/>
+              </a:rPr>
+              <a:t>Trao Đổi </a:t>
+            </a:r>
+          </a:p>
+          <a:p>
+            <a:r>
+              <a:rPr lang="en-US" b="1" dirty="0" smtClean="0">
+                <a:latin typeface="Arial" panose="020B0604020202020204" pitchFamily="34" charset="0"/>
+                <a:cs typeface="Arial" panose="020B0604020202020204" pitchFamily="34" charset="0"/>
+              </a:rPr>
+              <a:t>Bình Luận</a:t>
+            </a:r>
+            <a:endParaRPr lang="en-US" b="1" dirty="0">
+              <a:latin typeface="Arial" panose="020B0604020202020204" pitchFamily="34" charset="0"/>
+              <a:cs typeface="Arial" panose="020B0604020202020204" pitchFamily="34" charset="0"/>
+            </a:endParaRPr>
+          </a:p>
+        </p:txBody>
+      </p:sp>
+      <p:sp>
+        <p:nvSpPr>
+          <p:cNvPr id="35" name="TextBox 34"/>
+          <p:cNvSpPr txBox="1"/>
+          <p:nvPr/>
+        </p:nvSpPr>
+        <p:spPr>
+          <a:xfrm>
+            <a:off x="5658176" y="4134678"/>
+            <a:ext cx="1390124" cy="369332"/>
+          </a:xfrm>
+          <a:prstGeom prst="rect">
+            <a:avLst/>
+          </a:prstGeom>
+          <a:noFill/>
+        </p:spPr>
+        <p:txBody>
+          <a:bodyPr wrap="none" rtlCol="0">
+            <a:spAutoFit/>
+          </a:bodyPr>
+          <a:lstStyle/>
+          <a:p>
+            <a:r>
+              <a:rPr lang="en-US" b="1" dirty="0" smtClean="0">
+                <a:latin typeface="Arial" panose="020B0604020202020204" pitchFamily="34" charset="0"/>
+                <a:cs typeface="Arial" panose="020B0604020202020204" pitchFamily="34" charset="0"/>
+              </a:rPr>
+              <a:t>Thông </a:t>
+            </a:r>
+            <a:r>
+              <a:rPr lang="en-US" b="1" dirty="0" smtClean="0">
+                <a:latin typeface="Arial" panose="020B0604020202020204" pitchFamily="34" charset="0"/>
+                <a:cs typeface="Arial" panose="020B0604020202020204" pitchFamily="34" charset="0"/>
+              </a:rPr>
+              <a:t>Báo</a:t>
+            </a:r>
+            <a:endParaRPr lang="en-US" b="1" dirty="0" smtClean="0">
+              <a:latin typeface="Arial" panose="020B0604020202020204" pitchFamily="34" charset="0"/>
+              <a:cs typeface="Arial" panose="020B0604020202020204" pitchFamily="34" charset="0"/>
+            </a:endParaRPr>
+          </a:p>
+        </p:txBody>
+      </p:sp>
       <p:pic>
         <p:nvPicPr>
-          <p:cNvPr id="2066" name="Picture 18" descr="Comment png icon 1 » PNG Image"/>
+          <p:cNvPr id="24" name="Picture 23"/>
           <p:cNvPicPr>
-            <a:picLocks noChangeAspect="1" noChangeArrowheads="1"/>
+            <a:picLocks noChangeAspect="1"/>
+          </p:cNvPicPr>
+          <p:nvPr/>
+        </p:nvPicPr>
+        <p:blipFill>
+          <a:blip r:embed="rId6">
+            <a:extLst>
+              <a:ext uri="{28A0092B-C50C-407E-A947-70E740481C1C}">
+                <a14:useLocalDpi xmlns:a14="http://schemas.microsoft.com/office/drawing/2010/main" val="0"/>
+              </a:ext>
+            </a:extLst>
+          </a:blip>
+          <a:stretch>
+            <a:fillRect/>
+          </a:stretch>
+        </p:blipFill>
+        <p:spPr>
+          <a:xfrm>
+            <a:off x="4563832" y="4147922"/>
+            <a:ext cx="1097280" cy="1097280"/>
+          </a:xfrm>
+          <a:prstGeom prst="rect">
+            <a:avLst/>
+          </a:prstGeom>
+          <a:solidFill>
+            <a:schemeClr val="tx1"/>
+          </a:solidFill>
+        </p:spPr>
+      </p:pic>
+      <p:pic>
+        <p:nvPicPr>
+          <p:cNvPr id="25" name="Picture 24"/>
+          <p:cNvPicPr>
+            <a:picLocks noChangeAspect="1"/>
           </p:cNvPicPr>
           <p:nvPr/>
         </p:nvPicPr>
@@ -8100,14 +8792,13 @@
               </a:ext>
             </a:extLst>
           </a:blip>
-          <a:srcRect/>
           <a:stretch>
             <a:fillRect/>
           </a:stretch>
         </p:blipFill>
-        <p:spPr bwMode="auto">
-          <a:xfrm>
-            <a:off x="460375" y="5029835"/>
+        <p:spPr>
+          <a:xfrm>
+            <a:off x="8706564" y="4135857"/>
             <a:ext cx="1097280" cy="1097280"/>
           </a:xfrm>
           <a:prstGeom prst="rect">
@@ -8120,14 +8811,14 @@
       </p:pic>
       <p:sp>
         <p:nvSpPr>
-          <p:cNvPr id="31" name="TextBox 30"/>
+          <p:cNvPr id="40" name="TextBox 39"/>
           <p:cNvSpPr txBox="1"/>
           <p:nvPr/>
         </p:nvSpPr>
         <p:spPr>
           <a:xfrm>
-            <a:off x="1557655" y="5032763"/>
-            <a:ext cx="1313180" cy="646331"/>
+            <a:off x="9811624" y="4118912"/>
+            <a:ext cx="2031325" cy="369332"/>
           </a:xfrm>
           <a:prstGeom prst="rect">
             <a:avLst/>
@@ -8145,248 +8836,7 @@
                 <a:latin typeface="Arial" panose="020B0604020202020204" pitchFamily="34" charset="0"/>
                 <a:cs typeface="Arial" panose="020B0604020202020204" pitchFamily="34" charset="0"/>
               </a:rPr>
-              <a:t>Trao Đổi </a:t>
-            </a:r>
-          </a:p>
-          <a:p>
-            <a:r>
-              <a:rPr lang="en-US" b="1" dirty="0" smtClean="0">
-                <a:latin typeface="Arial" panose="020B0604020202020204" pitchFamily="34" charset="0"/>
-                <a:cs typeface="Arial" panose="020B0604020202020204" pitchFamily="34" charset="0"/>
-              </a:rPr>
-              <a:t>Bình Luận</a:t>
-            </a:r>
-            <a:endParaRPr lang="en-US" b="1" dirty="0">
-              <a:latin typeface="Arial" panose="020B0604020202020204" pitchFamily="34" charset="0"/>
-              <a:cs typeface="Arial" panose="020B0604020202020204" pitchFamily="34" charset="0"/>
-            </a:endParaRPr>
-          </a:p>
-        </p:txBody>
-      </p:sp>
-      <p:sp>
-        <p:nvSpPr>
-          <p:cNvPr id="19" name="TextBox 18"/>
-          <p:cNvSpPr txBox="1"/>
-          <p:nvPr/>
-        </p:nvSpPr>
-        <p:spPr>
-          <a:xfrm>
-            <a:off x="1557655" y="5757783"/>
-            <a:ext cx="1107996" cy="369332"/>
-          </a:xfrm>
-          <a:prstGeom prst="rect">
-            <a:avLst/>
-          </a:prstGeom>
-          <a:noFill/>
-        </p:spPr>
-        <p:txBody>
-          <a:bodyPr wrap="none" rtlCol="0">
-            <a:spAutoFit/>
-          </a:bodyPr>
-          <a:lstStyle/>
-          <a:p>
-            <a:r>
-              <a:rPr lang="en-US" dirty="0" smtClean="0">
-                <a:solidFill>
-                  <a:srgbClr val="92D050"/>
-                </a:solidFill>
-              </a:rPr>
-              <a:t>RealTime</a:t>
-            </a:r>
-            <a:endParaRPr lang="en-US" dirty="0">
-              <a:solidFill>
-                <a:srgbClr val="92D050"/>
-              </a:solidFill>
-            </a:endParaRPr>
-          </a:p>
-        </p:txBody>
-      </p:sp>
-      <p:sp>
-        <p:nvSpPr>
-          <p:cNvPr id="35" name="TextBox 34"/>
-          <p:cNvSpPr txBox="1"/>
-          <p:nvPr/>
-        </p:nvSpPr>
-        <p:spPr>
-          <a:xfrm>
-            <a:off x="5658176" y="5016591"/>
-            <a:ext cx="1390124" cy="646331"/>
-          </a:xfrm>
-          <a:prstGeom prst="rect">
-            <a:avLst/>
-          </a:prstGeom>
-          <a:noFill/>
-        </p:spPr>
-        <p:txBody>
-          <a:bodyPr wrap="none" rtlCol="0">
-            <a:spAutoFit/>
-          </a:bodyPr>
-          <a:lstStyle/>
-          <a:p>
-            <a:r>
-              <a:rPr lang="en-US" b="1" dirty="0" smtClean="0">
-                <a:latin typeface="Arial" panose="020B0604020202020204" pitchFamily="34" charset="0"/>
-                <a:cs typeface="Arial" panose="020B0604020202020204" pitchFamily="34" charset="0"/>
-              </a:rPr>
-              <a:t>Thông Báo</a:t>
-            </a:r>
-          </a:p>
-          <a:p>
-            <a:r>
-              <a:rPr lang="en-US" b="1" dirty="0" smtClean="0">
-                <a:latin typeface="Arial" panose="020B0604020202020204" pitchFamily="34" charset="0"/>
-                <a:cs typeface="Arial" panose="020B0604020202020204" pitchFamily="34" charset="0"/>
-              </a:rPr>
-              <a:t>Email</a:t>
-            </a:r>
-            <a:endParaRPr lang="en-US" b="1" dirty="0">
-              <a:latin typeface="Arial" panose="020B0604020202020204" pitchFamily="34" charset="0"/>
-              <a:cs typeface="Arial" panose="020B0604020202020204" pitchFamily="34" charset="0"/>
-            </a:endParaRPr>
-          </a:p>
-        </p:txBody>
-      </p:sp>
-      <p:sp>
-        <p:nvSpPr>
-          <p:cNvPr id="36" name="TextBox 35"/>
-          <p:cNvSpPr txBox="1"/>
-          <p:nvPr/>
-        </p:nvSpPr>
-        <p:spPr>
-          <a:xfrm>
-            <a:off x="5658176" y="5741611"/>
-            <a:ext cx="1107996" cy="369332"/>
-          </a:xfrm>
-          <a:prstGeom prst="rect">
-            <a:avLst/>
-          </a:prstGeom>
-          <a:noFill/>
-        </p:spPr>
-        <p:txBody>
-          <a:bodyPr wrap="none" rtlCol="0">
-            <a:spAutoFit/>
-          </a:bodyPr>
-          <a:lstStyle/>
-          <a:p>
-            <a:r>
-              <a:rPr lang="en-US" dirty="0" smtClean="0">
-                <a:solidFill>
-                  <a:srgbClr val="92D050"/>
-                </a:solidFill>
-              </a:rPr>
-              <a:t>RealTime</a:t>
-            </a:r>
-            <a:endParaRPr lang="en-US" dirty="0">
-              <a:solidFill>
-                <a:srgbClr val="92D050"/>
-              </a:solidFill>
-            </a:endParaRPr>
-          </a:p>
-        </p:txBody>
-      </p:sp>
-      <p:pic>
-        <p:nvPicPr>
-          <p:cNvPr id="24" name="Picture 23"/>
-          <p:cNvPicPr>
-            <a:picLocks noChangeAspect="1"/>
-          </p:cNvPicPr>
-          <p:nvPr/>
-        </p:nvPicPr>
-        <p:blipFill>
-          <a:blip r:embed="rId8">
-            <a:extLst>
-              <a:ext uri="{28A0092B-C50C-407E-A947-70E740481C1C}">
-                <a14:useLocalDpi xmlns:a14="http://schemas.microsoft.com/office/drawing/2010/main" val="0"/>
-              </a:ext>
-            </a:extLst>
-          </a:blip>
-          <a:stretch>
-            <a:fillRect/>
-          </a:stretch>
-        </p:blipFill>
-        <p:spPr>
-          <a:xfrm>
-            <a:off x="4563832" y="5029835"/>
-            <a:ext cx="1097280" cy="1097280"/>
-          </a:xfrm>
-          <a:prstGeom prst="rect">
-            <a:avLst/>
-          </a:prstGeom>
-          <a:solidFill>
-            <a:schemeClr val="tx1"/>
-          </a:solidFill>
-        </p:spPr>
-      </p:pic>
-      <p:pic>
-        <p:nvPicPr>
-          <p:cNvPr id="25" name="Picture 24"/>
-          <p:cNvPicPr>
-            <a:picLocks noChangeAspect="1"/>
-          </p:cNvPicPr>
-          <p:nvPr/>
-        </p:nvPicPr>
-        <p:blipFill>
-          <a:blip r:embed="rId9">
-            <a:extLst>
-              <a:ext uri="{28A0092B-C50C-407E-A947-70E740481C1C}">
-                <a14:useLocalDpi xmlns:a14="http://schemas.microsoft.com/office/drawing/2010/main" val="0"/>
-              </a:ext>
-            </a:extLst>
-          </a:blip>
-          <a:stretch>
-            <a:fillRect/>
-          </a:stretch>
-        </p:blipFill>
-        <p:spPr>
-          <a:xfrm>
-            <a:off x="8706564" y="5017770"/>
-            <a:ext cx="1097280" cy="1097280"/>
-          </a:xfrm>
-          <a:prstGeom prst="rect">
-            <a:avLst/>
-          </a:prstGeom>
-          <a:solidFill>
-            <a:schemeClr val="tx1"/>
-          </a:solidFill>
-        </p:spPr>
-      </p:pic>
-      <p:sp>
-        <p:nvSpPr>
-          <p:cNvPr id="40" name="TextBox 39"/>
-          <p:cNvSpPr txBox="1"/>
-          <p:nvPr/>
-        </p:nvSpPr>
-        <p:spPr>
-          <a:xfrm>
-            <a:off x="9811624" y="5000825"/>
-            <a:ext cx="1249060" cy="646331"/>
-          </a:xfrm>
-          <a:prstGeom prst="rect">
-            <a:avLst/>
-          </a:prstGeom>
-          <a:noFill/>
-        </p:spPr>
-        <p:txBody>
-          <a:bodyPr wrap="none" rtlCol="0">
-            <a:spAutoFit/>
-          </a:bodyPr>
-          <a:lstStyle/>
-          <a:p>
-            <a:r>
-              <a:rPr lang="en-US" b="1" dirty="0" smtClean="0">
-                <a:latin typeface="Arial" panose="020B0604020202020204" pitchFamily="34" charset="0"/>
-                <a:cs typeface="Arial" panose="020B0604020202020204" pitchFamily="34" charset="0"/>
-              </a:rPr>
-              <a:t>Thống Kê</a:t>
-            </a:r>
-          </a:p>
-          <a:p>
-            <a:r>
-              <a:rPr lang="en-US" b="1" dirty="0" smtClean="0">
-                <a:latin typeface="Arial" panose="020B0604020202020204" pitchFamily="34" charset="0"/>
-                <a:cs typeface="Arial" panose="020B0604020202020204" pitchFamily="34" charset="0"/>
-              </a:rPr>
-              <a:t>Đánh Giá</a:t>
+              <a:t>Đánh giá kết quả</a:t>
             </a:r>
             <a:endParaRPr lang="en-US" b="1" dirty="0">
               <a:latin typeface="Arial" panose="020B0604020202020204" pitchFamily="34" charset="0"/>
@@ -8464,8 +8914,8 @@
         </p:nvSpPr>
         <p:spPr>
           <a:xfrm>
-            <a:off x="10362183" y="281927"/>
-            <a:ext cx="1143262" cy="523220"/>
+            <a:off x="10222722" y="281927"/>
+            <a:ext cx="1282723" cy="523220"/>
           </a:xfrm>
           <a:prstGeom prst="rect">
             <a:avLst/>
@@ -8484,7 +8934,7 @@
                 <a:latin typeface="Arial" panose="020B0604020202020204" pitchFamily="34" charset="0"/>
                 <a:cs typeface="Arial" panose="020B0604020202020204" pitchFamily="34" charset="0"/>
               </a:rPr>
-              <a:t>AJAX</a:t>
+              <a:t>NHÓM</a:t>
             </a:r>
             <a:endParaRPr lang="en-US" sz="2800" b="1" dirty="0">
               <a:latin typeface="Arial" panose="020B0604020202020204" pitchFamily="34" charset="0"/>
@@ -8493,70 +8943,16 @@
           </a:p>
         </p:txBody>
       </p:sp>
-      <p:pic>
-        <p:nvPicPr>
-          <p:cNvPr id="10" name="Picture 9"/>
-          <p:cNvPicPr>
-            <a:picLocks noChangeAspect="1"/>
-          </p:cNvPicPr>
-          <p:nvPr/>
-        </p:nvPicPr>
-        <p:blipFill>
-          <a:blip r:embed="rId2"/>
-          <a:stretch>
-            <a:fillRect/>
-          </a:stretch>
-        </p:blipFill>
-        <p:spPr>
-          <a:xfrm>
-            <a:off x="585217" y="805147"/>
-            <a:ext cx="7131484" cy="1909478"/>
-          </a:xfrm>
-          <a:prstGeom prst="rect">
-            <a:avLst/>
-          </a:prstGeom>
-        </p:spPr>
-      </p:pic>
-      <p:pic>
-        <p:nvPicPr>
-          <p:cNvPr id="11" name="Picture 10"/>
-          <p:cNvPicPr>
-            <a:picLocks noChangeAspect="1"/>
-          </p:cNvPicPr>
-          <p:nvPr/>
-        </p:nvPicPr>
-        <p:blipFill>
-          <a:blip r:embed="rId3">
-            <a:extLst>
-              <a:ext uri="{28A0092B-C50C-407E-A947-70E740481C1C}">
-                <a14:useLocalDpi xmlns:a14="http://schemas.microsoft.com/office/drawing/2010/main" val="0"/>
-              </a:ext>
-            </a:extLst>
-          </a:blip>
-          <a:stretch>
-            <a:fillRect/>
-          </a:stretch>
-        </p:blipFill>
-        <p:spPr>
-          <a:xfrm>
-            <a:off x="8016851" y="821702"/>
-            <a:ext cx="497578" cy="497578"/>
-          </a:xfrm>
-          <a:prstGeom prst="rect">
-            <a:avLst/>
-          </a:prstGeom>
-        </p:spPr>
-      </p:pic>
-      <p:sp>
-        <p:nvSpPr>
-          <p:cNvPr id="12" name="TextBox 11"/>
+      <p:sp>
+        <p:nvSpPr>
+          <p:cNvPr id="6" name="TextBox 5"/>
           <p:cNvSpPr txBox="1"/>
           <p:nvPr/>
         </p:nvSpPr>
         <p:spPr>
           <a:xfrm>
-            <a:off x="8652655" y="885825"/>
-            <a:ext cx="3095206" cy="369332"/>
+            <a:off x="855526" y="1060596"/>
+            <a:ext cx="1569660" cy="369332"/>
           </a:xfrm>
           <a:prstGeom prst="rect">
             <a:avLst/>
@@ -8570,43 +8966,259 @@
           <a:lstStyle/>
           <a:p>
             <a:r>
-              <a:rPr lang="en-US" dirty="0" smtClean="0"/>
-              <a:t>Thêm Thành Viên Vào Nhóm</a:t>
-            </a:r>
-            <a:endParaRPr lang="en-US" dirty="0"/>
-          </a:p>
-        </p:txBody>
-      </p:sp>
-      <p:pic>
-        <p:nvPicPr>
-          <p:cNvPr id="13" name="Picture 12"/>
-          <p:cNvPicPr>
-            <a:picLocks noChangeAspect="1"/>
-          </p:cNvPicPr>
+              <a:rPr lang="en-US" b="1" dirty="0" smtClean="0">
+                <a:latin typeface="Arial" panose="020B0604020202020204" pitchFamily="34" charset="0"/>
+                <a:cs typeface="Arial" panose="020B0604020202020204" pitchFamily="34" charset="0"/>
+              </a:rPr>
+              <a:t>1. Tạo Nhóm</a:t>
+            </a:r>
+            <a:endParaRPr lang="en-US" b="1" dirty="0">
+              <a:latin typeface="Arial" panose="020B0604020202020204" pitchFamily="34" charset="0"/>
+              <a:cs typeface="Arial" panose="020B0604020202020204" pitchFamily="34" charset="0"/>
+            </a:endParaRPr>
+          </a:p>
+        </p:txBody>
+      </p:sp>
+      <p:sp>
+        <p:nvSpPr>
+          <p:cNvPr id="7" name="TextBox 6"/>
+          <p:cNvSpPr txBox="1"/>
           <p:nvPr/>
-        </p:nvPicPr>
-        <p:blipFill>
-          <a:blip r:embed="rId4">
-            <a:extLst>
-              <a:ext uri="{28A0092B-C50C-407E-A947-70E740481C1C}">
-                <a14:useLocalDpi xmlns:a14="http://schemas.microsoft.com/office/drawing/2010/main" val="0"/>
-              </a:ext>
-            </a:extLst>
-          </a:blip>
-          <a:stretch>
-            <a:fillRect/>
-          </a:stretch>
-        </p:blipFill>
-        <p:spPr>
-          <a:xfrm>
-            <a:off x="8016851" y="1499116"/>
-            <a:ext cx="521540" cy="521540"/>
+        </p:nvSpPr>
+        <p:spPr>
+          <a:xfrm>
+            <a:off x="855526" y="1898796"/>
+            <a:ext cx="2360583" cy="369332"/>
           </a:xfrm>
           <a:prstGeom prst="rect">
             <a:avLst/>
           </a:prstGeom>
-        </p:spPr>
-      </p:pic>
+          <a:noFill/>
+        </p:spPr>
+        <p:txBody>
+          <a:bodyPr wrap="none" rtlCol="0">
+            <a:spAutoFit/>
+          </a:bodyPr>
+          <a:lstStyle/>
+          <a:p>
+            <a:r>
+              <a:rPr lang="en-US" b="1" dirty="0" smtClean="0">
+                <a:latin typeface="Arial" panose="020B0604020202020204" pitchFamily="34" charset="0"/>
+                <a:cs typeface="Arial" panose="020B0604020202020204" pitchFamily="34" charset="0"/>
+              </a:rPr>
+              <a:t>2. Thêm Thành Viên</a:t>
+            </a:r>
+            <a:endParaRPr lang="en-US" b="1" dirty="0">
+              <a:latin typeface="Arial" panose="020B0604020202020204" pitchFamily="34" charset="0"/>
+              <a:cs typeface="Arial" panose="020B0604020202020204" pitchFamily="34" charset="0"/>
+            </a:endParaRPr>
+          </a:p>
+        </p:txBody>
+      </p:sp>
+      <p:sp>
+        <p:nvSpPr>
+          <p:cNvPr id="3" name="Rounded Rectangle 2"/>
+          <p:cNvSpPr/>
+          <p:nvPr/>
+        </p:nvSpPr>
+        <p:spPr>
+          <a:xfrm>
+            <a:off x="1085850" y="2571748"/>
+            <a:ext cx="2039899" cy="726621"/>
+          </a:xfrm>
+          <a:prstGeom prst="roundRect">
+            <a:avLst/>
+          </a:prstGeom>
+        </p:spPr>
+        <p:style>
+          <a:lnRef idx="2">
+            <a:schemeClr val="accent1">
+              <a:shade val="50000"/>
+            </a:schemeClr>
+          </a:lnRef>
+          <a:fillRef idx="1">
+            <a:schemeClr val="accent1"/>
+          </a:fillRef>
+          <a:effectRef idx="0">
+            <a:schemeClr val="accent1"/>
+          </a:effectRef>
+          <a:fontRef idx="minor">
+            <a:schemeClr val="lt1"/>
+          </a:fontRef>
+        </p:style>
+        <p:txBody>
+          <a:bodyPr rtlCol="0" anchor="ctr"/>
+          <a:lstStyle/>
+          <a:p>
+            <a:pPr algn="ctr"/>
+            <a:r>
+              <a:rPr lang="en-US" dirty="0" smtClean="0"/>
+              <a:t>Nhập Tên/ Email</a:t>
+            </a:r>
+            <a:endParaRPr lang="en-US" dirty="0"/>
+          </a:p>
+        </p:txBody>
+      </p:sp>
+      <p:sp>
+        <p:nvSpPr>
+          <p:cNvPr id="8" name="Rounded Rectangle 7"/>
+          <p:cNvSpPr/>
+          <p:nvPr/>
+        </p:nvSpPr>
+        <p:spPr>
+          <a:xfrm>
+            <a:off x="3469200" y="2571748"/>
+            <a:ext cx="1927391" cy="726621"/>
+          </a:xfrm>
+          <a:prstGeom prst="roundRect">
+            <a:avLst/>
+          </a:prstGeom>
+        </p:spPr>
+        <p:style>
+          <a:lnRef idx="2">
+            <a:schemeClr val="accent1">
+              <a:shade val="50000"/>
+            </a:schemeClr>
+          </a:lnRef>
+          <a:fillRef idx="1">
+            <a:schemeClr val="accent1"/>
+          </a:fillRef>
+          <a:effectRef idx="0">
+            <a:schemeClr val="accent1"/>
+          </a:effectRef>
+          <a:fontRef idx="minor">
+            <a:schemeClr val="lt1"/>
+          </a:fontRef>
+        </p:style>
+        <p:txBody>
+          <a:bodyPr rtlCol="0" anchor="ctr"/>
+          <a:lstStyle/>
+          <a:p>
+            <a:pPr algn="ctr"/>
+            <a:r>
+              <a:rPr lang="en-US" dirty="0" smtClean="0"/>
+              <a:t>Chọn Người Muốn Thêm</a:t>
+            </a:r>
+            <a:endParaRPr lang="en-US" dirty="0"/>
+          </a:p>
+        </p:txBody>
+      </p:sp>
+      <p:sp>
+        <p:nvSpPr>
+          <p:cNvPr id="9" name="Rounded Rectangle 8"/>
+          <p:cNvSpPr/>
+          <p:nvPr/>
+        </p:nvSpPr>
+        <p:spPr>
+          <a:xfrm>
+            <a:off x="5740042" y="2571748"/>
+            <a:ext cx="1927391" cy="726621"/>
+          </a:xfrm>
+          <a:prstGeom prst="roundRect">
+            <a:avLst/>
+          </a:prstGeom>
+        </p:spPr>
+        <p:style>
+          <a:lnRef idx="2">
+            <a:schemeClr val="accent1">
+              <a:shade val="50000"/>
+            </a:schemeClr>
+          </a:lnRef>
+          <a:fillRef idx="1">
+            <a:schemeClr val="accent1"/>
+          </a:fillRef>
+          <a:effectRef idx="0">
+            <a:schemeClr val="accent1"/>
+          </a:effectRef>
+          <a:fontRef idx="minor">
+            <a:schemeClr val="lt1"/>
+          </a:fontRef>
+        </p:style>
+        <p:txBody>
+          <a:bodyPr rtlCol="0" anchor="ctr"/>
+          <a:lstStyle/>
+          <a:p>
+            <a:pPr algn="ctr"/>
+            <a:r>
+              <a:rPr lang="en-US" dirty="0" smtClean="0"/>
+              <a:t>Thành Viên Mới Gia Nhập</a:t>
+            </a:r>
+            <a:endParaRPr lang="en-US" dirty="0"/>
+          </a:p>
+        </p:txBody>
+      </p:sp>
+      <p:cxnSp>
+        <p:nvCxnSpPr>
+          <p:cNvPr id="11" name="Straight Arrow Connector 10"/>
+          <p:cNvCxnSpPr>
+            <a:stCxn id="3" idx="3"/>
+            <a:endCxn id="8" idx="1"/>
+          </p:cNvCxnSpPr>
+          <p:nvPr/>
+        </p:nvCxnSpPr>
+        <p:spPr>
+          <a:xfrm>
+            <a:off x="3125749" y="2935059"/>
+            <a:ext cx="343451" cy="0"/>
+          </a:xfrm>
+          <a:prstGeom prst="straightConnector1">
+            <a:avLst/>
+          </a:prstGeom>
+          <a:ln>
+            <a:tailEnd type="triangle"/>
+          </a:ln>
+        </p:spPr>
+        <p:style>
+          <a:lnRef idx="2">
+            <a:schemeClr val="dk1"/>
+          </a:lnRef>
+          <a:fillRef idx="0">
+            <a:schemeClr val="dk1"/>
+          </a:fillRef>
+          <a:effectRef idx="1">
+            <a:schemeClr val="dk1"/>
+          </a:effectRef>
+          <a:fontRef idx="minor">
+            <a:schemeClr val="tx1"/>
+          </a:fontRef>
+        </p:style>
+      </p:cxnSp>
+      <p:cxnSp>
+        <p:nvCxnSpPr>
+          <p:cNvPr id="13" name="Straight Arrow Connector 12"/>
+          <p:cNvCxnSpPr>
+            <a:stCxn id="8" idx="3"/>
+            <a:endCxn id="9" idx="1"/>
+          </p:cNvCxnSpPr>
+          <p:nvPr/>
+        </p:nvCxnSpPr>
+        <p:spPr>
+          <a:xfrm>
+            <a:off x="5396591" y="2935059"/>
+            <a:ext cx="343451" cy="0"/>
+          </a:xfrm>
+          <a:prstGeom prst="straightConnector1">
+            <a:avLst/>
+          </a:prstGeom>
+          <a:ln>
+            <a:tailEnd type="triangle"/>
+          </a:ln>
+        </p:spPr>
+        <p:style>
+          <a:lnRef idx="2">
+            <a:schemeClr val="dk1"/>
+          </a:lnRef>
+          <a:fillRef idx="0">
+            <a:schemeClr val="dk1"/>
+          </a:fillRef>
+          <a:effectRef idx="1">
+            <a:schemeClr val="dk1"/>
+          </a:effectRef>
+          <a:fontRef idx="minor">
+            <a:schemeClr val="tx1"/>
+          </a:fontRef>
+        </p:style>
+      </p:cxnSp>
       <p:sp>
         <p:nvSpPr>
           <p:cNvPr id="14" name="TextBox 13"/>
@@ -8615,8 +9227,8 @@
         </p:nvSpPr>
         <p:spPr>
           <a:xfrm>
-            <a:off x="8652655" y="1575220"/>
-            <a:ext cx="2292615" cy="369332"/>
+            <a:off x="1122997" y="3324990"/>
+            <a:ext cx="1965603" cy="276999"/>
           </a:xfrm>
           <a:prstGeom prst="rect">
             <a:avLst/>
@@ -8630,53 +9242,39 @@
           <a:lstStyle/>
           <a:p>
             <a:r>
-              <a:rPr lang="en-US" dirty="0" smtClean="0"/>
-              <a:t>Phân Chia Công Việc</a:t>
-            </a:r>
-            <a:endParaRPr lang="en-US" dirty="0"/>
-          </a:p>
-        </p:txBody>
-      </p:sp>
-      <p:pic>
-        <p:nvPicPr>
-          <p:cNvPr id="15" name="Picture 14"/>
-          <p:cNvPicPr>
-            <a:picLocks noChangeAspect="1"/>
-          </p:cNvPicPr>
-          <p:nvPr/>
-        </p:nvPicPr>
-        <p:blipFill>
-          <a:blip r:embed="rId5">
-            <a:extLst>
-              <a:ext uri="{28A0092B-C50C-407E-A947-70E740481C1C}">
-                <a14:useLocalDpi xmlns:a14="http://schemas.microsoft.com/office/drawing/2010/main" val="0"/>
-              </a:ext>
-            </a:extLst>
-          </a:blip>
-          <a:stretch>
-            <a:fillRect/>
-          </a:stretch>
-        </p:blipFill>
-        <p:spPr>
-          <a:xfrm>
-            <a:off x="2596111" y="2886292"/>
-            <a:ext cx="542620" cy="542620"/>
-          </a:xfrm>
-          <a:prstGeom prst="rect">
-            <a:avLst/>
-          </a:prstGeom>
-        </p:spPr>
-      </p:pic>
-      <p:sp>
-        <p:nvSpPr>
-          <p:cNvPr id="16" name="TextBox 15"/>
+              <a:rPr lang="en-US" sz="1200" b="1" dirty="0" smtClean="0">
+                <a:solidFill>
+                  <a:schemeClr val="tx1">
+                    <a:lumMod val="85000"/>
+                  </a:schemeClr>
+                </a:solidFill>
+                <a:latin typeface="Arial" panose="020B0604020202020204" pitchFamily="34" charset="0"/>
+                <a:cs typeface="Arial" panose="020B0604020202020204" pitchFamily="34" charset="0"/>
+              </a:rPr>
+              <a:t>Thành Viên Trong Nhóm</a:t>
+            </a:r>
+            <a:endParaRPr lang="en-US" sz="1200" b="1" dirty="0">
+              <a:solidFill>
+                <a:schemeClr val="tx1">
+                  <a:lumMod val="85000"/>
+                </a:schemeClr>
+              </a:solidFill>
+              <a:latin typeface="Arial" panose="020B0604020202020204" pitchFamily="34" charset="0"/>
+              <a:cs typeface="Arial" panose="020B0604020202020204" pitchFamily="34" charset="0"/>
+            </a:endParaRPr>
+          </a:p>
+        </p:txBody>
+      </p:sp>
+      <p:sp>
+        <p:nvSpPr>
+          <p:cNvPr id="15" name="TextBox 14"/>
           <p:cNvSpPr txBox="1"/>
           <p:nvPr/>
         </p:nvSpPr>
         <p:spPr>
           <a:xfrm>
-            <a:off x="3342616" y="2972936"/>
-            <a:ext cx="1697837" cy="369332"/>
+            <a:off x="855526" y="3903098"/>
+            <a:ext cx="2475999" cy="369332"/>
           </a:xfrm>
           <a:prstGeom prst="rect">
             <a:avLst/>
@@ -8690,35 +9288,393 @@
           <a:lstStyle/>
           <a:p>
             <a:r>
+              <a:rPr lang="en-US" b="1" dirty="0" smtClean="0">
+                <a:latin typeface="Arial" panose="020B0604020202020204" pitchFamily="34" charset="0"/>
+                <a:cs typeface="Arial" panose="020B0604020202020204" pitchFamily="34" charset="0"/>
+              </a:rPr>
+              <a:t>3. Yêu Cầu Tham Gia</a:t>
+            </a:r>
+            <a:endParaRPr lang="en-US" b="1" dirty="0">
+              <a:latin typeface="Arial" panose="020B0604020202020204" pitchFamily="34" charset="0"/>
+              <a:cs typeface="Arial" panose="020B0604020202020204" pitchFamily="34" charset="0"/>
+            </a:endParaRPr>
+          </a:p>
+        </p:txBody>
+      </p:sp>
+      <p:sp>
+        <p:nvSpPr>
+          <p:cNvPr id="16" name="Rounded Rectangle 15"/>
+          <p:cNvSpPr/>
+          <p:nvPr/>
+        </p:nvSpPr>
+        <p:spPr>
+          <a:xfrm>
+            <a:off x="1085850" y="4588966"/>
+            <a:ext cx="2039899" cy="726621"/>
+          </a:xfrm>
+          <a:prstGeom prst="roundRect">
+            <a:avLst/>
+          </a:prstGeom>
+        </p:spPr>
+        <p:style>
+          <a:lnRef idx="2">
+            <a:schemeClr val="accent1">
+              <a:shade val="50000"/>
+            </a:schemeClr>
+          </a:lnRef>
+          <a:fillRef idx="1">
+            <a:schemeClr val="accent1"/>
+          </a:fillRef>
+          <a:effectRef idx="0">
+            <a:schemeClr val="accent1"/>
+          </a:effectRef>
+          <a:fontRef idx="minor">
+            <a:schemeClr val="lt1"/>
+          </a:fontRef>
+        </p:style>
+        <p:txBody>
+          <a:bodyPr rtlCol="0" anchor="ctr"/>
+          <a:lstStyle/>
+          <a:p>
+            <a:pPr algn="ctr"/>
+            <a:r>
               <a:rPr lang="en-US" dirty="0" smtClean="0"/>
-              <a:t>Sự kiện: </a:t>
-            </a:r>
-            <a:r>
-              <a:rPr lang="en-US" b="1" dirty="0" smtClean="0">
-                <a:solidFill>
-                  <a:srgbClr val="0070C0"/>
-                </a:solidFill>
-              </a:rPr>
-              <a:t>keyup</a:t>
-            </a:r>
-            <a:endParaRPr lang="en-US" b="1" dirty="0">
-              <a:solidFill>
-                <a:srgbClr val="0070C0"/>
-              </a:solidFill>
-            </a:endParaRPr>
-          </a:p>
-        </p:txBody>
-      </p:sp>
-      <p:sp>
-        <p:nvSpPr>
-          <p:cNvPr id="19" name="TextBox 18"/>
+              <a:t>Tìm Nhóm Theo Tên</a:t>
+            </a:r>
+            <a:endParaRPr lang="en-US" dirty="0"/>
+          </a:p>
+        </p:txBody>
+      </p:sp>
+      <p:sp>
+        <p:nvSpPr>
+          <p:cNvPr id="17" name="Rounded Rectangle 16"/>
+          <p:cNvSpPr/>
+          <p:nvPr/>
+        </p:nvSpPr>
+        <p:spPr>
+          <a:xfrm>
+            <a:off x="3469200" y="4588966"/>
+            <a:ext cx="1927391" cy="726621"/>
+          </a:xfrm>
+          <a:prstGeom prst="roundRect">
+            <a:avLst/>
+          </a:prstGeom>
+        </p:spPr>
+        <p:style>
+          <a:lnRef idx="2">
+            <a:schemeClr val="accent1">
+              <a:shade val="50000"/>
+            </a:schemeClr>
+          </a:lnRef>
+          <a:fillRef idx="1">
+            <a:schemeClr val="accent1"/>
+          </a:fillRef>
+          <a:effectRef idx="0">
+            <a:schemeClr val="accent1"/>
+          </a:effectRef>
+          <a:fontRef idx="minor">
+            <a:schemeClr val="lt1"/>
+          </a:fontRef>
+        </p:style>
+        <p:txBody>
+          <a:bodyPr rtlCol="0" anchor="ctr"/>
+          <a:lstStyle/>
+          <a:p>
+            <a:pPr algn="ctr"/>
+            <a:r>
+              <a:rPr lang="en-US" dirty="0" smtClean="0"/>
+              <a:t>Chọn Nhóm</a:t>
+            </a:r>
+            <a:endParaRPr lang="en-US" dirty="0"/>
+          </a:p>
+        </p:txBody>
+      </p:sp>
+      <p:sp>
+        <p:nvSpPr>
+          <p:cNvPr id="18" name="Rounded Rectangle 17"/>
+          <p:cNvSpPr/>
+          <p:nvPr/>
+        </p:nvSpPr>
+        <p:spPr>
+          <a:xfrm>
+            <a:off x="5740042" y="4588966"/>
+            <a:ext cx="1927391" cy="726621"/>
+          </a:xfrm>
+          <a:prstGeom prst="roundRect">
+            <a:avLst/>
+          </a:prstGeom>
+        </p:spPr>
+        <p:style>
+          <a:lnRef idx="2">
+            <a:schemeClr val="accent1">
+              <a:shade val="50000"/>
+            </a:schemeClr>
+          </a:lnRef>
+          <a:fillRef idx="1">
+            <a:schemeClr val="accent1"/>
+          </a:fillRef>
+          <a:effectRef idx="0">
+            <a:schemeClr val="accent1"/>
+          </a:effectRef>
+          <a:fontRef idx="minor">
+            <a:schemeClr val="lt1"/>
+          </a:fontRef>
+        </p:style>
+        <p:txBody>
+          <a:bodyPr rtlCol="0" anchor="ctr"/>
+          <a:lstStyle/>
+          <a:p>
+            <a:pPr algn="ctr"/>
+            <a:r>
+              <a:rPr lang="en-US" dirty="0" smtClean="0"/>
+              <a:t>Thông Báo Có Yêu Cầu Mới</a:t>
+            </a:r>
+            <a:endParaRPr lang="en-US" dirty="0"/>
+          </a:p>
+        </p:txBody>
+      </p:sp>
+      <p:cxnSp>
+        <p:nvCxnSpPr>
+          <p:cNvPr id="19" name="Straight Arrow Connector 18"/>
+          <p:cNvCxnSpPr>
+            <a:stCxn id="16" idx="3"/>
+            <a:endCxn id="17" idx="1"/>
+          </p:cNvCxnSpPr>
+          <p:nvPr/>
+        </p:nvCxnSpPr>
+        <p:spPr>
+          <a:xfrm>
+            <a:off x="3125749" y="4952277"/>
+            <a:ext cx="343451" cy="0"/>
+          </a:xfrm>
+          <a:prstGeom prst="straightConnector1">
+            <a:avLst/>
+          </a:prstGeom>
+          <a:ln>
+            <a:tailEnd type="triangle"/>
+          </a:ln>
+        </p:spPr>
+        <p:style>
+          <a:lnRef idx="2">
+            <a:schemeClr val="dk1"/>
+          </a:lnRef>
+          <a:fillRef idx="0">
+            <a:schemeClr val="dk1"/>
+          </a:fillRef>
+          <a:effectRef idx="1">
+            <a:schemeClr val="dk1"/>
+          </a:effectRef>
+          <a:fontRef idx="minor">
+            <a:schemeClr val="tx1"/>
+          </a:fontRef>
+        </p:style>
+      </p:cxnSp>
+      <p:cxnSp>
+        <p:nvCxnSpPr>
+          <p:cNvPr id="22" name="Straight Arrow Connector 21"/>
+          <p:cNvCxnSpPr>
+            <a:stCxn id="18" idx="3"/>
+            <a:endCxn id="25" idx="1"/>
+          </p:cNvCxnSpPr>
+          <p:nvPr/>
+        </p:nvCxnSpPr>
+        <p:spPr>
+          <a:xfrm>
+            <a:off x="7667433" y="4952277"/>
+            <a:ext cx="343451" cy="0"/>
+          </a:xfrm>
+          <a:prstGeom prst="straightConnector1">
+            <a:avLst/>
+          </a:prstGeom>
+          <a:ln>
+            <a:tailEnd type="triangle"/>
+          </a:ln>
+        </p:spPr>
+        <p:style>
+          <a:lnRef idx="2">
+            <a:schemeClr val="dk1"/>
+          </a:lnRef>
+          <a:fillRef idx="0">
+            <a:schemeClr val="dk1"/>
+          </a:fillRef>
+          <a:effectRef idx="1">
+            <a:schemeClr val="dk1"/>
+          </a:effectRef>
+          <a:fontRef idx="minor">
+            <a:schemeClr val="tx1"/>
+          </a:fontRef>
+        </p:style>
+      </p:cxnSp>
+      <p:sp>
+        <p:nvSpPr>
+          <p:cNvPr id="25" name="Rounded Rectangle 24"/>
+          <p:cNvSpPr/>
+          <p:nvPr/>
+        </p:nvSpPr>
+        <p:spPr>
+          <a:xfrm>
+            <a:off x="8010884" y="4588966"/>
+            <a:ext cx="1927391" cy="726621"/>
+          </a:xfrm>
+          <a:prstGeom prst="roundRect">
+            <a:avLst/>
+          </a:prstGeom>
+        </p:spPr>
+        <p:style>
+          <a:lnRef idx="2">
+            <a:schemeClr val="accent1">
+              <a:shade val="50000"/>
+            </a:schemeClr>
+          </a:lnRef>
+          <a:fillRef idx="1">
+            <a:schemeClr val="accent1"/>
+          </a:fillRef>
+          <a:effectRef idx="0">
+            <a:schemeClr val="accent1"/>
+          </a:effectRef>
+          <a:fontRef idx="minor">
+            <a:schemeClr val="lt1"/>
+          </a:fontRef>
+        </p:style>
+        <p:txBody>
+          <a:bodyPr rtlCol="0" anchor="ctr"/>
+          <a:lstStyle/>
+          <a:p>
+            <a:pPr algn="ctr"/>
+            <a:r>
+              <a:rPr lang="en-US" dirty="0" smtClean="0"/>
+              <a:t>Đồng Ý</a:t>
+            </a:r>
+            <a:endParaRPr lang="en-US" dirty="0"/>
+          </a:p>
+        </p:txBody>
+      </p:sp>
+      <p:cxnSp>
+        <p:nvCxnSpPr>
+          <p:cNvPr id="35" name="Straight Arrow Connector 34"/>
+          <p:cNvCxnSpPr>
+            <a:stCxn id="17" idx="3"/>
+            <a:endCxn id="18" idx="1"/>
+          </p:cNvCxnSpPr>
+          <p:nvPr/>
+        </p:nvCxnSpPr>
+        <p:spPr>
+          <a:xfrm>
+            <a:off x="5396591" y="4952277"/>
+            <a:ext cx="343451" cy="0"/>
+          </a:xfrm>
+          <a:prstGeom prst="straightConnector1">
+            <a:avLst/>
+          </a:prstGeom>
+          <a:ln>
+            <a:tailEnd type="triangle"/>
+          </a:ln>
+        </p:spPr>
+        <p:style>
+          <a:lnRef idx="2">
+            <a:schemeClr val="dk1"/>
+          </a:lnRef>
+          <a:fillRef idx="0">
+            <a:schemeClr val="dk1"/>
+          </a:fillRef>
+          <a:effectRef idx="1">
+            <a:schemeClr val="dk1"/>
+          </a:effectRef>
+          <a:fontRef idx="minor">
+            <a:schemeClr val="tx1"/>
+          </a:fontRef>
+        </p:style>
+      </p:cxnSp>
+      <p:sp>
+        <p:nvSpPr>
+          <p:cNvPr id="39" name="Rounded Rectangle 38"/>
+          <p:cNvSpPr/>
+          <p:nvPr/>
+        </p:nvSpPr>
+        <p:spPr>
+          <a:xfrm>
+            <a:off x="8010884" y="5678898"/>
+            <a:ext cx="1927391" cy="726621"/>
+          </a:xfrm>
+          <a:prstGeom prst="roundRect">
+            <a:avLst/>
+          </a:prstGeom>
+        </p:spPr>
+        <p:style>
+          <a:lnRef idx="2">
+            <a:schemeClr val="accent1">
+              <a:shade val="50000"/>
+            </a:schemeClr>
+          </a:lnRef>
+          <a:fillRef idx="1">
+            <a:schemeClr val="accent1"/>
+          </a:fillRef>
+          <a:effectRef idx="0">
+            <a:schemeClr val="accent1"/>
+          </a:effectRef>
+          <a:fontRef idx="minor">
+            <a:schemeClr val="lt1"/>
+          </a:fontRef>
+        </p:style>
+        <p:txBody>
+          <a:bodyPr rtlCol="0" anchor="ctr"/>
+          <a:lstStyle/>
+          <a:p>
+            <a:pPr algn="ctr"/>
+            <a:r>
+              <a:rPr lang="en-US" dirty="0" smtClean="0"/>
+              <a:t>Cầu Được Chấp Nhận</a:t>
+            </a:r>
+            <a:endParaRPr lang="en-US" dirty="0"/>
+          </a:p>
+        </p:txBody>
+      </p:sp>
+      <p:cxnSp>
+        <p:nvCxnSpPr>
+          <p:cNvPr id="40" name="Straight Arrow Connector 39"/>
+          <p:cNvCxnSpPr>
+            <a:stCxn id="25" idx="2"/>
+            <a:endCxn id="39" idx="0"/>
+          </p:cNvCxnSpPr>
+          <p:nvPr/>
+        </p:nvCxnSpPr>
+        <p:spPr>
+          <a:xfrm>
+            <a:off x="8974580" y="5315587"/>
+            <a:ext cx="0" cy="363311"/>
+          </a:xfrm>
+          <a:prstGeom prst="straightConnector1">
+            <a:avLst/>
+          </a:prstGeom>
+          <a:ln>
+            <a:tailEnd type="triangle"/>
+          </a:ln>
+        </p:spPr>
+        <p:style>
+          <a:lnRef idx="2">
+            <a:schemeClr val="dk1"/>
+          </a:lnRef>
+          <a:fillRef idx="0">
+            <a:schemeClr val="dk1"/>
+          </a:fillRef>
+          <a:effectRef idx="1">
+            <a:schemeClr val="dk1"/>
+          </a:effectRef>
+          <a:fontRef idx="minor">
+            <a:schemeClr val="tx1"/>
+          </a:fontRef>
+        </p:style>
+      </p:cxnSp>
+      <p:sp>
+        <p:nvSpPr>
+          <p:cNvPr id="44" name="TextBox 43"/>
           <p:cNvSpPr txBox="1"/>
           <p:nvPr/>
         </p:nvSpPr>
         <p:spPr>
           <a:xfrm>
-            <a:off x="585217" y="4933950"/>
-            <a:ext cx="4947958" cy="1200329"/>
+            <a:off x="1085850" y="5401899"/>
+            <a:ext cx="2204450" cy="276999"/>
           </a:xfrm>
           <a:prstGeom prst="rect">
             <a:avLst/>
@@ -8732,29 +9688,33 @@
           <a:lstStyle/>
           <a:p>
             <a:r>
-              <a:rPr lang="en-US" sz="2400" dirty="0" smtClean="0"/>
-              <a:t>+ Tạo mới, cập nhật công việc</a:t>
-            </a:r>
-          </a:p>
-          <a:p>
-            <a:r>
-              <a:rPr lang="en-US" sz="2400" dirty="0" smtClean="0"/>
-              <a:t>+ Đánh dấu hoàn thành công việc</a:t>
-            </a:r>
-          </a:p>
-          <a:p>
-            <a:r>
-              <a:rPr lang="en-US" sz="2400" dirty="0" smtClean="0"/>
-              <a:t>+ Các task thay đổi dữ liệu khác,..</a:t>
-            </a:r>
-            <a:endParaRPr lang="en-US" sz="2400" dirty="0"/>
+              <a:rPr lang="en-US" sz="1200" b="1" dirty="0" smtClean="0">
+                <a:solidFill>
+                  <a:schemeClr val="tx1">
+                    <a:lumMod val="85000"/>
+                  </a:schemeClr>
+                </a:solidFill>
+                <a:latin typeface="Arial" panose="020B0604020202020204" pitchFamily="34" charset="0"/>
+                <a:cs typeface="Arial" panose="020B0604020202020204" pitchFamily="34" charset="0"/>
+              </a:rPr>
+              <a:t>User Muốn Tham Gia Nhóm</a:t>
+            </a:r>
+            <a:endParaRPr lang="en-US" sz="1200" b="1" dirty="0">
+              <a:solidFill>
+                <a:schemeClr val="tx1">
+                  <a:lumMod val="85000"/>
+                </a:schemeClr>
+              </a:solidFill>
+              <a:latin typeface="Arial" panose="020B0604020202020204" pitchFamily="34" charset="0"/>
+              <a:cs typeface="Arial" panose="020B0604020202020204" pitchFamily="34" charset="0"/>
+            </a:endParaRPr>
           </a:p>
         </p:txBody>
       </p:sp>
     </p:spTree>
     <p:extLst>
       <p:ext uri="{BB962C8B-B14F-4D97-AF65-F5344CB8AC3E}">
-        <p14:creationId xmlns:p14="http://schemas.microsoft.com/office/powerpoint/2010/main" val="3940559479"/>
+        <p14:creationId xmlns:p14="http://schemas.microsoft.com/office/powerpoint/2010/main" val="2151670715"/>
       </p:ext>
     </p:extLst>
   </p:cSld>
@@ -8820,8 +9780,8 @@
         </p:nvSpPr>
         <p:spPr>
           <a:xfrm>
-            <a:off x="9112867" y="358127"/>
-            <a:ext cx="2392578" cy="523220"/>
+            <a:off x="7840659" y="281927"/>
+            <a:ext cx="3664786" cy="523220"/>
           </a:xfrm>
           <a:prstGeom prst="rect">
             <a:avLst/>
@@ -8834,12 +9794,13 @@
           </a:bodyPr>
           <a:lstStyle/>
           <a:p>
-            <a:r>
-              <a:rPr lang="en-US" sz="2800" b="1" dirty="0" smtClean="0">
+            <a:pPr algn="r"/>
+            <a:r>
+              <a:rPr lang="en-US" sz="2800" b="1" smtClean="0">
                 <a:latin typeface="Arial" panose="020B0604020202020204" pitchFamily="34" charset="0"/>
                 <a:cs typeface="Arial" panose="020B0604020202020204" pitchFamily="34" charset="0"/>
               </a:rPr>
-              <a:t>6. REALTIME</a:t>
+              <a:t>BẢNG + CÔNG VIỆC</a:t>
             </a:r>
             <a:endParaRPr lang="en-US" sz="2800" b="1" dirty="0">
               <a:latin typeface="Arial" panose="020B0604020202020204" pitchFamily="34" charset="0"/>
@@ -8848,36 +9809,6 @@
           </a:p>
         </p:txBody>
       </p:sp>
-      <p:pic>
-        <p:nvPicPr>
-          <p:cNvPr id="3" name="Picture 2"/>
-          <p:cNvPicPr>
-            <a:picLocks noChangeAspect="1"/>
-          </p:cNvPicPr>
-          <p:nvPr/>
-        </p:nvPicPr>
-        <p:blipFill>
-          <a:blip r:embed="rId2">
-            <a:extLst>
-              <a:ext uri="{28A0092B-C50C-407E-A947-70E740481C1C}">
-                <a14:useLocalDpi xmlns:a14="http://schemas.microsoft.com/office/drawing/2010/main" val="0"/>
-              </a:ext>
-            </a:extLst>
-          </a:blip>
-          <a:stretch>
-            <a:fillRect/>
-          </a:stretch>
-        </p:blipFill>
-        <p:spPr>
-          <a:xfrm>
-            <a:off x="724204" y="881346"/>
-            <a:ext cx="685800" cy="685800"/>
-          </a:xfrm>
-          <a:prstGeom prst="rect">
-            <a:avLst/>
-          </a:prstGeom>
-        </p:spPr>
-      </p:pic>
       <p:sp>
         <p:nvSpPr>
           <p:cNvPr id="6" name="TextBox 5"/>
@@ -8886,8 +9817,8 @@
         </p:nvSpPr>
         <p:spPr>
           <a:xfrm>
-            <a:off x="1597642" y="1138872"/>
-            <a:ext cx="2319866" cy="523220"/>
+            <a:off x="855526" y="1060596"/>
+            <a:ext cx="1569660" cy="369332"/>
           </a:xfrm>
           <a:prstGeom prst="rect">
             <a:avLst/>
@@ -8901,13 +9832,13 @@
           <a:lstStyle/>
           <a:p>
             <a:r>
-              <a:rPr lang="en-US" sz="2800" b="1" dirty="0" smtClean="0">
+              <a:rPr lang="en-US" b="1" dirty="0" smtClean="0">
                 <a:latin typeface="Arial" panose="020B0604020202020204" pitchFamily="34" charset="0"/>
                 <a:cs typeface="Arial" panose="020B0604020202020204" pitchFamily="34" charset="0"/>
               </a:rPr>
-              <a:t>FrontEnd JS</a:t>
-            </a:r>
-            <a:endParaRPr lang="en-US" sz="2800" b="1" dirty="0">
+              <a:t>1. Tạo Nhóm</a:t>
+            </a:r>
+            <a:endParaRPr lang="en-US" b="1" dirty="0">
               <a:latin typeface="Arial" panose="020B0604020202020204" pitchFamily="34" charset="0"/>
               <a:cs typeface="Arial" panose="020B0604020202020204" pitchFamily="34" charset="0"/>
             </a:endParaRPr>
@@ -8922,8 +9853,8 @@
         </p:nvSpPr>
         <p:spPr>
           <a:xfrm>
-            <a:off x="257247" y="2089992"/>
-            <a:ext cx="2675541" cy="276999"/>
+            <a:off x="855526" y="1898796"/>
+            <a:ext cx="2360583" cy="369332"/>
           </a:xfrm>
           <a:prstGeom prst="rect">
             <a:avLst/>
@@ -8937,51 +9868,233 @@
           <a:lstStyle/>
           <a:p>
             <a:r>
-              <a:rPr lang="en-US" sz="1200" dirty="0" smtClean="0"/>
-              <a:t>&lt;script </a:t>
-            </a:r>
-            <a:r>
-              <a:rPr lang="en-US" sz="1200" dirty="0" smtClean="0">
-                <a:solidFill>
-                  <a:srgbClr val="002060"/>
-                </a:solidFill>
+              <a:rPr lang="en-US" b="1" dirty="0" smtClean="0">
+                <a:latin typeface="Arial" panose="020B0604020202020204" pitchFamily="34" charset="0"/>
+                <a:cs typeface="Arial" panose="020B0604020202020204" pitchFamily="34" charset="0"/>
               </a:rPr>
-              <a:t>src</a:t>
-            </a:r>
-            <a:r>
-              <a:rPr lang="en-US" sz="1200" dirty="0">
-                <a:solidFill>
-                  <a:srgbClr val="002060"/>
-                </a:solidFill>
-              </a:rPr>
-              <a:t>='/</a:t>
-            </a:r>
-            <a:r>
-              <a:rPr lang="en-US" sz="1200" dirty="0" smtClean="0">
-                <a:solidFill>
-                  <a:srgbClr val="002060"/>
-                </a:solidFill>
-              </a:rPr>
-              <a:t>socket.io/socket.io.js</a:t>
-            </a:r>
-            <a:r>
-              <a:rPr lang="en-US" sz="1200" dirty="0" smtClean="0"/>
-              <a:t>‘/&gt;</a:t>
-            </a:r>
-            <a:endParaRPr lang="en-US" sz="1200" dirty="0"/>
-          </a:p>
-        </p:txBody>
-      </p:sp>
-      <p:sp>
-        <p:nvSpPr>
-          <p:cNvPr id="8" name="TextBox 7"/>
+              <a:t>2. Thêm Thành Viên</a:t>
+            </a:r>
+            <a:endParaRPr lang="en-US" b="1" dirty="0">
+              <a:latin typeface="Arial" panose="020B0604020202020204" pitchFamily="34" charset="0"/>
+              <a:cs typeface="Arial" panose="020B0604020202020204" pitchFamily="34" charset="0"/>
+            </a:endParaRPr>
+          </a:p>
+        </p:txBody>
+      </p:sp>
+      <p:sp>
+        <p:nvSpPr>
+          <p:cNvPr id="3" name="Rounded Rectangle 2"/>
+          <p:cNvSpPr/>
+          <p:nvPr/>
+        </p:nvSpPr>
+        <p:spPr>
+          <a:xfrm>
+            <a:off x="1085850" y="2571748"/>
+            <a:ext cx="2039899" cy="726621"/>
+          </a:xfrm>
+          <a:prstGeom prst="roundRect">
+            <a:avLst/>
+          </a:prstGeom>
+        </p:spPr>
+        <p:style>
+          <a:lnRef idx="2">
+            <a:schemeClr val="accent1">
+              <a:shade val="50000"/>
+            </a:schemeClr>
+          </a:lnRef>
+          <a:fillRef idx="1">
+            <a:schemeClr val="accent1"/>
+          </a:fillRef>
+          <a:effectRef idx="0">
+            <a:schemeClr val="accent1"/>
+          </a:effectRef>
+          <a:fontRef idx="minor">
+            <a:schemeClr val="lt1"/>
+          </a:fontRef>
+        </p:style>
+        <p:txBody>
+          <a:bodyPr rtlCol="0" anchor="ctr"/>
+          <a:lstStyle/>
+          <a:p>
+            <a:pPr algn="ctr"/>
+            <a:r>
+              <a:rPr lang="en-US" dirty="0" smtClean="0"/>
+              <a:t>Nhập Tên/ Email</a:t>
+            </a:r>
+            <a:endParaRPr lang="en-US" dirty="0"/>
+          </a:p>
+        </p:txBody>
+      </p:sp>
+      <p:sp>
+        <p:nvSpPr>
+          <p:cNvPr id="8" name="Rounded Rectangle 7"/>
+          <p:cNvSpPr/>
+          <p:nvPr/>
+        </p:nvSpPr>
+        <p:spPr>
+          <a:xfrm>
+            <a:off x="3469200" y="2571748"/>
+            <a:ext cx="1927391" cy="726621"/>
+          </a:xfrm>
+          <a:prstGeom prst="roundRect">
+            <a:avLst/>
+          </a:prstGeom>
+        </p:spPr>
+        <p:style>
+          <a:lnRef idx="2">
+            <a:schemeClr val="accent1">
+              <a:shade val="50000"/>
+            </a:schemeClr>
+          </a:lnRef>
+          <a:fillRef idx="1">
+            <a:schemeClr val="accent1"/>
+          </a:fillRef>
+          <a:effectRef idx="0">
+            <a:schemeClr val="accent1"/>
+          </a:effectRef>
+          <a:fontRef idx="minor">
+            <a:schemeClr val="lt1"/>
+          </a:fontRef>
+        </p:style>
+        <p:txBody>
+          <a:bodyPr rtlCol="0" anchor="ctr"/>
+          <a:lstStyle/>
+          <a:p>
+            <a:pPr algn="ctr"/>
+            <a:r>
+              <a:rPr lang="en-US" dirty="0" smtClean="0"/>
+              <a:t>Chọn Người Muốn Thêm</a:t>
+            </a:r>
+            <a:endParaRPr lang="en-US" dirty="0"/>
+          </a:p>
+        </p:txBody>
+      </p:sp>
+      <p:sp>
+        <p:nvSpPr>
+          <p:cNvPr id="9" name="Rounded Rectangle 8"/>
+          <p:cNvSpPr/>
+          <p:nvPr/>
+        </p:nvSpPr>
+        <p:spPr>
+          <a:xfrm>
+            <a:off x="5740042" y="2571748"/>
+            <a:ext cx="1927391" cy="726621"/>
+          </a:xfrm>
+          <a:prstGeom prst="roundRect">
+            <a:avLst/>
+          </a:prstGeom>
+        </p:spPr>
+        <p:style>
+          <a:lnRef idx="2">
+            <a:schemeClr val="accent1">
+              <a:shade val="50000"/>
+            </a:schemeClr>
+          </a:lnRef>
+          <a:fillRef idx="1">
+            <a:schemeClr val="accent1"/>
+          </a:fillRef>
+          <a:effectRef idx="0">
+            <a:schemeClr val="accent1"/>
+          </a:effectRef>
+          <a:fontRef idx="minor">
+            <a:schemeClr val="lt1"/>
+          </a:fontRef>
+        </p:style>
+        <p:txBody>
+          <a:bodyPr rtlCol="0" anchor="ctr"/>
+          <a:lstStyle/>
+          <a:p>
+            <a:pPr algn="ctr"/>
+            <a:r>
+              <a:rPr lang="en-US" dirty="0" smtClean="0"/>
+              <a:t>Thành Viên Mới Gia Nhập</a:t>
+            </a:r>
+            <a:endParaRPr lang="en-US" dirty="0"/>
+          </a:p>
+        </p:txBody>
+      </p:sp>
+      <p:cxnSp>
+        <p:nvCxnSpPr>
+          <p:cNvPr id="11" name="Straight Arrow Connector 10"/>
+          <p:cNvCxnSpPr>
+            <a:stCxn id="3" idx="3"/>
+            <a:endCxn id="8" idx="1"/>
+          </p:cNvCxnSpPr>
+          <p:nvPr/>
+        </p:nvCxnSpPr>
+        <p:spPr>
+          <a:xfrm>
+            <a:off x="3125749" y="2935059"/>
+            <a:ext cx="343451" cy="0"/>
+          </a:xfrm>
+          <a:prstGeom prst="straightConnector1">
+            <a:avLst/>
+          </a:prstGeom>
+          <a:ln>
+            <a:tailEnd type="triangle"/>
+          </a:ln>
+        </p:spPr>
+        <p:style>
+          <a:lnRef idx="2">
+            <a:schemeClr val="dk1"/>
+          </a:lnRef>
+          <a:fillRef idx="0">
+            <a:schemeClr val="dk1"/>
+          </a:fillRef>
+          <a:effectRef idx="1">
+            <a:schemeClr val="dk1"/>
+          </a:effectRef>
+          <a:fontRef idx="minor">
+            <a:schemeClr val="tx1"/>
+          </a:fontRef>
+        </p:style>
+      </p:cxnSp>
+      <p:cxnSp>
+        <p:nvCxnSpPr>
+          <p:cNvPr id="13" name="Straight Arrow Connector 12"/>
+          <p:cNvCxnSpPr>
+            <a:stCxn id="8" idx="3"/>
+            <a:endCxn id="9" idx="1"/>
+          </p:cNvCxnSpPr>
+          <p:nvPr/>
+        </p:nvCxnSpPr>
+        <p:spPr>
+          <a:xfrm>
+            <a:off x="5396591" y="2935059"/>
+            <a:ext cx="343451" cy="0"/>
+          </a:xfrm>
+          <a:prstGeom prst="straightConnector1">
+            <a:avLst/>
+          </a:prstGeom>
+          <a:ln>
+            <a:tailEnd type="triangle"/>
+          </a:ln>
+        </p:spPr>
+        <p:style>
+          <a:lnRef idx="2">
+            <a:schemeClr val="dk1"/>
+          </a:lnRef>
+          <a:fillRef idx="0">
+            <a:schemeClr val="dk1"/>
+          </a:fillRef>
+          <a:effectRef idx="1">
+            <a:schemeClr val="dk1"/>
+          </a:effectRef>
+          <a:fontRef idx="minor">
+            <a:schemeClr val="tx1"/>
+          </a:fontRef>
+        </p:style>
+      </p:cxnSp>
+      <p:sp>
+        <p:nvSpPr>
+          <p:cNvPr id="14" name="TextBox 13"/>
           <p:cNvSpPr txBox="1"/>
           <p:nvPr/>
         </p:nvSpPr>
         <p:spPr>
           <a:xfrm>
-            <a:off x="257247" y="2306929"/>
-            <a:ext cx="3983911" cy="1200329"/>
+            <a:off x="1122997" y="3324990"/>
+            <a:ext cx="1965603" cy="276999"/>
           </a:xfrm>
           <a:prstGeom prst="rect">
             <a:avLst/>
@@ -8995,934 +10108,491 @@
           <a:lstStyle/>
           <a:p>
             <a:r>
-              <a:rPr lang="en-US" sz="1200" dirty="0" smtClean="0"/>
-              <a:t>&lt;script&gt;</a:t>
-            </a:r>
-          </a:p>
-          <a:p>
-            <a:r>
-              <a:rPr lang="en-US" sz="1200" dirty="0"/>
-              <a:t>	const socket = io.connect(</a:t>
-            </a:r>
-            <a:r>
-              <a:rPr lang="en-US" sz="1200" dirty="0">
-                <a:solidFill>
-                  <a:srgbClr val="002060"/>
-                </a:solidFill>
-              </a:rPr>
-              <a:t>'http://localhost:3001</a:t>
-            </a:r>
-            <a:r>
-              <a:rPr lang="en-US" sz="1200" dirty="0" smtClean="0"/>
-              <a:t>');</a:t>
-            </a:r>
-          </a:p>
-          <a:p>
-            <a:r>
-              <a:rPr lang="en-US" sz="1200" dirty="0"/>
-              <a:t>	</a:t>
-            </a:r>
-            <a:r>
-              <a:rPr lang="en-US" sz="1200" dirty="0" smtClean="0"/>
-              <a:t>socket.on(“</a:t>
-            </a:r>
-            <a:r>
-              <a:rPr lang="en-US" sz="1200" dirty="0" smtClean="0">
-                <a:solidFill>
-                  <a:srgbClr val="002060"/>
-                </a:solidFill>
-              </a:rPr>
-              <a:t>EVENT_NAME</a:t>
-            </a:r>
-            <a:r>
-              <a:rPr lang="en-US" sz="1200" dirty="0" smtClean="0"/>
-              <a:t>”, function(</a:t>
-            </a:r>
-            <a:r>
-              <a:rPr lang="en-US" sz="1200" dirty="0" smtClean="0">
-                <a:solidFill>
-                  <a:schemeClr val="accent4">
-                    <a:lumMod val="60000"/>
-                    <a:lumOff val="40000"/>
+              <a:rPr lang="en-US" sz="1200" b="1" dirty="0" smtClean="0">
+                <a:solidFill>
+                  <a:schemeClr val="tx1">
+                    <a:lumMod val="85000"/>
                   </a:schemeClr>
                 </a:solidFill>
-              </a:rPr>
-              <a:t>data</a:t>
-            </a:r>
-            <a:r>
-              <a:rPr lang="en-US" sz="1200" dirty="0" smtClean="0"/>
-              <a:t>){</a:t>
-            </a:r>
-          </a:p>
-          <a:p>
-            <a:r>
-              <a:rPr lang="en-US" sz="1200" dirty="0"/>
-              <a:t>	</a:t>
-            </a:r>
-            <a:r>
-              <a:rPr lang="en-US" sz="1200" dirty="0" smtClean="0"/>
-              <a:t>	// do-some-thing</a:t>
-            </a:r>
-          </a:p>
-          <a:p>
-            <a:r>
-              <a:rPr lang="en-US" sz="1200" dirty="0"/>
-              <a:t>	</a:t>
-            </a:r>
-            <a:r>
-              <a:rPr lang="en-US" sz="1200" dirty="0" smtClean="0"/>
-              <a:t>})</a:t>
-            </a:r>
-          </a:p>
-          <a:p>
-            <a:r>
-              <a:rPr lang="en-US" sz="1200" dirty="0" smtClean="0"/>
-              <a:t>&lt;/script&gt;</a:t>
-            </a:r>
-            <a:endParaRPr lang="en-US" sz="1200" dirty="0"/>
-          </a:p>
-        </p:txBody>
-      </p:sp>
-      <p:grpSp>
-        <p:nvGrpSpPr>
-          <p:cNvPr id="16" name="Group 15"/>
-          <p:cNvGrpSpPr/>
-          <p:nvPr/>
-        </p:nvGrpSpPr>
-        <p:grpSpPr>
-          <a:xfrm>
-            <a:off x="5906425" y="881346"/>
-            <a:ext cx="4812683" cy="2593641"/>
-            <a:chOff x="5906425" y="881346"/>
-            <a:chExt cx="4812683" cy="2593641"/>
-          </a:xfrm>
-        </p:grpSpPr>
-        <p:pic>
-          <p:nvPicPr>
-            <p:cNvPr id="9" name="Picture 8"/>
-            <p:cNvPicPr>
-              <a:picLocks noChangeAspect="1"/>
-            </p:cNvPicPr>
-            <p:nvPr/>
-          </p:nvPicPr>
-          <p:blipFill>
-            <a:blip r:embed="rId3">
-              <a:extLst>
-                <a:ext uri="{28A0092B-C50C-407E-A947-70E740481C1C}">
-                  <a14:useLocalDpi xmlns:a14="http://schemas.microsoft.com/office/drawing/2010/main" val="0"/>
-                </a:ext>
-              </a:extLst>
-            </a:blip>
-            <a:stretch>
-              <a:fillRect/>
-            </a:stretch>
-          </p:blipFill>
-          <p:spPr>
-            <a:xfrm>
-              <a:off x="5943905" y="881346"/>
-              <a:ext cx="685800" cy="685800"/>
-            </a:xfrm>
-            <a:prstGeom prst="rect">
-              <a:avLst/>
-            </a:prstGeom>
-          </p:spPr>
-        </p:pic>
-        <p:sp>
-          <p:nvSpPr>
-            <p:cNvPr id="10" name="TextBox 9"/>
-            <p:cNvSpPr txBox="1"/>
-            <p:nvPr/>
-          </p:nvSpPr>
-          <p:spPr>
-            <a:xfrm>
-              <a:off x="6817342" y="1043926"/>
-              <a:ext cx="2262158" cy="523220"/>
-            </a:xfrm>
-            <a:prstGeom prst="rect">
-              <a:avLst/>
-            </a:prstGeom>
-            <a:noFill/>
-          </p:spPr>
-          <p:txBody>
-            <a:bodyPr wrap="none" rtlCol="0">
-              <a:spAutoFit/>
-            </a:bodyPr>
-            <a:lstStyle/>
-            <a:p>
-              <a:r>
-                <a:rPr lang="en-US" sz="2800" b="1" dirty="0" smtClean="0">
-                  <a:latin typeface="Arial" panose="020B0604020202020204" pitchFamily="34" charset="0"/>
-                  <a:cs typeface="Arial" panose="020B0604020202020204" pitchFamily="34" charset="0"/>
-                </a:rPr>
-                <a:t>BackEnd JS</a:t>
-              </a:r>
-              <a:endParaRPr lang="en-US" sz="2800" b="1" dirty="0">
                 <a:latin typeface="Arial" panose="020B0604020202020204" pitchFamily="34" charset="0"/>
                 <a:cs typeface="Arial" panose="020B0604020202020204" pitchFamily="34" charset="0"/>
-              </a:endParaRPr>
-            </a:p>
-          </p:txBody>
-        </p:sp>
-        <p:sp>
-          <p:nvSpPr>
-            <p:cNvPr id="11" name="TextBox 10"/>
-            <p:cNvSpPr txBox="1"/>
-            <p:nvPr/>
-          </p:nvSpPr>
-          <p:spPr>
-            <a:xfrm>
-              <a:off x="5906425" y="2089992"/>
-              <a:ext cx="4812683" cy="1384995"/>
-            </a:xfrm>
-            <a:prstGeom prst="rect">
-              <a:avLst/>
-            </a:prstGeom>
-            <a:noFill/>
-          </p:spPr>
-          <p:txBody>
-            <a:bodyPr wrap="square" rtlCol="0">
-              <a:spAutoFit/>
-            </a:bodyPr>
-            <a:lstStyle/>
-            <a:p>
-              <a:r>
-                <a:rPr lang="en-US" sz="1200" dirty="0"/>
-                <a:t>const </a:t>
-              </a:r>
-              <a:r>
-                <a:rPr lang="en-US" sz="1200" dirty="0">
-                  <a:solidFill>
-                    <a:srgbClr val="002060"/>
-                  </a:solidFill>
-                </a:rPr>
-                <a:t>io</a:t>
-              </a:r>
-              <a:r>
-                <a:rPr lang="en-US" sz="1200" dirty="0"/>
-                <a:t> = require("socket.io")(server);</a:t>
-              </a:r>
-            </a:p>
-            <a:p>
-              <a:r>
-                <a:rPr lang="en-US" sz="1200" dirty="0">
-                  <a:solidFill>
-                    <a:srgbClr val="002060"/>
-                  </a:solidFill>
-                </a:rPr>
-                <a:t>io</a:t>
-              </a:r>
-              <a:r>
-                <a:rPr lang="en-US" sz="1200" dirty="0"/>
-                <a:t>.on("</a:t>
-              </a:r>
-              <a:r>
-                <a:rPr lang="en-US" sz="1200" dirty="0">
-                  <a:solidFill>
-                    <a:srgbClr val="002060"/>
-                  </a:solidFill>
-                </a:rPr>
-                <a:t>connection</a:t>
-              </a:r>
-              <a:r>
-                <a:rPr lang="en-US" sz="1200" dirty="0"/>
-                <a:t>", (socket) =&gt; {</a:t>
-              </a:r>
-            </a:p>
-            <a:p>
-              <a:r>
-                <a:rPr lang="en-US" sz="1200" dirty="0"/>
-                <a:t>    </a:t>
-              </a:r>
-              <a:r>
-                <a:rPr lang="en-US" sz="1200" dirty="0" smtClean="0"/>
-                <a:t>// do-some-thing</a:t>
-              </a:r>
-              <a:endParaRPr lang="en-US" sz="1200" dirty="0"/>
-            </a:p>
-            <a:p>
-              <a:r>
-                <a:rPr lang="en-US" sz="1200" dirty="0"/>
-                <a:t>});</a:t>
-              </a:r>
-            </a:p>
-            <a:p>
-              <a:r>
-                <a:rPr lang="en-US" sz="1200" dirty="0">
-                  <a:solidFill>
-                    <a:srgbClr val="002060"/>
-                  </a:solidFill>
-                </a:rPr>
-                <a:t>io</a:t>
-              </a:r>
-              <a:r>
-                <a:rPr lang="en-US" sz="1200" dirty="0"/>
-                <a:t>.on('</a:t>
-              </a:r>
-              <a:r>
-                <a:rPr lang="en-US" sz="1200" dirty="0">
-                  <a:solidFill>
-                    <a:srgbClr val="002060"/>
-                  </a:solidFill>
-                </a:rPr>
-                <a:t>disconnect</a:t>
-              </a:r>
-              <a:r>
-                <a:rPr lang="en-US" sz="1200" dirty="0"/>
-                <a:t>', </a:t>
-              </a:r>
-              <a:r>
-                <a:rPr lang="en-US" sz="1200" dirty="0" smtClean="0"/>
-                <a:t>(socket</a:t>
-              </a:r>
-              <a:r>
-                <a:rPr lang="en-US" sz="1200" dirty="0"/>
-                <a:t>) =&gt; {</a:t>
-              </a:r>
-            </a:p>
-            <a:p>
-              <a:r>
-                <a:rPr lang="en-US" sz="1200" dirty="0"/>
-                <a:t>    </a:t>
-              </a:r>
-              <a:r>
-                <a:rPr lang="en-US" sz="1200" dirty="0" smtClean="0"/>
-                <a:t>// do-some-thing</a:t>
-              </a:r>
-              <a:endParaRPr lang="en-US" sz="1200" dirty="0"/>
-            </a:p>
-            <a:p>
-              <a:r>
-                <a:rPr lang="en-US" sz="1200" dirty="0" smtClean="0"/>
-                <a:t>});</a:t>
-              </a:r>
-              <a:endParaRPr lang="en-US" sz="1200" dirty="0"/>
-            </a:p>
-          </p:txBody>
-        </p:sp>
-        <p:sp>
-          <p:nvSpPr>
-            <p:cNvPr id="12" name="TextBox 11"/>
-            <p:cNvSpPr txBox="1"/>
-            <p:nvPr/>
-          </p:nvSpPr>
-          <p:spPr>
-            <a:xfrm>
-              <a:off x="5906425" y="1823061"/>
-              <a:ext cx="850283" cy="307777"/>
-            </a:xfrm>
-            <a:prstGeom prst="rect">
-              <a:avLst/>
-            </a:prstGeom>
-            <a:noFill/>
-          </p:spPr>
-          <p:txBody>
-            <a:bodyPr wrap="square" rtlCol="0">
-              <a:spAutoFit/>
-            </a:bodyPr>
-            <a:lstStyle/>
-            <a:p>
-              <a:r>
-                <a:rPr lang="en-US" sz="1400" u="sng" dirty="0" smtClean="0">
-                  <a:solidFill>
-                    <a:schemeClr val="accent6"/>
-                  </a:solidFill>
-                  <a:latin typeface="Arial" panose="020B0604020202020204" pitchFamily="34" charset="0"/>
-                  <a:cs typeface="Arial" panose="020B0604020202020204" pitchFamily="34" charset="0"/>
-                </a:rPr>
-                <a:t>Index.js</a:t>
-              </a:r>
-              <a:endParaRPr lang="en-US" sz="1400" u="sng" dirty="0">
-                <a:solidFill>
-                  <a:schemeClr val="accent6"/>
-                </a:solidFill>
+              </a:rPr>
+              <a:t>Thành Viên Trong Nhóm</a:t>
+            </a:r>
+            <a:endParaRPr lang="en-US" sz="1200" b="1" dirty="0">
+              <a:solidFill>
+                <a:schemeClr val="tx1">
+                  <a:lumMod val="85000"/>
+                </a:schemeClr>
+              </a:solidFill>
+              <a:latin typeface="Arial" panose="020B0604020202020204" pitchFamily="34" charset="0"/>
+              <a:cs typeface="Arial" panose="020B0604020202020204" pitchFamily="34" charset="0"/>
+            </a:endParaRPr>
+          </a:p>
+        </p:txBody>
+      </p:sp>
+      <p:sp>
+        <p:nvSpPr>
+          <p:cNvPr id="15" name="TextBox 14"/>
+          <p:cNvSpPr txBox="1"/>
+          <p:nvPr/>
+        </p:nvSpPr>
+        <p:spPr>
+          <a:xfrm>
+            <a:off x="855526" y="3903098"/>
+            <a:ext cx="2475999" cy="369332"/>
+          </a:xfrm>
+          <a:prstGeom prst="rect">
+            <a:avLst/>
+          </a:prstGeom>
+          <a:noFill/>
+        </p:spPr>
+        <p:txBody>
+          <a:bodyPr wrap="none" rtlCol="0">
+            <a:spAutoFit/>
+          </a:bodyPr>
+          <a:lstStyle/>
+          <a:p>
+            <a:r>
+              <a:rPr lang="en-US" b="1" dirty="0" smtClean="0">
                 <a:latin typeface="Arial" panose="020B0604020202020204" pitchFamily="34" charset="0"/>
                 <a:cs typeface="Arial" panose="020B0604020202020204" pitchFamily="34" charset="0"/>
-              </a:endParaRPr>
-            </a:p>
-          </p:txBody>
-        </p:sp>
-      </p:grpSp>
-      <p:grpSp>
-        <p:nvGrpSpPr>
-          <p:cNvPr id="18" name="Group 17"/>
-          <p:cNvGrpSpPr/>
+              </a:rPr>
+              <a:t>3. Yêu Cầu Tham Gia</a:t>
+            </a:r>
+            <a:endParaRPr lang="en-US" b="1" dirty="0">
+              <a:latin typeface="Arial" panose="020B0604020202020204" pitchFamily="34" charset="0"/>
+              <a:cs typeface="Arial" panose="020B0604020202020204" pitchFamily="34" charset="0"/>
+            </a:endParaRPr>
+          </a:p>
+        </p:txBody>
+      </p:sp>
+      <p:sp>
+        <p:nvSpPr>
+          <p:cNvPr id="16" name="Rounded Rectangle 15"/>
+          <p:cNvSpPr/>
           <p:nvPr/>
-        </p:nvGrpSpPr>
-        <p:grpSpPr>
-          <a:xfrm>
-            <a:off x="3475861" y="3812047"/>
-            <a:ext cx="4069220" cy="2795180"/>
-            <a:chOff x="3475861" y="3812047"/>
-            <a:chExt cx="4069220" cy="2795180"/>
-          </a:xfrm>
-        </p:grpSpPr>
-        <p:sp>
-          <p:nvSpPr>
-            <p:cNvPr id="13" name="TextBox 12"/>
-            <p:cNvSpPr txBox="1"/>
-            <p:nvPr/>
-          </p:nvSpPr>
-          <p:spPr>
-            <a:xfrm>
-              <a:off x="3475862" y="3812047"/>
-              <a:ext cx="1979405" cy="307777"/>
-            </a:xfrm>
-            <a:prstGeom prst="rect">
-              <a:avLst/>
-            </a:prstGeom>
-            <a:noFill/>
-          </p:spPr>
-          <p:txBody>
-            <a:bodyPr wrap="square" rtlCol="0">
-              <a:spAutoFit/>
-            </a:bodyPr>
-            <a:lstStyle/>
-            <a:p>
-              <a:r>
-                <a:rPr lang="en-US" sz="1400" dirty="0" smtClean="0">
-                  <a:solidFill>
-                    <a:schemeClr val="accent6"/>
-                  </a:solidFill>
-                  <a:latin typeface="Arial" panose="020B0604020202020204" pitchFamily="34" charset="0"/>
-                  <a:cs typeface="Arial" panose="020B0604020202020204" pitchFamily="34" charset="0"/>
-                </a:rPr>
-                <a:t>Trao đổi dữ liệu</a:t>
-              </a:r>
-              <a:endParaRPr lang="en-US" sz="1400" dirty="0">
-                <a:solidFill>
-                  <a:schemeClr val="accent6"/>
+        </p:nvSpPr>
+        <p:spPr>
+          <a:xfrm>
+            <a:off x="1085850" y="4588966"/>
+            <a:ext cx="2039899" cy="726621"/>
+          </a:xfrm>
+          <a:prstGeom prst="roundRect">
+            <a:avLst/>
+          </a:prstGeom>
+        </p:spPr>
+        <p:style>
+          <a:lnRef idx="2">
+            <a:schemeClr val="accent1">
+              <a:shade val="50000"/>
+            </a:schemeClr>
+          </a:lnRef>
+          <a:fillRef idx="1">
+            <a:schemeClr val="accent1"/>
+          </a:fillRef>
+          <a:effectRef idx="0">
+            <a:schemeClr val="accent1"/>
+          </a:effectRef>
+          <a:fontRef idx="minor">
+            <a:schemeClr val="lt1"/>
+          </a:fontRef>
+        </p:style>
+        <p:txBody>
+          <a:bodyPr rtlCol="0" anchor="ctr"/>
+          <a:lstStyle/>
+          <a:p>
+            <a:pPr algn="ctr"/>
+            <a:r>
+              <a:rPr lang="en-US" dirty="0" smtClean="0"/>
+              <a:t>Tìm Nhóm Theo Tên</a:t>
+            </a:r>
+            <a:endParaRPr lang="en-US" dirty="0"/>
+          </a:p>
+        </p:txBody>
+      </p:sp>
+      <p:sp>
+        <p:nvSpPr>
+          <p:cNvPr id="17" name="Rounded Rectangle 16"/>
+          <p:cNvSpPr/>
+          <p:nvPr/>
+        </p:nvSpPr>
+        <p:spPr>
+          <a:xfrm>
+            <a:off x="3469200" y="4588966"/>
+            <a:ext cx="1927391" cy="726621"/>
+          </a:xfrm>
+          <a:prstGeom prst="roundRect">
+            <a:avLst/>
+          </a:prstGeom>
+        </p:spPr>
+        <p:style>
+          <a:lnRef idx="2">
+            <a:schemeClr val="accent1">
+              <a:shade val="50000"/>
+            </a:schemeClr>
+          </a:lnRef>
+          <a:fillRef idx="1">
+            <a:schemeClr val="accent1"/>
+          </a:fillRef>
+          <a:effectRef idx="0">
+            <a:schemeClr val="accent1"/>
+          </a:effectRef>
+          <a:fontRef idx="minor">
+            <a:schemeClr val="lt1"/>
+          </a:fontRef>
+        </p:style>
+        <p:txBody>
+          <a:bodyPr rtlCol="0" anchor="ctr"/>
+          <a:lstStyle/>
+          <a:p>
+            <a:pPr algn="ctr"/>
+            <a:r>
+              <a:rPr lang="en-US" dirty="0" smtClean="0"/>
+              <a:t>Chọn Nhóm</a:t>
+            </a:r>
+            <a:endParaRPr lang="en-US" dirty="0"/>
+          </a:p>
+        </p:txBody>
+      </p:sp>
+      <p:sp>
+        <p:nvSpPr>
+          <p:cNvPr id="18" name="Rounded Rectangle 17"/>
+          <p:cNvSpPr/>
+          <p:nvPr/>
+        </p:nvSpPr>
+        <p:spPr>
+          <a:xfrm>
+            <a:off x="5740042" y="4588966"/>
+            <a:ext cx="1927391" cy="726621"/>
+          </a:xfrm>
+          <a:prstGeom prst="roundRect">
+            <a:avLst/>
+          </a:prstGeom>
+        </p:spPr>
+        <p:style>
+          <a:lnRef idx="2">
+            <a:schemeClr val="accent1">
+              <a:shade val="50000"/>
+            </a:schemeClr>
+          </a:lnRef>
+          <a:fillRef idx="1">
+            <a:schemeClr val="accent1"/>
+          </a:fillRef>
+          <a:effectRef idx="0">
+            <a:schemeClr val="accent1"/>
+          </a:effectRef>
+          <a:fontRef idx="minor">
+            <a:schemeClr val="lt1"/>
+          </a:fontRef>
+        </p:style>
+        <p:txBody>
+          <a:bodyPr rtlCol="0" anchor="ctr"/>
+          <a:lstStyle/>
+          <a:p>
+            <a:pPr algn="ctr"/>
+            <a:r>
+              <a:rPr lang="en-US" dirty="0" smtClean="0"/>
+              <a:t>Thông Báo Có Yêu Cầu Mới</a:t>
+            </a:r>
+            <a:endParaRPr lang="en-US" dirty="0"/>
+          </a:p>
+        </p:txBody>
+      </p:sp>
+      <p:cxnSp>
+        <p:nvCxnSpPr>
+          <p:cNvPr id="19" name="Straight Arrow Connector 18"/>
+          <p:cNvCxnSpPr>
+            <a:stCxn id="16" idx="3"/>
+            <a:endCxn id="17" idx="1"/>
+          </p:cNvCxnSpPr>
+          <p:nvPr/>
+        </p:nvCxnSpPr>
+        <p:spPr>
+          <a:xfrm>
+            <a:off x="3125749" y="4952277"/>
+            <a:ext cx="343451" cy="0"/>
+          </a:xfrm>
+          <a:prstGeom prst="straightConnector1">
+            <a:avLst/>
+          </a:prstGeom>
+          <a:ln>
+            <a:tailEnd type="triangle"/>
+          </a:ln>
+        </p:spPr>
+        <p:style>
+          <a:lnRef idx="2">
+            <a:schemeClr val="dk1"/>
+          </a:lnRef>
+          <a:fillRef idx="0">
+            <a:schemeClr val="dk1"/>
+          </a:fillRef>
+          <a:effectRef idx="1">
+            <a:schemeClr val="dk1"/>
+          </a:effectRef>
+          <a:fontRef idx="minor">
+            <a:schemeClr val="tx1"/>
+          </a:fontRef>
+        </p:style>
+      </p:cxnSp>
+      <p:cxnSp>
+        <p:nvCxnSpPr>
+          <p:cNvPr id="22" name="Straight Arrow Connector 21"/>
+          <p:cNvCxnSpPr>
+            <a:stCxn id="18" idx="3"/>
+            <a:endCxn id="25" idx="1"/>
+          </p:cNvCxnSpPr>
+          <p:nvPr/>
+        </p:nvCxnSpPr>
+        <p:spPr>
+          <a:xfrm>
+            <a:off x="7667433" y="4952277"/>
+            <a:ext cx="343451" cy="0"/>
+          </a:xfrm>
+          <a:prstGeom prst="straightConnector1">
+            <a:avLst/>
+          </a:prstGeom>
+          <a:ln>
+            <a:tailEnd type="triangle"/>
+          </a:ln>
+        </p:spPr>
+        <p:style>
+          <a:lnRef idx="2">
+            <a:schemeClr val="dk1"/>
+          </a:lnRef>
+          <a:fillRef idx="0">
+            <a:schemeClr val="dk1"/>
+          </a:fillRef>
+          <a:effectRef idx="1">
+            <a:schemeClr val="dk1"/>
+          </a:effectRef>
+          <a:fontRef idx="minor">
+            <a:schemeClr val="tx1"/>
+          </a:fontRef>
+        </p:style>
+      </p:cxnSp>
+      <p:sp>
+        <p:nvSpPr>
+          <p:cNvPr id="25" name="Rounded Rectangle 24"/>
+          <p:cNvSpPr/>
+          <p:nvPr/>
+        </p:nvSpPr>
+        <p:spPr>
+          <a:xfrm>
+            <a:off x="8010884" y="4588966"/>
+            <a:ext cx="1927391" cy="726621"/>
+          </a:xfrm>
+          <a:prstGeom prst="roundRect">
+            <a:avLst/>
+          </a:prstGeom>
+        </p:spPr>
+        <p:style>
+          <a:lnRef idx="2">
+            <a:schemeClr val="accent1">
+              <a:shade val="50000"/>
+            </a:schemeClr>
+          </a:lnRef>
+          <a:fillRef idx="1">
+            <a:schemeClr val="accent1"/>
+          </a:fillRef>
+          <a:effectRef idx="0">
+            <a:schemeClr val="accent1"/>
+          </a:effectRef>
+          <a:fontRef idx="minor">
+            <a:schemeClr val="lt1"/>
+          </a:fontRef>
+        </p:style>
+        <p:txBody>
+          <a:bodyPr rtlCol="0" anchor="ctr"/>
+          <a:lstStyle/>
+          <a:p>
+            <a:pPr algn="ctr"/>
+            <a:r>
+              <a:rPr lang="en-US" dirty="0" smtClean="0"/>
+              <a:t>Đồng Ý</a:t>
+            </a:r>
+            <a:endParaRPr lang="en-US" dirty="0"/>
+          </a:p>
+        </p:txBody>
+      </p:sp>
+      <p:cxnSp>
+        <p:nvCxnSpPr>
+          <p:cNvPr id="35" name="Straight Arrow Connector 34"/>
+          <p:cNvCxnSpPr>
+            <a:stCxn id="17" idx="3"/>
+            <a:endCxn id="18" idx="1"/>
+          </p:cNvCxnSpPr>
+          <p:nvPr/>
+        </p:nvCxnSpPr>
+        <p:spPr>
+          <a:xfrm>
+            <a:off x="5396591" y="4952277"/>
+            <a:ext cx="343451" cy="0"/>
+          </a:xfrm>
+          <a:prstGeom prst="straightConnector1">
+            <a:avLst/>
+          </a:prstGeom>
+          <a:ln>
+            <a:tailEnd type="triangle"/>
+          </a:ln>
+        </p:spPr>
+        <p:style>
+          <a:lnRef idx="2">
+            <a:schemeClr val="dk1"/>
+          </a:lnRef>
+          <a:fillRef idx="0">
+            <a:schemeClr val="dk1"/>
+          </a:fillRef>
+          <a:effectRef idx="1">
+            <a:schemeClr val="dk1"/>
+          </a:effectRef>
+          <a:fontRef idx="minor">
+            <a:schemeClr val="tx1"/>
+          </a:fontRef>
+        </p:style>
+      </p:cxnSp>
+      <p:sp>
+        <p:nvSpPr>
+          <p:cNvPr id="39" name="Rounded Rectangle 38"/>
+          <p:cNvSpPr/>
+          <p:nvPr/>
+        </p:nvSpPr>
+        <p:spPr>
+          <a:xfrm>
+            <a:off x="8010884" y="5678898"/>
+            <a:ext cx="1927391" cy="726621"/>
+          </a:xfrm>
+          <a:prstGeom prst="roundRect">
+            <a:avLst/>
+          </a:prstGeom>
+        </p:spPr>
+        <p:style>
+          <a:lnRef idx="2">
+            <a:schemeClr val="accent1">
+              <a:shade val="50000"/>
+            </a:schemeClr>
+          </a:lnRef>
+          <a:fillRef idx="1">
+            <a:schemeClr val="accent1"/>
+          </a:fillRef>
+          <a:effectRef idx="0">
+            <a:schemeClr val="accent1"/>
+          </a:effectRef>
+          <a:fontRef idx="minor">
+            <a:schemeClr val="lt1"/>
+          </a:fontRef>
+        </p:style>
+        <p:txBody>
+          <a:bodyPr rtlCol="0" anchor="ctr"/>
+          <a:lstStyle/>
+          <a:p>
+            <a:pPr algn="ctr"/>
+            <a:r>
+              <a:rPr lang="en-US" dirty="0" smtClean="0"/>
+              <a:t>Cầu Được Chấp Nhận</a:t>
+            </a:r>
+            <a:endParaRPr lang="en-US" dirty="0"/>
+          </a:p>
+        </p:txBody>
+      </p:sp>
+      <p:cxnSp>
+        <p:nvCxnSpPr>
+          <p:cNvPr id="40" name="Straight Arrow Connector 39"/>
+          <p:cNvCxnSpPr>
+            <a:stCxn id="25" idx="2"/>
+            <a:endCxn id="39" idx="0"/>
+          </p:cNvCxnSpPr>
+          <p:nvPr/>
+        </p:nvCxnSpPr>
+        <p:spPr>
+          <a:xfrm>
+            <a:off x="8974580" y="5315587"/>
+            <a:ext cx="0" cy="363311"/>
+          </a:xfrm>
+          <a:prstGeom prst="straightConnector1">
+            <a:avLst/>
+          </a:prstGeom>
+          <a:ln>
+            <a:tailEnd type="triangle"/>
+          </a:ln>
+        </p:spPr>
+        <p:style>
+          <a:lnRef idx="2">
+            <a:schemeClr val="dk1"/>
+          </a:lnRef>
+          <a:fillRef idx="0">
+            <a:schemeClr val="dk1"/>
+          </a:fillRef>
+          <a:effectRef idx="1">
+            <a:schemeClr val="dk1"/>
+          </a:effectRef>
+          <a:fontRef idx="minor">
+            <a:schemeClr val="tx1"/>
+          </a:fontRef>
+        </p:style>
+      </p:cxnSp>
+      <p:sp>
+        <p:nvSpPr>
+          <p:cNvPr id="44" name="TextBox 43"/>
+          <p:cNvSpPr txBox="1"/>
+          <p:nvPr/>
+        </p:nvSpPr>
+        <p:spPr>
+          <a:xfrm>
+            <a:off x="1085850" y="5401899"/>
+            <a:ext cx="2204450" cy="276999"/>
+          </a:xfrm>
+          <a:prstGeom prst="rect">
+            <a:avLst/>
+          </a:prstGeom>
+          <a:noFill/>
+        </p:spPr>
+        <p:txBody>
+          <a:bodyPr wrap="none" rtlCol="0">
+            <a:spAutoFit/>
+          </a:bodyPr>
+          <a:lstStyle/>
+          <a:p>
+            <a:r>
+              <a:rPr lang="en-US" sz="1200" b="1" dirty="0" smtClean="0">
+                <a:solidFill>
+                  <a:schemeClr val="tx1">
+                    <a:lumMod val="85000"/>
+                  </a:schemeClr>
                 </a:solidFill>
                 <a:latin typeface="Arial" panose="020B0604020202020204" pitchFamily="34" charset="0"/>
                 <a:cs typeface="Arial" panose="020B0604020202020204" pitchFamily="34" charset="0"/>
-              </a:endParaRPr>
-            </a:p>
-          </p:txBody>
-        </p:sp>
-        <p:grpSp>
-          <p:nvGrpSpPr>
-            <p:cNvPr id="17" name="Group 16"/>
-            <p:cNvGrpSpPr/>
-            <p:nvPr/>
-          </p:nvGrpSpPr>
-          <p:grpSpPr>
-            <a:xfrm>
-              <a:off x="3475861" y="4042675"/>
-              <a:ext cx="4069220" cy="2564552"/>
-              <a:chOff x="3475861" y="3945458"/>
-              <a:chExt cx="4069220" cy="2564552"/>
-            </a:xfrm>
-          </p:grpSpPr>
-          <p:sp>
-            <p:nvSpPr>
-              <p:cNvPr id="14" name="TextBox 13"/>
-              <p:cNvSpPr txBox="1"/>
-              <p:nvPr/>
-            </p:nvSpPr>
-            <p:spPr>
-              <a:xfrm>
-                <a:off x="3475861" y="3945458"/>
-                <a:ext cx="4069219" cy="1815882"/>
-              </a:xfrm>
-              <a:prstGeom prst="rect">
-                <a:avLst/>
-              </a:prstGeom>
-              <a:noFill/>
-            </p:spPr>
-            <p:txBody>
-              <a:bodyPr wrap="square" rtlCol="0">
-                <a:spAutoFit/>
-              </a:bodyPr>
-              <a:lstStyle/>
-              <a:p>
-                <a:r>
-                  <a:rPr lang="en-US" sz="1400" dirty="0" smtClean="0"/>
-                  <a:t>Gửi dữ liệu đến 1 socket được chỉ định:</a:t>
-                </a:r>
-              </a:p>
-              <a:p>
-                <a:r>
-                  <a:rPr lang="en-US" sz="1400" dirty="0"/>
-                  <a:t>	</a:t>
-                </a:r>
-                <a:r>
-                  <a:rPr lang="en-US" sz="1400" dirty="0" smtClean="0"/>
-                  <a:t>socket.emit(“</a:t>
-                </a:r>
-                <a:r>
-                  <a:rPr lang="en-US" sz="1400" dirty="0" smtClean="0">
-                    <a:solidFill>
-                      <a:srgbClr val="002060"/>
-                    </a:solidFill>
-                  </a:rPr>
-                  <a:t>EVENT_NAME</a:t>
-                </a:r>
-                <a:r>
-                  <a:rPr lang="en-US" sz="1400" dirty="0" smtClean="0"/>
-                  <a:t>”, </a:t>
-                </a:r>
-                <a:r>
-                  <a:rPr lang="en-US" sz="1400" dirty="0" smtClean="0">
-                    <a:solidFill>
-                      <a:schemeClr val="accent4">
-                        <a:lumMod val="60000"/>
-                        <a:lumOff val="40000"/>
-                      </a:schemeClr>
-                    </a:solidFill>
-                  </a:rPr>
-                  <a:t>data</a:t>
-                </a:r>
-                <a:r>
-                  <a:rPr lang="en-US" sz="1400" dirty="0" smtClean="0"/>
-                  <a:t>);</a:t>
-                </a:r>
-              </a:p>
-              <a:p>
-                <a:endParaRPr lang="en-US" sz="1400" dirty="0" smtClean="0"/>
-              </a:p>
-              <a:p>
-                <a:r>
-                  <a:rPr lang="en-US" sz="1400" dirty="0" smtClean="0"/>
-                  <a:t>Lắng nghe sự kiện:</a:t>
-                </a:r>
-              </a:p>
-              <a:p>
-                <a:r>
-                  <a:rPr lang="en-US" sz="1400" dirty="0"/>
-                  <a:t>	socket.on(“</a:t>
-                </a:r>
-                <a:r>
-                  <a:rPr lang="en-US" sz="1400" dirty="0">
-                    <a:solidFill>
-                      <a:srgbClr val="002060"/>
-                    </a:solidFill>
-                  </a:rPr>
-                  <a:t>EVENT_NAME</a:t>
-                </a:r>
-                <a:r>
-                  <a:rPr lang="en-US" sz="1400" dirty="0"/>
-                  <a:t>”, function(</a:t>
-                </a:r>
-                <a:r>
-                  <a:rPr lang="en-US" sz="1400" dirty="0">
-                    <a:solidFill>
-                      <a:schemeClr val="accent4">
-                        <a:lumMod val="60000"/>
-                        <a:lumOff val="40000"/>
-                      </a:schemeClr>
-                    </a:solidFill>
-                  </a:rPr>
-                  <a:t>data</a:t>
-                </a:r>
-                <a:r>
-                  <a:rPr lang="en-US" sz="1400" dirty="0"/>
-                  <a:t>){</a:t>
-                </a:r>
-              </a:p>
-              <a:p>
-                <a:r>
-                  <a:rPr lang="en-US" sz="1400" dirty="0"/>
-                  <a:t>		// do-some-thing</a:t>
-                </a:r>
-              </a:p>
-              <a:p>
-                <a:r>
-                  <a:rPr lang="en-US" sz="1400" dirty="0"/>
-                  <a:t>	})</a:t>
-                </a:r>
-              </a:p>
-              <a:p>
-                <a:endParaRPr lang="en-US" sz="1400" dirty="0" smtClean="0"/>
-              </a:p>
-            </p:txBody>
-          </p:sp>
-          <p:sp>
-            <p:nvSpPr>
-              <p:cNvPr id="15" name="TextBox 14"/>
-              <p:cNvSpPr txBox="1"/>
-              <p:nvPr/>
-            </p:nvSpPr>
-            <p:spPr>
-              <a:xfrm>
-                <a:off x="3475862" y="5986790"/>
-                <a:ext cx="4069219" cy="523220"/>
-              </a:xfrm>
-              <a:prstGeom prst="rect">
-                <a:avLst/>
-              </a:prstGeom>
-              <a:noFill/>
-            </p:spPr>
-            <p:txBody>
-              <a:bodyPr wrap="square" rtlCol="0">
-                <a:spAutoFit/>
-              </a:bodyPr>
-              <a:lstStyle/>
-              <a:p>
-                <a:r>
-                  <a:rPr lang="en-US" sz="1400" dirty="0" smtClean="0"/>
-                  <a:t>Gửi dữ liệu đến tất cả socket</a:t>
-                </a:r>
-              </a:p>
-              <a:p>
-                <a:r>
-                  <a:rPr lang="en-US" sz="1400" dirty="0"/>
-                  <a:t>	</a:t>
-                </a:r>
-                <a:r>
-                  <a:rPr lang="en-US" sz="1400" dirty="0" smtClean="0"/>
-                  <a:t>io.emit(“</a:t>
-                </a:r>
-                <a:r>
-                  <a:rPr lang="en-US" sz="1400" dirty="0" smtClean="0">
-                    <a:solidFill>
-                      <a:srgbClr val="002060"/>
-                    </a:solidFill>
-                  </a:rPr>
-                  <a:t>EVENT_NAME</a:t>
-                </a:r>
-                <a:r>
-                  <a:rPr lang="en-US" sz="1400" dirty="0" smtClean="0"/>
-                  <a:t>”, </a:t>
-                </a:r>
-                <a:r>
-                  <a:rPr lang="en-US" sz="1400" dirty="0" smtClean="0">
-                    <a:solidFill>
-                      <a:schemeClr val="accent4">
-                        <a:lumMod val="60000"/>
-                        <a:lumOff val="40000"/>
-                      </a:schemeClr>
-                    </a:solidFill>
-                  </a:rPr>
-                  <a:t>data</a:t>
-                </a:r>
-                <a:r>
-                  <a:rPr lang="en-US" sz="1400" dirty="0" smtClean="0"/>
-                  <a:t>);</a:t>
-                </a:r>
-              </a:p>
-            </p:txBody>
-          </p:sp>
-        </p:grpSp>
-      </p:grpSp>
+              </a:rPr>
+              <a:t>User Muốn Tham Gia Nhóm</a:t>
+            </a:r>
+            <a:endParaRPr lang="en-US" sz="1200" b="1" dirty="0">
+              <a:solidFill>
+                <a:schemeClr val="tx1">
+                  <a:lumMod val="85000"/>
+                </a:schemeClr>
+              </a:solidFill>
+              <a:latin typeface="Arial" panose="020B0604020202020204" pitchFamily="34" charset="0"/>
+              <a:cs typeface="Arial" panose="020B0604020202020204" pitchFamily="34" charset="0"/>
+            </a:endParaRPr>
+          </a:p>
+        </p:txBody>
+      </p:sp>
     </p:spTree>
     <p:extLst>
       <p:ext uri="{BB962C8B-B14F-4D97-AF65-F5344CB8AC3E}">
-        <p14:creationId xmlns:p14="http://schemas.microsoft.com/office/powerpoint/2010/main" val="2738543207"/>
+        <p14:creationId xmlns:p14="http://schemas.microsoft.com/office/powerpoint/2010/main" val="2209560747"/>
       </p:ext>
     </p:extLst>
   </p:cSld>
   <p:clrMapOvr>
     <a:masterClrMapping/>
   </p:clrMapOvr>
-  <mc:AlternateContent xmlns:mc="http://schemas.openxmlformats.org/markup-compatibility/2006" xmlns:p14="http://schemas.microsoft.com/office/powerpoint/2010/main">
-    <mc:Choice Requires="p14">
-      <p:transition spd="med" p14:dur="700">
-        <p:fade/>
-      </p:transition>
-    </mc:Choice>
-    <mc:Fallback xmlns="">
-      <p:transition spd="med">
-        <p:fade/>
-      </p:transition>
-    </mc:Fallback>
-  </mc:AlternateContent>
   <p:timing>
     <p:tnLst>
       <p:par>
-        <p:cTn id="1" dur="indefinite" restart="never" nodeType="tmRoot">
-          <p:childTnLst>
-            <p:seq concurrent="1" nextAc="seek">
-              <p:cTn id="2" dur="indefinite" nodeType="mainSeq">
-                <p:childTnLst>
-                  <p:par>
-                    <p:cTn id="3" fill="hold">
-                      <p:stCondLst>
-                        <p:cond delay="indefinite"/>
-                      </p:stCondLst>
-                      <p:childTnLst>
-                        <p:par>
-                          <p:cTn id="4" fill="hold">
-                            <p:stCondLst>
-                              <p:cond delay="0"/>
-                            </p:stCondLst>
-                            <p:childTnLst>
-                              <p:par>
-                                <p:cTn id="5" presetID="10" presetClass="entr" presetSubtype="0" fill="hold" nodeType="clickEffect">
-                                  <p:stCondLst>
-                                    <p:cond delay="0"/>
-                                  </p:stCondLst>
-                                  <p:childTnLst>
-                                    <p:set>
-                                      <p:cBhvr>
-                                        <p:cTn id="6" dur="1" fill="hold">
-                                          <p:stCondLst>
-                                            <p:cond delay="0"/>
-                                          </p:stCondLst>
-                                        </p:cTn>
-                                        <p:tgtEl>
-                                          <p:spTgt spid="3"/>
-                                        </p:tgtEl>
-                                        <p:attrNameLst>
-                                          <p:attrName>style.visibility</p:attrName>
-                                        </p:attrNameLst>
-                                      </p:cBhvr>
-                                      <p:to>
-                                        <p:strVal val="visible"/>
-                                      </p:to>
-                                    </p:set>
-                                    <p:animEffect transition="in" filter="fade">
-                                      <p:cBhvr>
-                                        <p:cTn id="7" dur="500"/>
-                                        <p:tgtEl>
-                                          <p:spTgt spid="3"/>
-                                        </p:tgtEl>
-                                      </p:cBhvr>
-                                    </p:animEffect>
-                                  </p:childTnLst>
-                                </p:cTn>
-                              </p:par>
-                              <p:par>
-                                <p:cTn id="8" presetID="10" presetClass="entr" presetSubtype="0" fill="hold" grpId="0" nodeType="withEffect">
-                                  <p:stCondLst>
-                                    <p:cond delay="0"/>
-                                  </p:stCondLst>
-                                  <p:childTnLst>
-                                    <p:set>
-                                      <p:cBhvr>
-                                        <p:cTn id="9" dur="1" fill="hold">
-                                          <p:stCondLst>
-                                            <p:cond delay="0"/>
-                                          </p:stCondLst>
-                                        </p:cTn>
-                                        <p:tgtEl>
-                                          <p:spTgt spid="6"/>
-                                        </p:tgtEl>
-                                        <p:attrNameLst>
-                                          <p:attrName>style.visibility</p:attrName>
-                                        </p:attrNameLst>
-                                      </p:cBhvr>
-                                      <p:to>
-                                        <p:strVal val="visible"/>
-                                      </p:to>
-                                    </p:set>
-                                    <p:animEffect transition="in" filter="fade">
-                                      <p:cBhvr>
-                                        <p:cTn id="10" dur="500"/>
-                                        <p:tgtEl>
-                                          <p:spTgt spid="6"/>
-                                        </p:tgtEl>
-                                      </p:cBhvr>
-                                    </p:animEffect>
-                                  </p:childTnLst>
-                                </p:cTn>
-                              </p:par>
-                              <p:par>
-                                <p:cTn id="11" presetID="10" presetClass="entr" presetSubtype="0" fill="hold" grpId="0" nodeType="withEffect">
-                                  <p:stCondLst>
-                                    <p:cond delay="0"/>
-                                  </p:stCondLst>
-                                  <p:childTnLst>
-                                    <p:set>
-                                      <p:cBhvr>
-                                        <p:cTn id="12" dur="1" fill="hold">
-                                          <p:stCondLst>
-                                            <p:cond delay="0"/>
-                                          </p:stCondLst>
-                                        </p:cTn>
-                                        <p:tgtEl>
-                                          <p:spTgt spid="8"/>
-                                        </p:tgtEl>
-                                        <p:attrNameLst>
-                                          <p:attrName>style.visibility</p:attrName>
-                                        </p:attrNameLst>
-                                      </p:cBhvr>
-                                      <p:to>
-                                        <p:strVal val="visible"/>
-                                      </p:to>
-                                    </p:set>
-                                    <p:animEffect transition="in" filter="fade">
-                                      <p:cBhvr>
-                                        <p:cTn id="13" dur="500"/>
-                                        <p:tgtEl>
-                                          <p:spTgt spid="8"/>
-                                        </p:tgtEl>
-                                      </p:cBhvr>
-                                    </p:animEffect>
-                                  </p:childTnLst>
-                                </p:cTn>
-                              </p:par>
-                              <p:par>
-                                <p:cTn id="14" presetID="10" presetClass="entr" presetSubtype="0" fill="hold" grpId="0" nodeType="withEffect">
-                                  <p:stCondLst>
-                                    <p:cond delay="0"/>
-                                  </p:stCondLst>
-                                  <p:childTnLst>
-                                    <p:set>
-                                      <p:cBhvr>
-                                        <p:cTn id="15" dur="1" fill="hold">
-                                          <p:stCondLst>
-                                            <p:cond delay="0"/>
-                                          </p:stCondLst>
-                                        </p:cTn>
-                                        <p:tgtEl>
-                                          <p:spTgt spid="7"/>
-                                        </p:tgtEl>
-                                        <p:attrNameLst>
-                                          <p:attrName>style.visibility</p:attrName>
-                                        </p:attrNameLst>
-                                      </p:cBhvr>
-                                      <p:to>
-                                        <p:strVal val="visible"/>
-                                      </p:to>
-                                    </p:set>
-                                    <p:animEffect transition="in" filter="fade">
-                                      <p:cBhvr>
-                                        <p:cTn id="16" dur="500"/>
-                                        <p:tgtEl>
-                                          <p:spTgt spid="7"/>
-                                        </p:tgtEl>
-                                      </p:cBhvr>
-                                    </p:animEffect>
-                                  </p:childTnLst>
-                                </p:cTn>
-                              </p:par>
-                            </p:childTnLst>
-                          </p:cTn>
-                        </p:par>
-                      </p:childTnLst>
-                    </p:cTn>
-                  </p:par>
-                  <p:par>
-                    <p:cTn id="17" fill="hold">
-                      <p:stCondLst>
-                        <p:cond delay="indefinite"/>
-                      </p:stCondLst>
-                      <p:childTnLst>
-                        <p:par>
-                          <p:cTn id="18" fill="hold">
-                            <p:stCondLst>
-                              <p:cond delay="0"/>
-                            </p:stCondLst>
-                            <p:childTnLst>
-                              <p:par>
-                                <p:cTn id="19" presetID="10" presetClass="entr" presetSubtype="0" fill="hold" nodeType="clickEffect">
-                                  <p:stCondLst>
-                                    <p:cond delay="0"/>
-                                  </p:stCondLst>
-                                  <p:childTnLst>
-                                    <p:set>
-                                      <p:cBhvr>
-                                        <p:cTn id="20" dur="1" fill="hold">
-                                          <p:stCondLst>
-                                            <p:cond delay="0"/>
-                                          </p:stCondLst>
-                                        </p:cTn>
-                                        <p:tgtEl>
-                                          <p:spTgt spid="16"/>
-                                        </p:tgtEl>
-                                        <p:attrNameLst>
-                                          <p:attrName>style.visibility</p:attrName>
-                                        </p:attrNameLst>
-                                      </p:cBhvr>
-                                      <p:to>
-                                        <p:strVal val="visible"/>
-                                      </p:to>
-                                    </p:set>
-                                    <p:animEffect transition="in" filter="fade">
-                                      <p:cBhvr>
-                                        <p:cTn id="21" dur="500"/>
-                                        <p:tgtEl>
-                                          <p:spTgt spid="16"/>
-                                        </p:tgtEl>
-                                      </p:cBhvr>
-                                    </p:animEffect>
-                                  </p:childTnLst>
-                                </p:cTn>
-                              </p:par>
-                            </p:childTnLst>
-                          </p:cTn>
-                        </p:par>
-                      </p:childTnLst>
-                    </p:cTn>
-                  </p:par>
-                  <p:par>
-                    <p:cTn id="22" fill="hold">
-                      <p:stCondLst>
-                        <p:cond delay="indefinite"/>
-                      </p:stCondLst>
-                      <p:childTnLst>
-                        <p:par>
-                          <p:cTn id="23" fill="hold">
-                            <p:stCondLst>
-                              <p:cond delay="0"/>
-                            </p:stCondLst>
-                            <p:childTnLst>
-                              <p:par>
-                                <p:cTn id="24" presetID="10" presetClass="entr" presetSubtype="0" fill="hold" nodeType="clickEffect">
-                                  <p:stCondLst>
-                                    <p:cond delay="0"/>
-                                  </p:stCondLst>
-                                  <p:childTnLst>
-                                    <p:set>
-                                      <p:cBhvr>
-                                        <p:cTn id="25" dur="1" fill="hold">
-                                          <p:stCondLst>
-                                            <p:cond delay="0"/>
-                                          </p:stCondLst>
-                                        </p:cTn>
-                                        <p:tgtEl>
-                                          <p:spTgt spid="18"/>
-                                        </p:tgtEl>
-                                        <p:attrNameLst>
-                                          <p:attrName>style.visibility</p:attrName>
-                                        </p:attrNameLst>
-                                      </p:cBhvr>
-                                      <p:to>
-                                        <p:strVal val="visible"/>
-                                      </p:to>
-                                    </p:set>
-                                    <p:animEffect transition="in" filter="fade">
-                                      <p:cBhvr>
-                                        <p:cTn id="26" dur="500"/>
-                                        <p:tgtEl>
-                                          <p:spTgt spid="18"/>
-                                        </p:tgtEl>
-                                      </p:cBhvr>
-                                    </p:animEffect>
-                                  </p:childTnLst>
-                                </p:cTn>
-                              </p:par>
-                            </p:childTnLst>
-                          </p:cTn>
-                        </p:par>
-                      </p:childTnLst>
-                    </p:cTn>
-                  </p:par>
-                </p:childTnLst>
-              </p:cTn>
-              <p:prevCondLst>
-                <p:cond evt="onPrev" delay="0">
-                  <p:tgtEl>
-                    <p:sldTgt/>
-                  </p:tgtEl>
-                </p:cond>
-              </p:prevCondLst>
-              <p:nextCondLst>
-                <p:cond evt="onNext" delay="0">
-                  <p:tgtEl>
-                    <p:sldTgt/>
-                  </p:tgtEl>
-                </p:cond>
-              </p:nextCondLst>
-            </p:seq>
-          </p:childTnLst>
-        </p:cTn>
+        <p:cTn id="1" dur="indefinite" restart="never" nodeType="tmRoot"/>
       </p:par>
     </p:tnLst>
-    <p:bldLst>
-      <p:bldP spid="6" grpId="0"/>
-      <p:bldP spid="7" grpId="0"/>
-      <p:bldP spid="8" grpId="0"/>
-    </p:bldLst>
   </p:timing>
 </p:sld>
 </file>
@@ -10038,7 +10708,135 @@
     </p:spTree>
     <p:extLst>
       <p:ext uri="{BB962C8B-B14F-4D97-AF65-F5344CB8AC3E}">
-        <p14:creationId xmlns:p14="http://schemas.microsoft.com/office/powerpoint/2010/main" val="2151670715"/>
+        <p14:creationId xmlns:p14="http://schemas.microsoft.com/office/powerpoint/2010/main" val="1600144416"/>
+      </p:ext>
+    </p:extLst>
+  </p:cSld>
+  <p:clrMapOvr>
+    <a:masterClrMapping/>
+  </p:clrMapOvr>
+  <p:timing>
+    <p:tnLst>
+      <p:par>
+        <p:cTn id="1" dur="indefinite" restart="never" nodeType="tmRoot"/>
+      </p:par>
+    </p:tnLst>
+  </p:timing>
+</p:sld>
+</file>
+
+<file path=ppt/slides/slide9.xml><?xml version="1.0" encoding="utf-8"?>
+<p:sld xmlns:a="http://schemas.openxmlformats.org/drawingml/2006/main" xmlns:r="http://schemas.openxmlformats.org/officeDocument/2006/relationships" xmlns:p="http://schemas.openxmlformats.org/presentationml/2006/main">
+  <p:cSld>
+    <p:spTree>
+      <p:nvGrpSpPr>
+        <p:cNvPr id="1" name=""/>
+        <p:cNvGrpSpPr/>
+        <p:nvPr/>
+      </p:nvGrpSpPr>
+      <p:grpSpPr>
+        <a:xfrm>
+          <a:off x="0" y="0"/>
+          <a:ext cx="0" cy="0"/>
+          <a:chOff x="0" y="0"/>
+          <a:chExt cx="0" cy="0"/>
+        </a:xfrm>
+      </p:grpSpPr>
+      <p:sp>
+        <p:nvSpPr>
+          <p:cNvPr id="4" name="Slide Number Placeholder 3"/>
+          <p:cNvSpPr>
+            <a:spLocks noGrp="1"/>
+          </p:cNvSpPr>
+          <p:nvPr>
+            <p:ph type="sldNum" sz="quarter" idx="12"/>
+          </p:nvPr>
+        </p:nvSpPr>
+        <p:spPr/>
+        <p:txBody>
+          <a:bodyPr/>
+          <a:lstStyle/>
+          <a:p>
+            <a:fld id="{D57F1E4F-1CFF-5643-939E-217C01CDF565}" type="slidenum">
+              <a:rPr lang="en-US" smtClean="0"/>
+              <a:pPr/>
+              <a:t>9</a:t>
+            </a:fld>
+            <a:endParaRPr lang="en-US" dirty="0"/>
+          </a:p>
+        </p:txBody>
+      </p:sp>
+      <p:sp>
+        <p:nvSpPr>
+          <p:cNvPr id="5" name="TextBox 4"/>
+          <p:cNvSpPr txBox="1"/>
+          <p:nvPr/>
+        </p:nvSpPr>
+        <p:spPr>
+          <a:xfrm>
+            <a:off x="9520606" y="281927"/>
+            <a:ext cx="1984839" cy="523220"/>
+          </a:xfrm>
+          <a:prstGeom prst="rect">
+            <a:avLst/>
+          </a:prstGeom>
+          <a:noFill/>
+        </p:spPr>
+        <p:txBody>
+          <a:bodyPr wrap="none" rtlCol="0">
+            <a:spAutoFit/>
+          </a:bodyPr>
+          <a:lstStyle/>
+          <a:p>
+            <a:pPr algn="r"/>
+            <a:r>
+              <a:rPr lang="en-US" sz="2800" b="1" dirty="0" smtClean="0">
+                <a:latin typeface="Arial" panose="020B0604020202020204" pitchFamily="34" charset="0"/>
+                <a:cs typeface="Arial" panose="020B0604020202020204" pitchFamily="34" charset="0"/>
+              </a:rPr>
+              <a:t>NỘI DUNG</a:t>
+            </a:r>
+            <a:endParaRPr lang="en-US" sz="2800" b="1" dirty="0">
+              <a:latin typeface="Arial" panose="020B0604020202020204" pitchFamily="34" charset="0"/>
+              <a:cs typeface="Arial" panose="020B0604020202020204" pitchFamily="34" charset="0"/>
+            </a:endParaRPr>
+          </a:p>
+        </p:txBody>
+      </p:sp>
+      <p:sp>
+        <p:nvSpPr>
+          <p:cNvPr id="2" name="TextBox 1"/>
+          <p:cNvSpPr txBox="1"/>
+          <p:nvPr/>
+        </p:nvSpPr>
+        <p:spPr>
+          <a:xfrm>
+            <a:off x="5276850" y="2628900"/>
+            <a:ext cx="1793696" cy="461665"/>
+          </a:xfrm>
+          <a:prstGeom prst="rect">
+            <a:avLst/>
+          </a:prstGeom>
+          <a:noFill/>
+        </p:spPr>
+        <p:txBody>
+          <a:bodyPr wrap="none" rtlCol="0">
+            <a:spAutoFit/>
+          </a:bodyPr>
+          <a:lstStyle/>
+          <a:p>
+            <a:r>
+              <a:rPr lang="en-US" sz="2400" b="1" dirty="0" smtClean="0"/>
+              <a:t>Thank You!</a:t>
+            </a:r>
+            <a:endParaRPr lang="en-US" sz="2400" b="1" dirty="0"/>
+          </a:p>
+        </p:txBody>
+      </p:sp>
+    </p:spTree>
+    <p:extLst>
+      <p:ext uri="{BB962C8B-B14F-4D97-AF65-F5344CB8AC3E}">
+        <p14:creationId xmlns:p14="http://schemas.microsoft.com/office/powerpoint/2010/main" val="1985435802"/>
       </p:ext>
     </p:extLst>
   </p:cSld>

--- a/Slide.pptx
+++ b/Slide.pptx
@@ -11,9 +11,9 @@
     <p:sldId id="256" r:id="rId2"/>
     <p:sldId id="261" r:id="rId3"/>
     <p:sldId id="258" r:id="rId4"/>
-    <p:sldId id="260" r:id="rId5"/>
-    <p:sldId id="259" r:id="rId6"/>
-    <p:sldId id="264" r:id="rId7"/>
+    <p:sldId id="259" r:id="rId5"/>
+    <p:sldId id="264" r:id="rId6"/>
+    <p:sldId id="260" r:id="rId7"/>
     <p:sldId id="271" r:id="rId8"/>
     <p:sldId id="265" r:id="rId9"/>
     <p:sldId id="266" r:id="rId10"/>
@@ -7817,8 +7817,8 @@
         </p:nvSpPr>
         <p:spPr>
           <a:xfrm>
-            <a:off x="7313271" y="160338"/>
-            <a:ext cx="4192174" cy="523220"/>
+            <a:off x="5907951" y="160338"/>
+            <a:ext cx="5597494" cy="523220"/>
           </a:xfrm>
           <a:prstGeom prst="rect">
             <a:avLst/>
@@ -7837,7 +7837,7 @@
                 <a:latin typeface="Arial" panose="020B0604020202020204" pitchFamily="34" charset="0"/>
                 <a:cs typeface="Arial" panose="020B0604020202020204" pitchFamily="34" charset="0"/>
               </a:rPr>
-              <a:t>CÔNG NGHỆ SỬ DỤNG</a:t>
+              <a:t>CHỨC NĂNG CỦA TRANG WEB</a:t>
             </a:r>
             <a:endParaRPr lang="en-US" sz="2800" b="1" dirty="0">
               <a:latin typeface="Arial" panose="020B0604020202020204" pitchFamily="34" charset="0"/>
@@ -7887,9 +7887,9 @@
       </p:sp>
       <p:pic>
         <p:nvPicPr>
-          <p:cNvPr id="2" name="Picture 1"/>
+          <p:cNvPr id="2056" name="Picture 8" descr="Vector Users Icon, Users Icon, Avatar Icon, User Icon PNG and ..."/>
           <p:cNvPicPr>
-            <a:picLocks noChangeAspect="1"/>
+            <a:picLocks noChangeAspect="1" noChangeArrowheads="1"/>
           </p:cNvPicPr>
           <p:nvPr/>
         </p:nvPicPr>
@@ -7901,81 +7901,121 @@
               </a:ext>
             </a:extLst>
           </a:blip>
+          <a:srcRect/>
           <a:stretch>
             <a:fillRect/>
           </a:stretch>
         </p:blipFill>
-        <p:spPr>
-          <a:xfrm>
-            <a:off x="6738831" y="1051559"/>
-            <a:ext cx="2138417" cy="1308110"/>
-          </a:xfrm>
-          <a:prstGeom prst="rect">
-            <a:avLst/>
-          </a:prstGeom>
-        </p:spPr>
-      </p:pic>
-      <p:sp>
-        <p:nvSpPr>
-          <p:cNvPr id="11" name="TextBox 10"/>
-          <p:cNvSpPr txBox="1"/>
-          <p:nvPr/>
-        </p:nvSpPr>
-        <p:spPr>
-          <a:xfrm>
-            <a:off x="8877248" y="2450015"/>
-            <a:ext cx="1902953" cy="523220"/>
+        <p:spPr bwMode="auto">
+          <a:xfrm>
+            <a:off x="460375" y="1583111"/>
+            <a:ext cx="1097280" cy="1097280"/>
           </a:xfrm>
           <a:prstGeom prst="rect">
             <a:avLst/>
           </a:prstGeom>
           <a:noFill/>
-        </p:spPr>
-        <p:txBody>
-          <a:bodyPr wrap="square" rtlCol="0">
+          <a:extLst>
+            <a:ext uri="{909E8E84-426E-40DD-AFC4-6F175D3DCCD1}">
+              <a14:hiddenFill xmlns:a14="http://schemas.microsoft.com/office/drawing/2010/main">
+                <a:solidFill>
+                  <a:srgbClr val="FFFFFF"/>
+                </a:solidFill>
+              </a14:hiddenFill>
+            </a:ext>
+          </a:extLst>
+        </p:spPr>
+      </p:pic>
+      <p:sp>
+        <p:nvSpPr>
+          <p:cNvPr id="6" name="TextBox 5"/>
+          <p:cNvSpPr txBox="1"/>
+          <p:nvPr/>
+        </p:nvSpPr>
+        <p:spPr>
+          <a:xfrm>
+            <a:off x="1557655" y="1583111"/>
+            <a:ext cx="1300356" cy="369332"/>
+          </a:xfrm>
+          <a:prstGeom prst="rect">
+            <a:avLst/>
+          </a:prstGeom>
+          <a:noFill/>
+        </p:spPr>
+        <p:txBody>
+          <a:bodyPr wrap="none" rtlCol="0">
             <a:spAutoFit/>
           </a:bodyPr>
           <a:lstStyle/>
           <a:p>
-            <a:pPr algn="ctr"/>
-            <a:r>
-              <a:rPr lang="en-US" sz="2800" i="1" dirty="0" smtClean="0">
+            <a:r>
+              <a:rPr lang="en-US" b="1" dirty="0" smtClean="0">
                 <a:latin typeface="Arial" panose="020B0604020202020204" pitchFamily="34" charset="0"/>
                 <a:cs typeface="Arial" panose="020B0604020202020204" pitchFamily="34" charset="0"/>
               </a:rPr>
-              <a:t>Express</a:t>
-            </a:r>
-            <a:endParaRPr lang="en-US" sz="2800" i="1" dirty="0">
+              <a:t>Tài Khoản</a:t>
+            </a:r>
+            <a:endParaRPr lang="en-US" b="1" dirty="0">
               <a:latin typeface="Arial" panose="020B0604020202020204" pitchFamily="34" charset="0"/>
               <a:cs typeface="Arial" panose="020B0604020202020204" pitchFamily="34" charset="0"/>
             </a:endParaRPr>
           </a:p>
         </p:txBody>
       </p:sp>
+      <p:sp>
+        <p:nvSpPr>
+          <p:cNvPr id="16" name="TextBox 15"/>
+          <p:cNvSpPr txBox="1"/>
+          <p:nvPr/>
+        </p:nvSpPr>
+        <p:spPr>
+          <a:xfrm>
+            <a:off x="5555046" y="1526837"/>
+            <a:ext cx="838691" cy="369332"/>
+          </a:xfrm>
+          <a:prstGeom prst="rect">
+            <a:avLst/>
+          </a:prstGeom>
+          <a:noFill/>
+        </p:spPr>
+        <p:txBody>
+          <a:bodyPr wrap="none" rtlCol="0">
+            <a:spAutoFit/>
+          </a:bodyPr>
+          <a:lstStyle/>
+          <a:p>
+            <a:r>
+              <a:rPr lang="en-US" b="1" dirty="0" smtClean="0">
+                <a:latin typeface="Arial" panose="020B0604020202020204" pitchFamily="34" charset="0"/>
+                <a:cs typeface="Arial" panose="020B0604020202020204" pitchFamily="34" charset="0"/>
+              </a:rPr>
+              <a:t>Nhóm</a:t>
+            </a:r>
+            <a:endParaRPr lang="en-US" b="1" dirty="0">
+              <a:latin typeface="Arial" panose="020B0604020202020204" pitchFamily="34" charset="0"/>
+              <a:cs typeface="Arial" panose="020B0604020202020204" pitchFamily="34" charset="0"/>
+            </a:endParaRPr>
+          </a:p>
+        </p:txBody>
+      </p:sp>
       <p:pic>
         <p:nvPicPr>
-          <p:cNvPr id="7" name="Picture 6"/>
+          <p:cNvPr id="8" name="Picture 7"/>
           <p:cNvPicPr>
             <a:picLocks noChangeAspect="1"/>
           </p:cNvPicPr>
           <p:nvPr/>
         </p:nvPicPr>
         <p:blipFill>
-          <a:blip r:embed="rId3">
-            <a:extLst>
-              <a:ext uri="{28A0092B-C50C-407E-A947-70E740481C1C}">
-                <a14:useLocalDpi xmlns:a14="http://schemas.microsoft.com/office/drawing/2010/main" val="0"/>
-              </a:ext>
-            </a:extLst>
-          </a:blip>
+          <a:blip r:embed="rId3"/>
           <a:stretch>
             <a:fillRect/>
           </a:stretch>
         </p:blipFill>
         <p:spPr>
           <a:xfrm>
-            <a:off x="6519383" y="2774247"/>
-            <a:ext cx="2357865" cy="2357865"/>
+            <a:off x="4504864" y="1579599"/>
+            <a:ext cx="1097280" cy="1097280"/>
           </a:xfrm>
           <a:prstGeom prst="rect">
             <a:avLst/>
@@ -7984,9 +8024,9 @@
       </p:pic>
       <p:pic>
         <p:nvPicPr>
-          <p:cNvPr id="8" name="Picture 7"/>
+          <p:cNvPr id="2060" name="Picture 12" descr="A Project Logo Vector PNG Transparent A Project Logo Vector.PNG ..."/>
           <p:cNvPicPr>
-            <a:picLocks noChangeAspect="1"/>
+            <a:picLocks noChangeAspect="1" noChangeArrowheads="1"/>
           </p:cNvPicPr>
           <p:nvPr/>
         </p:nvPicPr>
@@ -7998,25 +8038,113 @@
               </a:ext>
             </a:extLst>
           </a:blip>
+          <a:srcRect/>
           <a:stretch>
             <a:fillRect/>
           </a:stretch>
         </p:blipFill>
-        <p:spPr>
-          <a:xfrm>
-            <a:off x="8990027" y="4333871"/>
-            <a:ext cx="1677394" cy="811642"/>
+        <p:spPr bwMode="auto">
+          <a:xfrm>
+            <a:off x="8714344" y="1579599"/>
+            <a:ext cx="1097280" cy="1097280"/>
           </a:xfrm>
           <a:prstGeom prst="rect">
             <a:avLst/>
           </a:prstGeom>
+          <a:solidFill>
+            <a:schemeClr val="tx1"/>
+          </a:solidFill>
         </p:spPr>
       </p:pic>
+      <p:sp>
+        <p:nvSpPr>
+          <p:cNvPr id="21" name="TextBox 20"/>
+          <p:cNvSpPr txBox="1"/>
+          <p:nvPr/>
+        </p:nvSpPr>
+        <p:spPr>
+          <a:xfrm>
+            <a:off x="9803978" y="1583111"/>
+            <a:ext cx="1287532" cy="646331"/>
+          </a:xfrm>
+          <a:prstGeom prst="rect">
+            <a:avLst/>
+          </a:prstGeom>
+          <a:noFill/>
+        </p:spPr>
+        <p:txBody>
+          <a:bodyPr wrap="none" rtlCol="0">
+            <a:spAutoFit/>
+          </a:bodyPr>
+          <a:lstStyle/>
+          <a:p>
+            <a:r>
+              <a:rPr lang="en-US" b="1" dirty="0" smtClean="0">
+                <a:latin typeface="Arial" panose="020B0604020202020204" pitchFamily="34" charset="0"/>
+                <a:cs typeface="Arial" panose="020B0604020202020204" pitchFamily="34" charset="0"/>
+              </a:rPr>
+              <a:t>Bảng</a:t>
+            </a:r>
+          </a:p>
+          <a:p>
+            <a:r>
+              <a:rPr lang="en-US" b="1" dirty="0" smtClean="0">
+                <a:latin typeface="Arial" panose="020B0604020202020204" pitchFamily="34" charset="0"/>
+                <a:cs typeface="Arial" panose="020B0604020202020204" pitchFamily="34" charset="0"/>
+              </a:rPr>
+              <a:t>Công việc</a:t>
+            </a:r>
+            <a:endParaRPr lang="en-US" b="1" dirty="0">
+              <a:latin typeface="Arial" panose="020B0604020202020204" pitchFamily="34" charset="0"/>
+              <a:cs typeface="Arial" panose="020B0604020202020204" pitchFamily="34" charset="0"/>
+            </a:endParaRPr>
+          </a:p>
+        </p:txBody>
+      </p:sp>
+      <p:sp>
+        <p:nvSpPr>
+          <p:cNvPr id="11" name="AutoShape 14" descr="Task Blue png download - 512*512 - Free Transparent Task png ..."/>
+          <p:cNvSpPr>
+            <a:spLocks noChangeAspect="1" noChangeArrowheads="1"/>
+          </p:cNvSpPr>
+          <p:nvPr/>
+        </p:nvSpPr>
+        <p:spPr bwMode="auto">
+          <a:xfrm>
+            <a:off x="307975" y="7937"/>
+            <a:ext cx="304800" cy="304801"/>
+          </a:xfrm>
+          <a:prstGeom prst="rect">
+            <a:avLst/>
+          </a:prstGeom>
+          <a:noFill/>
+          <a:extLst>
+            <a:ext uri="{909E8E84-426E-40DD-AFC4-6F175D3DCCD1}">
+              <a14:hiddenFill xmlns:a14="http://schemas.microsoft.com/office/drawing/2010/main">
+                <a:solidFill>
+                  <a:srgbClr val="FFFFFF"/>
+                </a:solidFill>
+              </a14:hiddenFill>
+            </a:ext>
+          </a:extLst>
+        </p:spPr>
+        <p:txBody>
+          <a:bodyPr vert="horz" wrap="square" lIns="91440" tIns="45720" rIns="91440" bIns="45720" numCol="1" anchor="t" anchorCtr="0" compatLnSpc="1">
+            <a:prstTxWarp prst="textNoShape">
+              <a:avLst/>
+            </a:prstTxWarp>
+          </a:bodyPr>
+          <a:lstStyle/>
+          <a:p>
+            <a:endParaRPr lang="en-US"/>
+          </a:p>
+        </p:txBody>
+      </p:sp>
       <p:pic>
         <p:nvPicPr>
-          <p:cNvPr id="14" name="Picture 13"/>
+          <p:cNvPr id="2066" name="Picture 18" descr="Comment png icon 1 » PNG Image"/>
           <p:cNvPicPr>
-            <a:picLocks noChangeAspect="1"/>
+            <a:picLocks noChangeAspect="1" noChangeArrowheads="1"/>
           </p:cNvPicPr>
           <p:nvPr/>
         </p:nvPicPr>
@@ -8028,30 +8156,34 @@
               </a:ext>
             </a:extLst>
           </a:blip>
+          <a:srcRect/>
           <a:stretch>
             <a:fillRect/>
           </a:stretch>
         </p:blipFill>
-        <p:spPr>
-          <a:xfrm>
-            <a:off x="7275119" y="5381456"/>
-            <a:ext cx="1074199" cy="1074199"/>
+        <p:spPr bwMode="auto">
+          <a:xfrm>
+            <a:off x="460375" y="4118912"/>
+            <a:ext cx="1097280" cy="1097280"/>
           </a:xfrm>
           <a:prstGeom prst="rect">
             <a:avLst/>
           </a:prstGeom>
+          <a:solidFill>
+            <a:schemeClr val="tx1"/>
+          </a:solidFill>
         </p:spPr>
       </p:pic>
       <p:sp>
         <p:nvSpPr>
-          <p:cNvPr id="16" name="TextBox 15"/>
+          <p:cNvPr id="31" name="TextBox 30"/>
           <p:cNvSpPr txBox="1"/>
           <p:nvPr/>
         </p:nvSpPr>
         <p:spPr>
           <a:xfrm>
-            <a:off x="8191448" y="5986790"/>
-            <a:ext cx="1902953" cy="523220"/>
+            <a:off x="1557655" y="4150850"/>
+            <a:ext cx="1313180" cy="646331"/>
           </a:xfrm>
           <a:prstGeom prst="rect">
             <a:avLst/>
@@ -8059,29 +8191,69 @@
           <a:noFill/>
         </p:spPr>
         <p:txBody>
-          <a:bodyPr wrap="square" rtlCol="0">
+          <a:bodyPr wrap="none" rtlCol="0">
             <a:spAutoFit/>
           </a:bodyPr>
           <a:lstStyle/>
           <a:p>
-            <a:pPr algn="ctr"/>
-            <a:r>
-              <a:rPr lang="en-US" sz="2800" i="1" dirty="0" smtClean="0">
+            <a:r>
+              <a:rPr lang="en-US" b="1" dirty="0" smtClean="0">
                 <a:latin typeface="Arial" panose="020B0604020202020204" pitchFamily="34" charset="0"/>
                 <a:cs typeface="Arial" panose="020B0604020202020204" pitchFamily="34" charset="0"/>
               </a:rPr>
-              <a:t>Socket.io</a:t>
-            </a:r>
-            <a:endParaRPr lang="en-US" sz="2800" i="1" dirty="0">
+              <a:t>Trao Đổi </a:t>
+            </a:r>
+          </a:p>
+          <a:p>
+            <a:r>
+              <a:rPr lang="en-US" b="1" dirty="0" smtClean="0">
+                <a:latin typeface="Arial" panose="020B0604020202020204" pitchFamily="34" charset="0"/>
+                <a:cs typeface="Arial" panose="020B0604020202020204" pitchFamily="34" charset="0"/>
+              </a:rPr>
+              <a:t>Bình Luận</a:t>
+            </a:r>
+            <a:endParaRPr lang="en-US" b="1" dirty="0">
               <a:latin typeface="Arial" panose="020B0604020202020204" pitchFamily="34" charset="0"/>
               <a:cs typeface="Arial" panose="020B0604020202020204" pitchFamily="34" charset="0"/>
             </a:endParaRPr>
           </a:p>
         </p:txBody>
       </p:sp>
+      <p:sp>
+        <p:nvSpPr>
+          <p:cNvPr id="35" name="TextBox 34"/>
+          <p:cNvSpPr txBox="1"/>
+          <p:nvPr/>
+        </p:nvSpPr>
+        <p:spPr>
+          <a:xfrm>
+            <a:off x="5658176" y="4134678"/>
+            <a:ext cx="1390124" cy="369332"/>
+          </a:xfrm>
+          <a:prstGeom prst="rect">
+            <a:avLst/>
+          </a:prstGeom>
+          <a:noFill/>
+        </p:spPr>
+        <p:txBody>
+          <a:bodyPr wrap="none" rtlCol="0">
+            <a:spAutoFit/>
+          </a:bodyPr>
+          <a:lstStyle/>
+          <a:p>
+            <a:r>
+              <a:rPr lang="en-US" b="1" dirty="0" smtClean="0">
+                <a:latin typeface="Arial" panose="020B0604020202020204" pitchFamily="34" charset="0"/>
+                <a:cs typeface="Arial" panose="020B0604020202020204" pitchFamily="34" charset="0"/>
+              </a:rPr>
+              <a:t>Thông Báo</a:t>
+            </a:r>
+          </a:p>
+        </p:txBody>
+      </p:sp>
       <p:pic>
         <p:nvPicPr>
-          <p:cNvPr id="19" name="Picture 18"/>
+          <p:cNvPr id="24" name="Picture 23"/>
           <p:cNvPicPr>
             <a:picLocks noChangeAspect="1"/>
           </p:cNvPicPr>
@@ -8101,17 +8273,20 @@
         </p:blipFill>
         <p:spPr>
           <a:xfrm>
-            <a:off x="3373344" y="4299125"/>
-            <a:ext cx="1279350" cy="1279350"/>
+            <a:off x="4563832" y="4147922"/>
+            <a:ext cx="1097280" cy="1097280"/>
           </a:xfrm>
           <a:prstGeom prst="rect">
             <a:avLst/>
           </a:prstGeom>
+          <a:solidFill>
+            <a:schemeClr val="tx1"/>
+          </a:solidFill>
         </p:spPr>
       </p:pic>
       <p:pic>
         <p:nvPicPr>
-          <p:cNvPr id="21" name="Picture 20"/>
+          <p:cNvPr id="25" name="Picture 24"/>
           <p:cNvPicPr>
             <a:picLocks noChangeAspect="1"/>
           </p:cNvPicPr>
@@ -8131,108 +8306,57 @@
         </p:blipFill>
         <p:spPr>
           <a:xfrm>
-            <a:off x="1381178" y="4102169"/>
-            <a:ext cx="1245714" cy="1273891"/>
+            <a:off x="8706564" y="4135857"/>
+            <a:ext cx="1097280" cy="1097280"/>
           </a:xfrm>
           <a:prstGeom prst="rect">
             <a:avLst/>
           </a:prstGeom>
+          <a:solidFill>
+            <a:schemeClr val="tx1"/>
+          </a:solidFill>
         </p:spPr>
       </p:pic>
-      <p:pic>
-        <p:nvPicPr>
-          <p:cNvPr id="22" name="Picture 21"/>
-          <p:cNvPicPr>
-            <a:picLocks noChangeAspect="1"/>
-          </p:cNvPicPr>
+      <p:sp>
+        <p:nvSpPr>
+          <p:cNvPr id="40" name="TextBox 39"/>
+          <p:cNvSpPr txBox="1"/>
           <p:nvPr/>
-        </p:nvPicPr>
-        <p:blipFill>
-          <a:blip r:embed="rId8">
-            <a:extLst>
-              <a:ext uri="{28A0092B-C50C-407E-A947-70E740481C1C}">
-                <a14:useLocalDpi xmlns:a14="http://schemas.microsoft.com/office/drawing/2010/main" val="0"/>
-              </a:ext>
-            </a:extLst>
-          </a:blip>
-          <a:stretch>
-            <a:fillRect/>
-          </a:stretch>
-        </p:blipFill>
-        <p:spPr>
-          <a:xfrm>
-            <a:off x="1059544" y="1204849"/>
-            <a:ext cx="2579799" cy="1102864"/>
+        </p:nvSpPr>
+        <p:spPr>
+          <a:xfrm>
+            <a:off x="9811624" y="4118912"/>
+            <a:ext cx="2031325" cy="369332"/>
           </a:xfrm>
           <a:prstGeom prst="rect">
             <a:avLst/>
           </a:prstGeom>
-        </p:spPr>
-      </p:pic>
-      <p:pic>
-        <p:nvPicPr>
-          <p:cNvPr id="23" name="Picture 22"/>
-          <p:cNvPicPr>
-            <a:picLocks noChangeAspect="1"/>
-          </p:cNvPicPr>
-          <p:nvPr/>
-        </p:nvPicPr>
-        <p:blipFill>
-          <a:blip r:embed="rId9">
-            <a:extLst>
-              <a:ext uri="{28A0092B-C50C-407E-A947-70E740481C1C}">
-                <a14:useLocalDpi xmlns:a14="http://schemas.microsoft.com/office/drawing/2010/main" val="0"/>
-              </a:ext>
-            </a:extLst>
-          </a:blip>
-          <a:stretch>
-            <a:fillRect/>
-          </a:stretch>
-        </p:blipFill>
-        <p:spPr>
-          <a:xfrm>
-            <a:off x="3901904" y="1094293"/>
-            <a:ext cx="1323975" cy="1323975"/>
-          </a:xfrm>
-          <a:prstGeom prst="rect">
-            <a:avLst/>
-          </a:prstGeom>
-        </p:spPr>
-      </p:pic>
-      <p:pic>
-        <p:nvPicPr>
-          <p:cNvPr id="24" name="Picture 23"/>
-          <p:cNvPicPr>
-            <a:picLocks noChangeAspect="1"/>
-          </p:cNvPicPr>
-          <p:nvPr/>
-        </p:nvPicPr>
-        <p:blipFill>
-          <a:blip r:embed="rId10">
-            <a:extLst>
-              <a:ext uri="{28A0092B-C50C-407E-A947-70E740481C1C}">
-                <a14:useLocalDpi xmlns:a14="http://schemas.microsoft.com/office/drawing/2010/main" val="0"/>
-              </a:ext>
-            </a:extLst>
-          </a:blip>
-          <a:stretch>
-            <a:fillRect/>
-          </a:stretch>
-        </p:blipFill>
-        <p:spPr>
-          <a:xfrm>
-            <a:off x="2626892" y="2506310"/>
-            <a:ext cx="1571625" cy="1571625"/>
-          </a:xfrm>
-          <a:prstGeom prst="rect">
-            <a:avLst/>
-          </a:prstGeom>
-        </p:spPr>
-      </p:pic>
+          <a:noFill/>
+        </p:spPr>
+        <p:txBody>
+          <a:bodyPr wrap="none" rtlCol="0">
+            <a:spAutoFit/>
+          </a:bodyPr>
+          <a:lstStyle/>
+          <a:p>
+            <a:r>
+              <a:rPr lang="en-US" b="1" dirty="0" smtClean="0">
+                <a:latin typeface="Arial" panose="020B0604020202020204" pitchFamily="34" charset="0"/>
+                <a:cs typeface="Arial" panose="020B0604020202020204" pitchFamily="34" charset="0"/>
+              </a:rPr>
+              <a:t>Đánh giá kết quả</a:t>
+            </a:r>
+            <a:endParaRPr lang="en-US" b="1" dirty="0">
+              <a:latin typeface="Arial" panose="020B0604020202020204" pitchFamily="34" charset="0"/>
+              <a:cs typeface="Arial" panose="020B0604020202020204" pitchFamily="34" charset="0"/>
+            </a:endParaRPr>
+          </a:p>
+        </p:txBody>
+      </p:sp>
     </p:spTree>
     <p:extLst>
       <p:ext uri="{BB962C8B-B14F-4D97-AF65-F5344CB8AC3E}">
-        <p14:creationId xmlns:p14="http://schemas.microsoft.com/office/powerpoint/2010/main" val="802297981"/>
+        <p14:creationId xmlns:p14="http://schemas.microsoft.com/office/powerpoint/2010/main" val="1425350224"/>
       </p:ext>
     </p:extLst>
   </p:cSld>
@@ -8298,8 +8422,8 @@
         </p:nvSpPr>
         <p:spPr>
           <a:xfrm>
-            <a:off x="5907951" y="160338"/>
-            <a:ext cx="5597494" cy="523220"/>
+            <a:off x="10222722" y="281927"/>
+            <a:ext cx="1282723" cy="523220"/>
           </a:xfrm>
           <a:prstGeom prst="rect">
             <a:avLst/>
@@ -8318,7 +8442,7 @@
                 <a:latin typeface="Arial" panose="020B0604020202020204" pitchFamily="34" charset="0"/>
                 <a:cs typeface="Arial" panose="020B0604020202020204" pitchFamily="34" charset="0"/>
               </a:rPr>
-              <a:t>CHỨC NĂNG CỦA TRANG WEB</a:t>
+              <a:t>NHÓM</a:t>
             </a:r>
             <a:endParaRPr lang="en-US" sz="2800" b="1" dirty="0">
               <a:latin typeface="Arial" panose="020B0604020202020204" pitchFamily="34" charset="0"/>
@@ -8329,94 +8453,290 @@
       </p:sp>
       <p:sp>
         <p:nvSpPr>
-          <p:cNvPr id="3" name="AutoShape 2" descr="Download Free png Work Schedule, Vector Material, Schedules, Work ..."/>
-          <p:cNvSpPr>
-            <a:spLocks noChangeAspect="1" noChangeArrowheads="1"/>
-          </p:cNvSpPr>
+          <p:cNvPr id="6" name="TextBox 5"/>
+          <p:cNvSpPr txBox="1"/>
           <p:nvPr/>
         </p:nvSpPr>
-        <p:spPr bwMode="auto">
-          <a:xfrm>
-            <a:off x="155575" y="-144463"/>
-            <a:ext cx="304800" cy="304801"/>
+        <p:spPr>
+          <a:xfrm>
+            <a:off x="855526" y="1060596"/>
+            <a:ext cx="1569660" cy="369332"/>
           </a:xfrm>
           <a:prstGeom prst="rect">
             <a:avLst/>
           </a:prstGeom>
           <a:noFill/>
-          <a:extLst>
-            <a:ext uri="{909E8E84-426E-40DD-AFC4-6F175D3DCCD1}">
-              <a14:hiddenFill xmlns:a14="http://schemas.microsoft.com/office/drawing/2010/main">
-                <a:solidFill>
-                  <a:srgbClr val="FFFFFF"/>
-                </a:solidFill>
-              </a14:hiddenFill>
-            </a:ext>
-          </a:extLst>
-        </p:spPr>
-        <p:txBody>
-          <a:bodyPr vert="horz" wrap="square" lIns="91440" tIns="45720" rIns="91440" bIns="45720" numCol="1" anchor="t" anchorCtr="0" compatLnSpc="1">
-            <a:prstTxWarp prst="textNoShape">
-              <a:avLst/>
-            </a:prstTxWarp>
+        </p:spPr>
+        <p:txBody>
+          <a:bodyPr wrap="none" rtlCol="0">
+            <a:spAutoFit/>
           </a:bodyPr>
           <a:lstStyle/>
           <a:p>
-            <a:endParaRPr lang="en-US"/>
-          </a:p>
-        </p:txBody>
-      </p:sp>
-      <p:pic>
-        <p:nvPicPr>
-          <p:cNvPr id="2056" name="Picture 8" descr="Vector Users Icon, Users Icon, Avatar Icon, User Icon PNG and ..."/>
-          <p:cNvPicPr>
-            <a:picLocks noChangeAspect="1" noChangeArrowheads="1"/>
-          </p:cNvPicPr>
+            <a:r>
+              <a:rPr lang="en-US" b="1" dirty="0" smtClean="0">
+                <a:latin typeface="Arial" panose="020B0604020202020204" pitchFamily="34" charset="0"/>
+                <a:cs typeface="Arial" panose="020B0604020202020204" pitchFamily="34" charset="0"/>
+              </a:rPr>
+              <a:t>1. Tạo Nhóm</a:t>
+            </a:r>
+            <a:endParaRPr lang="en-US" b="1" dirty="0">
+              <a:latin typeface="Arial" panose="020B0604020202020204" pitchFamily="34" charset="0"/>
+              <a:cs typeface="Arial" panose="020B0604020202020204" pitchFamily="34" charset="0"/>
+            </a:endParaRPr>
+          </a:p>
+        </p:txBody>
+      </p:sp>
+      <p:sp>
+        <p:nvSpPr>
+          <p:cNvPr id="7" name="TextBox 6"/>
+          <p:cNvSpPr txBox="1"/>
           <p:nvPr/>
-        </p:nvPicPr>
-        <p:blipFill>
-          <a:blip r:embed="rId2">
-            <a:extLst>
-              <a:ext uri="{28A0092B-C50C-407E-A947-70E740481C1C}">
-                <a14:useLocalDpi xmlns:a14="http://schemas.microsoft.com/office/drawing/2010/main" val="0"/>
-              </a:ext>
-            </a:extLst>
-          </a:blip>
-          <a:srcRect/>
-          <a:stretch>
-            <a:fillRect/>
-          </a:stretch>
-        </p:blipFill>
-        <p:spPr bwMode="auto">
-          <a:xfrm>
-            <a:off x="460375" y="1583111"/>
-            <a:ext cx="1097280" cy="1097280"/>
+        </p:nvSpPr>
+        <p:spPr>
+          <a:xfrm>
+            <a:off x="855526" y="1898796"/>
+            <a:ext cx="2360583" cy="369332"/>
           </a:xfrm>
           <a:prstGeom prst="rect">
             <a:avLst/>
           </a:prstGeom>
           <a:noFill/>
-          <a:extLst>
-            <a:ext uri="{909E8E84-426E-40DD-AFC4-6F175D3DCCD1}">
-              <a14:hiddenFill xmlns:a14="http://schemas.microsoft.com/office/drawing/2010/main">
-                <a:solidFill>
-                  <a:srgbClr val="FFFFFF"/>
-                </a:solidFill>
-              </a14:hiddenFill>
-            </a:ext>
-          </a:extLst>
-        </p:spPr>
-      </p:pic>
-      <p:sp>
-        <p:nvSpPr>
-          <p:cNvPr id="6" name="TextBox 5"/>
+        </p:spPr>
+        <p:txBody>
+          <a:bodyPr wrap="none" rtlCol="0">
+            <a:spAutoFit/>
+          </a:bodyPr>
+          <a:lstStyle/>
+          <a:p>
+            <a:r>
+              <a:rPr lang="en-US" b="1" dirty="0" smtClean="0">
+                <a:latin typeface="Arial" panose="020B0604020202020204" pitchFamily="34" charset="0"/>
+                <a:cs typeface="Arial" panose="020B0604020202020204" pitchFamily="34" charset="0"/>
+              </a:rPr>
+              <a:t>2. Thêm Thành Viên</a:t>
+            </a:r>
+            <a:endParaRPr lang="en-US" b="1" dirty="0">
+              <a:latin typeface="Arial" panose="020B0604020202020204" pitchFamily="34" charset="0"/>
+              <a:cs typeface="Arial" panose="020B0604020202020204" pitchFamily="34" charset="0"/>
+            </a:endParaRPr>
+          </a:p>
+        </p:txBody>
+      </p:sp>
+      <p:sp>
+        <p:nvSpPr>
+          <p:cNvPr id="3" name="Rounded Rectangle 2"/>
+          <p:cNvSpPr/>
+          <p:nvPr/>
+        </p:nvSpPr>
+        <p:spPr>
+          <a:xfrm>
+            <a:off x="1085850" y="2571748"/>
+            <a:ext cx="2039899" cy="726621"/>
+          </a:xfrm>
+          <a:prstGeom prst="roundRect">
+            <a:avLst/>
+          </a:prstGeom>
+        </p:spPr>
+        <p:style>
+          <a:lnRef idx="2">
+            <a:schemeClr val="accent1">
+              <a:shade val="50000"/>
+            </a:schemeClr>
+          </a:lnRef>
+          <a:fillRef idx="1">
+            <a:schemeClr val="accent1"/>
+          </a:fillRef>
+          <a:effectRef idx="0">
+            <a:schemeClr val="accent1"/>
+          </a:effectRef>
+          <a:fontRef idx="minor">
+            <a:schemeClr val="lt1"/>
+          </a:fontRef>
+        </p:style>
+        <p:txBody>
+          <a:bodyPr rtlCol="0" anchor="ctr"/>
+          <a:lstStyle/>
+          <a:p>
+            <a:pPr algn="ctr"/>
+            <a:r>
+              <a:rPr lang="en-US" dirty="0" smtClean="0"/>
+              <a:t>Nhập Tên/ Email</a:t>
+            </a:r>
+            <a:endParaRPr lang="en-US" dirty="0"/>
+          </a:p>
+        </p:txBody>
+      </p:sp>
+      <p:sp>
+        <p:nvSpPr>
+          <p:cNvPr id="8" name="Rounded Rectangle 7"/>
+          <p:cNvSpPr/>
+          <p:nvPr/>
+        </p:nvSpPr>
+        <p:spPr>
+          <a:xfrm>
+            <a:off x="3469200" y="2571748"/>
+            <a:ext cx="1927391" cy="726621"/>
+          </a:xfrm>
+          <a:prstGeom prst="roundRect">
+            <a:avLst/>
+          </a:prstGeom>
+        </p:spPr>
+        <p:style>
+          <a:lnRef idx="2">
+            <a:schemeClr val="accent1">
+              <a:shade val="50000"/>
+            </a:schemeClr>
+          </a:lnRef>
+          <a:fillRef idx="1">
+            <a:schemeClr val="accent1"/>
+          </a:fillRef>
+          <a:effectRef idx="0">
+            <a:schemeClr val="accent1"/>
+          </a:effectRef>
+          <a:fontRef idx="minor">
+            <a:schemeClr val="lt1"/>
+          </a:fontRef>
+        </p:style>
+        <p:txBody>
+          <a:bodyPr rtlCol="0" anchor="ctr"/>
+          <a:lstStyle/>
+          <a:p>
+            <a:pPr algn="ctr"/>
+            <a:r>
+              <a:rPr lang="en-US" dirty="0" smtClean="0"/>
+              <a:t>Chọn Người Muốn Thêm</a:t>
+            </a:r>
+            <a:endParaRPr lang="en-US" dirty="0"/>
+          </a:p>
+        </p:txBody>
+      </p:sp>
+      <p:sp>
+        <p:nvSpPr>
+          <p:cNvPr id="9" name="Rounded Rectangle 8"/>
+          <p:cNvSpPr/>
+          <p:nvPr/>
+        </p:nvSpPr>
+        <p:spPr>
+          <a:xfrm>
+            <a:off x="5740042" y="2571748"/>
+            <a:ext cx="1927391" cy="726621"/>
+          </a:xfrm>
+          <a:prstGeom prst="roundRect">
+            <a:avLst/>
+          </a:prstGeom>
+        </p:spPr>
+        <p:style>
+          <a:lnRef idx="2">
+            <a:schemeClr val="accent1">
+              <a:shade val="50000"/>
+            </a:schemeClr>
+          </a:lnRef>
+          <a:fillRef idx="1">
+            <a:schemeClr val="accent1"/>
+          </a:fillRef>
+          <a:effectRef idx="0">
+            <a:schemeClr val="accent1"/>
+          </a:effectRef>
+          <a:fontRef idx="minor">
+            <a:schemeClr val="lt1"/>
+          </a:fontRef>
+        </p:style>
+        <p:txBody>
+          <a:bodyPr rtlCol="0" anchor="ctr"/>
+          <a:lstStyle/>
+          <a:p>
+            <a:pPr algn="ctr"/>
+            <a:r>
+              <a:rPr lang="en-US" dirty="0" smtClean="0"/>
+              <a:t>Thành Viên Mới Gia Nhập</a:t>
+            </a:r>
+            <a:endParaRPr lang="en-US" dirty="0"/>
+          </a:p>
+        </p:txBody>
+      </p:sp>
+      <p:cxnSp>
+        <p:nvCxnSpPr>
+          <p:cNvPr id="11" name="Straight Arrow Connector 10"/>
+          <p:cNvCxnSpPr>
+            <a:stCxn id="3" idx="3"/>
+            <a:endCxn id="8" idx="1"/>
+          </p:cNvCxnSpPr>
+          <p:nvPr/>
+        </p:nvCxnSpPr>
+        <p:spPr>
+          <a:xfrm>
+            <a:off x="3125749" y="2935059"/>
+            <a:ext cx="343451" cy="0"/>
+          </a:xfrm>
+          <a:prstGeom prst="straightConnector1">
+            <a:avLst/>
+          </a:prstGeom>
+          <a:ln>
+            <a:tailEnd type="triangle"/>
+          </a:ln>
+        </p:spPr>
+        <p:style>
+          <a:lnRef idx="2">
+            <a:schemeClr val="dk1"/>
+          </a:lnRef>
+          <a:fillRef idx="0">
+            <a:schemeClr val="dk1"/>
+          </a:fillRef>
+          <a:effectRef idx="1">
+            <a:schemeClr val="dk1"/>
+          </a:effectRef>
+          <a:fontRef idx="minor">
+            <a:schemeClr val="tx1"/>
+          </a:fontRef>
+        </p:style>
+      </p:cxnSp>
+      <p:cxnSp>
+        <p:nvCxnSpPr>
+          <p:cNvPr id="13" name="Straight Arrow Connector 12"/>
+          <p:cNvCxnSpPr>
+            <a:stCxn id="8" idx="3"/>
+            <a:endCxn id="9" idx="1"/>
+          </p:cNvCxnSpPr>
+          <p:nvPr/>
+        </p:nvCxnSpPr>
+        <p:spPr>
+          <a:xfrm>
+            <a:off x="5396591" y="2935059"/>
+            <a:ext cx="343451" cy="0"/>
+          </a:xfrm>
+          <a:prstGeom prst="straightConnector1">
+            <a:avLst/>
+          </a:prstGeom>
+          <a:ln>
+            <a:tailEnd type="triangle"/>
+          </a:ln>
+        </p:spPr>
+        <p:style>
+          <a:lnRef idx="2">
+            <a:schemeClr val="dk1"/>
+          </a:lnRef>
+          <a:fillRef idx="0">
+            <a:schemeClr val="dk1"/>
+          </a:fillRef>
+          <a:effectRef idx="1">
+            <a:schemeClr val="dk1"/>
+          </a:effectRef>
+          <a:fontRef idx="minor">
+            <a:schemeClr val="tx1"/>
+          </a:fontRef>
+        </p:style>
+      </p:cxnSp>
+      <p:sp>
+        <p:nvSpPr>
+          <p:cNvPr id="14" name="TextBox 13"/>
           <p:cNvSpPr txBox="1"/>
           <p:nvPr/>
         </p:nvSpPr>
         <p:spPr>
           <a:xfrm>
-            <a:off x="1557655" y="1583111"/>
-            <a:ext cx="1300356" cy="369332"/>
+            <a:off x="1122997" y="3324990"/>
+            <a:ext cx="1965603" cy="276999"/>
           </a:xfrm>
           <a:prstGeom prst="rect">
             <a:avLst/>
@@ -8430,11 +8750,57 @@
           <a:lstStyle/>
           <a:p>
             <a:r>
+              <a:rPr lang="en-US" sz="1200" b="1" dirty="0" smtClean="0">
+                <a:solidFill>
+                  <a:schemeClr val="tx1">
+                    <a:lumMod val="85000"/>
+                  </a:schemeClr>
+                </a:solidFill>
+                <a:latin typeface="Arial" panose="020B0604020202020204" pitchFamily="34" charset="0"/>
+                <a:cs typeface="Arial" panose="020B0604020202020204" pitchFamily="34" charset="0"/>
+              </a:rPr>
+              <a:t>Thành Viên Trong Nhóm</a:t>
+            </a:r>
+            <a:endParaRPr lang="en-US" sz="1200" b="1" dirty="0">
+              <a:solidFill>
+                <a:schemeClr val="tx1">
+                  <a:lumMod val="85000"/>
+                </a:schemeClr>
+              </a:solidFill>
+              <a:latin typeface="Arial" panose="020B0604020202020204" pitchFamily="34" charset="0"/>
+              <a:cs typeface="Arial" panose="020B0604020202020204" pitchFamily="34" charset="0"/>
+            </a:endParaRPr>
+          </a:p>
+        </p:txBody>
+      </p:sp>
+      <p:sp>
+        <p:nvSpPr>
+          <p:cNvPr id="15" name="TextBox 14"/>
+          <p:cNvSpPr txBox="1"/>
+          <p:nvPr/>
+        </p:nvSpPr>
+        <p:spPr>
+          <a:xfrm>
+            <a:off x="855526" y="3903098"/>
+            <a:ext cx="2475999" cy="369332"/>
+          </a:xfrm>
+          <a:prstGeom prst="rect">
+            <a:avLst/>
+          </a:prstGeom>
+          <a:noFill/>
+        </p:spPr>
+        <p:txBody>
+          <a:bodyPr wrap="none" rtlCol="0">
+            <a:spAutoFit/>
+          </a:bodyPr>
+          <a:lstStyle/>
+          <a:p>
+            <a:r>
               <a:rPr lang="en-US" b="1" dirty="0" smtClean="0">
                 <a:latin typeface="Arial" panose="020B0604020202020204" pitchFamily="34" charset="0"/>
                 <a:cs typeface="Arial" panose="020B0604020202020204" pitchFamily="34" charset="0"/>
               </a:rPr>
-              <a:t>Tài Khoản</a:t>
+              <a:t>3. Yêu Cầu Tham Gia</a:t>
             </a:r>
             <a:endParaRPr lang="en-US" b="1" dirty="0">
               <a:latin typeface="Arial" panose="020B0604020202020204" pitchFamily="34" charset="0"/>
@@ -8445,14 +8811,378 @@
       </p:sp>
       <p:sp>
         <p:nvSpPr>
-          <p:cNvPr id="16" name="TextBox 15"/>
+          <p:cNvPr id="16" name="Rounded Rectangle 15"/>
+          <p:cNvSpPr/>
+          <p:nvPr/>
+        </p:nvSpPr>
+        <p:spPr>
+          <a:xfrm>
+            <a:off x="1085850" y="4588966"/>
+            <a:ext cx="2039899" cy="726621"/>
+          </a:xfrm>
+          <a:prstGeom prst="roundRect">
+            <a:avLst/>
+          </a:prstGeom>
+        </p:spPr>
+        <p:style>
+          <a:lnRef idx="2">
+            <a:schemeClr val="accent1">
+              <a:shade val="50000"/>
+            </a:schemeClr>
+          </a:lnRef>
+          <a:fillRef idx="1">
+            <a:schemeClr val="accent1"/>
+          </a:fillRef>
+          <a:effectRef idx="0">
+            <a:schemeClr val="accent1"/>
+          </a:effectRef>
+          <a:fontRef idx="minor">
+            <a:schemeClr val="lt1"/>
+          </a:fontRef>
+        </p:style>
+        <p:txBody>
+          <a:bodyPr rtlCol="0" anchor="ctr"/>
+          <a:lstStyle/>
+          <a:p>
+            <a:pPr algn="ctr"/>
+            <a:r>
+              <a:rPr lang="en-US" dirty="0" smtClean="0"/>
+              <a:t>Tìm Nhóm Theo Tên</a:t>
+            </a:r>
+            <a:endParaRPr lang="en-US" dirty="0"/>
+          </a:p>
+        </p:txBody>
+      </p:sp>
+      <p:sp>
+        <p:nvSpPr>
+          <p:cNvPr id="17" name="Rounded Rectangle 16"/>
+          <p:cNvSpPr/>
+          <p:nvPr/>
+        </p:nvSpPr>
+        <p:spPr>
+          <a:xfrm>
+            <a:off x="3469200" y="4588966"/>
+            <a:ext cx="1927391" cy="726621"/>
+          </a:xfrm>
+          <a:prstGeom prst="roundRect">
+            <a:avLst/>
+          </a:prstGeom>
+        </p:spPr>
+        <p:style>
+          <a:lnRef idx="2">
+            <a:schemeClr val="accent1">
+              <a:shade val="50000"/>
+            </a:schemeClr>
+          </a:lnRef>
+          <a:fillRef idx="1">
+            <a:schemeClr val="accent1"/>
+          </a:fillRef>
+          <a:effectRef idx="0">
+            <a:schemeClr val="accent1"/>
+          </a:effectRef>
+          <a:fontRef idx="minor">
+            <a:schemeClr val="lt1"/>
+          </a:fontRef>
+        </p:style>
+        <p:txBody>
+          <a:bodyPr rtlCol="0" anchor="ctr"/>
+          <a:lstStyle/>
+          <a:p>
+            <a:pPr algn="ctr"/>
+            <a:r>
+              <a:rPr lang="en-US" dirty="0" smtClean="0"/>
+              <a:t>Chọn Nhóm</a:t>
+            </a:r>
+            <a:endParaRPr lang="en-US" dirty="0"/>
+          </a:p>
+        </p:txBody>
+      </p:sp>
+      <p:sp>
+        <p:nvSpPr>
+          <p:cNvPr id="18" name="Rounded Rectangle 17"/>
+          <p:cNvSpPr/>
+          <p:nvPr/>
+        </p:nvSpPr>
+        <p:spPr>
+          <a:xfrm>
+            <a:off x="5740042" y="4588966"/>
+            <a:ext cx="1927391" cy="726621"/>
+          </a:xfrm>
+          <a:prstGeom prst="roundRect">
+            <a:avLst/>
+          </a:prstGeom>
+        </p:spPr>
+        <p:style>
+          <a:lnRef idx="2">
+            <a:schemeClr val="accent1">
+              <a:shade val="50000"/>
+            </a:schemeClr>
+          </a:lnRef>
+          <a:fillRef idx="1">
+            <a:schemeClr val="accent1"/>
+          </a:fillRef>
+          <a:effectRef idx="0">
+            <a:schemeClr val="accent1"/>
+          </a:effectRef>
+          <a:fontRef idx="minor">
+            <a:schemeClr val="lt1"/>
+          </a:fontRef>
+        </p:style>
+        <p:txBody>
+          <a:bodyPr rtlCol="0" anchor="ctr"/>
+          <a:lstStyle/>
+          <a:p>
+            <a:pPr algn="ctr"/>
+            <a:r>
+              <a:rPr lang="en-US" dirty="0" smtClean="0"/>
+              <a:t>Thông Báo Có Yêu Cầu Mới</a:t>
+            </a:r>
+            <a:endParaRPr lang="en-US" dirty="0"/>
+          </a:p>
+        </p:txBody>
+      </p:sp>
+      <p:cxnSp>
+        <p:nvCxnSpPr>
+          <p:cNvPr id="19" name="Straight Arrow Connector 18"/>
+          <p:cNvCxnSpPr>
+            <a:stCxn id="16" idx="3"/>
+            <a:endCxn id="17" idx="1"/>
+          </p:cNvCxnSpPr>
+          <p:nvPr/>
+        </p:nvCxnSpPr>
+        <p:spPr>
+          <a:xfrm>
+            <a:off x="3125749" y="4952277"/>
+            <a:ext cx="343451" cy="0"/>
+          </a:xfrm>
+          <a:prstGeom prst="straightConnector1">
+            <a:avLst/>
+          </a:prstGeom>
+          <a:ln>
+            <a:tailEnd type="triangle"/>
+          </a:ln>
+        </p:spPr>
+        <p:style>
+          <a:lnRef idx="2">
+            <a:schemeClr val="dk1"/>
+          </a:lnRef>
+          <a:fillRef idx="0">
+            <a:schemeClr val="dk1"/>
+          </a:fillRef>
+          <a:effectRef idx="1">
+            <a:schemeClr val="dk1"/>
+          </a:effectRef>
+          <a:fontRef idx="minor">
+            <a:schemeClr val="tx1"/>
+          </a:fontRef>
+        </p:style>
+      </p:cxnSp>
+      <p:cxnSp>
+        <p:nvCxnSpPr>
+          <p:cNvPr id="22" name="Straight Arrow Connector 21"/>
+          <p:cNvCxnSpPr>
+            <a:stCxn id="18" idx="3"/>
+            <a:endCxn id="25" idx="1"/>
+          </p:cNvCxnSpPr>
+          <p:nvPr/>
+        </p:nvCxnSpPr>
+        <p:spPr>
+          <a:xfrm>
+            <a:off x="7667433" y="4952277"/>
+            <a:ext cx="343451" cy="0"/>
+          </a:xfrm>
+          <a:prstGeom prst="straightConnector1">
+            <a:avLst/>
+          </a:prstGeom>
+          <a:ln>
+            <a:tailEnd type="triangle"/>
+          </a:ln>
+        </p:spPr>
+        <p:style>
+          <a:lnRef idx="2">
+            <a:schemeClr val="dk1"/>
+          </a:lnRef>
+          <a:fillRef idx="0">
+            <a:schemeClr val="dk1"/>
+          </a:fillRef>
+          <a:effectRef idx="1">
+            <a:schemeClr val="dk1"/>
+          </a:effectRef>
+          <a:fontRef idx="minor">
+            <a:schemeClr val="tx1"/>
+          </a:fontRef>
+        </p:style>
+      </p:cxnSp>
+      <p:sp>
+        <p:nvSpPr>
+          <p:cNvPr id="25" name="Rounded Rectangle 24"/>
+          <p:cNvSpPr/>
+          <p:nvPr/>
+        </p:nvSpPr>
+        <p:spPr>
+          <a:xfrm>
+            <a:off x="8010884" y="4588966"/>
+            <a:ext cx="1927391" cy="726621"/>
+          </a:xfrm>
+          <a:prstGeom prst="roundRect">
+            <a:avLst/>
+          </a:prstGeom>
+        </p:spPr>
+        <p:style>
+          <a:lnRef idx="2">
+            <a:schemeClr val="accent1">
+              <a:shade val="50000"/>
+            </a:schemeClr>
+          </a:lnRef>
+          <a:fillRef idx="1">
+            <a:schemeClr val="accent1"/>
+          </a:fillRef>
+          <a:effectRef idx="0">
+            <a:schemeClr val="accent1"/>
+          </a:effectRef>
+          <a:fontRef idx="minor">
+            <a:schemeClr val="lt1"/>
+          </a:fontRef>
+        </p:style>
+        <p:txBody>
+          <a:bodyPr rtlCol="0" anchor="ctr"/>
+          <a:lstStyle/>
+          <a:p>
+            <a:pPr algn="ctr"/>
+            <a:r>
+              <a:rPr lang="en-US" dirty="0" smtClean="0"/>
+              <a:t>Đồng Ý</a:t>
+            </a:r>
+            <a:endParaRPr lang="en-US" dirty="0"/>
+          </a:p>
+        </p:txBody>
+      </p:sp>
+      <p:cxnSp>
+        <p:nvCxnSpPr>
+          <p:cNvPr id="35" name="Straight Arrow Connector 34"/>
+          <p:cNvCxnSpPr>
+            <a:stCxn id="17" idx="3"/>
+            <a:endCxn id="18" idx="1"/>
+          </p:cNvCxnSpPr>
+          <p:nvPr/>
+        </p:nvCxnSpPr>
+        <p:spPr>
+          <a:xfrm>
+            <a:off x="5396591" y="4952277"/>
+            <a:ext cx="343451" cy="0"/>
+          </a:xfrm>
+          <a:prstGeom prst="straightConnector1">
+            <a:avLst/>
+          </a:prstGeom>
+          <a:ln>
+            <a:tailEnd type="triangle"/>
+          </a:ln>
+        </p:spPr>
+        <p:style>
+          <a:lnRef idx="2">
+            <a:schemeClr val="dk1"/>
+          </a:lnRef>
+          <a:fillRef idx="0">
+            <a:schemeClr val="dk1"/>
+          </a:fillRef>
+          <a:effectRef idx="1">
+            <a:schemeClr val="dk1"/>
+          </a:effectRef>
+          <a:fontRef idx="minor">
+            <a:schemeClr val="tx1"/>
+          </a:fontRef>
+        </p:style>
+      </p:cxnSp>
+      <p:sp>
+        <p:nvSpPr>
+          <p:cNvPr id="39" name="Rounded Rectangle 38"/>
+          <p:cNvSpPr/>
+          <p:nvPr/>
+        </p:nvSpPr>
+        <p:spPr>
+          <a:xfrm>
+            <a:off x="8010884" y="5678898"/>
+            <a:ext cx="1927391" cy="726621"/>
+          </a:xfrm>
+          <a:prstGeom prst="roundRect">
+            <a:avLst/>
+          </a:prstGeom>
+        </p:spPr>
+        <p:style>
+          <a:lnRef idx="2">
+            <a:schemeClr val="accent1">
+              <a:shade val="50000"/>
+            </a:schemeClr>
+          </a:lnRef>
+          <a:fillRef idx="1">
+            <a:schemeClr val="accent1"/>
+          </a:fillRef>
+          <a:effectRef idx="0">
+            <a:schemeClr val="accent1"/>
+          </a:effectRef>
+          <a:fontRef idx="minor">
+            <a:schemeClr val="lt1"/>
+          </a:fontRef>
+        </p:style>
+        <p:txBody>
+          <a:bodyPr rtlCol="0" anchor="ctr"/>
+          <a:lstStyle/>
+          <a:p>
+            <a:pPr algn="ctr"/>
+            <a:r>
+              <a:rPr lang="en-US" dirty="0" smtClean="0"/>
+              <a:t>Cầu Được Chấp Nhận</a:t>
+            </a:r>
+            <a:endParaRPr lang="en-US" dirty="0"/>
+          </a:p>
+        </p:txBody>
+      </p:sp>
+      <p:cxnSp>
+        <p:nvCxnSpPr>
+          <p:cNvPr id="40" name="Straight Arrow Connector 39"/>
+          <p:cNvCxnSpPr>
+            <a:stCxn id="25" idx="2"/>
+            <a:endCxn id="39" idx="0"/>
+          </p:cNvCxnSpPr>
+          <p:nvPr/>
+        </p:nvCxnSpPr>
+        <p:spPr>
+          <a:xfrm>
+            <a:off x="8974580" y="5315587"/>
+            <a:ext cx="0" cy="363311"/>
+          </a:xfrm>
+          <a:prstGeom prst="straightConnector1">
+            <a:avLst/>
+          </a:prstGeom>
+          <a:ln>
+            <a:tailEnd type="triangle"/>
+          </a:ln>
+        </p:spPr>
+        <p:style>
+          <a:lnRef idx="2">
+            <a:schemeClr val="dk1"/>
+          </a:lnRef>
+          <a:fillRef idx="0">
+            <a:schemeClr val="dk1"/>
+          </a:fillRef>
+          <a:effectRef idx="1">
+            <a:schemeClr val="dk1"/>
+          </a:effectRef>
+          <a:fontRef idx="minor">
+            <a:schemeClr val="tx1"/>
+          </a:fontRef>
+        </p:style>
+      </p:cxnSp>
+      <p:sp>
+        <p:nvSpPr>
+          <p:cNvPr id="44" name="TextBox 43"/>
           <p:cNvSpPr txBox="1"/>
           <p:nvPr/>
         </p:nvSpPr>
         <p:spPr>
           <a:xfrm>
-            <a:off x="5555046" y="1526837"/>
-            <a:ext cx="838691" cy="369332"/>
+            <a:off x="1085850" y="5401899"/>
+            <a:ext cx="2204450" cy="276999"/>
           </a:xfrm>
           <a:prstGeom prst="rect">
             <a:avLst/>
@@ -8466,87 +9196,39 @@
           <a:lstStyle/>
           <a:p>
             <a:r>
-              <a:rPr lang="en-US" b="1" dirty="0" smtClean="0">
+              <a:rPr lang="en-US" sz="1200" b="1" dirty="0" smtClean="0">
+                <a:solidFill>
+                  <a:schemeClr val="tx1">
+                    <a:lumMod val="85000"/>
+                  </a:schemeClr>
+                </a:solidFill>
                 <a:latin typeface="Arial" panose="020B0604020202020204" pitchFamily="34" charset="0"/>
                 <a:cs typeface="Arial" panose="020B0604020202020204" pitchFamily="34" charset="0"/>
               </a:rPr>
-              <a:t>Nhóm</a:t>
-            </a:r>
-            <a:endParaRPr lang="en-US" b="1" dirty="0">
+              <a:t>User Muốn Tham Gia Nhóm</a:t>
+            </a:r>
+            <a:endParaRPr lang="en-US" sz="1200" b="1" dirty="0">
+              <a:solidFill>
+                <a:schemeClr val="tx1">
+                  <a:lumMod val="85000"/>
+                </a:schemeClr>
+              </a:solidFill>
               <a:latin typeface="Arial" panose="020B0604020202020204" pitchFamily="34" charset="0"/>
               <a:cs typeface="Arial" panose="020B0604020202020204" pitchFamily="34" charset="0"/>
             </a:endParaRPr>
           </a:p>
         </p:txBody>
       </p:sp>
-      <p:pic>
-        <p:nvPicPr>
-          <p:cNvPr id="8" name="Picture 7"/>
-          <p:cNvPicPr>
-            <a:picLocks noChangeAspect="1"/>
-          </p:cNvPicPr>
-          <p:nvPr/>
-        </p:nvPicPr>
-        <p:blipFill>
-          <a:blip r:embed="rId3"/>
-          <a:stretch>
-            <a:fillRect/>
-          </a:stretch>
-        </p:blipFill>
-        <p:spPr>
-          <a:xfrm>
-            <a:off x="4504864" y="1579599"/>
-            <a:ext cx="1097280" cy="1097280"/>
-          </a:xfrm>
-          <a:prstGeom prst="rect">
-            <a:avLst/>
-          </a:prstGeom>
-        </p:spPr>
-      </p:pic>
-      <p:pic>
-        <p:nvPicPr>
-          <p:cNvPr id="2060" name="Picture 12" descr="A Project Logo Vector PNG Transparent A Project Logo Vector.PNG ..."/>
-          <p:cNvPicPr>
-            <a:picLocks noChangeAspect="1" noChangeArrowheads="1"/>
-          </p:cNvPicPr>
-          <p:nvPr/>
-        </p:nvPicPr>
-        <p:blipFill>
-          <a:blip r:embed="rId4">
-            <a:extLst>
-              <a:ext uri="{28A0092B-C50C-407E-A947-70E740481C1C}">
-                <a14:useLocalDpi xmlns:a14="http://schemas.microsoft.com/office/drawing/2010/main" val="0"/>
-              </a:ext>
-            </a:extLst>
-          </a:blip>
-          <a:srcRect/>
-          <a:stretch>
-            <a:fillRect/>
-          </a:stretch>
-        </p:blipFill>
-        <p:spPr bwMode="auto">
-          <a:xfrm>
-            <a:off x="8714344" y="1579599"/>
-            <a:ext cx="1097280" cy="1097280"/>
-          </a:xfrm>
-          <a:prstGeom prst="rect">
-            <a:avLst/>
-          </a:prstGeom>
-          <a:solidFill>
-            <a:schemeClr val="tx1"/>
-          </a:solidFill>
-        </p:spPr>
-      </p:pic>
-      <p:sp>
-        <p:nvSpPr>
-          <p:cNvPr id="21" name="TextBox 20"/>
+      <p:sp>
+        <p:nvSpPr>
+          <p:cNvPr id="23" name="TextBox 22"/>
           <p:cNvSpPr txBox="1"/>
           <p:nvPr/>
         </p:nvSpPr>
         <p:spPr>
           <a:xfrm>
-            <a:off x="9803978" y="1583111"/>
-            <a:ext cx="1287532" cy="646331"/>
+            <a:off x="5634708" y="5401897"/>
+            <a:ext cx="1965603" cy="276999"/>
           </a:xfrm>
           <a:prstGeom prst="rect">
             <a:avLst/>
@@ -8560,295 +9242,33 @@
           <a:lstStyle/>
           <a:p>
             <a:r>
-              <a:rPr lang="en-US" b="1" dirty="0" smtClean="0">
+              <a:rPr lang="en-US" sz="1200" b="1" dirty="0" smtClean="0">
+                <a:solidFill>
+                  <a:schemeClr val="tx1">
+                    <a:lumMod val="85000"/>
+                  </a:schemeClr>
+                </a:solidFill>
                 <a:latin typeface="Arial" panose="020B0604020202020204" pitchFamily="34" charset="0"/>
                 <a:cs typeface="Arial" panose="020B0604020202020204" pitchFamily="34" charset="0"/>
               </a:rPr>
-              <a:t>Bảng</a:t>
-            </a:r>
-          </a:p>
-          <a:p>
-            <a:r>
-              <a:rPr lang="en-US" b="1" dirty="0" smtClean="0">
-                <a:latin typeface="Arial" panose="020B0604020202020204" pitchFamily="34" charset="0"/>
-                <a:cs typeface="Arial" panose="020B0604020202020204" pitchFamily="34" charset="0"/>
-              </a:rPr>
-              <a:t>Công việc</a:t>
-            </a:r>
-            <a:endParaRPr lang="en-US" b="1" dirty="0">
+              <a:t>Thành Viên Trong Nhóm</a:t>
+            </a:r>
+            <a:endParaRPr lang="en-US" sz="1200" b="1" dirty="0">
+              <a:solidFill>
+                <a:schemeClr val="tx1">
+                  <a:lumMod val="85000"/>
+                </a:schemeClr>
+              </a:solidFill>
               <a:latin typeface="Arial" panose="020B0604020202020204" pitchFamily="34" charset="0"/>
               <a:cs typeface="Arial" panose="020B0604020202020204" pitchFamily="34" charset="0"/>
             </a:endParaRPr>
           </a:p>
         </p:txBody>
       </p:sp>
-      <p:sp>
-        <p:nvSpPr>
-          <p:cNvPr id="11" name="AutoShape 14" descr="Task Blue png download - 512*512 - Free Transparent Task png ..."/>
-          <p:cNvSpPr>
-            <a:spLocks noChangeAspect="1" noChangeArrowheads="1"/>
-          </p:cNvSpPr>
-          <p:nvPr/>
-        </p:nvSpPr>
-        <p:spPr bwMode="auto">
-          <a:xfrm>
-            <a:off x="307975" y="7937"/>
-            <a:ext cx="304800" cy="304801"/>
-          </a:xfrm>
-          <a:prstGeom prst="rect">
-            <a:avLst/>
-          </a:prstGeom>
-          <a:noFill/>
-          <a:extLst>
-            <a:ext uri="{909E8E84-426E-40DD-AFC4-6F175D3DCCD1}">
-              <a14:hiddenFill xmlns:a14="http://schemas.microsoft.com/office/drawing/2010/main">
-                <a:solidFill>
-                  <a:srgbClr val="FFFFFF"/>
-                </a:solidFill>
-              </a14:hiddenFill>
-            </a:ext>
-          </a:extLst>
-        </p:spPr>
-        <p:txBody>
-          <a:bodyPr vert="horz" wrap="square" lIns="91440" tIns="45720" rIns="91440" bIns="45720" numCol="1" anchor="t" anchorCtr="0" compatLnSpc="1">
-            <a:prstTxWarp prst="textNoShape">
-              <a:avLst/>
-            </a:prstTxWarp>
-          </a:bodyPr>
-          <a:lstStyle/>
-          <a:p>
-            <a:endParaRPr lang="en-US"/>
-          </a:p>
-        </p:txBody>
-      </p:sp>
-      <p:pic>
-        <p:nvPicPr>
-          <p:cNvPr id="2066" name="Picture 18" descr="Comment png icon 1 » PNG Image"/>
-          <p:cNvPicPr>
-            <a:picLocks noChangeAspect="1" noChangeArrowheads="1"/>
-          </p:cNvPicPr>
-          <p:nvPr/>
-        </p:nvPicPr>
-        <p:blipFill>
-          <a:blip r:embed="rId5">
-            <a:extLst>
-              <a:ext uri="{28A0092B-C50C-407E-A947-70E740481C1C}">
-                <a14:useLocalDpi xmlns:a14="http://schemas.microsoft.com/office/drawing/2010/main" val="0"/>
-              </a:ext>
-            </a:extLst>
-          </a:blip>
-          <a:srcRect/>
-          <a:stretch>
-            <a:fillRect/>
-          </a:stretch>
-        </p:blipFill>
-        <p:spPr bwMode="auto">
-          <a:xfrm>
-            <a:off x="460375" y="4118912"/>
-            <a:ext cx="1097280" cy="1097280"/>
-          </a:xfrm>
-          <a:prstGeom prst="rect">
-            <a:avLst/>
-          </a:prstGeom>
-          <a:solidFill>
-            <a:schemeClr val="tx1"/>
-          </a:solidFill>
-        </p:spPr>
-      </p:pic>
-      <p:sp>
-        <p:nvSpPr>
-          <p:cNvPr id="31" name="TextBox 30"/>
-          <p:cNvSpPr txBox="1"/>
-          <p:nvPr/>
-        </p:nvSpPr>
-        <p:spPr>
-          <a:xfrm>
-            <a:off x="1557655" y="4150850"/>
-            <a:ext cx="1313180" cy="646331"/>
-          </a:xfrm>
-          <a:prstGeom prst="rect">
-            <a:avLst/>
-          </a:prstGeom>
-          <a:noFill/>
-        </p:spPr>
-        <p:txBody>
-          <a:bodyPr wrap="none" rtlCol="0">
-            <a:spAutoFit/>
-          </a:bodyPr>
-          <a:lstStyle/>
-          <a:p>
-            <a:r>
-              <a:rPr lang="en-US" b="1" dirty="0" smtClean="0">
-                <a:latin typeface="Arial" panose="020B0604020202020204" pitchFamily="34" charset="0"/>
-                <a:cs typeface="Arial" panose="020B0604020202020204" pitchFamily="34" charset="0"/>
-              </a:rPr>
-              <a:t>Trao Đổi </a:t>
-            </a:r>
-          </a:p>
-          <a:p>
-            <a:r>
-              <a:rPr lang="en-US" b="1" dirty="0" smtClean="0">
-                <a:latin typeface="Arial" panose="020B0604020202020204" pitchFamily="34" charset="0"/>
-                <a:cs typeface="Arial" panose="020B0604020202020204" pitchFamily="34" charset="0"/>
-              </a:rPr>
-              <a:t>Bình Luận</a:t>
-            </a:r>
-            <a:endParaRPr lang="en-US" b="1" dirty="0">
-              <a:latin typeface="Arial" panose="020B0604020202020204" pitchFamily="34" charset="0"/>
-              <a:cs typeface="Arial" panose="020B0604020202020204" pitchFamily="34" charset="0"/>
-            </a:endParaRPr>
-          </a:p>
-        </p:txBody>
-      </p:sp>
-      <p:sp>
-        <p:nvSpPr>
-          <p:cNvPr id="35" name="TextBox 34"/>
-          <p:cNvSpPr txBox="1"/>
-          <p:nvPr/>
-        </p:nvSpPr>
-        <p:spPr>
-          <a:xfrm>
-            <a:off x="5658176" y="4134678"/>
-            <a:ext cx="1390124" cy="369332"/>
-          </a:xfrm>
-          <a:prstGeom prst="rect">
-            <a:avLst/>
-          </a:prstGeom>
-          <a:noFill/>
-        </p:spPr>
-        <p:txBody>
-          <a:bodyPr wrap="none" rtlCol="0">
-            <a:spAutoFit/>
-          </a:bodyPr>
-          <a:lstStyle/>
-          <a:p>
-            <a:r>
-              <a:rPr lang="en-US" b="1" dirty="0" smtClean="0">
-                <a:latin typeface="Arial" panose="020B0604020202020204" pitchFamily="34" charset="0"/>
-                <a:cs typeface="Arial" panose="020B0604020202020204" pitchFamily="34" charset="0"/>
-              </a:rPr>
-              <a:t>Thông </a:t>
-            </a:r>
-            <a:r>
-              <a:rPr lang="en-US" b="1" dirty="0" smtClean="0">
-                <a:latin typeface="Arial" panose="020B0604020202020204" pitchFamily="34" charset="0"/>
-                <a:cs typeface="Arial" panose="020B0604020202020204" pitchFamily="34" charset="0"/>
-              </a:rPr>
-              <a:t>Báo</a:t>
-            </a:r>
-            <a:endParaRPr lang="en-US" b="1" dirty="0" smtClean="0">
-              <a:latin typeface="Arial" panose="020B0604020202020204" pitchFamily="34" charset="0"/>
-              <a:cs typeface="Arial" panose="020B0604020202020204" pitchFamily="34" charset="0"/>
-            </a:endParaRPr>
-          </a:p>
-        </p:txBody>
-      </p:sp>
-      <p:pic>
-        <p:nvPicPr>
-          <p:cNvPr id="24" name="Picture 23"/>
-          <p:cNvPicPr>
-            <a:picLocks noChangeAspect="1"/>
-          </p:cNvPicPr>
-          <p:nvPr/>
-        </p:nvPicPr>
-        <p:blipFill>
-          <a:blip r:embed="rId6">
-            <a:extLst>
-              <a:ext uri="{28A0092B-C50C-407E-A947-70E740481C1C}">
-                <a14:useLocalDpi xmlns:a14="http://schemas.microsoft.com/office/drawing/2010/main" val="0"/>
-              </a:ext>
-            </a:extLst>
-          </a:blip>
-          <a:stretch>
-            <a:fillRect/>
-          </a:stretch>
-        </p:blipFill>
-        <p:spPr>
-          <a:xfrm>
-            <a:off x="4563832" y="4147922"/>
-            <a:ext cx="1097280" cy="1097280"/>
-          </a:xfrm>
-          <a:prstGeom prst="rect">
-            <a:avLst/>
-          </a:prstGeom>
-          <a:solidFill>
-            <a:schemeClr val="tx1"/>
-          </a:solidFill>
-        </p:spPr>
-      </p:pic>
-      <p:pic>
-        <p:nvPicPr>
-          <p:cNvPr id="25" name="Picture 24"/>
-          <p:cNvPicPr>
-            <a:picLocks noChangeAspect="1"/>
-          </p:cNvPicPr>
-          <p:nvPr/>
-        </p:nvPicPr>
-        <p:blipFill>
-          <a:blip r:embed="rId7">
-            <a:extLst>
-              <a:ext uri="{28A0092B-C50C-407E-A947-70E740481C1C}">
-                <a14:useLocalDpi xmlns:a14="http://schemas.microsoft.com/office/drawing/2010/main" val="0"/>
-              </a:ext>
-            </a:extLst>
-          </a:blip>
-          <a:stretch>
-            <a:fillRect/>
-          </a:stretch>
-        </p:blipFill>
-        <p:spPr>
-          <a:xfrm>
-            <a:off x="8706564" y="4135857"/>
-            <a:ext cx="1097280" cy="1097280"/>
-          </a:xfrm>
-          <a:prstGeom prst="rect">
-            <a:avLst/>
-          </a:prstGeom>
-          <a:solidFill>
-            <a:schemeClr val="tx1"/>
-          </a:solidFill>
-        </p:spPr>
-      </p:pic>
-      <p:sp>
-        <p:nvSpPr>
-          <p:cNvPr id="40" name="TextBox 39"/>
-          <p:cNvSpPr txBox="1"/>
-          <p:nvPr/>
-        </p:nvSpPr>
-        <p:spPr>
-          <a:xfrm>
-            <a:off x="9811624" y="4118912"/>
-            <a:ext cx="2031325" cy="369332"/>
-          </a:xfrm>
-          <a:prstGeom prst="rect">
-            <a:avLst/>
-          </a:prstGeom>
-          <a:noFill/>
-        </p:spPr>
-        <p:txBody>
-          <a:bodyPr wrap="none" rtlCol="0">
-            <a:spAutoFit/>
-          </a:bodyPr>
-          <a:lstStyle/>
-          <a:p>
-            <a:r>
-              <a:rPr lang="en-US" b="1" dirty="0" smtClean="0">
-                <a:latin typeface="Arial" panose="020B0604020202020204" pitchFamily="34" charset="0"/>
-                <a:cs typeface="Arial" panose="020B0604020202020204" pitchFamily="34" charset="0"/>
-              </a:rPr>
-              <a:t>Đánh giá kết quả</a:t>
-            </a:r>
-            <a:endParaRPr lang="en-US" b="1" dirty="0">
-              <a:latin typeface="Arial" panose="020B0604020202020204" pitchFamily="34" charset="0"/>
-              <a:cs typeface="Arial" panose="020B0604020202020204" pitchFamily="34" charset="0"/>
-            </a:endParaRPr>
-          </a:p>
-        </p:txBody>
-      </p:sp>
     </p:spTree>
     <p:extLst>
       <p:ext uri="{BB962C8B-B14F-4D97-AF65-F5344CB8AC3E}">
-        <p14:creationId xmlns:p14="http://schemas.microsoft.com/office/powerpoint/2010/main" val="1425350224"/>
+        <p14:creationId xmlns:p14="http://schemas.microsoft.com/office/powerpoint/2010/main" val="2151670715"/>
       </p:ext>
     </p:extLst>
   </p:cSld>
@@ -8914,8 +9334,8 @@
         </p:nvSpPr>
         <p:spPr>
           <a:xfrm>
-            <a:off x="10222722" y="281927"/>
-            <a:ext cx="1282723" cy="523220"/>
+            <a:off x="7313271" y="160338"/>
+            <a:ext cx="4192174" cy="523220"/>
           </a:xfrm>
           <a:prstGeom prst="rect">
             <a:avLst/>
@@ -8934,7 +9354,7 @@
                 <a:latin typeface="Arial" panose="020B0604020202020204" pitchFamily="34" charset="0"/>
                 <a:cs typeface="Arial" panose="020B0604020202020204" pitchFamily="34" charset="0"/>
               </a:rPr>
-              <a:t>NHÓM</a:t>
+              <a:t>CÔNG NGHỆ SỬ DỤNG</a:t>
             </a:r>
             <a:endParaRPr lang="en-US" sz="2800" b="1" dirty="0">
               <a:latin typeface="Arial" panose="020B0604020202020204" pitchFamily="34" charset="0"/>
@@ -8945,50 +9365,83 @@
       </p:sp>
       <p:sp>
         <p:nvSpPr>
-          <p:cNvPr id="6" name="TextBox 5"/>
-          <p:cNvSpPr txBox="1"/>
+          <p:cNvPr id="3" name="AutoShape 2" descr="Download Free png Work Schedule, Vector Material, Schedules, Work ..."/>
+          <p:cNvSpPr>
+            <a:spLocks noChangeAspect="1" noChangeArrowheads="1"/>
+          </p:cNvSpPr>
           <p:nvPr/>
         </p:nvSpPr>
-        <p:spPr>
-          <a:xfrm>
-            <a:off x="855526" y="1060596"/>
-            <a:ext cx="1569660" cy="369332"/>
+        <p:spPr bwMode="auto">
+          <a:xfrm>
+            <a:off x="155575" y="-144463"/>
+            <a:ext cx="304800" cy="304801"/>
           </a:xfrm>
           <a:prstGeom prst="rect">
             <a:avLst/>
           </a:prstGeom>
           <a:noFill/>
-        </p:spPr>
-        <p:txBody>
-          <a:bodyPr wrap="none" rtlCol="0">
-            <a:spAutoFit/>
+          <a:extLst>
+            <a:ext uri="{909E8E84-426E-40DD-AFC4-6F175D3DCCD1}">
+              <a14:hiddenFill xmlns:a14="http://schemas.microsoft.com/office/drawing/2010/main">
+                <a:solidFill>
+                  <a:srgbClr val="FFFFFF"/>
+                </a:solidFill>
+              </a14:hiddenFill>
+            </a:ext>
+          </a:extLst>
+        </p:spPr>
+        <p:txBody>
+          <a:bodyPr vert="horz" wrap="square" lIns="91440" tIns="45720" rIns="91440" bIns="45720" numCol="1" anchor="t" anchorCtr="0" compatLnSpc="1">
+            <a:prstTxWarp prst="textNoShape">
+              <a:avLst/>
+            </a:prstTxWarp>
           </a:bodyPr>
           <a:lstStyle/>
           <a:p>
-            <a:r>
-              <a:rPr lang="en-US" b="1" dirty="0" smtClean="0">
-                <a:latin typeface="Arial" panose="020B0604020202020204" pitchFamily="34" charset="0"/>
-                <a:cs typeface="Arial" panose="020B0604020202020204" pitchFamily="34" charset="0"/>
-              </a:rPr>
-              <a:t>1. Tạo Nhóm</a:t>
-            </a:r>
-            <a:endParaRPr lang="en-US" b="1" dirty="0">
-              <a:latin typeface="Arial" panose="020B0604020202020204" pitchFamily="34" charset="0"/>
-              <a:cs typeface="Arial" panose="020B0604020202020204" pitchFamily="34" charset="0"/>
-            </a:endParaRPr>
-          </a:p>
-        </p:txBody>
-      </p:sp>
-      <p:sp>
-        <p:nvSpPr>
-          <p:cNvPr id="7" name="TextBox 6"/>
+            <a:endParaRPr lang="en-US"/>
+          </a:p>
+        </p:txBody>
+      </p:sp>
+      <p:pic>
+        <p:nvPicPr>
+          <p:cNvPr id="2" name="Picture 1"/>
+          <p:cNvPicPr>
+            <a:picLocks noChangeAspect="1"/>
+          </p:cNvPicPr>
+          <p:nvPr/>
+        </p:nvPicPr>
+        <p:blipFill>
+          <a:blip r:embed="rId2">
+            <a:extLst>
+              <a:ext uri="{28A0092B-C50C-407E-A947-70E740481C1C}">
+                <a14:useLocalDpi xmlns:a14="http://schemas.microsoft.com/office/drawing/2010/main" val="0"/>
+              </a:ext>
+            </a:extLst>
+          </a:blip>
+          <a:stretch>
+            <a:fillRect/>
+          </a:stretch>
+        </p:blipFill>
+        <p:spPr>
+          <a:xfrm>
+            <a:off x="6738831" y="1051559"/>
+            <a:ext cx="2138417" cy="1308110"/>
+          </a:xfrm>
+          <a:prstGeom prst="rect">
+            <a:avLst/>
+          </a:prstGeom>
+        </p:spPr>
+      </p:pic>
+      <p:sp>
+        <p:nvSpPr>
+          <p:cNvPr id="11" name="TextBox 10"/>
           <p:cNvSpPr txBox="1"/>
           <p:nvPr/>
         </p:nvSpPr>
         <p:spPr>
           <a:xfrm>
-            <a:off x="855526" y="1898796"/>
-            <a:ext cx="2360583" cy="369332"/>
+            <a:off x="8877248" y="2450015"/>
+            <a:ext cx="1902953" cy="523220"/>
           </a:xfrm>
           <a:prstGeom prst="rect">
             <a:avLst/>
@@ -8996,239 +9449,126 @@
           <a:noFill/>
         </p:spPr>
         <p:txBody>
-          <a:bodyPr wrap="none" rtlCol="0">
+          <a:bodyPr wrap="square" rtlCol="0">
             <a:spAutoFit/>
           </a:bodyPr>
           <a:lstStyle/>
           <a:p>
-            <a:r>
-              <a:rPr lang="en-US" b="1" dirty="0" smtClean="0">
+            <a:pPr algn="ctr"/>
+            <a:r>
+              <a:rPr lang="en-US" sz="2800" i="1" dirty="0" smtClean="0">
                 <a:latin typeface="Arial" panose="020B0604020202020204" pitchFamily="34" charset="0"/>
                 <a:cs typeface="Arial" panose="020B0604020202020204" pitchFamily="34" charset="0"/>
               </a:rPr>
-              <a:t>2. Thêm Thành Viên</a:t>
-            </a:r>
-            <a:endParaRPr lang="en-US" b="1" dirty="0">
+              <a:t>Express</a:t>
+            </a:r>
+            <a:endParaRPr lang="en-US" sz="2800" i="1" dirty="0">
               <a:latin typeface="Arial" panose="020B0604020202020204" pitchFamily="34" charset="0"/>
               <a:cs typeface="Arial" panose="020B0604020202020204" pitchFamily="34" charset="0"/>
             </a:endParaRPr>
           </a:p>
         </p:txBody>
       </p:sp>
-      <p:sp>
-        <p:nvSpPr>
-          <p:cNvPr id="3" name="Rounded Rectangle 2"/>
-          <p:cNvSpPr/>
+      <p:pic>
+        <p:nvPicPr>
+          <p:cNvPr id="7" name="Picture 6"/>
+          <p:cNvPicPr>
+            <a:picLocks noChangeAspect="1"/>
+          </p:cNvPicPr>
           <p:nvPr/>
-        </p:nvSpPr>
-        <p:spPr>
-          <a:xfrm>
-            <a:off x="1085850" y="2571748"/>
-            <a:ext cx="2039899" cy="726621"/>
-          </a:xfrm>
-          <a:prstGeom prst="roundRect">
+        </p:nvPicPr>
+        <p:blipFill>
+          <a:blip r:embed="rId3">
+            <a:extLst>
+              <a:ext uri="{28A0092B-C50C-407E-A947-70E740481C1C}">
+                <a14:useLocalDpi xmlns:a14="http://schemas.microsoft.com/office/drawing/2010/main" val="0"/>
+              </a:ext>
+            </a:extLst>
+          </a:blip>
+          <a:stretch>
+            <a:fillRect/>
+          </a:stretch>
+        </p:blipFill>
+        <p:spPr>
+          <a:xfrm>
+            <a:off x="6519383" y="2774247"/>
+            <a:ext cx="2357865" cy="2357865"/>
+          </a:xfrm>
+          <a:prstGeom prst="rect">
             <a:avLst/>
           </a:prstGeom>
         </p:spPr>
-        <p:style>
-          <a:lnRef idx="2">
-            <a:schemeClr val="accent1">
-              <a:shade val="50000"/>
-            </a:schemeClr>
-          </a:lnRef>
-          <a:fillRef idx="1">
-            <a:schemeClr val="accent1"/>
-          </a:fillRef>
-          <a:effectRef idx="0">
-            <a:schemeClr val="accent1"/>
-          </a:effectRef>
-          <a:fontRef idx="minor">
-            <a:schemeClr val="lt1"/>
-          </a:fontRef>
-        </p:style>
-        <p:txBody>
-          <a:bodyPr rtlCol="0" anchor="ctr"/>
-          <a:lstStyle/>
-          <a:p>
-            <a:pPr algn="ctr"/>
-            <a:r>
-              <a:rPr lang="en-US" dirty="0" smtClean="0"/>
-              <a:t>Nhập Tên/ Email</a:t>
-            </a:r>
-            <a:endParaRPr lang="en-US" dirty="0"/>
-          </a:p>
-        </p:txBody>
-      </p:sp>
-      <p:sp>
-        <p:nvSpPr>
-          <p:cNvPr id="8" name="Rounded Rectangle 7"/>
-          <p:cNvSpPr/>
+      </p:pic>
+      <p:pic>
+        <p:nvPicPr>
+          <p:cNvPr id="8" name="Picture 7"/>
+          <p:cNvPicPr>
+            <a:picLocks noChangeAspect="1"/>
+          </p:cNvPicPr>
           <p:nvPr/>
-        </p:nvSpPr>
-        <p:spPr>
-          <a:xfrm>
-            <a:off x="3469200" y="2571748"/>
-            <a:ext cx="1927391" cy="726621"/>
-          </a:xfrm>
-          <a:prstGeom prst="roundRect">
+        </p:nvPicPr>
+        <p:blipFill>
+          <a:blip r:embed="rId4">
+            <a:extLst>
+              <a:ext uri="{28A0092B-C50C-407E-A947-70E740481C1C}">
+                <a14:useLocalDpi xmlns:a14="http://schemas.microsoft.com/office/drawing/2010/main" val="0"/>
+              </a:ext>
+            </a:extLst>
+          </a:blip>
+          <a:stretch>
+            <a:fillRect/>
+          </a:stretch>
+        </p:blipFill>
+        <p:spPr>
+          <a:xfrm>
+            <a:off x="8990027" y="4333871"/>
+            <a:ext cx="1677394" cy="811642"/>
+          </a:xfrm>
+          <a:prstGeom prst="rect">
             <a:avLst/>
           </a:prstGeom>
         </p:spPr>
-        <p:style>
-          <a:lnRef idx="2">
-            <a:schemeClr val="accent1">
-              <a:shade val="50000"/>
-            </a:schemeClr>
-          </a:lnRef>
-          <a:fillRef idx="1">
-            <a:schemeClr val="accent1"/>
-          </a:fillRef>
-          <a:effectRef idx="0">
-            <a:schemeClr val="accent1"/>
-          </a:effectRef>
-          <a:fontRef idx="minor">
-            <a:schemeClr val="lt1"/>
-          </a:fontRef>
-        </p:style>
-        <p:txBody>
-          <a:bodyPr rtlCol="0" anchor="ctr"/>
-          <a:lstStyle/>
-          <a:p>
-            <a:pPr algn="ctr"/>
-            <a:r>
-              <a:rPr lang="en-US" dirty="0" smtClean="0"/>
-              <a:t>Chọn Người Muốn Thêm</a:t>
-            </a:r>
-            <a:endParaRPr lang="en-US" dirty="0"/>
-          </a:p>
-        </p:txBody>
-      </p:sp>
-      <p:sp>
-        <p:nvSpPr>
-          <p:cNvPr id="9" name="Rounded Rectangle 8"/>
-          <p:cNvSpPr/>
+      </p:pic>
+      <p:pic>
+        <p:nvPicPr>
+          <p:cNvPr id="14" name="Picture 13"/>
+          <p:cNvPicPr>
+            <a:picLocks noChangeAspect="1"/>
+          </p:cNvPicPr>
           <p:nvPr/>
-        </p:nvSpPr>
-        <p:spPr>
-          <a:xfrm>
-            <a:off x="5740042" y="2571748"/>
-            <a:ext cx="1927391" cy="726621"/>
-          </a:xfrm>
-          <a:prstGeom prst="roundRect">
+        </p:nvPicPr>
+        <p:blipFill>
+          <a:blip r:embed="rId5">
+            <a:extLst>
+              <a:ext uri="{28A0092B-C50C-407E-A947-70E740481C1C}">
+                <a14:useLocalDpi xmlns:a14="http://schemas.microsoft.com/office/drawing/2010/main" val="0"/>
+              </a:ext>
+            </a:extLst>
+          </a:blip>
+          <a:stretch>
+            <a:fillRect/>
+          </a:stretch>
+        </p:blipFill>
+        <p:spPr>
+          <a:xfrm>
+            <a:off x="7275119" y="5381456"/>
+            <a:ext cx="1074199" cy="1074199"/>
+          </a:xfrm>
+          <a:prstGeom prst="rect">
             <a:avLst/>
           </a:prstGeom>
         </p:spPr>
-        <p:style>
-          <a:lnRef idx="2">
-            <a:schemeClr val="accent1">
-              <a:shade val="50000"/>
-            </a:schemeClr>
-          </a:lnRef>
-          <a:fillRef idx="1">
-            <a:schemeClr val="accent1"/>
-          </a:fillRef>
-          <a:effectRef idx="0">
-            <a:schemeClr val="accent1"/>
-          </a:effectRef>
-          <a:fontRef idx="minor">
-            <a:schemeClr val="lt1"/>
-          </a:fontRef>
-        </p:style>
-        <p:txBody>
-          <a:bodyPr rtlCol="0" anchor="ctr"/>
-          <a:lstStyle/>
-          <a:p>
-            <a:pPr algn="ctr"/>
-            <a:r>
-              <a:rPr lang="en-US" dirty="0" smtClean="0"/>
-              <a:t>Thành Viên Mới Gia Nhập</a:t>
-            </a:r>
-            <a:endParaRPr lang="en-US" dirty="0"/>
-          </a:p>
-        </p:txBody>
-      </p:sp>
-      <p:cxnSp>
-        <p:nvCxnSpPr>
-          <p:cNvPr id="11" name="Straight Arrow Connector 10"/>
-          <p:cNvCxnSpPr>
-            <a:stCxn id="3" idx="3"/>
-            <a:endCxn id="8" idx="1"/>
-          </p:cNvCxnSpPr>
-          <p:nvPr/>
-        </p:nvCxnSpPr>
-        <p:spPr>
-          <a:xfrm>
-            <a:off x="3125749" y="2935059"/>
-            <a:ext cx="343451" cy="0"/>
-          </a:xfrm>
-          <a:prstGeom prst="straightConnector1">
-            <a:avLst/>
-          </a:prstGeom>
-          <a:ln>
-            <a:tailEnd type="triangle"/>
-          </a:ln>
-        </p:spPr>
-        <p:style>
-          <a:lnRef idx="2">
-            <a:schemeClr val="dk1"/>
-          </a:lnRef>
-          <a:fillRef idx="0">
-            <a:schemeClr val="dk1"/>
-          </a:fillRef>
-          <a:effectRef idx="1">
-            <a:schemeClr val="dk1"/>
-          </a:effectRef>
-          <a:fontRef idx="minor">
-            <a:schemeClr val="tx1"/>
-          </a:fontRef>
-        </p:style>
-      </p:cxnSp>
-      <p:cxnSp>
-        <p:nvCxnSpPr>
-          <p:cNvPr id="13" name="Straight Arrow Connector 12"/>
-          <p:cNvCxnSpPr>
-            <a:stCxn id="8" idx="3"/>
-            <a:endCxn id="9" idx="1"/>
-          </p:cNvCxnSpPr>
-          <p:nvPr/>
-        </p:nvCxnSpPr>
-        <p:spPr>
-          <a:xfrm>
-            <a:off x="5396591" y="2935059"/>
-            <a:ext cx="343451" cy="0"/>
-          </a:xfrm>
-          <a:prstGeom prst="straightConnector1">
-            <a:avLst/>
-          </a:prstGeom>
-          <a:ln>
-            <a:tailEnd type="triangle"/>
-          </a:ln>
-        </p:spPr>
-        <p:style>
-          <a:lnRef idx="2">
-            <a:schemeClr val="dk1"/>
-          </a:lnRef>
-          <a:fillRef idx="0">
-            <a:schemeClr val="dk1"/>
-          </a:fillRef>
-          <a:effectRef idx="1">
-            <a:schemeClr val="dk1"/>
-          </a:effectRef>
-          <a:fontRef idx="minor">
-            <a:schemeClr val="tx1"/>
-          </a:fontRef>
-        </p:style>
-      </p:cxnSp>
-      <p:sp>
-        <p:nvSpPr>
-          <p:cNvPr id="14" name="TextBox 13"/>
+      </p:pic>
+      <p:sp>
+        <p:nvSpPr>
+          <p:cNvPr id="16" name="TextBox 15"/>
           <p:cNvSpPr txBox="1"/>
           <p:nvPr/>
         </p:nvSpPr>
         <p:spPr>
           <a:xfrm>
-            <a:off x="1122997" y="3324990"/>
-            <a:ext cx="1965603" cy="276999"/>
+            <a:off x="8191448" y="5986790"/>
+            <a:ext cx="1902953" cy="523220"/>
           </a:xfrm>
           <a:prstGeom prst="rect">
             <a:avLst/>
@@ -9236,485 +9576,180 @@
           <a:noFill/>
         </p:spPr>
         <p:txBody>
-          <a:bodyPr wrap="none" rtlCol="0">
+          <a:bodyPr wrap="square" rtlCol="0">
             <a:spAutoFit/>
           </a:bodyPr>
           <a:lstStyle/>
           <a:p>
-            <a:r>
-              <a:rPr lang="en-US" sz="1200" b="1" dirty="0" smtClean="0">
-                <a:solidFill>
-                  <a:schemeClr val="tx1">
-                    <a:lumMod val="85000"/>
-                  </a:schemeClr>
-                </a:solidFill>
+            <a:pPr algn="ctr"/>
+            <a:r>
+              <a:rPr lang="en-US" sz="2800" i="1" dirty="0" smtClean="0">
                 <a:latin typeface="Arial" panose="020B0604020202020204" pitchFamily="34" charset="0"/>
                 <a:cs typeface="Arial" panose="020B0604020202020204" pitchFamily="34" charset="0"/>
               </a:rPr>
-              <a:t>Thành Viên Trong Nhóm</a:t>
-            </a:r>
-            <a:endParaRPr lang="en-US" sz="1200" b="1" dirty="0">
-              <a:solidFill>
-                <a:schemeClr val="tx1">
-                  <a:lumMod val="85000"/>
-                </a:schemeClr>
-              </a:solidFill>
+              <a:t>Socket.io</a:t>
+            </a:r>
+            <a:endParaRPr lang="en-US" sz="2800" i="1" dirty="0">
               <a:latin typeface="Arial" panose="020B0604020202020204" pitchFamily="34" charset="0"/>
               <a:cs typeface="Arial" panose="020B0604020202020204" pitchFamily="34" charset="0"/>
             </a:endParaRPr>
           </a:p>
         </p:txBody>
       </p:sp>
-      <p:sp>
-        <p:nvSpPr>
-          <p:cNvPr id="15" name="TextBox 14"/>
-          <p:cNvSpPr txBox="1"/>
+      <p:pic>
+        <p:nvPicPr>
+          <p:cNvPr id="19" name="Picture 18"/>
+          <p:cNvPicPr>
+            <a:picLocks noChangeAspect="1"/>
+          </p:cNvPicPr>
           <p:nvPr/>
-        </p:nvSpPr>
-        <p:spPr>
-          <a:xfrm>
-            <a:off x="855526" y="3903098"/>
-            <a:ext cx="2475999" cy="369332"/>
+        </p:nvPicPr>
+        <p:blipFill>
+          <a:blip r:embed="rId6">
+            <a:extLst>
+              <a:ext uri="{28A0092B-C50C-407E-A947-70E740481C1C}">
+                <a14:useLocalDpi xmlns:a14="http://schemas.microsoft.com/office/drawing/2010/main" val="0"/>
+              </a:ext>
+            </a:extLst>
+          </a:blip>
+          <a:stretch>
+            <a:fillRect/>
+          </a:stretch>
+        </p:blipFill>
+        <p:spPr>
+          <a:xfrm>
+            <a:off x="3373344" y="4299125"/>
+            <a:ext cx="1279350" cy="1279350"/>
           </a:xfrm>
           <a:prstGeom prst="rect">
             <a:avLst/>
           </a:prstGeom>
-          <a:noFill/>
-        </p:spPr>
-        <p:txBody>
-          <a:bodyPr wrap="none" rtlCol="0">
-            <a:spAutoFit/>
-          </a:bodyPr>
-          <a:lstStyle/>
-          <a:p>
-            <a:r>
-              <a:rPr lang="en-US" b="1" dirty="0" smtClean="0">
-                <a:latin typeface="Arial" panose="020B0604020202020204" pitchFamily="34" charset="0"/>
-                <a:cs typeface="Arial" panose="020B0604020202020204" pitchFamily="34" charset="0"/>
-              </a:rPr>
-              <a:t>3. Yêu Cầu Tham Gia</a:t>
-            </a:r>
-            <a:endParaRPr lang="en-US" b="1" dirty="0">
-              <a:latin typeface="Arial" panose="020B0604020202020204" pitchFamily="34" charset="0"/>
-              <a:cs typeface="Arial" panose="020B0604020202020204" pitchFamily="34" charset="0"/>
-            </a:endParaRPr>
-          </a:p>
-        </p:txBody>
-      </p:sp>
-      <p:sp>
-        <p:nvSpPr>
-          <p:cNvPr id="16" name="Rounded Rectangle 15"/>
-          <p:cNvSpPr/>
+        </p:spPr>
+      </p:pic>
+      <p:pic>
+        <p:nvPicPr>
+          <p:cNvPr id="21" name="Picture 20"/>
+          <p:cNvPicPr>
+            <a:picLocks noChangeAspect="1"/>
+          </p:cNvPicPr>
           <p:nvPr/>
-        </p:nvSpPr>
-        <p:spPr>
-          <a:xfrm>
-            <a:off x="1085850" y="4588966"/>
-            <a:ext cx="2039899" cy="726621"/>
-          </a:xfrm>
-          <a:prstGeom prst="roundRect">
-            <a:avLst/>
-          </a:prstGeom>
-        </p:spPr>
-        <p:style>
-          <a:lnRef idx="2">
-            <a:schemeClr val="accent1">
-              <a:shade val="50000"/>
-            </a:schemeClr>
-          </a:lnRef>
-          <a:fillRef idx="1">
-            <a:schemeClr val="accent1"/>
-          </a:fillRef>
-          <a:effectRef idx="0">
-            <a:schemeClr val="accent1"/>
-          </a:effectRef>
-          <a:fontRef idx="minor">
-            <a:schemeClr val="lt1"/>
-          </a:fontRef>
-        </p:style>
-        <p:txBody>
-          <a:bodyPr rtlCol="0" anchor="ctr"/>
-          <a:lstStyle/>
-          <a:p>
-            <a:pPr algn="ctr"/>
-            <a:r>
-              <a:rPr lang="en-US" dirty="0" smtClean="0"/>
-              <a:t>Tìm Nhóm Theo Tên</a:t>
-            </a:r>
-            <a:endParaRPr lang="en-US" dirty="0"/>
-          </a:p>
-        </p:txBody>
-      </p:sp>
-      <p:sp>
-        <p:nvSpPr>
-          <p:cNvPr id="17" name="Rounded Rectangle 16"/>
-          <p:cNvSpPr/>
-          <p:nvPr/>
-        </p:nvSpPr>
-        <p:spPr>
-          <a:xfrm>
-            <a:off x="3469200" y="4588966"/>
-            <a:ext cx="1927391" cy="726621"/>
-          </a:xfrm>
-          <a:prstGeom prst="roundRect">
-            <a:avLst/>
-          </a:prstGeom>
-        </p:spPr>
-        <p:style>
-          <a:lnRef idx="2">
-            <a:schemeClr val="accent1">
-              <a:shade val="50000"/>
-            </a:schemeClr>
-          </a:lnRef>
-          <a:fillRef idx="1">
-            <a:schemeClr val="accent1"/>
-          </a:fillRef>
-          <a:effectRef idx="0">
-            <a:schemeClr val="accent1"/>
-          </a:effectRef>
-          <a:fontRef idx="minor">
-            <a:schemeClr val="lt1"/>
-          </a:fontRef>
-        </p:style>
-        <p:txBody>
-          <a:bodyPr rtlCol="0" anchor="ctr"/>
-          <a:lstStyle/>
-          <a:p>
-            <a:pPr algn="ctr"/>
-            <a:r>
-              <a:rPr lang="en-US" dirty="0" smtClean="0"/>
-              <a:t>Chọn Nhóm</a:t>
-            </a:r>
-            <a:endParaRPr lang="en-US" dirty="0"/>
-          </a:p>
-        </p:txBody>
-      </p:sp>
-      <p:sp>
-        <p:nvSpPr>
-          <p:cNvPr id="18" name="Rounded Rectangle 17"/>
-          <p:cNvSpPr/>
-          <p:nvPr/>
-        </p:nvSpPr>
-        <p:spPr>
-          <a:xfrm>
-            <a:off x="5740042" y="4588966"/>
-            <a:ext cx="1927391" cy="726621"/>
-          </a:xfrm>
-          <a:prstGeom prst="roundRect">
-            <a:avLst/>
-          </a:prstGeom>
-        </p:spPr>
-        <p:style>
-          <a:lnRef idx="2">
-            <a:schemeClr val="accent1">
-              <a:shade val="50000"/>
-            </a:schemeClr>
-          </a:lnRef>
-          <a:fillRef idx="1">
-            <a:schemeClr val="accent1"/>
-          </a:fillRef>
-          <a:effectRef idx="0">
-            <a:schemeClr val="accent1"/>
-          </a:effectRef>
-          <a:fontRef idx="minor">
-            <a:schemeClr val="lt1"/>
-          </a:fontRef>
-        </p:style>
-        <p:txBody>
-          <a:bodyPr rtlCol="0" anchor="ctr"/>
-          <a:lstStyle/>
-          <a:p>
-            <a:pPr algn="ctr"/>
-            <a:r>
-              <a:rPr lang="en-US" dirty="0" smtClean="0"/>
-              <a:t>Thông Báo Có Yêu Cầu Mới</a:t>
-            </a:r>
-            <a:endParaRPr lang="en-US" dirty="0"/>
-          </a:p>
-        </p:txBody>
-      </p:sp>
-      <p:cxnSp>
-        <p:nvCxnSpPr>
-          <p:cNvPr id="19" name="Straight Arrow Connector 18"/>
-          <p:cNvCxnSpPr>
-            <a:stCxn id="16" idx="3"/>
-            <a:endCxn id="17" idx="1"/>
-          </p:cNvCxnSpPr>
-          <p:nvPr/>
-        </p:nvCxnSpPr>
-        <p:spPr>
-          <a:xfrm>
-            <a:off x="3125749" y="4952277"/>
-            <a:ext cx="343451" cy="0"/>
-          </a:xfrm>
-          <a:prstGeom prst="straightConnector1">
-            <a:avLst/>
-          </a:prstGeom>
-          <a:ln>
-            <a:tailEnd type="triangle"/>
-          </a:ln>
-        </p:spPr>
-        <p:style>
-          <a:lnRef idx="2">
-            <a:schemeClr val="dk1"/>
-          </a:lnRef>
-          <a:fillRef idx="0">
-            <a:schemeClr val="dk1"/>
-          </a:fillRef>
-          <a:effectRef idx="1">
-            <a:schemeClr val="dk1"/>
-          </a:effectRef>
-          <a:fontRef idx="minor">
-            <a:schemeClr val="tx1"/>
-          </a:fontRef>
-        </p:style>
-      </p:cxnSp>
-      <p:cxnSp>
-        <p:nvCxnSpPr>
-          <p:cNvPr id="22" name="Straight Arrow Connector 21"/>
-          <p:cNvCxnSpPr>
-            <a:stCxn id="18" idx="3"/>
-            <a:endCxn id="25" idx="1"/>
-          </p:cNvCxnSpPr>
-          <p:nvPr/>
-        </p:nvCxnSpPr>
-        <p:spPr>
-          <a:xfrm>
-            <a:off x="7667433" y="4952277"/>
-            <a:ext cx="343451" cy="0"/>
-          </a:xfrm>
-          <a:prstGeom prst="straightConnector1">
-            <a:avLst/>
-          </a:prstGeom>
-          <a:ln>
-            <a:tailEnd type="triangle"/>
-          </a:ln>
-        </p:spPr>
-        <p:style>
-          <a:lnRef idx="2">
-            <a:schemeClr val="dk1"/>
-          </a:lnRef>
-          <a:fillRef idx="0">
-            <a:schemeClr val="dk1"/>
-          </a:fillRef>
-          <a:effectRef idx="1">
-            <a:schemeClr val="dk1"/>
-          </a:effectRef>
-          <a:fontRef idx="minor">
-            <a:schemeClr val="tx1"/>
-          </a:fontRef>
-        </p:style>
-      </p:cxnSp>
-      <p:sp>
-        <p:nvSpPr>
-          <p:cNvPr id="25" name="Rounded Rectangle 24"/>
-          <p:cNvSpPr/>
-          <p:nvPr/>
-        </p:nvSpPr>
-        <p:spPr>
-          <a:xfrm>
-            <a:off x="8010884" y="4588966"/>
-            <a:ext cx="1927391" cy="726621"/>
-          </a:xfrm>
-          <a:prstGeom prst="roundRect">
-            <a:avLst/>
-          </a:prstGeom>
-        </p:spPr>
-        <p:style>
-          <a:lnRef idx="2">
-            <a:schemeClr val="accent1">
-              <a:shade val="50000"/>
-            </a:schemeClr>
-          </a:lnRef>
-          <a:fillRef idx="1">
-            <a:schemeClr val="accent1"/>
-          </a:fillRef>
-          <a:effectRef idx="0">
-            <a:schemeClr val="accent1"/>
-          </a:effectRef>
-          <a:fontRef idx="minor">
-            <a:schemeClr val="lt1"/>
-          </a:fontRef>
-        </p:style>
-        <p:txBody>
-          <a:bodyPr rtlCol="0" anchor="ctr"/>
-          <a:lstStyle/>
-          <a:p>
-            <a:pPr algn="ctr"/>
-            <a:r>
-              <a:rPr lang="en-US" dirty="0" smtClean="0"/>
-              <a:t>Đồng Ý</a:t>
-            </a:r>
-            <a:endParaRPr lang="en-US" dirty="0"/>
-          </a:p>
-        </p:txBody>
-      </p:sp>
-      <p:cxnSp>
-        <p:nvCxnSpPr>
-          <p:cNvPr id="35" name="Straight Arrow Connector 34"/>
-          <p:cNvCxnSpPr>
-            <a:stCxn id="17" idx="3"/>
-            <a:endCxn id="18" idx="1"/>
-          </p:cNvCxnSpPr>
-          <p:nvPr/>
-        </p:nvCxnSpPr>
-        <p:spPr>
-          <a:xfrm>
-            <a:off x="5396591" y="4952277"/>
-            <a:ext cx="343451" cy="0"/>
-          </a:xfrm>
-          <a:prstGeom prst="straightConnector1">
-            <a:avLst/>
-          </a:prstGeom>
-          <a:ln>
-            <a:tailEnd type="triangle"/>
-          </a:ln>
-        </p:spPr>
-        <p:style>
-          <a:lnRef idx="2">
-            <a:schemeClr val="dk1"/>
-          </a:lnRef>
-          <a:fillRef idx="0">
-            <a:schemeClr val="dk1"/>
-          </a:fillRef>
-          <a:effectRef idx="1">
-            <a:schemeClr val="dk1"/>
-          </a:effectRef>
-          <a:fontRef idx="minor">
-            <a:schemeClr val="tx1"/>
-          </a:fontRef>
-        </p:style>
-      </p:cxnSp>
-      <p:sp>
-        <p:nvSpPr>
-          <p:cNvPr id="39" name="Rounded Rectangle 38"/>
-          <p:cNvSpPr/>
-          <p:nvPr/>
-        </p:nvSpPr>
-        <p:spPr>
-          <a:xfrm>
-            <a:off x="8010884" y="5678898"/>
-            <a:ext cx="1927391" cy="726621"/>
-          </a:xfrm>
-          <a:prstGeom prst="roundRect">
-            <a:avLst/>
-          </a:prstGeom>
-        </p:spPr>
-        <p:style>
-          <a:lnRef idx="2">
-            <a:schemeClr val="accent1">
-              <a:shade val="50000"/>
-            </a:schemeClr>
-          </a:lnRef>
-          <a:fillRef idx="1">
-            <a:schemeClr val="accent1"/>
-          </a:fillRef>
-          <a:effectRef idx="0">
-            <a:schemeClr val="accent1"/>
-          </a:effectRef>
-          <a:fontRef idx="minor">
-            <a:schemeClr val="lt1"/>
-          </a:fontRef>
-        </p:style>
-        <p:txBody>
-          <a:bodyPr rtlCol="0" anchor="ctr"/>
-          <a:lstStyle/>
-          <a:p>
-            <a:pPr algn="ctr"/>
-            <a:r>
-              <a:rPr lang="en-US" dirty="0" smtClean="0"/>
-              <a:t>Cầu Được Chấp Nhận</a:t>
-            </a:r>
-            <a:endParaRPr lang="en-US" dirty="0"/>
-          </a:p>
-        </p:txBody>
-      </p:sp>
-      <p:cxnSp>
-        <p:nvCxnSpPr>
-          <p:cNvPr id="40" name="Straight Arrow Connector 39"/>
-          <p:cNvCxnSpPr>
-            <a:stCxn id="25" idx="2"/>
-            <a:endCxn id="39" idx="0"/>
-          </p:cNvCxnSpPr>
-          <p:nvPr/>
-        </p:nvCxnSpPr>
-        <p:spPr>
-          <a:xfrm>
-            <a:off x="8974580" y="5315587"/>
-            <a:ext cx="0" cy="363311"/>
-          </a:xfrm>
-          <a:prstGeom prst="straightConnector1">
-            <a:avLst/>
-          </a:prstGeom>
-          <a:ln>
-            <a:tailEnd type="triangle"/>
-          </a:ln>
-        </p:spPr>
-        <p:style>
-          <a:lnRef idx="2">
-            <a:schemeClr val="dk1"/>
-          </a:lnRef>
-          <a:fillRef idx="0">
-            <a:schemeClr val="dk1"/>
-          </a:fillRef>
-          <a:effectRef idx="1">
-            <a:schemeClr val="dk1"/>
-          </a:effectRef>
-          <a:fontRef idx="minor">
-            <a:schemeClr val="tx1"/>
-          </a:fontRef>
-        </p:style>
-      </p:cxnSp>
-      <p:sp>
-        <p:nvSpPr>
-          <p:cNvPr id="44" name="TextBox 43"/>
-          <p:cNvSpPr txBox="1"/>
-          <p:nvPr/>
-        </p:nvSpPr>
-        <p:spPr>
-          <a:xfrm>
-            <a:off x="1085850" y="5401899"/>
-            <a:ext cx="2204450" cy="276999"/>
+        </p:nvPicPr>
+        <p:blipFill>
+          <a:blip r:embed="rId7">
+            <a:extLst>
+              <a:ext uri="{28A0092B-C50C-407E-A947-70E740481C1C}">
+                <a14:useLocalDpi xmlns:a14="http://schemas.microsoft.com/office/drawing/2010/main" val="0"/>
+              </a:ext>
+            </a:extLst>
+          </a:blip>
+          <a:stretch>
+            <a:fillRect/>
+          </a:stretch>
+        </p:blipFill>
+        <p:spPr>
+          <a:xfrm>
+            <a:off x="1381178" y="4102169"/>
+            <a:ext cx="1245714" cy="1273891"/>
           </a:xfrm>
           <a:prstGeom prst="rect">
             <a:avLst/>
           </a:prstGeom>
-          <a:noFill/>
-        </p:spPr>
-        <p:txBody>
-          <a:bodyPr wrap="none" rtlCol="0">
-            <a:spAutoFit/>
-          </a:bodyPr>
-          <a:lstStyle/>
-          <a:p>
-            <a:r>
-              <a:rPr lang="en-US" sz="1200" b="1" dirty="0" smtClean="0">
-                <a:solidFill>
-                  <a:schemeClr val="tx1">
-                    <a:lumMod val="85000"/>
-                  </a:schemeClr>
-                </a:solidFill>
-                <a:latin typeface="Arial" panose="020B0604020202020204" pitchFamily="34" charset="0"/>
-                <a:cs typeface="Arial" panose="020B0604020202020204" pitchFamily="34" charset="0"/>
-              </a:rPr>
-              <a:t>User Muốn Tham Gia Nhóm</a:t>
-            </a:r>
-            <a:endParaRPr lang="en-US" sz="1200" b="1" dirty="0">
-              <a:solidFill>
-                <a:schemeClr val="tx1">
-                  <a:lumMod val="85000"/>
-                </a:schemeClr>
-              </a:solidFill>
-              <a:latin typeface="Arial" panose="020B0604020202020204" pitchFamily="34" charset="0"/>
-              <a:cs typeface="Arial" panose="020B0604020202020204" pitchFamily="34" charset="0"/>
-            </a:endParaRPr>
-          </a:p>
-        </p:txBody>
-      </p:sp>
+        </p:spPr>
+      </p:pic>
+      <p:pic>
+        <p:nvPicPr>
+          <p:cNvPr id="22" name="Picture 21"/>
+          <p:cNvPicPr>
+            <a:picLocks noChangeAspect="1"/>
+          </p:cNvPicPr>
+          <p:nvPr/>
+        </p:nvPicPr>
+        <p:blipFill>
+          <a:blip r:embed="rId8">
+            <a:extLst>
+              <a:ext uri="{28A0092B-C50C-407E-A947-70E740481C1C}">
+                <a14:useLocalDpi xmlns:a14="http://schemas.microsoft.com/office/drawing/2010/main" val="0"/>
+              </a:ext>
+            </a:extLst>
+          </a:blip>
+          <a:stretch>
+            <a:fillRect/>
+          </a:stretch>
+        </p:blipFill>
+        <p:spPr>
+          <a:xfrm>
+            <a:off x="1059544" y="1204849"/>
+            <a:ext cx="2579799" cy="1102864"/>
+          </a:xfrm>
+          <a:prstGeom prst="rect">
+            <a:avLst/>
+          </a:prstGeom>
+        </p:spPr>
+      </p:pic>
+      <p:pic>
+        <p:nvPicPr>
+          <p:cNvPr id="23" name="Picture 22"/>
+          <p:cNvPicPr>
+            <a:picLocks noChangeAspect="1"/>
+          </p:cNvPicPr>
+          <p:nvPr/>
+        </p:nvPicPr>
+        <p:blipFill>
+          <a:blip r:embed="rId9">
+            <a:extLst>
+              <a:ext uri="{28A0092B-C50C-407E-A947-70E740481C1C}">
+                <a14:useLocalDpi xmlns:a14="http://schemas.microsoft.com/office/drawing/2010/main" val="0"/>
+              </a:ext>
+            </a:extLst>
+          </a:blip>
+          <a:stretch>
+            <a:fillRect/>
+          </a:stretch>
+        </p:blipFill>
+        <p:spPr>
+          <a:xfrm>
+            <a:off x="3901904" y="1094293"/>
+            <a:ext cx="1323975" cy="1323975"/>
+          </a:xfrm>
+          <a:prstGeom prst="rect">
+            <a:avLst/>
+          </a:prstGeom>
+        </p:spPr>
+      </p:pic>
+      <p:pic>
+        <p:nvPicPr>
+          <p:cNvPr id="24" name="Picture 23"/>
+          <p:cNvPicPr>
+            <a:picLocks noChangeAspect="1"/>
+          </p:cNvPicPr>
+          <p:nvPr/>
+        </p:nvPicPr>
+        <p:blipFill>
+          <a:blip r:embed="rId10">
+            <a:extLst>
+              <a:ext uri="{28A0092B-C50C-407E-A947-70E740481C1C}">
+                <a14:useLocalDpi xmlns:a14="http://schemas.microsoft.com/office/drawing/2010/main" val="0"/>
+              </a:ext>
+            </a:extLst>
+          </a:blip>
+          <a:stretch>
+            <a:fillRect/>
+          </a:stretch>
+        </p:blipFill>
+        <p:spPr>
+          <a:xfrm>
+            <a:off x="2626892" y="2506310"/>
+            <a:ext cx="1571625" cy="1571625"/>
+          </a:xfrm>
+          <a:prstGeom prst="rect">
+            <a:avLst/>
+          </a:prstGeom>
+        </p:spPr>
+      </p:pic>
     </p:spTree>
     <p:extLst>
       <p:ext uri="{BB962C8B-B14F-4D97-AF65-F5344CB8AC3E}">
-        <p14:creationId xmlns:p14="http://schemas.microsoft.com/office/powerpoint/2010/main" val="2151670715"/>
+        <p14:creationId xmlns:p14="http://schemas.microsoft.com/office/powerpoint/2010/main" val="802297981"/>
       </p:ext>
     </p:extLst>
   </p:cSld>
@@ -9796,781 +9831,13 @@
           <a:p>
             <a:pPr algn="r"/>
             <a:r>
-              <a:rPr lang="en-US" sz="2800" b="1" smtClean="0">
+              <a:rPr lang="en-US" sz="2800" b="1" dirty="0" smtClean="0">
                 <a:latin typeface="Arial" panose="020B0604020202020204" pitchFamily="34" charset="0"/>
                 <a:cs typeface="Arial" panose="020B0604020202020204" pitchFamily="34" charset="0"/>
               </a:rPr>
               <a:t>BẢNG + CÔNG VIỆC</a:t>
             </a:r>
             <a:endParaRPr lang="en-US" sz="2800" b="1" dirty="0">
-              <a:latin typeface="Arial" panose="020B0604020202020204" pitchFamily="34" charset="0"/>
-              <a:cs typeface="Arial" panose="020B0604020202020204" pitchFamily="34" charset="0"/>
-            </a:endParaRPr>
-          </a:p>
-        </p:txBody>
-      </p:sp>
-      <p:sp>
-        <p:nvSpPr>
-          <p:cNvPr id="6" name="TextBox 5"/>
-          <p:cNvSpPr txBox="1"/>
-          <p:nvPr/>
-        </p:nvSpPr>
-        <p:spPr>
-          <a:xfrm>
-            <a:off x="855526" y="1060596"/>
-            <a:ext cx="1569660" cy="369332"/>
-          </a:xfrm>
-          <a:prstGeom prst="rect">
-            <a:avLst/>
-          </a:prstGeom>
-          <a:noFill/>
-        </p:spPr>
-        <p:txBody>
-          <a:bodyPr wrap="none" rtlCol="0">
-            <a:spAutoFit/>
-          </a:bodyPr>
-          <a:lstStyle/>
-          <a:p>
-            <a:r>
-              <a:rPr lang="en-US" b="1" dirty="0" smtClean="0">
-                <a:latin typeface="Arial" panose="020B0604020202020204" pitchFamily="34" charset="0"/>
-                <a:cs typeface="Arial" panose="020B0604020202020204" pitchFamily="34" charset="0"/>
-              </a:rPr>
-              <a:t>1. Tạo Nhóm</a:t>
-            </a:r>
-            <a:endParaRPr lang="en-US" b="1" dirty="0">
-              <a:latin typeface="Arial" panose="020B0604020202020204" pitchFamily="34" charset="0"/>
-              <a:cs typeface="Arial" panose="020B0604020202020204" pitchFamily="34" charset="0"/>
-            </a:endParaRPr>
-          </a:p>
-        </p:txBody>
-      </p:sp>
-      <p:sp>
-        <p:nvSpPr>
-          <p:cNvPr id="7" name="TextBox 6"/>
-          <p:cNvSpPr txBox="1"/>
-          <p:nvPr/>
-        </p:nvSpPr>
-        <p:spPr>
-          <a:xfrm>
-            <a:off x="855526" y="1898796"/>
-            <a:ext cx="2360583" cy="369332"/>
-          </a:xfrm>
-          <a:prstGeom prst="rect">
-            <a:avLst/>
-          </a:prstGeom>
-          <a:noFill/>
-        </p:spPr>
-        <p:txBody>
-          <a:bodyPr wrap="none" rtlCol="0">
-            <a:spAutoFit/>
-          </a:bodyPr>
-          <a:lstStyle/>
-          <a:p>
-            <a:r>
-              <a:rPr lang="en-US" b="1" dirty="0" smtClean="0">
-                <a:latin typeface="Arial" panose="020B0604020202020204" pitchFamily="34" charset="0"/>
-                <a:cs typeface="Arial" panose="020B0604020202020204" pitchFamily="34" charset="0"/>
-              </a:rPr>
-              <a:t>2. Thêm Thành Viên</a:t>
-            </a:r>
-            <a:endParaRPr lang="en-US" b="1" dirty="0">
-              <a:latin typeface="Arial" panose="020B0604020202020204" pitchFamily="34" charset="0"/>
-              <a:cs typeface="Arial" panose="020B0604020202020204" pitchFamily="34" charset="0"/>
-            </a:endParaRPr>
-          </a:p>
-        </p:txBody>
-      </p:sp>
-      <p:sp>
-        <p:nvSpPr>
-          <p:cNvPr id="3" name="Rounded Rectangle 2"/>
-          <p:cNvSpPr/>
-          <p:nvPr/>
-        </p:nvSpPr>
-        <p:spPr>
-          <a:xfrm>
-            <a:off x="1085850" y="2571748"/>
-            <a:ext cx="2039899" cy="726621"/>
-          </a:xfrm>
-          <a:prstGeom prst="roundRect">
-            <a:avLst/>
-          </a:prstGeom>
-        </p:spPr>
-        <p:style>
-          <a:lnRef idx="2">
-            <a:schemeClr val="accent1">
-              <a:shade val="50000"/>
-            </a:schemeClr>
-          </a:lnRef>
-          <a:fillRef idx="1">
-            <a:schemeClr val="accent1"/>
-          </a:fillRef>
-          <a:effectRef idx="0">
-            <a:schemeClr val="accent1"/>
-          </a:effectRef>
-          <a:fontRef idx="minor">
-            <a:schemeClr val="lt1"/>
-          </a:fontRef>
-        </p:style>
-        <p:txBody>
-          <a:bodyPr rtlCol="0" anchor="ctr"/>
-          <a:lstStyle/>
-          <a:p>
-            <a:pPr algn="ctr"/>
-            <a:r>
-              <a:rPr lang="en-US" dirty="0" smtClean="0"/>
-              <a:t>Nhập Tên/ Email</a:t>
-            </a:r>
-            <a:endParaRPr lang="en-US" dirty="0"/>
-          </a:p>
-        </p:txBody>
-      </p:sp>
-      <p:sp>
-        <p:nvSpPr>
-          <p:cNvPr id="8" name="Rounded Rectangle 7"/>
-          <p:cNvSpPr/>
-          <p:nvPr/>
-        </p:nvSpPr>
-        <p:spPr>
-          <a:xfrm>
-            <a:off x="3469200" y="2571748"/>
-            <a:ext cx="1927391" cy="726621"/>
-          </a:xfrm>
-          <a:prstGeom prst="roundRect">
-            <a:avLst/>
-          </a:prstGeom>
-        </p:spPr>
-        <p:style>
-          <a:lnRef idx="2">
-            <a:schemeClr val="accent1">
-              <a:shade val="50000"/>
-            </a:schemeClr>
-          </a:lnRef>
-          <a:fillRef idx="1">
-            <a:schemeClr val="accent1"/>
-          </a:fillRef>
-          <a:effectRef idx="0">
-            <a:schemeClr val="accent1"/>
-          </a:effectRef>
-          <a:fontRef idx="minor">
-            <a:schemeClr val="lt1"/>
-          </a:fontRef>
-        </p:style>
-        <p:txBody>
-          <a:bodyPr rtlCol="0" anchor="ctr"/>
-          <a:lstStyle/>
-          <a:p>
-            <a:pPr algn="ctr"/>
-            <a:r>
-              <a:rPr lang="en-US" dirty="0" smtClean="0"/>
-              <a:t>Chọn Người Muốn Thêm</a:t>
-            </a:r>
-            <a:endParaRPr lang="en-US" dirty="0"/>
-          </a:p>
-        </p:txBody>
-      </p:sp>
-      <p:sp>
-        <p:nvSpPr>
-          <p:cNvPr id="9" name="Rounded Rectangle 8"/>
-          <p:cNvSpPr/>
-          <p:nvPr/>
-        </p:nvSpPr>
-        <p:spPr>
-          <a:xfrm>
-            <a:off x="5740042" y="2571748"/>
-            <a:ext cx="1927391" cy="726621"/>
-          </a:xfrm>
-          <a:prstGeom prst="roundRect">
-            <a:avLst/>
-          </a:prstGeom>
-        </p:spPr>
-        <p:style>
-          <a:lnRef idx="2">
-            <a:schemeClr val="accent1">
-              <a:shade val="50000"/>
-            </a:schemeClr>
-          </a:lnRef>
-          <a:fillRef idx="1">
-            <a:schemeClr val="accent1"/>
-          </a:fillRef>
-          <a:effectRef idx="0">
-            <a:schemeClr val="accent1"/>
-          </a:effectRef>
-          <a:fontRef idx="minor">
-            <a:schemeClr val="lt1"/>
-          </a:fontRef>
-        </p:style>
-        <p:txBody>
-          <a:bodyPr rtlCol="0" anchor="ctr"/>
-          <a:lstStyle/>
-          <a:p>
-            <a:pPr algn="ctr"/>
-            <a:r>
-              <a:rPr lang="en-US" dirty="0" smtClean="0"/>
-              <a:t>Thành Viên Mới Gia Nhập</a:t>
-            </a:r>
-            <a:endParaRPr lang="en-US" dirty="0"/>
-          </a:p>
-        </p:txBody>
-      </p:sp>
-      <p:cxnSp>
-        <p:nvCxnSpPr>
-          <p:cNvPr id="11" name="Straight Arrow Connector 10"/>
-          <p:cNvCxnSpPr>
-            <a:stCxn id="3" idx="3"/>
-            <a:endCxn id="8" idx="1"/>
-          </p:cNvCxnSpPr>
-          <p:nvPr/>
-        </p:nvCxnSpPr>
-        <p:spPr>
-          <a:xfrm>
-            <a:off x="3125749" y="2935059"/>
-            <a:ext cx="343451" cy="0"/>
-          </a:xfrm>
-          <a:prstGeom prst="straightConnector1">
-            <a:avLst/>
-          </a:prstGeom>
-          <a:ln>
-            <a:tailEnd type="triangle"/>
-          </a:ln>
-        </p:spPr>
-        <p:style>
-          <a:lnRef idx="2">
-            <a:schemeClr val="dk1"/>
-          </a:lnRef>
-          <a:fillRef idx="0">
-            <a:schemeClr val="dk1"/>
-          </a:fillRef>
-          <a:effectRef idx="1">
-            <a:schemeClr val="dk1"/>
-          </a:effectRef>
-          <a:fontRef idx="minor">
-            <a:schemeClr val="tx1"/>
-          </a:fontRef>
-        </p:style>
-      </p:cxnSp>
-      <p:cxnSp>
-        <p:nvCxnSpPr>
-          <p:cNvPr id="13" name="Straight Arrow Connector 12"/>
-          <p:cNvCxnSpPr>
-            <a:stCxn id="8" idx="3"/>
-            <a:endCxn id="9" idx="1"/>
-          </p:cNvCxnSpPr>
-          <p:nvPr/>
-        </p:nvCxnSpPr>
-        <p:spPr>
-          <a:xfrm>
-            <a:off x="5396591" y="2935059"/>
-            <a:ext cx="343451" cy="0"/>
-          </a:xfrm>
-          <a:prstGeom prst="straightConnector1">
-            <a:avLst/>
-          </a:prstGeom>
-          <a:ln>
-            <a:tailEnd type="triangle"/>
-          </a:ln>
-        </p:spPr>
-        <p:style>
-          <a:lnRef idx="2">
-            <a:schemeClr val="dk1"/>
-          </a:lnRef>
-          <a:fillRef idx="0">
-            <a:schemeClr val="dk1"/>
-          </a:fillRef>
-          <a:effectRef idx="1">
-            <a:schemeClr val="dk1"/>
-          </a:effectRef>
-          <a:fontRef idx="minor">
-            <a:schemeClr val="tx1"/>
-          </a:fontRef>
-        </p:style>
-      </p:cxnSp>
-      <p:sp>
-        <p:nvSpPr>
-          <p:cNvPr id="14" name="TextBox 13"/>
-          <p:cNvSpPr txBox="1"/>
-          <p:nvPr/>
-        </p:nvSpPr>
-        <p:spPr>
-          <a:xfrm>
-            <a:off x="1122997" y="3324990"/>
-            <a:ext cx="1965603" cy="276999"/>
-          </a:xfrm>
-          <a:prstGeom prst="rect">
-            <a:avLst/>
-          </a:prstGeom>
-          <a:noFill/>
-        </p:spPr>
-        <p:txBody>
-          <a:bodyPr wrap="none" rtlCol="0">
-            <a:spAutoFit/>
-          </a:bodyPr>
-          <a:lstStyle/>
-          <a:p>
-            <a:r>
-              <a:rPr lang="en-US" sz="1200" b="1" dirty="0" smtClean="0">
-                <a:solidFill>
-                  <a:schemeClr val="tx1">
-                    <a:lumMod val="85000"/>
-                  </a:schemeClr>
-                </a:solidFill>
-                <a:latin typeface="Arial" panose="020B0604020202020204" pitchFamily="34" charset="0"/>
-                <a:cs typeface="Arial" panose="020B0604020202020204" pitchFamily="34" charset="0"/>
-              </a:rPr>
-              <a:t>Thành Viên Trong Nhóm</a:t>
-            </a:r>
-            <a:endParaRPr lang="en-US" sz="1200" b="1" dirty="0">
-              <a:solidFill>
-                <a:schemeClr val="tx1">
-                  <a:lumMod val="85000"/>
-                </a:schemeClr>
-              </a:solidFill>
-              <a:latin typeface="Arial" panose="020B0604020202020204" pitchFamily="34" charset="0"/>
-              <a:cs typeface="Arial" panose="020B0604020202020204" pitchFamily="34" charset="0"/>
-            </a:endParaRPr>
-          </a:p>
-        </p:txBody>
-      </p:sp>
-      <p:sp>
-        <p:nvSpPr>
-          <p:cNvPr id="15" name="TextBox 14"/>
-          <p:cNvSpPr txBox="1"/>
-          <p:nvPr/>
-        </p:nvSpPr>
-        <p:spPr>
-          <a:xfrm>
-            <a:off x="855526" y="3903098"/>
-            <a:ext cx="2475999" cy="369332"/>
-          </a:xfrm>
-          <a:prstGeom prst="rect">
-            <a:avLst/>
-          </a:prstGeom>
-          <a:noFill/>
-        </p:spPr>
-        <p:txBody>
-          <a:bodyPr wrap="none" rtlCol="0">
-            <a:spAutoFit/>
-          </a:bodyPr>
-          <a:lstStyle/>
-          <a:p>
-            <a:r>
-              <a:rPr lang="en-US" b="1" dirty="0" smtClean="0">
-                <a:latin typeface="Arial" panose="020B0604020202020204" pitchFamily="34" charset="0"/>
-                <a:cs typeface="Arial" panose="020B0604020202020204" pitchFamily="34" charset="0"/>
-              </a:rPr>
-              <a:t>3. Yêu Cầu Tham Gia</a:t>
-            </a:r>
-            <a:endParaRPr lang="en-US" b="1" dirty="0">
-              <a:latin typeface="Arial" panose="020B0604020202020204" pitchFamily="34" charset="0"/>
-              <a:cs typeface="Arial" panose="020B0604020202020204" pitchFamily="34" charset="0"/>
-            </a:endParaRPr>
-          </a:p>
-        </p:txBody>
-      </p:sp>
-      <p:sp>
-        <p:nvSpPr>
-          <p:cNvPr id="16" name="Rounded Rectangle 15"/>
-          <p:cNvSpPr/>
-          <p:nvPr/>
-        </p:nvSpPr>
-        <p:spPr>
-          <a:xfrm>
-            <a:off x="1085850" y="4588966"/>
-            <a:ext cx="2039899" cy="726621"/>
-          </a:xfrm>
-          <a:prstGeom prst="roundRect">
-            <a:avLst/>
-          </a:prstGeom>
-        </p:spPr>
-        <p:style>
-          <a:lnRef idx="2">
-            <a:schemeClr val="accent1">
-              <a:shade val="50000"/>
-            </a:schemeClr>
-          </a:lnRef>
-          <a:fillRef idx="1">
-            <a:schemeClr val="accent1"/>
-          </a:fillRef>
-          <a:effectRef idx="0">
-            <a:schemeClr val="accent1"/>
-          </a:effectRef>
-          <a:fontRef idx="minor">
-            <a:schemeClr val="lt1"/>
-          </a:fontRef>
-        </p:style>
-        <p:txBody>
-          <a:bodyPr rtlCol="0" anchor="ctr"/>
-          <a:lstStyle/>
-          <a:p>
-            <a:pPr algn="ctr"/>
-            <a:r>
-              <a:rPr lang="en-US" dirty="0" smtClean="0"/>
-              <a:t>Tìm Nhóm Theo Tên</a:t>
-            </a:r>
-            <a:endParaRPr lang="en-US" dirty="0"/>
-          </a:p>
-        </p:txBody>
-      </p:sp>
-      <p:sp>
-        <p:nvSpPr>
-          <p:cNvPr id="17" name="Rounded Rectangle 16"/>
-          <p:cNvSpPr/>
-          <p:nvPr/>
-        </p:nvSpPr>
-        <p:spPr>
-          <a:xfrm>
-            <a:off x="3469200" y="4588966"/>
-            <a:ext cx="1927391" cy="726621"/>
-          </a:xfrm>
-          <a:prstGeom prst="roundRect">
-            <a:avLst/>
-          </a:prstGeom>
-        </p:spPr>
-        <p:style>
-          <a:lnRef idx="2">
-            <a:schemeClr val="accent1">
-              <a:shade val="50000"/>
-            </a:schemeClr>
-          </a:lnRef>
-          <a:fillRef idx="1">
-            <a:schemeClr val="accent1"/>
-          </a:fillRef>
-          <a:effectRef idx="0">
-            <a:schemeClr val="accent1"/>
-          </a:effectRef>
-          <a:fontRef idx="minor">
-            <a:schemeClr val="lt1"/>
-          </a:fontRef>
-        </p:style>
-        <p:txBody>
-          <a:bodyPr rtlCol="0" anchor="ctr"/>
-          <a:lstStyle/>
-          <a:p>
-            <a:pPr algn="ctr"/>
-            <a:r>
-              <a:rPr lang="en-US" dirty="0" smtClean="0"/>
-              <a:t>Chọn Nhóm</a:t>
-            </a:r>
-            <a:endParaRPr lang="en-US" dirty="0"/>
-          </a:p>
-        </p:txBody>
-      </p:sp>
-      <p:sp>
-        <p:nvSpPr>
-          <p:cNvPr id="18" name="Rounded Rectangle 17"/>
-          <p:cNvSpPr/>
-          <p:nvPr/>
-        </p:nvSpPr>
-        <p:spPr>
-          <a:xfrm>
-            <a:off x="5740042" y="4588966"/>
-            <a:ext cx="1927391" cy="726621"/>
-          </a:xfrm>
-          <a:prstGeom prst="roundRect">
-            <a:avLst/>
-          </a:prstGeom>
-        </p:spPr>
-        <p:style>
-          <a:lnRef idx="2">
-            <a:schemeClr val="accent1">
-              <a:shade val="50000"/>
-            </a:schemeClr>
-          </a:lnRef>
-          <a:fillRef idx="1">
-            <a:schemeClr val="accent1"/>
-          </a:fillRef>
-          <a:effectRef idx="0">
-            <a:schemeClr val="accent1"/>
-          </a:effectRef>
-          <a:fontRef idx="minor">
-            <a:schemeClr val="lt1"/>
-          </a:fontRef>
-        </p:style>
-        <p:txBody>
-          <a:bodyPr rtlCol="0" anchor="ctr"/>
-          <a:lstStyle/>
-          <a:p>
-            <a:pPr algn="ctr"/>
-            <a:r>
-              <a:rPr lang="en-US" dirty="0" smtClean="0"/>
-              <a:t>Thông Báo Có Yêu Cầu Mới</a:t>
-            </a:r>
-            <a:endParaRPr lang="en-US" dirty="0"/>
-          </a:p>
-        </p:txBody>
-      </p:sp>
-      <p:cxnSp>
-        <p:nvCxnSpPr>
-          <p:cNvPr id="19" name="Straight Arrow Connector 18"/>
-          <p:cNvCxnSpPr>
-            <a:stCxn id="16" idx="3"/>
-            <a:endCxn id="17" idx="1"/>
-          </p:cNvCxnSpPr>
-          <p:nvPr/>
-        </p:nvCxnSpPr>
-        <p:spPr>
-          <a:xfrm>
-            <a:off x="3125749" y="4952277"/>
-            <a:ext cx="343451" cy="0"/>
-          </a:xfrm>
-          <a:prstGeom prst="straightConnector1">
-            <a:avLst/>
-          </a:prstGeom>
-          <a:ln>
-            <a:tailEnd type="triangle"/>
-          </a:ln>
-        </p:spPr>
-        <p:style>
-          <a:lnRef idx="2">
-            <a:schemeClr val="dk1"/>
-          </a:lnRef>
-          <a:fillRef idx="0">
-            <a:schemeClr val="dk1"/>
-          </a:fillRef>
-          <a:effectRef idx="1">
-            <a:schemeClr val="dk1"/>
-          </a:effectRef>
-          <a:fontRef idx="minor">
-            <a:schemeClr val="tx1"/>
-          </a:fontRef>
-        </p:style>
-      </p:cxnSp>
-      <p:cxnSp>
-        <p:nvCxnSpPr>
-          <p:cNvPr id="22" name="Straight Arrow Connector 21"/>
-          <p:cNvCxnSpPr>
-            <a:stCxn id="18" idx="3"/>
-            <a:endCxn id="25" idx="1"/>
-          </p:cNvCxnSpPr>
-          <p:nvPr/>
-        </p:nvCxnSpPr>
-        <p:spPr>
-          <a:xfrm>
-            <a:off x="7667433" y="4952277"/>
-            <a:ext cx="343451" cy="0"/>
-          </a:xfrm>
-          <a:prstGeom prst="straightConnector1">
-            <a:avLst/>
-          </a:prstGeom>
-          <a:ln>
-            <a:tailEnd type="triangle"/>
-          </a:ln>
-        </p:spPr>
-        <p:style>
-          <a:lnRef idx="2">
-            <a:schemeClr val="dk1"/>
-          </a:lnRef>
-          <a:fillRef idx="0">
-            <a:schemeClr val="dk1"/>
-          </a:fillRef>
-          <a:effectRef idx="1">
-            <a:schemeClr val="dk1"/>
-          </a:effectRef>
-          <a:fontRef idx="minor">
-            <a:schemeClr val="tx1"/>
-          </a:fontRef>
-        </p:style>
-      </p:cxnSp>
-      <p:sp>
-        <p:nvSpPr>
-          <p:cNvPr id="25" name="Rounded Rectangle 24"/>
-          <p:cNvSpPr/>
-          <p:nvPr/>
-        </p:nvSpPr>
-        <p:spPr>
-          <a:xfrm>
-            <a:off x="8010884" y="4588966"/>
-            <a:ext cx="1927391" cy="726621"/>
-          </a:xfrm>
-          <a:prstGeom prst="roundRect">
-            <a:avLst/>
-          </a:prstGeom>
-        </p:spPr>
-        <p:style>
-          <a:lnRef idx="2">
-            <a:schemeClr val="accent1">
-              <a:shade val="50000"/>
-            </a:schemeClr>
-          </a:lnRef>
-          <a:fillRef idx="1">
-            <a:schemeClr val="accent1"/>
-          </a:fillRef>
-          <a:effectRef idx="0">
-            <a:schemeClr val="accent1"/>
-          </a:effectRef>
-          <a:fontRef idx="minor">
-            <a:schemeClr val="lt1"/>
-          </a:fontRef>
-        </p:style>
-        <p:txBody>
-          <a:bodyPr rtlCol="0" anchor="ctr"/>
-          <a:lstStyle/>
-          <a:p>
-            <a:pPr algn="ctr"/>
-            <a:r>
-              <a:rPr lang="en-US" dirty="0" smtClean="0"/>
-              <a:t>Đồng Ý</a:t>
-            </a:r>
-            <a:endParaRPr lang="en-US" dirty="0"/>
-          </a:p>
-        </p:txBody>
-      </p:sp>
-      <p:cxnSp>
-        <p:nvCxnSpPr>
-          <p:cNvPr id="35" name="Straight Arrow Connector 34"/>
-          <p:cNvCxnSpPr>
-            <a:stCxn id="17" idx="3"/>
-            <a:endCxn id="18" idx="1"/>
-          </p:cNvCxnSpPr>
-          <p:nvPr/>
-        </p:nvCxnSpPr>
-        <p:spPr>
-          <a:xfrm>
-            <a:off x="5396591" y="4952277"/>
-            <a:ext cx="343451" cy="0"/>
-          </a:xfrm>
-          <a:prstGeom prst="straightConnector1">
-            <a:avLst/>
-          </a:prstGeom>
-          <a:ln>
-            <a:tailEnd type="triangle"/>
-          </a:ln>
-        </p:spPr>
-        <p:style>
-          <a:lnRef idx="2">
-            <a:schemeClr val="dk1"/>
-          </a:lnRef>
-          <a:fillRef idx="0">
-            <a:schemeClr val="dk1"/>
-          </a:fillRef>
-          <a:effectRef idx="1">
-            <a:schemeClr val="dk1"/>
-          </a:effectRef>
-          <a:fontRef idx="minor">
-            <a:schemeClr val="tx1"/>
-          </a:fontRef>
-        </p:style>
-      </p:cxnSp>
-      <p:sp>
-        <p:nvSpPr>
-          <p:cNvPr id="39" name="Rounded Rectangle 38"/>
-          <p:cNvSpPr/>
-          <p:nvPr/>
-        </p:nvSpPr>
-        <p:spPr>
-          <a:xfrm>
-            <a:off x="8010884" y="5678898"/>
-            <a:ext cx="1927391" cy="726621"/>
-          </a:xfrm>
-          <a:prstGeom prst="roundRect">
-            <a:avLst/>
-          </a:prstGeom>
-        </p:spPr>
-        <p:style>
-          <a:lnRef idx="2">
-            <a:schemeClr val="accent1">
-              <a:shade val="50000"/>
-            </a:schemeClr>
-          </a:lnRef>
-          <a:fillRef idx="1">
-            <a:schemeClr val="accent1"/>
-          </a:fillRef>
-          <a:effectRef idx="0">
-            <a:schemeClr val="accent1"/>
-          </a:effectRef>
-          <a:fontRef idx="minor">
-            <a:schemeClr val="lt1"/>
-          </a:fontRef>
-        </p:style>
-        <p:txBody>
-          <a:bodyPr rtlCol="0" anchor="ctr"/>
-          <a:lstStyle/>
-          <a:p>
-            <a:pPr algn="ctr"/>
-            <a:r>
-              <a:rPr lang="en-US" dirty="0" smtClean="0"/>
-              <a:t>Cầu Được Chấp Nhận</a:t>
-            </a:r>
-            <a:endParaRPr lang="en-US" dirty="0"/>
-          </a:p>
-        </p:txBody>
-      </p:sp>
-      <p:cxnSp>
-        <p:nvCxnSpPr>
-          <p:cNvPr id="40" name="Straight Arrow Connector 39"/>
-          <p:cNvCxnSpPr>
-            <a:stCxn id="25" idx="2"/>
-            <a:endCxn id="39" idx="0"/>
-          </p:cNvCxnSpPr>
-          <p:nvPr/>
-        </p:nvCxnSpPr>
-        <p:spPr>
-          <a:xfrm>
-            <a:off x="8974580" y="5315587"/>
-            <a:ext cx="0" cy="363311"/>
-          </a:xfrm>
-          <a:prstGeom prst="straightConnector1">
-            <a:avLst/>
-          </a:prstGeom>
-          <a:ln>
-            <a:tailEnd type="triangle"/>
-          </a:ln>
-        </p:spPr>
-        <p:style>
-          <a:lnRef idx="2">
-            <a:schemeClr val="dk1"/>
-          </a:lnRef>
-          <a:fillRef idx="0">
-            <a:schemeClr val="dk1"/>
-          </a:fillRef>
-          <a:effectRef idx="1">
-            <a:schemeClr val="dk1"/>
-          </a:effectRef>
-          <a:fontRef idx="minor">
-            <a:schemeClr val="tx1"/>
-          </a:fontRef>
-        </p:style>
-      </p:cxnSp>
-      <p:sp>
-        <p:nvSpPr>
-          <p:cNvPr id="44" name="TextBox 43"/>
-          <p:cNvSpPr txBox="1"/>
-          <p:nvPr/>
-        </p:nvSpPr>
-        <p:spPr>
-          <a:xfrm>
-            <a:off x="1085850" y="5401899"/>
-            <a:ext cx="2204450" cy="276999"/>
-          </a:xfrm>
-          <a:prstGeom prst="rect">
-            <a:avLst/>
-          </a:prstGeom>
-          <a:noFill/>
-        </p:spPr>
-        <p:txBody>
-          <a:bodyPr wrap="none" rtlCol="0">
-            <a:spAutoFit/>
-          </a:bodyPr>
-          <a:lstStyle/>
-          <a:p>
-            <a:r>
-              <a:rPr lang="en-US" sz="1200" b="1" dirty="0" smtClean="0">
-                <a:solidFill>
-                  <a:schemeClr val="tx1">
-                    <a:lumMod val="85000"/>
-                  </a:schemeClr>
-                </a:solidFill>
-                <a:latin typeface="Arial" panose="020B0604020202020204" pitchFamily="34" charset="0"/>
-                <a:cs typeface="Arial" panose="020B0604020202020204" pitchFamily="34" charset="0"/>
-              </a:rPr>
-              <a:t>User Muốn Tham Gia Nhóm</a:t>
-            </a:r>
-            <a:endParaRPr lang="en-US" sz="1200" b="1" dirty="0">
-              <a:solidFill>
-                <a:schemeClr val="tx1">
-                  <a:lumMod val="85000"/>
-                </a:schemeClr>
-              </a:solidFill>
               <a:latin typeface="Arial" panose="020B0604020202020204" pitchFamily="34" charset="0"/>
               <a:cs typeface="Arial" panose="020B0604020202020204" pitchFamily="34" charset="0"/>
             </a:endParaRPr>

--- a/Slide.pptx
+++ b/Slide.pptx
@@ -13,14 +13,14 @@
     <p:sldId id="258" r:id="rId4"/>
     <p:sldId id="259" r:id="rId5"/>
     <p:sldId id="264" r:id="rId6"/>
-    <p:sldId id="260" r:id="rId7"/>
-    <p:sldId id="271" r:id="rId8"/>
-    <p:sldId id="265" r:id="rId9"/>
-    <p:sldId id="266" r:id="rId10"/>
-    <p:sldId id="267" r:id="rId11"/>
-    <p:sldId id="268" r:id="rId12"/>
-    <p:sldId id="269" r:id="rId13"/>
-    <p:sldId id="270" r:id="rId14"/>
+    <p:sldId id="271" r:id="rId7"/>
+    <p:sldId id="265" r:id="rId8"/>
+    <p:sldId id="266" r:id="rId9"/>
+    <p:sldId id="267" r:id="rId10"/>
+    <p:sldId id="268" r:id="rId11"/>
+    <p:sldId id="269" r:id="rId12"/>
+    <p:sldId id="260" r:id="rId13"/>
+    <p:sldId id="272" r:id="rId14"/>
   </p:sldIdLst>
   <p:sldSz cx="12192000" cy="6858000"/>
   <p:notesSz cx="6858000" cy="9144000"/>
@@ -221,7 +221,7 @@
           <a:p>
             <a:fld id="{112BAABF-4731-4B10-91EA-D4EC8AFB8615}" type="datetimeFigureOut">
               <a:rPr lang="en-US" smtClean="0"/>
-              <a:t>6/17/2020</a:t>
+              <a:t>6/18/2020</a:t>
             </a:fld>
             <a:endParaRPr lang="en-US"/>
           </a:p>
@@ -680,7 +680,7 @@
           <a:p>
             <a:fld id="{8D1B1927-3139-49FA-A3A1-43C2A82C9DEA}" type="datetime1">
               <a:rPr lang="en-US" smtClean="0"/>
-              <a:t>6/17/2020</a:t>
+              <a:t>6/18/2020</a:t>
             </a:fld>
             <a:endParaRPr lang="en-US" dirty="0"/>
           </a:p>
@@ -1112,7 +1112,7 @@
           <a:p>
             <a:fld id="{953D53DE-F8F0-44EB-A819-4DD3309E207E}" type="datetime1">
               <a:rPr lang="en-US" smtClean="0"/>
-              <a:t>6/17/2020</a:t>
+              <a:t>6/18/2020</a:t>
             </a:fld>
             <a:endParaRPr lang="en-US" dirty="0"/>
           </a:p>
@@ -1358,7 +1358,7 @@
           <a:p>
             <a:fld id="{AE98D5C9-BF6D-4636-9FA0-9971C487E19D}" type="datetime1">
               <a:rPr lang="en-US" smtClean="0"/>
-              <a:t>6/17/2020</a:t>
+              <a:t>6/18/2020</a:t>
             </a:fld>
             <a:endParaRPr lang="en-US" dirty="0"/>
           </a:p>
@@ -1662,7 +1662,7 @@
           <a:p>
             <a:fld id="{507AEC6F-681A-46DB-ACF3-375EA70B2F00}" type="datetime1">
               <a:rPr lang="en-US" smtClean="0"/>
-              <a:t>6/17/2020</a:t>
+              <a:t>6/18/2020</a:t>
             </a:fld>
             <a:endParaRPr lang="en-US" dirty="0"/>
           </a:p>
@@ -1976,7 +1976,7 @@
           <a:p>
             <a:fld id="{9DBF82B2-DC5F-40DE-B0E0-A2DB1EE5F951}" type="datetime1">
               <a:rPr lang="en-US" smtClean="0"/>
-              <a:t>6/17/2020</a:t>
+              <a:t>6/18/2020</a:t>
             </a:fld>
             <a:endParaRPr lang="en-US" dirty="0"/>
           </a:p>
@@ -2274,7 +2274,7 @@
           <a:p>
             <a:fld id="{EA41612A-1E04-4977-9CE1-C7D7F2B2EB6F}" type="datetime1">
               <a:rPr lang="en-US" smtClean="0"/>
-              <a:t>6/17/2020</a:t>
+              <a:t>6/18/2020</a:t>
             </a:fld>
             <a:endParaRPr lang="en-US" dirty="0"/>
           </a:p>
@@ -2637,7 +2637,7 @@
           <a:p>
             <a:fld id="{215FF10D-7D72-4477-9BBA-BD995BB75EC5}" type="datetime1">
               <a:rPr lang="en-US" smtClean="0"/>
-              <a:t>6/17/2020</a:t>
+              <a:t>6/18/2020</a:t>
             </a:fld>
             <a:endParaRPr lang="en-US" dirty="0"/>
           </a:p>
@@ -2807,7 +2807,7 @@
           <a:p>
             <a:fld id="{EC1F0219-E4B5-4548-9C2E-91E531217AB1}" type="datetime1">
               <a:rPr lang="en-US" smtClean="0"/>
-              <a:t>6/17/2020</a:t>
+              <a:t>6/18/2020</a:t>
             </a:fld>
             <a:endParaRPr lang="en-US" dirty="0"/>
           </a:p>
@@ -2983,7 +2983,7 @@
           <a:p>
             <a:fld id="{CD10FC33-2949-465D-B8B0-DE116804E60E}" type="datetime1">
               <a:rPr lang="en-US" smtClean="0"/>
-              <a:t>6/17/2020</a:t>
+              <a:t>6/18/2020</a:t>
             </a:fld>
             <a:endParaRPr lang="en-US" dirty="0"/>
           </a:p>
@@ -3149,7 +3149,7 @@
           <a:p>
             <a:fld id="{2EAE8272-9B72-4C52-ADE8-64785D9DF738}" type="datetime1">
               <a:rPr lang="en-US" smtClean="0"/>
-              <a:t>6/17/2020</a:t>
+              <a:t>6/18/2020</a:t>
             </a:fld>
             <a:endParaRPr lang="en-US" dirty="0"/>
           </a:p>
@@ -3395,7 +3395,7 @@
           <a:p>
             <a:fld id="{71C2BB2B-66AA-494B-8102-029CBE35BCFE}" type="datetime1">
               <a:rPr lang="en-US" smtClean="0"/>
-              <a:t>6/17/2020</a:t>
+              <a:t>6/18/2020</a:t>
             </a:fld>
             <a:endParaRPr lang="en-US" dirty="0"/>
           </a:p>
@@ -3627,7 +3627,7 @@
           <a:p>
             <a:fld id="{9EAB20E2-3FC7-4931-A6CD-5B883A99F922}" type="datetime1">
               <a:rPr lang="en-US" smtClean="0"/>
-              <a:t>6/17/2020</a:t>
+              <a:t>6/18/2020</a:t>
             </a:fld>
             <a:endParaRPr lang="en-US" dirty="0"/>
           </a:p>
@@ -4005,7 +4005,7 @@
           <a:p>
             <a:fld id="{FECD836D-BA84-4035-8DED-4A6B55726246}" type="datetime1">
               <a:rPr lang="en-US" smtClean="0"/>
-              <a:t>6/17/2020</a:t>
+              <a:t>6/18/2020</a:t>
             </a:fld>
             <a:endParaRPr lang="en-US" dirty="0"/>
           </a:p>
@@ -4119,7 +4119,7 @@
           <a:p>
             <a:fld id="{FCD32119-94B2-40A0-BC92-043EEF853D42}" type="datetime1">
               <a:rPr lang="en-US" smtClean="0"/>
-              <a:t>6/17/2020</a:t>
+              <a:t>6/18/2020</a:t>
             </a:fld>
             <a:endParaRPr lang="en-US" dirty="0"/>
           </a:p>
@@ -4210,7 +4210,7 @@
           <a:p>
             <a:fld id="{2402F70B-4ABA-46D8-885F-9B5DCCE7A7A3}" type="datetime1">
               <a:rPr lang="en-US" smtClean="0"/>
-              <a:t>6/17/2020</a:t>
+              <a:t>6/18/2020</a:t>
             </a:fld>
             <a:endParaRPr lang="en-US" dirty="0"/>
           </a:p>
@@ -4461,7 +4461,7 @@
           <a:p>
             <a:fld id="{56609FFC-5B0D-46D9-BF3C-9FAB2D87602A}" type="datetime1">
               <a:rPr lang="en-US" smtClean="0"/>
-              <a:t>6/17/2020</a:t>
+              <a:t>6/18/2020</a:t>
             </a:fld>
             <a:endParaRPr lang="en-US" dirty="0"/>
           </a:p>
@@ -4740,7 +4740,7 @@
           <a:p>
             <a:fld id="{B803EB97-A33F-43B2-A486-7BEA0A8D1D78}" type="datetime1">
               <a:rPr lang="en-US" smtClean="0"/>
-              <a:t>6/17/2020</a:t>
+              <a:t>6/18/2020</a:t>
             </a:fld>
             <a:endParaRPr lang="en-US" dirty="0"/>
           </a:p>
@@ -5142,7 +5142,7 @@
           <a:p>
             <a:fld id="{A1838368-6D6D-45D5-BCA0-DAFFFD11A950}" type="datetime1">
               <a:rPr lang="en-US" smtClean="0"/>
-              <a:t>6/17/2020</a:t>
+              <a:t>6/18/2020</a:t>
             </a:fld>
             <a:endParaRPr lang="en-US" dirty="0"/>
           </a:p>
@@ -6430,8 +6430,8 @@
         </p:nvSpPr>
         <p:spPr>
           <a:xfrm>
-            <a:off x="9520606" y="281927"/>
-            <a:ext cx="1984839" cy="523220"/>
+            <a:off x="7471969" y="281927"/>
+            <a:ext cx="4033476" cy="523220"/>
           </a:xfrm>
           <a:prstGeom prst="rect">
             <a:avLst/>
@@ -6450,7 +6450,7 @@
                 <a:latin typeface="Arial" panose="020B0604020202020204" pitchFamily="34" charset="0"/>
                 <a:cs typeface="Arial" panose="020B0604020202020204" pitchFamily="34" charset="0"/>
               </a:rPr>
-              <a:t>NỘI DUNG</a:t>
+              <a:t>ĐÁNH GIÁ ĐÓNG GÓP</a:t>
             </a:r>
             <a:endParaRPr lang="en-US" sz="2800" b="1" dirty="0">
               <a:latin typeface="Arial" panose="020B0604020202020204" pitchFamily="34" charset="0"/>
@@ -6459,16 +6459,46 @@
           </a:p>
         </p:txBody>
       </p:sp>
-      <p:sp>
-        <p:nvSpPr>
-          <p:cNvPr id="2" name="TextBox 1"/>
+      <p:pic>
+        <p:nvPicPr>
+          <p:cNvPr id="3" name="Picture 2"/>
+          <p:cNvPicPr>
+            <a:picLocks noChangeAspect="1"/>
+          </p:cNvPicPr>
+          <p:nvPr/>
+        </p:nvPicPr>
+        <p:blipFill>
+          <a:blip r:embed="rId2">
+            <a:extLst>
+              <a:ext uri="{28A0092B-C50C-407E-A947-70E740481C1C}">
+                <a14:useLocalDpi xmlns:a14="http://schemas.microsoft.com/office/drawing/2010/main" val="0"/>
+              </a:ext>
+            </a:extLst>
+          </a:blip>
+          <a:stretch>
+            <a:fillRect/>
+          </a:stretch>
+        </p:blipFill>
+        <p:spPr>
+          <a:xfrm>
+            <a:off x="1556270" y="2398126"/>
+            <a:ext cx="1506110" cy="1506110"/>
+          </a:xfrm>
+          <a:prstGeom prst="rect">
+            <a:avLst/>
+          </a:prstGeom>
+        </p:spPr>
+      </p:pic>
+      <p:sp>
+        <p:nvSpPr>
+          <p:cNvPr id="9" name="TextBox 8"/>
           <p:cNvSpPr txBox="1"/>
           <p:nvPr/>
         </p:nvSpPr>
         <p:spPr>
           <a:xfrm>
-            <a:off x="5276850" y="2628900"/>
-            <a:ext cx="1793696" cy="461665"/>
+            <a:off x="713375" y="4276159"/>
+            <a:ext cx="3191899" cy="369332"/>
           </a:xfrm>
           <a:prstGeom prst="rect">
             <a:avLst/>
@@ -6482,17 +6512,149 @@
           <a:lstStyle/>
           <a:p>
             <a:r>
-              <a:rPr lang="en-US" sz="2400" b="1" dirty="0" smtClean="0"/>
-              <a:t>Thank You!</a:t>
-            </a:r>
-            <a:endParaRPr lang="en-US" sz="2400" b="1" dirty="0"/>
+              <a:rPr lang="en-US" b="1" dirty="0" smtClean="0"/>
+              <a:t>Tỷ Lệ Công Việc Đảm Nhiệm</a:t>
+            </a:r>
+            <a:endParaRPr lang="en-US" b="1" dirty="0"/>
+          </a:p>
+        </p:txBody>
+      </p:sp>
+      <p:pic>
+        <p:nvPicPr>
+          <p:cNvPr id="10" name="Picture 9"/>
+          <p:cNvPicPr>
+            <a:picLocks noChangeAspect="1"/>
+          </p:cNvPicPr>
+          <p:nvPr/>
+        </p:nvPicPr>
+        <p:blipFill>
+          <a:blip r:embed="rId3">
+            <a:extLst>
+              <a:ext uri="{28A0092B-C50C-407E-A947-70E740481C1C}">
+                <a14:useLocalDpi xmlns:a14="http://schemas.microsoft.com/office/drawing/2010/main" val="0"/>
+              </a:ext>
+            </a:extLst>
+          </a:blip>
+          <a:stretch>
+            <a:fillRect/>
+          </a:stretch>
+        </p:blipFill>
+        <p:spPr>
+          <a:xfrm>
+            <a:off x="5088129" y="2230629"/>
+            <a:ext cx="1701292" cy="1701292"/>
+          </a:xfrm>
+          <a:prstGeom prst="rect">
+            <a:avLst/>
+          </a:prstGeom>
+        </p:spPr>
+      </p:pic>
+      <p:sp>
+        <p:nvSpPr>
+          <p:cNvPr id="11" name="TextBox 10"/>
+          <p:cNvSpPr txBox="1"/>
+          <p:nvPr/>
+        </p:nvSpPr>
+        <p:spPr>
+          <a:xfrm>
+            <a:off x="4600909" y="4276159"/>
+            <a:ext cx="2675732" cy="646331"/>
+          </a:xfrm>
+          <a:prstGeom prst="rect">
+            <a:avLst/>
+          </a:prstGeom>
+          <a:noFill/>
+        </p:spPr>
+        <p:txBody>
+          <a:bodyPr wrap="none" rtlCol="0">
+            <a:spAutoFit/>
+          </a:bodyPr>
+          <a:lstStyle/>
+          <a:p>
+            <a:r>
+              <a:rPr lang="en-US" b="1" dirty="0" smtClean="0"/>
+              <a:t>Số Lượng Công Việc Đã</a:t>
+            </a:r>
+          </a:p>
+          <a:p>
+            <a:r>
+              <a:rPr lang="en-US" b="1" dirty="0" smtClean="0"/>
+              <a:t>Hoàn Thành Đúng Hạn</a:t>
+            </a:r>
+            <a:endParaRPr lang="en-US" b="1" dirty="0"/>
+          </a:p>
+        </p:txBody>
+      </p:sp>
+      <p:pic>
+        <p:nvPicPr>
+          <p:cNvPr id="12" name="Picture 11"/>
+          <p:cNvPicPr>
+            <a:picLocks noChangeAspect="1"/>
+          </p:cNvPicPr>
+          <p:nvPr/>
+        </p:nvPicPr>
+        <p:blipFill>
+          <a:blip r:embed="rId3">
+            <a:extLst>
+              <a:ext uri="{28A0092B-C50C-407E-A947-70E740481C1C}">
+                <a14:useLocalDpi xmlns:a14="http://schemas.microsoft.com/office/drawing/2010/main" val="0"/>
+              </a:ext>
+            </a:extLst>
+          </a:blip>
+          <a:stretch>
+            <a:fillRect/>
+          </a:stretch>
+        </p:blipFill>
+        <p:spPr>
+          <a:xfrm>
+            <a:off x="8928609" y="2230629"/>
+            <a:ext cx="1701292" cy="1701292"/>
+          </a:xfrm>
+          <a:prstGeom prst="rect">
+            <a:avLst/>
+          </a:prstGeom>
+        </p:spPr>
+      </p:pic>
+      <p:sp>
+        <p:nvSpPr>
+          <p:cNvPr id="13" name="TextBox 12"/>
+          <p:cNvSpPr txBox="1"/>
+          <p:nvPr/>
+        </p:nvSpPr>
+        <p:spPr>
+          <a:xfrm>
+            <a:off x="8157176" y="4276159"/>
+            <a:ext cx="3244158" cy="646331"/>
+          </a:xfrm>
+          <a:prstGeom prst="rect">
+            <a:avLst/>
+          </a:prstGeom>
+          <a:noFill/>
+        </p:spPr>
+        <p:txBody>
+          <a:bodyPr wrap="none" rtlCol="0">
+            <a:spAutoFit/>
+          </a:bodyPr>
+          <a:lstStyle/>
+          <a:p>
+            <a:r>
+              <a:rPr lang="en-US" b="1" dirty="0" smtClean="0"/>
+              <a:t>Số Lượng Công Việc </a:t>
+            </a:r>
+          </a:p>
+          <a:p>
+            <a:r>
+              <a:rPr lang="en-US" b="1" dirty="0" smtClean="0"/>
+              <a:t>Chưa Hoàn Thành Đúng Hạn</a:t>
+            </a:r>
+            <a:endParaRPr lang="en-US" b="1" dirty="0"/>
           </a:p>
         </p:txBody>
       </p:sp>
     </p:spTree>
     <p:extLst>
       <p:ext uri="{BB962C8B-B14F-4D97-AF65-F5344CB8AC3E}">
-        <p14:creationId xmlns:p14="http://schemas.microsoft.com/office/powerpoint/2010/main" val="802791485"/>
+        <p14:creationId xmlns:p14="http://schemas.microsoft.com/office/powerpoint/2010/main" val="1776187012"/>
       </p:ext>
     </p:extLst>
   </p:cSld>
@@ -6558,8 +6720,8 @@
         </p:nvSpPr>
         <p:spPr>
           <a:xfrm>
-            <a:off x="9520606" y="281927"/>
-            <a:ext cx="1984839" cy="523220"/>
+            <a:off x="9504576" y="281927"/>
+            <a:ext cx="2000869" cy="523220"/>
           </a:xfrm>
           <a:prstGeom prst="rect">
             <a:avLst/>
@@ -6578,7 +6740,7 @@
                 <a:latin typeface="Arial" panose="020B0604020202020204" pitchFamily="34" charset="0"/>
                 <a:cs typeface="Arial" panose="020B0604020202020204" pitchFamily="34" charset="0"/>
               </a:rPr>
-              <a:t>NỘI DUNG</a:t>
+              <a:t>KẾT LUẬN</a:t>
             </a:r>
             <a:endParaRPr lang="en-US" sz="2800" b="1" dirty="0">
               <a:latin typeface="Arial" panose="020B0604020202020204" pitchFamily="34" charset="0"/>
@@ -6595,8 +6757,8 @@
         </p:nvSpPr>
         <p:spPr>
           <a:xfrm>
-            <a:off x="5276850" y="2628900"/>
-            <a:ext cx="1793696" cy="461665"/>
+            <a:off x="1810030" y="2429522"/>
+            <a:ext cx="7025962" cy="461665"/>
           </a:xfrm>
           <a:prstGeom prst="rect">
             <a:avLst/>
@@ -6611,7 +6773,7 @@
           <a:p>
             <a:r>
               <a:rPr lang="en-US" sz="2400" b="1" dirty="0" smtClean="0"/>
-              <a:t>Thank You!</a:t>
+              <a:t>Cấu Trúc 4 Lớp -&gt; Nhiều Cách Tổ Chức, Quản Lý</a:t>
             </a:r>
             <a:endParaRPr lang="en-US" sz="2400" b="1" dirty="0"/>
           </a:p>
@@ -6620,7 +6782,7 @@
     </p:spTree>
     <p:extLst>
       <p:ext uri="{BB962C8B-B14F-4D97-AF65-F5344CB8AC3E}">
-        <p14:creationId xmlns:p14="http://schemas.microsoft.com/office/powerpoint/2010/main" val="1776187012"/>
+        <p14:creationId xmlns:p14="http://schemas.microsoft.com/office/powerpoint/2010/main" val="115641034"/>
       </p:ext>
     </p:extLst>
   </p:cSld>
@@ -6686,8 +6848,8 @@
         </p:nvSpPr>
         <p:spPr>
           <a:xfrm>
-            <a:off x="9520606" y="281927"/>
-            <a:ext cx="1984839" cy="523220"/>
+            <a:off x="7313271" y="160338"/>
+            <a:ext cx="4192174" cy="523220"/>
           </a:xfrm>
           <a:prstGeom prst="rect">
             <a:avLst/>
@@ -6706,7 +6868,7 @@
                 <a:latin typeface="Arial" panose="020B0604020202020204" pitchFamily="34" charset="0"/>
                 <a:cs typeface="Arial" panose="020B0604020202020204" pitchFamily="34" charset="0"/>
               </a:rPr>
-              <a:t>NỘI DUNG</a:t>
+              <a:t>CÔNG NGHỆ SỬ DỤNG</a:t>
             </a:r>
             <a:endParaRPr lang="en-US" sz="2800" b="1" dirty="0">
               <a:latin typeface="Arial" panose="020B0604020202020204" pitchFamily="34" charset="0"/>
@@ -6717,14 +6879,83 @@
       </p:sp>
       <p:sp>
         <p:nvSpPr>
-          <p:cNvPr id="2" name="TextBox 1"/>
+          <p:cNvPr id="3" name="AutoShape 2" descr="Download Free png Work Schedule, Vector Material, Schedules, Work ..."/>
+          <p:cNvSpPr>
+            <a:spLocks noChangeAspect="1" noChangeArrowheads="1"/>
+          </p:cNvSpPr>
+          <p:nvPr/>
+        </p:nvSpPr>
+        <p:spPr bwMode="auto">
+          <a:xfrm>
+            <a:off x="155575" y="-144463"/>
+            <a:ext cx="304800" cy="304801"/>
+          </a:xfrm>
+          <a:prstGeom prst="rect">
+            <a:avLst/>
+          </a:prstGeom>
+          <a:noFill/>
+          <a:extLst>
+            <a:ext uri="{909E8E84-426E-40DD-AFC4-6F175D3DCCD1}">
+              <a14:hiddenFill xmlns:a14="http://schemas.microsoft.com/office/drawing/2010/main">
+                <a:solidFill>
+                  <a:srgbClr val="FFFFFF"/>
+                </a:solidFill>
+              </a14:hiddenFill>
+            </a:ext>
+          </a:extLst>
+        </p:spPr>
+        <p:txBody>
+          <a:bodyPr vert="horz" wrap="square" lIns="91440" tIns="45720" rIns="91440" bIns="45720" numCol="1" anchor="t" anchorCtr="0" compatLnSpc="1">
+            <a:prstTxWarp prst="textNoShape">
+              <a:avLst/>
+            </a:prstTxWarp>
+          </a:bodyPr>
+          <a:lstStyle/>
+          <a:p>
+            <a:endParaRPr lang="en-US"/>
+          </a:p>
+        </p:txBody>
+      </p:sp>
+      <p:pic>
+        <p:nvPicPr>
+          <p:cNvPr id="2" name="Picture 1"/>
+          <p:cNvPicPr>
+            <a:picLocks noChangeAspect="1"/>
+          </p:cNvPicPr>
+          <p:nvPr/>
+        </p:nvPicPr>
+        <p:blipFill>
+          <a:blip r:embed="rId2">
+            <a:extLst>
+              <a:ext uri="{28A0092B-C50C-407E-A947-70E740481C1C}">
+                <a14:useLocalDpi xmlns:a14="http://schemas.microsoft.com/office/drawing/2010/main" val="0"/>
+              </a:ext>
+            </a:extLst>
+          </a:blip>
+          <a:stretch>
+            <a:fillRect/>
+          </a:stretch>
+        </p:blipFill>
+        <p:spPr>
+          <a:xfrm>
+            <a:off x="6738831" y="1051559"/>
+            <a:ext cx="2138417" cy="1308110"/>
+          </a:xfrm>
+          <a:prstGeom prst="rect">
+            <a:avLst/>
+          </a:prstGeom>
+        </p:spPr>
+      </p:pic>
+      <p:sp>
+        <p:nvSpPr>
+          <p:cNvPr id="11" name="TextBox 10"/>
           <p:cNvSpPr txBox="1"/>
           <p:nvPr/>
         </p:nvSpPr>
         <p:spPr>
           <a:xfrm>
-            <a:off x="5276850" y="2628900"/>
-            <a:ext cx="1793696" cy="461665"/>
+            <a:off x="8877248" y="2450015"/>
+            <a:ext cx="1902953" cy="523220"/>
           </a:xfrm>
           <a:prstGeom prst="rect">
             <a:avLst/>
@@ -6732,23 +6963,307 @@
           <a:noFill/>
         </p:spPr>
         <p:txBody>
-          <a:bodyPr wrap="none" rtlCol="0">
+          <a:bodyPr wrap="square" rtlCol="0">
             <a:spAutoFit/>
           </a:bodyPr>
           <a:lstStyle/>
           <a:p>
-            <a:r>
-              <a:rPr lang="en-US" sz="2400" b="1" dirty="0" smtClean="0"/>
-              <a:t>Thank You!</a:t>
-            </a:r>
-            <a:endParaRPr lang="en-US" sz="2400" b="1" dirty="0"/>
-          </a:p>
-        </p:txBody>
-      </p:sp>
+            <a:pPr algn="ctr"/>
+            <a:r>
+              <a:rPr lang="en-US" sz="2800" i="1" dirty="0" smtClean="0">
+                <a:latin typeface="Arial" panose="020B0604020202020204" pitchFamily="34" charset="0"/>
+                <a:cs typeface="Arial" panose="020B0604020202020204" pitchFamily="34" charset="0"/>
+              </a:rPr>
+              <a:t>Express</a:t>
+            </a:r>
+            <a:endParaRPr lang="en-US" sz="2800" i="1" dirty="0">
+              <a:latin typeface="Arial" panose="020B0604020202020204" pitchFamily="34" charset="0"/>
+              <a:cs typeface="Arial" panose="020B0604020202020204" pitchFamily="34" charset="0"/>
+            </a:endParaRPr>
+          </a:p>
+        </p:txBody>
+      </p:sp>
+      <p:pic>
+        <p:nvPicPr>
+          <p:cNvPr id="7" name="Picture 6"/>
+          <p:cNvPicPr>
+            <a:picLocks noChangeAspect="1"/>
+          </p:cNvPicPr>
+          <p:nvPr/>
+        </p:nvPicPr>
+        <p:blipFill>
+          <a:blip r:embed="rId3">
+            <a:extLst>
+              <a:ext uri="{28A0092B-C50C-407E-A947-70E740481C1C}">
+                <a14:useLocalDpi xmlns:a14="http://schemas.microsoft.com/office/drawing/2010/main" val="0"/>
+              </a:ext>
+            </a:extLst>
+          </a:blip>
+          <a:stretch>
+            <a:fillRect/>
+          </a:stretch>
+        </p:blipFill>
+        <p:spPr>
+          <a:xfrm>
+            <a:off x="6519383" y="2774247"/>
+            <a:ext cx="2357865" cy="2357865"/>
+          </a:xfrm>
+          <a:prstGeom prst="rect">
+            <a:avLst/>
+          </a:prstGeom>
+        </p:spPr>
+      </p:pic>
+      <p:pic>
+        <p:nvPicPr>
+          <p:cNvPr id="8" name="Picture 7"/>
+          <p:cNvPicPr>
+            <a:picLocks noChangeAspect="1"/>
+          </p:cNvPicPr>
+          <p:nvPr/>
+        </p:nvPicPr>
+        <p:blipFill>
+          <a:blip r:embed="rId4">
+            <a:extLst>
+              <a:ext uri="{28A0092B-C50C-407E-A947-70E740481C1C}">
+                <a14:useLocalDpi xmlns:a14="http://schemas.microsoft.com/office/drawing/2010/main" val="0"/>
+              </a:ext>
+            </a:extLst>
+          </a:blip>
+          <a:stretch>
+            <a:fillRect/>
+          </a:stretch>
+        </p:blipFill>
+        <p:spPr>
+          <a:xfrm>
+            <a:off x="8990027" y="4333871"/>
+            <a:ext cx="1677394" cy="811642"/>
+          </a:xfrm>
+          <a:prstGeom prst="rect">
+            <a:avLst/>
+          </a:prstGeom>
+        </p:spPr>
+      </p:pic>
+      <p:pic>
+        <p:nvPicPr>
+          <p:cNvPr id="14" name="Picture 13"/>
+          <p:cNvPicPr>
+            <a:picLocks noChangeAspect="1"/>
+          </p:cNvPicPr>
+          <p:nvPr/>
+        </p:nvPicPr>
+        <p:blipFill>
+          <a:blip r:embed="rId5">
+            <a:extLst>
+              <a:ext uri="{28A0092B-C50C-407E-A947-70E740481C1C}">
+                <a14:useLocalDpi xmlns:a14="http://schemas.microsoft.com/office/drawing/2010/main" val="0"/>
+              </a:ext>
+            </a:extLst>
+          </a:blip>
+          <a:stretch>
+            <a:fillRect/>
+          </a:stretch>
+        </p:blipFill>
+        <p:spPr>
+          <a:xfrm>
+            <a:off x="7275119" y="5381456"/>
+            <a:ext cx="1074199" cy="1074199"/>
+          </a:xfrm>
+          <a:prstGeom prst="rect">
+            <a:avLst/>
+          </a:prstGeom>
+        </p:spPr>
+      </p:pic>
+      <p:sp>
+        <p:nvSpPr>
+          <p:cNvPr id="16" name="TextBox 15"/>
+          <p:cNvSpPr txBox="1"/>
+          <p:nvPr/>
+        </p:nvSpPr>
+        <p:spPr>
+          <a:xfrm>
+            <a:off x="8191448" y="5986790"/>
+            <a:ext cx="1902953" cy="523220"/>
+          </a:xfrm>
+          <a:prstGeom prst="rect">
+            <a:avLst/>
+          </a:prstGeom>
+          <a:noFill/>
+        </p:spPr>
+        <p:txBody>
+          <a:bodyPr wrap="square" rtlCol="0">
+            <a:spAutoFit/>
+          </a:bodyPr>
+          <a:lstStyle/>
+          <a:p>
+            <a:pPr algn="ctr"/>
+            <a:r>
+              <a:rPr lang="en-US" sz="2800" i="1" dirty="0" smtClean="0">
+                <a:latin typeface="Arial" panose="020B0604020202020204" pitchFamily="34" charset="0"/>
+                <a:cs typeface="Arial" panose="020B0604020202020204" pitchFamily="34" charset="0"/>
+              </a:rPr>
+              <a:t>Socket.io</a:t>
+            </a:r>
+            <a:endParaRPr lang="en-US" sz="2800" i="1" dirty="0">
+              <a:latin typeface="Arial" panose="020B0604020202020204" pitchFamily="34" charset="0"/>
+              <a:cs typeface="Arial" panose="020B0604020202020204" pitchFamily="34" charset="0"/>
+            </a:endParaRPr>
+          </a:p>
+        </p:txBody>
+      </p:sp>
+      <p:pic>
+        <p:nvPicPr>
+          <p:cNvPr id="19" name="Picture 18"/>
+          <p:cNvPicPr>
+            <a:picLocks noChangeAspect="1"/>
+          </p:cNvPicPr>
+          <p:nvPr/>
+        </p:nvPicPr>
+        <p:blipFill>
+          <a:blip r:embed="rId6">
+            <a:extLst>
+              <a:ext uri="{28A0092B-C50C-407E-A947-70E740481C1C}">
+                <a14:useLocalDpi xmlns:a14="http://schemas.microsoft.com/office/drawing/2010/main" val="0"/>
+              </a:ext>
+            </a:extLst>
+          </a:blip>
+          <a:stretch>
+            <a:fillRect/>
+          </a:stretch>
+        </p:blipFill>
+        <p:spPr>
+          <a:xfrm>
+            <a:off x="3373344" y="4299125"/>
+            <a:ext cx="1279350" cy="1279350"/>
+          </a:xfrm>
+          <a:prstGeom prst="rect">
+            <a:avLst/>
+          </a:prstGeom>
+        </p:spPr>
+      </p:pic>
+      <p:pic>
+        <p:nvPicPr>
+          <p:cNvPr id="21" name="Picture 20"/>
+          <p:cNvPicPr>
+            <a:picLocks noChangeAspect="1"/>
+          </p:cNvPicPr>
+          <p:nvPr/>
+        </p:nvPicPr>
+        <p:blipFill>
+          <a:blip r:embed="rId7">
+            <a:extLst>
+              <a:ext uri="{28A0092B-C50C-407E-A947-70E740481C1C}">
+                <a14:useLocalDpi xmlns:a14="http://schemas.microsoft.com/office/drawing/2010/main" val="0"/>
+              </a:ext>
+            </a:extLst>
+          </a:blip>
+          <a:stretch>
+            <a:fillRect/>
+          </a:stretch>
+        </p:blipFill>
+        <p:spPr>
+          <a:xfrm>
+            <a:off x="1381178" y="4102169"/>
+            <a:ext cx="1245714" cy="1273891"/>
+          </a:xfrm>
+          <a:prstGeom prst="rect">
+            <a:avLst/>
+          </a:prstGeom>
+        </p:spPr>
+      </p:pic>
+      <p:pic>
+        <p:nvPicPr>
+          <p:cNvPr id="22" name="Picture 21"/>
+          <p:cNvPicPr>
+            <a:picLocks noChangeAspect="1"/>
+          </p:cNvPicPr>
+          <p:nvPr/>
+        </p:nvPicPr>
+        <p:blipFill>
+          <a:blip r:embed="rId8">
+            <a:extLst>
+              <a:ext uri="{28A0092B-C50C-407E-A947-70E740481C1C}">
+                <a14:useLocalDpi xmlns:a14="http://schemas.microsoft.com/office/drawing/2010/main" val="0"/>
+              </a:ext>
+            </a:extLst>
+          </a:blip>
+          <a:stretch>
+            <a:fillRect/>
+          </a:stretch>
+        </p:blipFill>
+        <p:spPr>
+          <a:xfrm>
+            <a:off x="1059544" y="1204849"/>
+            <a:ext cx="2579799" cy="1102864"/>
+          </a:xfrm>
+          <a:prstGeom prst="rect">
+            <a:avLst/>
+          </a:prstGeom>
+        </p:spPr>
+      </p:pic>
+      <p:pic>
+        <p:nvPicPr>
+          <p:cNvPr id="23" name="Picture 22"/>
+          <p:cNvPicPr>
+            <a:picLocks noChangeAspect="1"/>
+          </p:cNvPicPr>
+          <p:nvPr/>
+        </p:nvPicPr>
+        <p:blipFill>
+          <a:blip r:embed="rId9">
+            <a:extLst>
+              <a:ext uri="{28A0092B-C50C-407E-A947-70E740481C1C}">
+                <a14:useLocalDpi xmlns:a14="http://schemas.microsoft.com/office/drawing/2010/main" val="0"/>
+              </a:ext>
+            </a:extLst>
+          </a:blip>
+          <a:stretch>
+            <a:fillRect/>
+          </a:stretch>
+        </p:blipFill>
+        <p:spPr>
+          <a:xfrm>
+            <a:off x="3901904" y="1094293"/>
+            <a:ext cx="1323975" cy="1323975"/>
+          </a:xfrm>
+          <a:prstGeom prst="rect">
+            <a:avLst/>
+          </a:prstGeom>
+        </p:spPr>
+      </p:pic>
+      <p:pic>
+        <p:nvPicPr>
+          <p:cNvPr id="24" name="Picture 23"/>
+          <p:cNvPicPr>
+            <a:picLocks noChangeAspect="1"/>
+          </p:cNvPicPr>
+          <p:nvPr/>
+        </p:nvPicPr>
+        <p:blipFill>
+          <a:blip r:embed="rId10">
+            <a:extLst>
+              <a:ext uri="{28A0092B-C50C-407E-A947-70E740481C1C}">
+                <a14:useLocalDpi xmlns:a14="http://schemas.microsoft.com/office/drawing/2010/main" val="0"/>
+              </a:ext>
+            </a:extLst>
+          </a:blip>
+          <a:stretch>
+            <a:fillRect/>
+          </a:stretch>
+        </p:blipFill>
+        <p:spPr>
+          <a:xfrm>
+            <a:off x="2626892" y="2506310"/>
+            <a:ext cx="1571625" cy="1571625"/>
+          </a:xfrm>
+          <a:prstGeom prst="rect">
+            <a:avLst/>
+          </a:prstGeom>
+        </p:spPr>
+      </p:pic>
     </p:spTree>
     <p:extLst>
       <p:ext uri="{BB962C8B-B14F-4D97-AF65-F5344CB8AC3E}">
-        <p14:creationId xmlns:p14="http://schemas.microsoft.com/office/powerpoint/2010/main" val="115641034"/>
+        <p14:creationId xmlns:p14="http://schemas.microsoft.com/office/powerpoint/2010/main" val="802297981"/>
       </p:ext>
     </p:extLst>
   </p:cSld>
@@ -6808,14 +7323,14 @@
       </p:sp>
       <p:sp>
         <p:nvSpPr>
-          <p:cNvPr id="5" name="TextBox 4"/>
+          <p:cNvPr id="2" name="TextBox 1"/>
           <p:cNvSpPr txBox="1"/>
           <p:nvPr/>
         </p:nvSpPr>
         <p:spPr>
           <a:xfrm>
-            <a:off x="9520606" y="281927"/>
-            <a:ext cx="1984839" cy="523220"/>
+            <a:off x="5276850" y="2628900"/>
+            <a:ext cx="1793696" cy="461665"/>
           </a:xfrm>
           <a:prstGeom prst="rect">
             <a:avLst/>
@@ -6828,43 +7343,6 @@
           </a:bodyPr>
           <a:lstStyle/>
           <a:p>
-            <a:pPr algn="r"/>
-            <a:r>
-              <a:rPr lang="en-US" sz="2800" b="1" dirty="0" smtClean="0">
-                <a:latin typeface="Arial" panose="020B0604020202020204" pitchFamily="34" charset="0"/>
-                <a:cs typeface="Arial" panose="020B0604020202020204" pitchFamily="34" charset="0"/>
-              </a:rPr>
-              <a:t>NỘI DUNG</a:t>
-            </a:r>
-            <a:endParaRPr lang="en-US" sz="2800" b="1" dirty="0">
-              <a:latin typeface="Arial" panose="020B0604020202020204" pitchFamily="34" charset="0"/>
-              <a:cs typeface="Arial" panose="020B0604020202020204" pitchFamily="34" charset="0"/>
-            </a:endParaRPr>
-          </a:p>
-        </p:txBody>
-      </p:sp>
-      <p:sp>
-        <p:nvSpPr>
-          <p:cNvPr id="2" name="TextBox 1"/>
-          <p:cNvSpPr txBox="1"/>
-          <p:nvPr/>
-        </p:nvSpPr>
-        <p:spPr>
-          <a:xfrm>
-            <a:off x="5276850" y="2628900"/>
-            <a:ext cx="1793696" cy="461665"/>
-          </a:xfrm>
-          <a:prstGeom prst="rect">
-            <a:avLst/>
-          </a:prstGeom>
-          <a:noFill/>
-        </p:spPr>
-        <p:txBody>
-          <a:bodyPr wrap="none" rtlCol="0">
-            <a:spAutoFit/>
-          </a:bodyPr>
-          <a:lstStyle/>
-          <a:p>
             <a:r>
               <a:rPr lang="en-US" sz="2400" b="1" dirty="0" smtClean="0"/>
               <a:t>Thank You!</a:t>
@@ -6876,7 +7354,7 @@
     </p:spTree>
     <p:extLst>
       <p:ext uri="{BB962C8B-B14F-4D97-AF65-F5344CB8AC3E}">
-        <p14:creationId xmlns:p14="http://schemas.microsoft.com/office/powerpoint/2010/main" val="1906823986"/>
+        <p14:creationId xmlns:p14="http://schemas.microsoft.com/office/powerpoint/2010/main" val="2693176939"/>
       </p:ext>
     </p:extLst>
   </p:cSld>
@@ -6979,7 +7457,7 @@
         </p:nvSpPr>
         <p:spPr>
           <a:xfrm>
-            <a:off x="913040" y="1541690"/>
+            <a:off x="913039" y="1673679"/>
             <a:ext cx="2949077" cy="461665"/>
           </a:xfrm>
           <a:prstGeom prst="rect">
@@ -7009,14 +7487,14 @@
       </p:sp>
       <p:sp>
         <p:nvSpPr>
-          <p:cNvPr id="6" name="TextBox 5"/>
+          <p:cNvPr id="7" name="TextBox 6"/>
           <p:cNvSpPr txBox="1"/>
           <p:nvPr/>
         </p:nvSpPr>
         <p:spPr>
           <a:xfrm>
-            <a:off x="913040" y="2208440"/>
-            <a:ext cx="3405099" cy="461665"/>
+            <a:off x="913039" y="2673804"/>
+            <a:ext cx="3688702" cy="461665"/>
           </a:xfrm>
           <a:prstGeom prst="rect">
             <a:avLst/>
@@ -7041,56 +7519,6 @@
                 <a:latin typeface="Arial" panose="020B0604020202020204" pitchFamily="34" charset="0"/>
                 <a:cs typeface="Arial" panose="020B0604020202020204" pitchFamily="34" charset="0"/>
               </a:rPr>
-              <a:t>Công Nghệ Sử </a:t>
-            </a:r>
-            <a:r>
-              <a:rPr lang="en-US" sz="2400" dirty="0" smtClean="0">
-                <a:latin typeface="Arial" panose="020B0604020202020204" pitchFamily="34" charset="0"/>
-                <a:cs typeface="Arial" panose="020B0604020202020204" pitchFamily="34" charset="0"/>
-              </a:rPr>
-              <a:t>Dụng</a:t>
-            </a:r>
-            <a:endParaRPr lang="en-US" sz="2400" dirty="0">
-              <a:latin typeface="Arial" panose="020B0604020202020204" pitchFamily="34" charset="0"/>
-              <a:cs typeface="Arial" panose="020B0604020202020204" pitchFamily="34" charset="0"/>
-            </a:endParaRPr>
-          </a:p>
-        </p:txBody>
-      </p:sp>
-      <p:sp>
-        <p:nvSpPr>
-          <p:cNvPr id="7" name="TextBox 6"/>
-          <p:cNvSpPr txBox="1"/>
-          <p:nvPr/>
-        </p:nvSpPr>
-        <p:spPr>
-          <a:xfrm>
-            <a:off x="913040" y="2875190"/>
-            <a:ext cx="3688702" cy="461665"/>
-          </a:xfrm>
-          <a:prstGeom prst="rect">
-            <a:avLst/>
-          </a:prstGeom>
-          <a:noFill/>
-        </p:spPr>
-        <p:txBody>
-          <a:bodyPr wrap="none" rtlCol="0">
-            <a:spAutoFit/>
-          </a:bodyPr>
-          <a:lstStyle/>
-          <a:p>
-            <a:r>
-              <a:rPr lang="en-US" sz="2400" dirty="0" smtClean="0">
-                <a:latin typeface="Arial" panose="020B0604020202020204" pitchFamily="34" charset="0"/>
-                <a:cs typeface="Arial" panose="020B0604020202020204" pitchFamily="34" charset="0"/>
-              </a:rPr>
-              <a:t>3. </a:t>
-            </a:r>
-            <a:r>
-              <a:rPr lang="en-US" sz="2400" dirty="0">
-                <a:latin typeface="Arial" panose="020B0604020202020204" pitchFamily="34" charset="0"/>
-                <a:cs typeface="Arial" panose="020B0604020202020204" pitchFamily="34" charset="0"/>
-              </a:rPr>
               <a:t>Chức Năng Trang </a:t>
             </a:r>
             <a:r>
@@ -7099,6 +7527,78 @@
                 <a:cs typeface="Arial" panose="020B0604020202020204" pitchFamily="34" charset="0"/>
               </a:rPr>
               <a:t>Web</a:t>
+            </a:r>
+            <a:endParaRPr lang="en-US" sz="2400" dirty="0">
+              <a:latin typeface="Arial" panose="020B0604020202020204" pitchFamily="34" charset="0"/>
+              <a:cs typeface="Arial" panose="020B0604020202020204" pitchFamily="34" charset="0"/>
+            </a:endParaRPr>
+          </a:p>
+        </p:txBody>
+      </p:sp>
+      <p:sp>
+        <p:nvSpPr>
+          <p:cNvPr id="8" name="TextBox 7"/>
+          <p:cNvSpPr txBox="1"/>
+          <p:nvPr/>
+        </p:nvSpPr>
+        <p:spPr>
+          <a:xfrm>
+            <a:off x="913039" y="3673929"/>
+            <a:ext cx="3405099" cy="461665"/>
+          </a:xfrm>
+          <a:prstGeom prst="rect">
+            <a:avLst/>
+          </a:prstGeom>
+          <a:noFill/>
+        </p:spPr>
+        <p:txBody>
+          <a:bodyPr wrap="none" rtlCol="0">
+            <a:spAutoFit/>
+          </a:bodyPr>
+          <a:lstStyle/>
+          <a:p>
+            <a:r>
+              <a:rPr lang="en-US" sz="2400" dirty="0" smtClean="0">
+                <a:latin typeface="Arial" panose="020B0604020202020204" pitchFamily="34" charset="0"/>
+                <a:cs typeface="Arial" panose="020B0604020202020204" pitchFamily="34" charset="0"/>
+              </a:rPr>
+              <a:t>3. Công Nghệ Sử Dụng</a:t>
+            </a:r>
+            <a:endParaRPr lang="en-US" sz="2400" dirty="0">
+              <a:latin typeface="Arial" panose="020B0604020202020204" pitchFamily="34" charset="0"/>
+              <a:cs typeface="Arial" panose="020B0604020202020204" pitchFamily="34" charset="0"/>
+            </a:endParaRPr>
+          </a:p>
+        </p:txBody>
+      </p:sp>
+      <p:sp>
+        <p:nvSpPr>
+          <p:cNvPr id="9" name="TextBox 8"/>
+          <p:cNvSpPr txBox="1"/>
+          <p:nvPr/>
+        </p:nvSpPr>
+        <p:spPr>
+          <a:xfrm>
+            <a:off x="913039" y="4674054"/>
+            <a:ext cx="1758815" cy="461665"/>
+          </a:xfrm>
+          <a:prstGeom prst="rect">
+            <a:avLst/>
+          </a:prstGeom>
+          <a:noFill/>
+        </p:spPr>
+        <p:txBody>
+          <a:bodyPr wrap="none" rtlCol="0">
+            <a:spAutoFit/>
+          </a:bodyPr>
+          <a:lstStyle/>
+          <a:p>
+            <a:r>
+              <a:rPr lang="en-US" sz="2400" dirty="0" smtClean="0">
+                <a:latin typeface="Arial" panose="020B0604020202020204" pitchFamily="34" charset="0"/>
+                <a:cs typeface="Arial" panose="020B0604020202020204" pitchFamily="34" charset="0"/>
+              </a:rPr>
+              <a:t>4. Kết Luận</a:t>
             </a:r>
             <a:endParaRPr lang="en-US" sz="2400" dirty="0">
               <a:latin typeface="Arial" panose="020B0604020202020204" pitchFamily="34" charset="0"/>
@@ -8045,7 +8545,7 @@
         </p:blipFill>
         <p:spPr bwMode="auto">
           <a:xfrm>
-            <a:off x="8714344" y="1579599"/>
+            <a:off x="8502255" y="1579599"/>
             <a:ext cx="1097280" cy="1097280"/>
           </a:xfrm>
           <a:prstGeom prst="rect">
@@ -8064,8 +8564,8 @@
         </p:nvSpPr>
         <p:spPr>
           <a:xfrm>
-            <a:off x="9803978" y="1583111"/>
-            <a:ext cx="1287532" cy="646331"/>
+            <a:off x="9591889" y="1583111"/>
+            <a:ext cx="2501647" cy="1200329"/>
           </a:xfrm>
           <a:prstGeom prst="rect">
             <a:avLst/>
@@ -8092,8 +8592,26 @@
                 <a:latin typeface="Arial" panose="020B0604020202020204" pitchFamily="34" charset="0"/>
                 <a:cs typeface="Arial" panose="020B0604020202020204" pitchFamily="34" charset="0"/>
               </a:rPr>
-              <a:t>Công việc</a:t>
-            </a:r>
+              <a:t>Công </a:t>
+            </a:r>
+            <a:r>
+              <a:rPr lang="en-US" b="1" dirty="0" smtClean="0">
+                <a:latin typeface="Arial" panose="020B0604020202020204" pitchFamily="34" charset="0"/>
+                <a:cs typeface="Arial" panose="020B0604020202020204" pitchFamily="34" charset="0"/>
+              </a:rPr>
+              <a:t>việc</a:t>
+            </a:r>
+          </a:p>
+          <a:p>
+            <a:r>
+              <a:rPr lang="en-US" b="1" dirty="0">
+                <a:latin typeface="Arial" panose="020B0604020202020204" pitchFamily="34" charset="0"/>
+                <a:cs typeface="Arial" panose="020B0604020202020204" pitchFamily="34" charset="0"/>
+              </a:rPr>
+              <a:t>Phân Chia Công Việc</a:t>
+            </a:r>
+          </a:p>
+          <a:p>
             <a:endParaRPr lang="en-US" b="1" dirty="0">
               <a:latin typeface="Arial" panose="020B0604020202020204" pitchFamily="34" charset="0"/>
               <a:cs typeface="Arial" panose="020B0604020202020204" pitchFamily="34" charset="0"/>
@@ -8183,7 +8701,7 @@
         <p:spPr>
           <a:xfrm>
             <a:off x="1557655" y="4150850"/>
-            <a:ext cx="1313180" cy="646331"/>
+            <a:ext cx="1313180" cy="369332"/>
           </a:xfrm>
           <a:prstGeom prst="rect">
             <a:avLst/>
@@ -8195,15 +8713,6 @@
             <a:spAutoFit/>
           </a:bodyPr>
           <a:lstStyle/>
-          <a:p>
-            <a:r>
-              <a:rPr lang="en-US" b="1" dirty="0" smtClean="0">
-                <a:latin typeface="Arial" panose="020B0604020202020204" pitchFamily="34" charset="0"/>
-                <a:cs typeface="Arial" panose="020B0604020202020204" pitchFamily="34" charset="0"/>
-              </a:rPr>
-              <a:t>Trao Đổi </a:t>
-            </a:r>
-          </a:p>
           <a:p>
             <a:r>
               <a:rPr lang="en-US" b="1" dirty="0" smtClean="0">
@@ -8212,10 +8721,6 @@
               </a:rPr>
               <a:t>Bình Luận</a:t>
             </a:r>
-            <a:endParaRPr lang="en-US" b="1" dirty="0">
-              <a:latin typeface="Arial" panose="020B0604020202020204" pitchFamily="34" charset="0"/>
-              <a:cs typeface="Arial" panose="020B0604020202020204" pitchFamily="34" charset="0"/>
-            </a:endParaRPr>
           </a:p>
         </p:txBody>
       </p:sp>
@@ -8306,7 +8811,7 @@
         </p:blipFill>
         <p:spPr>
           <a:xfrm>
-            <a:off x="8706564" y="4135857"/>
+            <a:off x="8494475" y="4135857"/>
             <a:ext cx="1097280" cy="1097280"/>
           </a:xfrm>
           <a:prstGeom prst="rect">
@@ -8325,7 +8830,7 @@
         </p:nvSpPr>
         <p:spPr>
           <a:xfrm>
-            <a:off x="9811624" y="4118912"/>
+            <a:off x="9599535" y="4118912"/>
             <a:ext cx="2031325" cy="369332"/>
           </a:xfrm>
           <a:prstGeom prst="rect">
@@ -9334,8 +9839,8 @@
         </p:nvSpPr>
         <p:spPr>
           <a:xfrm>
-            <a:off x="7313271" y="160338"/>
-            <a:ext cx="4192174" cy="523220"/>
+            <a:off x="7428687" y="281927"/>
+            <a:ext cx="4076758" cy="523220"/>
           </a:xfrm>
           <a:prstGeom prst="rect">
             <a:avLst/>
@@ -9354,7 +9859,7 @@
                 <a:latin typeface="Arial" panose="020B0604020202020204" pitchFamily="34" charset="0"/>
                 <a:cs typeface="Arial" panose="020B0604020202020204" pitchFamily="34" charset="0"/>
               </a:rPr>
-              <a:t>CÔNG NGHỆ SỬ DỤNG</a:t>
+              <a:t>CẤU TRÚC KẾ HOẠCH</a:t>
             </a:r>
             <a:endParaRPr lang="en-US" sz="2800" b="1" dirty="0">
               <a:latin typeface="Arial" panose="020B0604020202020204" pitchFamily="34" charset="0"/>
@@ -9365,391 +9870,1415 @@
       </p:sp>
       <p:sp>
         <p:nvSpPr>
-          <p:cNvPr id="3" name="AutoShape 2" descr="Download Free png Work Schedule, Vector Material, Schedules, Work ..."/>
-          <p:cNvSpPr>
-            <a:spLocks noChangeAspect="1" noChangeArrowheads="1"/>
-          </p:cNvSpPr>
-          <p:nvPr/>
-        </p:nvSpPr>
-        <p:spPr bwMode="auto">
-          <a:xfrm>
-            <a:off x="155575" y="-144463"/>
-            <a:ext cx="304800" cy="304801"/>
+          <p:cNvPr id="6" name="Rounded Rectangle 5"/>
+          <p:cNvSpPr/>
+          <p:nvPr/>
+        </p:nvSpPr>
+        <p:spPr>
+          <a:xfrm>
+            <a:off x="1556657" y="2073728"/>
+            <a:ext cx="1306285" cy="457204"/>
+          </a:xfrm>
+          <a:prstGeom prst="roundRect">
+            <a:avLst/>
+          </a:prstGeom>
+        </p:spPr>
+        <p:style>
+          <a:lnRef idx="1">
+            <a:schemeClr val="accent1"/>
+          </a:lnRef>
+          <a:fillRef idx="3">
+            <a:schemeClr val="accent1"/>
+          </a:fillRef>
+          <a:effectRef idx="2">
+            <a:schemeClr val="accent1"/>
+          </a:effectRef>
+          <a:fontRef idx="minor">
+            <a:schemeClr val="lt1"/>
+          </a:fontRef>
+        </p:style>
+        <p:txBody>
+          <a:bodyPr rtlCol="0" anchor="ctr"/>
+          <a:lstStyle/>
+          <a:p>
+            <a:pPr algn="ctr"/>
+            <a:r>
+              <a:rPr lang="en-US" sz="1200" dirty="0" smtClean="0"/>
+              <a:t>Chi Tiêu Tháng 7/2020</a:t>
+            </a:r>
+            <a:endParaRPr lang="en-US" sz="1200" dirty="0"/>
+          </a:p>
+        </p:txBody>
+      </p:sp>
+      <p:sp>
+        <p:nvSpPr>
+          <p:cNvPr id="7" name="Rounded Rectangle 6"/>
+          <p:cNvSpPr/>
+          <p:nvPr/>
+        </p:nvSpPr>
+        <p:spPr>
+          <a:xfrm>
+            <a:off x="7161584" y="1157771"/>
+            <a:ext cx="1559532" cy="443988"/>
+          </a:xfrm>
+          <a:prstGeom prst="roundRect">
+            <a:avLst/>
+          </a:prstGeom>
+        </p:spPr>
+        <p:style>
+          <a:lnRef idx="2">
+            <a:schemeClr val="accent1">
+              <a:shade val="50000"/>
+            </a:schemeClr>
+          </a:lnRef>
+          <a:fillRef idx="1">
+            <a:schemeClr val="accent1"/>
+          </a:fillRef>
+          <a:effectRef idx="0">
+            <a:schemeClr val="accent1"/>
+          </a:effectRef>
+          <a:fontRef idx="minor">
+            <a:schemeClr val="lt1"/>
+          </a:fontRef>
+        </p:style>
+        <p:txBody>
+          <a:bodyPr rtlCol="0" anchor="ctr"/>
+          <a:lstStyle/>
+          <a:p>
+            <a:pPr algn="ctr"/>
+            <a:r>
+              <a:rPr lang="en-US" sz="1200" dirty="0" smtClean="0"/>
+              <a:t>Công Nghệ Web</a:t>
+            </a:r>
+            <a:endParaRPr lang="en-US" sz="1200" dirty="0"/>
+          </a:p>
+        </p:txBody>
+      </p:sp>
+      <p:sp>
+        <p:nvSpPr>
+          <p:cNvPr id="9" name="Rounded Rectangle 8"/>
+          <p:cNvSpPr/>
+          <p:nvPr/>
+        </p:nvSpPr>
+        <p:spPr>
+          <a:xfrm>
+            <a:off x="3096986" y="2073728"/>
+            <a:ext cx="1306285" cy="457204"/>
+          </a:xfrm>
+          <a:prstGeom prst="roundRect">
+            <a:avLst/>
+          </a:prstGeom>
+        </p:spPr>
+        <p:style>
+          <a:lnRef idx="1">
+            <a:schemeClr val="accent1"/>
+          </a:lnRef>
+          <a:fillRef idx="3">
+            <a:schemeClr val="accent1"/>
+          </a:fillRef>
+          <a:effectRef idx="2">
+            <a:schemeClr val="accent1"/>
+          </a:effectRef>
+          <a:fontRef idx="minor">
+            <a:schemeClr val="lt1"/>
+          </a:fontRef>
+        </p:style>
+        <p:txBody>
+          <a:bodyPr rtlCol="0" anchor="ctr"/>
+          <a:lstStyle/>
+          <a:p>
+            <a:pPr algn="ctr"/>
+            <a:r>
+              <a:rPr lang="en-US" sz="1200" dirty="0" smtClean="0"/>
+              <a:t>Kế Hoạch Học Tập 2020</a:t>
+            </a:r>
+            <a:endParaRPr lang="en-US" sz="1200" dirty="0"/>
+          </a:p>
+        </p:txBody>
+      </p:sp>
+      <p:sp>
+        <p:nvSpPr>
+          <p:cNvPr id="10" name="Rounded Rectangle 9"/>
+          <p:cNvSpPr/>
+          <p:nvPr/>
+        </p:nvSpPr>
+        <p:spPr>
+          <a:xfrm>
+            <a:off x="9055355" y="1157771"/>
+            <a:ext cx="1559532" cy="443988"/>
+          </a:xfrm>
+          <a:prstGeom prst="roundRect">
+            <a:avLst/>
+          </a:prstGeom>
+        </p:spPr>
+        <p:style>
+          <a:lnRef idx="2">
+            <a:schemeClr val="accent1">
+              <a:shade val="50000"/>
+            </a:schemeClr>
+          </a:lnRef>
+          <a:fillRef idx="1">
+            <a:schemeClr val="accent1"/>
+          </a:fillRef>
+          <a:effectRef idx="0">
+            <a:schemeClr val="accent1"/>
+          </a:effectRef>
+          <a:fontRef idx="minor">
+            <a:schemeClr val="lt1"/>
+          </a:fontRef>
+        </p:style>
+        <p:txBody>
+          <a:bodyPr rtlCol="0" anchor="ctr"/>
+          <a:lstStyle/>
+          <a:p>
+            <a:pPr algn="ctr"/>
+            <a:r>
+              <a:rPr lang="en-US" sz="1200" dirty="0" smtClean="0"/>
+              <a:t>Project 3</a:t>
+            </a:r>
+            <a:endParaRPr lang="en-US" sz="1200" dirty="0"/>
+          </a:p>
+        </p:txBody>
+      </p:sp>
+      <p:sp>
+        <p:nvSpPr>
+          <p:cNvPr id="11" name="Rounded Rectangle 10"/>
+          <p:cNvSpPr/>
+          <p:nvPr/>
+        </p:nvSpPr>
+        <p:spPr>
+          <a:xfrm>
+            <a:off x="1556657" y="2952750"/>
+            <a:ext cx="1306285" cy="457204"/>
+          </a:xfrm>
+          <a:prstGeom prst="roundRect">
+            <a:avLst/>
+          </a:prstGeom>
+        </p:spPr>
+        <p:style>
+          <a:lnRef idx="1">
+            <a:schemeClr val="accent1"/>
+          </a:lnRef>
+          <a:fillRef idx="3">
+            <a:schemeClr val="accent1"/>
+          </a:fillRef>
+          <a:effectRef idx="2">
+            <a:schemeClr val="accent1"/>
+          </a:effectRef>
+          <a:fontRef idx="minor">
+            <a:schemeClr val="lt1"/>
+          </a:fontRef>
+        </p:style>
+        <p:txBody>
+          <a:bodyPr rtlCol="0" anchor="ctr"/>
+          <a:lstStyle/>
+          <a:p>
+            <a:pPr algn="ctr"/>
+            <a:r>
+              <a:rPr lang="en-US" sz="1200" dirty="0" smtClean="0"/>
+              <a:t>Chi Tiêu Sinh hoạt</a:t>
+            </a:r>
+            <a:endParaRPr lang="en-US" sz="1200" dirty="0"/>
+          </a:p>
+        </p:txBody>
+      </p:sp>
+      <p:sp>
+        <p:nvSpPr>
+          <p:cNvPr id="12" name="Rounded Rectangle 11"/>
+          <p:cNvSpPr/>
+          <p:nvPr/>
+        </p:nvSpPr>
+        <p:spPr>
+          <a:xfrm>
+            <a:off x="3096986" y="2974521"/>
+            <a:ext cx="1306285" cy="457204"/>
+          </a:xfrm>
+          <a:prstGeom prst="roundRect">
+            <a:avLst/>
+          </a:prstGeom>
+        </p:spPr>
+        <p:style>
+          <a:lnRef idx="1">
+            <a:schemeClr val="accent1"/>
+          </a:lnRef>
+          <a:fillRef idx="3">
+            <a:schemeClr val="accent1"/>
+          </a:fillRef>
+          <a:effectRef idx="2">
+            <a:schemeClr val="accent1"/>
+          </a:effectRef>
+          <a:fontRef idx="minor">
+            <a:schemeClr val="lt1"/>
+          </a:fontRef>
+        </p:style>
+        <p:txBody>
+          <a:bodyPr rtlCol="0" anchor="ctr"/>
+          <a:lstStyle/>
+          <a:p>
+            <a:pPr algn="ctr"/>
+            <a:r>
+              <a:rPr lang="en-US" sz="1200" dirty="0" smtClean="0"/>
+              <a:t>Chi Tiêu Học Tập</a:t>
+            </a:r>
+            <a:endParaRPr lang="en-US" sz="1200" dirty="0"/>
+          </a:p>
+        </p:txBody>
+      </p:sp>
+      <p:sp>
+        <p:nvSpPr>
+          <p:cNvPr id="13" name="Rounded Rectangle 12"/>
+          <p:cNvSpPr/>
+          <p:nvPr/>
+        </p:nvSpPr>
+        <p:spPr>
+          <a:xfrm>
+            <a:off x="1556657" y="3831772"/>
+            <a:ext cx="1306285" cy="457204"/>
+          </a:xfrm>
+          <a:prstGeom prst="roundRect">
+            <a:avLst/>
+          </a:prstGeom>
+        </p:spPr>
+        <p:style>
+          <a:lnRef idx="1">
+            <a:schemeClr val="accent1"/>
+          </a:lnRef>
+          <a:fillRef idx="3">
+            <a:schemeClr val="accent1"/>
+          </a:fillRef>
+          <a:effectRef idx="2">
+            <a:schemeClr val="accent1"/>
+          </a:effectRef>
+          <a:fontRef idx="minor">
+            <a:schemeClr val="lt1"/>
+          </a:fontRef>
+        </p:style>
+        <p:txBody>
+          <a:bodyPr rtlCol="0" anchor="ctr"/>
+          <a:lstStyle/>
+          <a:p>
+            <a:pPr algn="ctr"/>
+            <a:r>
+              <a:rPr lang="en-US" sz="1200" dirty="0" smtClean="0"/>
+              <a:t>Tiền Thuê Nhà</a:t>
+            </a:r>
+            <a:endParaRPr lang="en-US" sz="1200" dirty="0"/>
+          </a:p>
+        </p:txBody>
+      </p:sp>
+      <p:sp>
+        <p:nvSpPr>
+          <p:cNvPr id="14" name="Rounded Rectangle 13"/>
+          <p:cNvSpPr/>
+          <p:nvPr/>
+        </p:nvSpPr>
+        <p:spPr>
+          <a:xfrm>
+            <a:off x="3096986" y="3831772"/>
+            <a:ext cx="1306285" cy="457204"/>
+          </a:xfrm>
+          <a:prstGeom prst="roundRect">
+            <a:avLst/>
+          </a:prstGeom>
+        </p:spPr>
+        <p:style>
+          <a:lnRef idx="1">
+            <a:schemeClr val="accent1"/>
+          </a:lnRef>
+          <a:fillRef idx="3">
+            <a:schemeClr val="accent1"/>
+          </a:fillRef>
+          <a:effectRef idx="2">
+            <a:schemeClr val="accent1"/>
+          </a:effectRef>
+          <a:fontRef idx="minor">
+            <a:schemeClr val="lt1"/>
+          </a:fontRef>
+        </p:style>
+        <p:txBody>
+          <a:bodyPr rtlCol="0" anchor="ctr"/>
+          <a:lstStyle/>
+          <a:p>
+            <a:pPr algn="ctr"/>
+            <a:r>
+              <a:rPr lang="en-US" sz="1200" dirty="0" smtClean="0"/>
+              <a:t>Mua Sắm Đồ Dùng</a:t>
+            </a:r>
+            <a:endParaRPr lang="en-US" sz="1200" dirty="0"/>
+          </a:p>
+        </p:txBody>
+      </p:sp>
+      <p:sp>
+        <p:nvSpPr>
+          <p:cNvPr id="15" name="Rounded Rectangle 14"/>
+          <p:cNvSpPr/>
+          <p:nvPr/>
+        </p:nvSpPr>
+        <p:spPr>
+          <a:xfrm>
+            <a:off x="1556657" y="4710794"/>
+            <a:ext cx="1306285" cy="457204"/>
+          </a:xfrm>
+          <a:prstGeom prst="roundRect">
+            <a:avLst/>
+          </a:prstGeom>
+        </p:spPr>
+        <p:style>
+          <a:lnRef idx="1">
+            <a:schemeClr val="accent1"/>
+          </a:lnRef>
+          <a:fillRef idx="3">
+            <a:schemeClr val="accent1"/>
+          </a:fillRef>
+          <a:effectRef idx="2">
+            <a:schemeClr val="accent1"/>
+          </a:effectRef>
+          <a:fontRef idx="minor">
+            <a:schemeClr val="lt1"/>
+          </a:fontRef>
+        </p:style>
+        <p:txBody>
+          <a:bodyPr rtlCol="0" anchor="ctr"/>
+          <a:lstStyle/>
+          <a:p>
+            <a:pPr algn="ctr"/>
+            <a:r>
+              <a:rPr lang="en-US" sz="1200" dirty="0" smtClean="0"/>
+              <a:t>Đóng Tiền Trọ</a:t>
+            </a:r>
+            <a:endParaRPr lang="en-US" sz="1200" dirty="0"/>
+          </a:p>
+        </p:txBody>
+      </p:sp>
+      <p:sp>
+        <p:nvSpPr>
+          <p:cNvPr id="16" name="Rounded Rectangle 15"/>
+          <p:cNvSpPr/>
+          <p:nvPr/>
+        </p:nvSpPr>
+        <p:spPr>
+          <a:xfrm>
+            <a:off x="3096986" y="4713516"/>
+            <a:ext cx="1306285" cy="457204"/>
+          </a:xfrm>
+          <a:prstGeom prst="roundRect">
+            <a:avLst/>
+          </a:prstGeom>
+        </p:spPr>
+        <p:style>
+          <a:lnRef idx="1">
+            <a:schemeClr val="accent1"/>
+          </a:lnRef>
+          <a:fillRef idx="3">
+            <a:schemeClr val="accent1"/>
+          </a:fillRef>
+          <a:effectRef idx="2">
+            <a:schemeClr val="accent1"/>
+          </a:effectRef>
+          <a:fontRef idx="minor">
+            <a:schemeClr val="lt1"/>
+          </a:fontRef>
+        </p:style>
+        <p:txBody>
+          <a:bodyPr rtlCol="0" anchor="ctr"/>
+          <a:lstStyle/>
+          <a:p>
+            <a:pPr algn="ctr"/>
+            <a:r>
+              <a:rPr lang="en-US" sz="1200" dirty="0" smtClean="0"/>
+              <a:t>Đóng Tiền Nước</a:t>
+            </a:r>
+            <a:endParaRPr lang="en-US" sz="1200" dirty="0"/>
+          </a:p>
+        </p:txBody>
+      </p:sp>
+      <p:sp>
+        <p:nvSpPr>
+          <p:cNvPr id="17" name="Rounded Rectangle 16"/>
+          <p:cNvSpPr/>
+          <p:nvPr/>
+        </p:nvSpPr>
+        <p:spPr>
+          <a:xfrm>
+            <a:off x="7288208" y="2073728"/>
+            <a:ext cx="1306285" cy="457204"/>
+          </a:xfrm>
+          <a:prstGeom prst="roundRect">
+            <a:avLst/>
+          </a:prstGeom>
+        </p:spPr>
+        <p:style>
+          <a:lnRef idx="2">
+            <a:schemeClr val="accent1">
+              <a:shade val="50000"/>
+            </a:schemeClr>
+          </a:lnRef>
+          <a:fillRef idx="1">
+            <a:schemeClr val="accent1"/>
+          </a:fillRef>
+          <a:effectRef idx="0">
+            <a:schemeClr val="accent1"/>
+          </a:effectRef>
+          <a:fontRef idx="minor">
+            <a:schemeClr val="lt1"/>
+          </a:fontRef>
+        </p:style>
+        <p:txBody>
+          <a:bodyPr rtlCol="0" anchor="ctr"/>
+          <a:lstStyle/>
+          <a:p>
+            <a:pPr algn="ctr"/>
+            <a:r>
+              <a:rPr lang="en-US" sz="1200" dirty="0" smtClean="0"/>
+              <a:t>Bài Tập Lớn</a:t>
+            </a:r>
+            <a:endParaRPr lang="en-US" sz="1200" dirty="0"/>
+          </a:p>
+        </p:txBody>
+      </p:sp>
+      <p:sp>
+        <p:nvSpPr>
+          <p:cNvPr id="18" name="Rounded Rectangle 17"/>
+          <p:cNvSpPr/>
+          <p:nvPr/>
+        </p:nvSpPr>
+        <p:spPr>
+          <a:xfrm>
+            <a:off x="8828537" y="2073728"/>
+            <a:ext cx="1306285" cy="457204"/>
+          </a:xfrm>
+          <a:prstGeom prst="roundRect">
+            <a:avLst/>
+          </a:prstGeom>
+        </p:spPr>
+        <p:style>
+          <a:lnRef idx="2">
+            <a:schemeClr val="accent1">
+              <a:shade val="50000"/>
+            </a:schemeClr>
+          </a:lnRef>
+          <a:fillRef idx="1">
+            <a:schemeClr val="accent1"/>
+          </a:fillRef>
+          <a:effectRef idx="0">
+            <a:schemeClr val="accent1"/>
+          </a:effectRef>
+          <a:fontRef idx="minor">
+            <a:schemeClr val="lt1"/>
+          </a:fontRef>
+        </p:style>
+        <p:txBody>
+          <a:bodyPr rtlCol="0" anchor="ctr"/>
+          <a:lstStyle/>
+          <a:p>
+            <a:pPr algn="ctr"/>
+            <a:r>
+              <a:rPr lang="en-US" sz="1200" dirty="0" smtClean="0"/>
+              <a:t>Bài Tập Tuần</a:t>
+            </a:r>
+            <a:endParaRPr lang="en-US" sz="1200" dirty="0"/>
+          </a:p>
+        </p:txBody>
+      </p:sp>
+      <p:sp>
+        <p:nvSpPr>
+          <p:cNvPr id="19" name="Rounded Rectangle 18"/>
+          <p:cNvSpPr/>
+          <p:nvPr/>
+        </p:nvSpPr>
+        <p:spPr>
+          <a:xfrm>
+            <a:off x="7288208" y="2947300"/>
+            <a:ext cx="1306285" cy="457204"/>
+          </a:xfrm>
+          <a:prstGeom prst="roundRect">
+            <a:avLst/>
+          </a:prstGeom>
+        </p:spPr>
+        <p:style>
+          <a:lnRef idx="2">
+            <a:schemeClr val="accent1">
+              <a:shade val="50000"/>
+            </a:schemeClr>
+          </a:lnRef>
+          <a:fillRef idx="1">
+            <a:schemeClr val="accent1"/>
+          </a:fillRef>
+          <a:effectRef idx="0">
+            <a:schemeClr val="accent1"/>
+          </a:effectRef>
+          <a:fontRef idx="minor">
+            <a:schemeClr val="lt1"/>
+          </a:fontRef>
+        </p:style>
+        <p:txBody>
+          <a:bodyPr rtlCol="0" anchor="ctr"/>
+          <a:lstStyle/>
+          <a:p>
+            <a:pPr algn="ctr"/>
+            <a:r>
+              <a:rPr lang="en-US" sz="1200" dirty="0" smtClean="0"/>
+              <a:t>Tuần 4-6</a:t>
+            </a:r>
+            <a:endParaRPr lang="en-US" sz="1200" dirty="0"/>
+          </a:p>
+        </p:txBody>
+      </p:sp>
+      <p:sp>
+        <p:nvSpPr>
+          <p:cNvPr id="20" name="Rounded Rectangle 19"/>
+          <p:cNvSpPr/>
+          <p:nvPr/>
+        </p:nvSpPr>
+        <p:spPr>
+          <a:xfrm>
+            <a:off x="8828537" y="2932339"/>
+            <a:ext cx="1306285" cy="457204"/>
+          </a:xfrm>
+          <a:prstGeom prst="roundRect">
+            <a:avLst/>
+          </a:prstGeom>
+        </p:spPr>
+        <p:style>
+          <a:lnRef idx="2">
+            <a:schemeClr val="accent1">
+              <a:shade val="50000"/>
+            </a:schemeClr>
+          </a:lnRef>
+          <a:fillRef idx="1">
+            <a:schemeClr val="accent1"/>
+          </a:fillRef>
+          <a:effectRef idx="0">
+            <a:schemeClr val="accent1"/>
+          </a:effectRef>
+          <a:fontRef idx="minor">
+            <a:schemeClr val="lt1"/>
+          </a:fontRef>
+        </p:style>
+        <p:txBody>
+          <a:bodyPr rtlCol="0" anchor="ctr"/>
+          <a:lstStyle/>
+          <a:p>
+            <a:pPr algn="ctr"/>
+            <a:r>
+              <a:rPr lang="en-US" sz="1200" dirty="0" smtClean="0"/>
+              <a:t>Tuần 7-11</a:t>
+            </a:r>
+            <a:endParaRPr lang="en-US" sz="1200" dirty="0"/>
+          </a:p>
+        </p:txBody>
+      </p:sp>
+      <p:sp>
+        <p:nvSpPr>
+          <p:cNvPr id="21" name="Rounded Rectangle 20"/>
+          <p:cNvSpPr/>
+          <p:nvPr/>
+        </p:nvSpPr>
+        <p:spPr>
+          <a:xfrm>
+            <a:off x="7288208" y="3830409"/>
+            <a:ext cx="1306285" cy="457204"/>
+          </a:xfrm>
+          <a:prstGeom prst="roundRect">
+            <a:avLst/>
+          </a:prstGeom>
+        </p:spPr>
+        <p:style>
+          <a:lnRef idx="2">
+            <a:schemeClr val="accent1">
+              <a:shade val="50000"/>
+            </a:schemeClr>
+          </a:lnRef>
+          <a:fillRef idx="1">
+            <a:schemeClr val="accent1"/>
+          </a:fillRef>
+          <a:effectRef idx="0">
+            <a:schemeClr val="accent1"/>
+          </a:effectRef>
+          <a:fontRef idx="minor">
+            <a:schemeClr val="lt1"/>
+          </a:fontRef>
+        </p:style>
+        <p:txBody>
+          <a:bodyPr rtlCol="0" anchor="ctr"/>
+          <a:lstStyle/>
+          <a:p>
+            <a:pPr algn="ctr"/>
+            <a:r>
+              <a:rPr lang="en-US" sz="1200" dirty="0" smtClean="0"/>
+              <a:t>Tìm Hiểu Đề Tài</a:t>
+            </a:r>
+            <a:endParaRPr lang="en-US" sz="1200" dirty="0"/>
+          </a:p>
+        </p:txBody>
+      </p:sp>
+      <p:sp>
+        <p:nvSpPr>
+          <p:cNvPr id="22" name="Rounded Rectangle 21"/>
+          <p:cNvSpPr/>
+          <p:nvPr/>
+        </p:nvSpPr>
+        <p:spPr>
+          <a:xfrm>
+            <a:off x="8828537" y="3822927"/>
+            <a:ext cx="1306285" cy="457204"/>
+          </a:xfrm>
+          <a:prstGeom prst="roundRect">
+            <a:avLst/>
+          </a:prstGeom>
+        </p:spPr>
+        <p:style>
+          <a:lnRef idx="2">
+            <a:schemeClr val="accent1">
+              <a:shade val="50000"/>
+            </a:schemeClr>
+          </a:lnRef>
+          <a:fillRef idx="1">
+            <a:schemeClr val="accent1"/>
+          </a:fillRef>
+          <a:effectRef idx="0">
+            <a:schemeClr val="accent1"/>
+          </a:effectRef>
+          <a:fontRef idx="minor">
+            <a:schemeClr val="lt1"/>
+          </a:fontRef>
+        </p:style>
+        <p:txBody>
+          <a:bodyPr rtlCol="0" anchor="ctr"/>
+          <a:lstStyle/>
+          <a:p>
+            <a:pPr algn="ctr"/>
+            <a:r>
+              <a:rPr lang="en-US" sz="1200" dirty="0" smtClean="0"/>
+              <a:t>Tìm hiểu Công Nghệ</a:t>
+            </a:r>
+            <a:endParaRPr lang="en-US" sz="1200" dirty="0"/>
+          </a:p>
+        </p:txBody>
+      </p:sp>
+      <p:sp>
+        <p:nvSpPr>
+          <p:cNvPr id="23" name="Rounded Rectangle 22"/>
+          <p:cNvSpPr/>
+          <p:nvPr/>
+        </p:nvSpPr>
+        <p:spPr>
+          <a:xfrm>
+            <a:off x="7288208" y="4713516"/>
+            <a:ext cx="1306285" cy="457204"/>
+          </a:xfrm>
+          <a:prstGeom prst="roundRect">
+            <a:avLst/>
+          </a:prstGeom>
+        </p:spPr>
+        <p:style>
+          <a:lnRef idx="2">
+            <a:schemeClr val="accent1">
+              <a:shade val="50000"/>
+            </a:schemeClr>
+          </a:lnRef>
+          <a:fillRef idx="1">
+            <a:schemeClr val="accent1"/>
+          </a:fillRef>
+          <a:effectRef idx="0">
+            <a:schemeClr val="accent1"/>
+          </a:effectRef>
+          <a:fontRef idx="minor">
+            <a:schemeClr val="lt1"/>
+          </a:fontRef>
+        </p:style>
+        <p:txBody>
+          <a:bodyPr rtlCol="0" anchor="ctr"/>
+          <a:lstStyle/>
+          <a:p>
+            <a:pPr algn="ctr"/>
+            <a:r>
+              <a:rPr lang="en-US" sz="1200" dirty="0" smtClean="0"/>
+              <a:t>Engine BackEnd</a:t>
+            </a:r>
+            <a:endParaRPr lang="en-US" sz="1200" dirty="0"/>
+          </a:p>
+        </p:txBody>
+      </p:sp>
+      <p:sp>
+        <p:nvSpPr>
+          <p:cNvPr id="24" name="Rounded Rectangle 23"/>
+          <p:cNvSpPr/>
+          <p:nvPr/>
+        </p:nvSpPr>
+        <p:spPr>
+          <a:xfrm>
+            <a:off x="8828536" y="4713516"/>
+            <a:ext cx="1306285" cy="457204"/>
+          </a:xfrm>
+          <a:prstGeom prst="roundRect">
+            <a:avLst/>
+          </a:prstGeom>
+        </p:spPr>
+        <p:style>
+          <a:lnRef idx="2">
+            <a:schemeClr val="accent1">
+              <a:shade val="50000"/>
+            </a:schemeClr>
+          </a:lnRef>
+          <a:fillRef idx="1">
+            <a:schemeClr val="accent1"/>
+          </a:fillRef>
+          <a:effectRef idx="0">
+            <a:schemeClr val="accent1"/>
+          </a:effectRef>
+          <a:fontRef idx="minor">
+            <a:schemeClr val="lt1"/>
+          </a:fontRef>
+        </p:style>
+        <p:txBody>
+          <a:bodyPr rtlCol="0" anchor="ctr"/>
+          <a:lstStyle/>
+          <a:p>
+            <a:pPr algn="ctr"/>
+            <a:r>
+              <a:rPr lang="en-US" sz="1200" dirty="0" smtClean="0"/>
+              <a:t>Engine FrontEnd</a:t>
+            </a:r>
+            <a:endParaRPr lang="en-US" sz="1200" dirty="0"/>
+          </a:p>
+        </p:txBody>
+      </p:sp>
+      <p:cxnSp>
+        <p:nvCxnSpPr>
+          <p:cNvPr id="3" name="Straight Connector 2"/>
+          <p:cNvCxnSpPr>
+            <a:stCxn id="6" idx="2"/>
+            <a:endCxn id="11" idx="0"/>
+          </p:cNvCxnSpPr>
+          <p:nvPr/>
+        </p:nvCxnSpPr>
+        <p:spPr>
+          <a:xfrm>
+            <a:off x="2209800" y="2530932"/>
+            <a:ext cx="0" cy="421818"/>
+          </a:xfrm>
+          <a:prstGeom prst="line">
+            <a:avLst/>
+          </a:prstGeom>
+        </p:spPr>
+        <p:style>
+          <a:lnRef idx="2">
+            <a:schemeClr val="accent6"/>
+          </a:lnRef>
+          <a:fillRef idx="0">
+            <a:schemeClr val="accent6"/>
+          </a:fillRef>
+          <a:effectRef idx="1">
+            <a:schemeClr val="accent6"/>
+          </a:effectRef>
+          <a:fontRef idx="minor">
+            <a:schemeClr val="tx1"/>
+          </a:fontRef>
+        </p:style>
+      </p:cxnSp>
+      <p:cxnSp>
+        <p:nvCxnSpPr>
+          <p:cNvPr id="31" name="Straight Connector 30"/>
+          <p:cNvCxnSpPr>
+            <a:stCxn id="11" idx="2"/>
+            <a:endCxn id="13" idx="0"/>
+          </p:cNvCxnSpPr>
+          <p:nvPr/>
+        </p:nvCxnSpPr>
+        <p:spPr>
+          <a:xfrm>
+            <a:off x="2209800" y="3409954"/>
+            <a:ext cx="0" cy="421818"/>
+          </a:xfrm>
+          <a:prstGeom prst="line">
+            <a:avLst/>
+          </a:prstGeom>
+        </p:spPr>
+        <p:style>
+          <a:lnRef idx="2">
+            <a:schemeClr val="accent6"/>
+          </a:lnRef>
+          <a:fillRef idx="0">
+            <a:schemeClr val="accent6"/>
+          </a:fillRef>
+          <a:effectRef idx="1">
+            <a:schemeClr val="accent6"/>
+          </a:effectRef>
+          <a:fontRef idx="minor">
+            <a:schemeClr val="tx1"/>
+          </a:fontRef>
+        </p:style>
+      </p:cxnSp>
+      <p:cxnSp>
+        <p:nvCxnSpPr>
+          <p:cNvPr id="34" name="Straight Connector 33"/>
+          <p:cNvCxnSpPr>
+            <a:stCxn id="11" idx="2"/>
+            <a:endCxn id="14" idx="0"/>
+          </p:cNvCxnSpPr>
+          <p:nvPr/>
+        </p:nvCxnSpPr>
+        <p:spPr>
+          <a:xfrm>
+            <a:off x="2209800" y="3409954"/>
+            <a:ext cx="1540329" cy="421818"/>
+          </a:xfrm>
+          <a:prstGeom prst="line">
+            <a:avLst/>
+          </a:prstGeom>
+        </p:spPr>
+        <p:style>
+          <a:lnRef idx="2">
+            <a:schemeClr val="accent6"/>
+          </a:lnRef>
+          <a:fillRef idx="0">
+            <a:schemeClr val="accent6"/>
+          </a:fillRef>
+          <a:effectRef idx="1">
+            <a:schemeClr val="accent6"/>
+          </a:effectRef>
+          <a:fontRef idx="minor">
+            <a:schemeClr val="tx1"/>
+          </a:fontRef>
+        </p:style>
+      </p:cxnSp>
+      <p:cxnSp>
+        <p:nvCxnSpPr>
+          <p:cNvPr id="37" name="Straight Connector 36"/>
+          <p:cNvCxnSpPr>
+            <a:stCxn id="13" idx="2"/>
+            <a:endCxn id="15" idx="0"/>
+          </p:cNvCxnSpPr>
+          <p:nvPr/>
+        </p:nvCxnSpPr>
+        <p:spPr>
+          <a:xfrm>
+            <a:off x="2209800" y="4288976"/>
+            <a:ext cx="0" cy="421818"/>
+          </a:xfrm>
+          <a:prstGeom prst="line">
+            <a:avLst/>
+          </a:prstGeom>
+        </p:spPr>
+        <p:style>
+          <a:lnRef idx="2">
+            <a:schemeClr val="accent6"/>
+          </a:lnRef>
+          <a:fillRef idx="0">
+            <a:schemeClr val="accent6"/>
+          </a:fillRef>
+          <a:effectRef idx="1">
+            <a:schemeClr val="accent6"/>
+          </a:effectRef>
+          <a:fontRef idx="minor">
+            <a:schemeClr val="tx1"/>
+          </a:fontRef>
+        </p:style>
+      </p:cxnSp>
+      <p:cxnSp>
+        <p:nvCxnSpPr>
+          <p:cNvPr id="41" name="Straight Connector 40"/>
+          <p:cNvCxnSpPr>
+            <a:stCxn id="13" idx="2"/>
+            <a:endCxn id="16" idx="0"/>
+          </p:cNvCxnSpPr>
+          <p:nvPr/>
+        </p:nvCxnSpPr>
+        <p:spPr>
+          <a:xfrm>
+            <a:off x="2209800" y="4288976"/>
+            <a:ext cx="1540329" cy="424540"/>
+          </a:xfrm>
+          <a:prstGeom prst="line">
+            <a:avLst/>
+          </a:prstGeom>
+        </p:spPr>
+        <p:style>
+          <a:lnRef idx="2">
+            <a:schemeClr val="accent6"/>
+          </a:lnRef>
+          <a:fillRef idx="0">
+            <a:schemeClr val="accent6"/>
+          </a:fillRef>
+          <a:effectRef idx="1">
+            <a:schemeClr val="accent6"/>
+          </a:effectRef>
+          <a:fontRef idx="minor">
+            <a:schemeClr val="tx1"/>
+          </a:fontRef>
+        </p:style>
+      </p:cxnSp>
+      <p:cxnSp>
+        <p:nvCxnSpPr>
+          <p:cNvPr id="47" name="Straight Connector 46"/>
+          <p:cNvCxnSpPr>
+            <a:stCxn id="7" idx="2"/>
+            <a:endCxn id="17" idx="0"/>
+          </p:cNvCxnSpPr>
+          <p:nvPr/>
+        </p:nvCxnSpPr>
+        <p:spPr>
+          <a:xfrm>
+            <a:off x="7941350" y="1601759"/>
+            <a:ext cx="1" cy="471969"/>
+          </a:xfrm>
+          <a:prstGeom prst="line">
+            <a:avLst/>
+          </a:prstGeom>
+        </p:spPr>
+        <p:style>
+          <a:lnRef idx="2">
+            <a:schemeClr val="accent1">
+              <a:shade val="50000"/>
+            </a:schemeClr>
+          </a:lnRef>
+          <a:fillRef idx="1">
+            <a:schemeClr val="accent1"/>
+          </a:fillRef>
+          <a:effectRef idx="0">
+            <a:schemeClr val="accent1"/>
+          </a:effectRef>
+          <a:fontRef idx="minor">
+            <a:schemeClr val="lt1"/>
+          </a:fontRef>
+        </p:style>
+      </p:cxnSp>
+      <p:cxnSp>
+        <p:nvCxnSpPr>
+          <p:cNvPr id="50" name="Straight Connector 49"/>
+          <p:cNvCxnSpPr>
+            <a:stCxn id="7" idx="2"/>
+            <a:endCxn id="18" idx="0"/>
+          </p:cNvCxnSpPr>
+          <p:nvPr/>
+        </p:nvCxnSpPr>
+        <p:spPr>
+          <a:xfrm>
+            <a:off x="7941350" y="1601759"/>
+            <a:ext cx="1540330" cy="471969"/>
+          </a:xfrm>
+          <a:prstGeom prst="line">
+            <a:avLst/>
+          </a:prstGeom>
+        </p:spPr>
+        <p:style>
+          <a:lnRef idx="2">
+            <a:schemeClr val="accent1">
+              <a:shade val="50000"/>
+            </a:schemeClr>
+          </a:lnRef>
+          <a:fillRef idx="1">
+            <a:schemeClr val="accent1"/>
+          </a:fillRef>
+          <a:effectRef idx="0">
+            <a:schemeClr val="accent1"/>
+          </a:effectRef>
+          <a:fontRef idx="minor">
+            <a:schemeClr val="lt1"/>
+          </a:fontRef>
+        </p:style>
+      </p:cxnSp>
+      <p:cxnSp>
+        <p:nvCxnSpPr>
+          <p:cNvPr id="53" name="Straight Connector 52"/>
+          <p:cNvCxnSpPr>
+            <a:stCxn id="17" idx="2"/>
+            <a:endCxn id="19" idx="0"/>
+          </p:cNvCxnSpPr>
+          <p:nvPr/>
+        </p:nvCxnSpPr>
+        <p:spPr>
+          <a:xfrm>
+            <a:off x="7941351" y="2530932"/>
+            <a:ext cx="0" cy="416368"/>
+          </a:xfrm>
+          <a:prstGeom prst="line">
+            <a:avLst/>
+          </a:prstGeom>
+        </p:spPr>
+        <p:style>
+          <a:lnRef idx="2">
+            <a:schemeClr val="accent1">
+              <a:shade val="50000"/>
+            </a:schemeClr>
+          </a:lnRef>
+          <a:fillRef idx="1">
+            <a:schemeClr val="accent1"/>
+          </a:fillRef>
+          <a:effectRef idx="0">
+            <a:schemeClr val="accent1"/>
+          </a:effectRef>
+          <a:fontRef idx="minor">
+            <a:schemeClr val="lt1"/>
+          </a:fontRef>
+        </p:style>
+      </p:cxnSp>
+      <p:cxnSp>
+        <p:nvCxnSpPr>
+          <p:cNvPr id="56" name="Straight Connector 55"/>
+          <p:cNvCxnSpPr>
+            <a:stCxn id="19" idx="2"/>
+            <a:endCxn id="21" idx="0"/>
+          </p:cNvCxnSpPr>
+          <p:nvPr/>
+        </p:nvCxnSpPr>
+        <p:spPr>
+          <a:xfrm>
+            <a:off x="7941351" y="3404504"/>
+            <a:ext cx="0" cy="425905"/>
+          </a:xfrm>
+          <a:prstGeom prst="line">
+            <a:avLst/>
+          </a:prstGeom>
+        </p:spPr>
+        <p:style>
+          <a:lnRef idx="2">
+            <a:schemeClr val="accent1">
+              <a:shade val="50000"/>
+            </a:schemeClr>
+          </a:lnRef>
+          <a:fillRef idx="1">
+            <a:schemeClr val="accent1"/>
+          </a:fillRef>
+          <a:effectRef idx="0">
+            <a:schemeClr val="accent1"/>
+          </a:effectRef>
+          <a:fontRef idx="minor">
+            <a:schemeClr val="lt1"/>
+          </a:fontRef>
+        </p:style>
+      </p:cxnSp>
+      <p:cxnSp>
+        <p:nvCxnSpPr>
+          <p:cNvPr id="59" name="Straight Connector 58"/>
+          <p:cNvCxnSpPr>
+            <a:stCxn id="19" idx="2"/>
+            <a:endCxn id="22" idx="0"/>
+          </p:cNvCxnSpPr>
+          <p:nvPr/>
+        </p:nvCxnSpPr>
+        <p:spPr>
+          <a:xfrm>
+            <a:off x="7941351" y="3404504"/>
+            <a:ext cx="1540329" cy="418423"/>
+          </a:xfrm>
+          <a:prstGeom prst="line">
+            <a:avLst/>
+          </a:prstGeom>
+        </p:spPr>
+        <p:style>
+          <a:lnRef idx="2">
+            <a:schemeClr val="accent1">
+              <a:shade val="50000"/>
+            </a:schemeClr>
+          </a:lnRef>
+          <a:fillRef idx="1">
+            <a:schemeClr val="accent1"/>
+          </a:fillRef>
+          <a:effectRef idx="0">
+            <a:schemeClr val="accent1"/>
+          </a:effectRef>
+          <a:fontRef idx="minor">
+            <a:schemeClr val="lt1"/>
+          </a:fontRef>
+        </p:style>
+      </p:cxnSp>
+      <p:cxnSp>
+        <p:nvCxnSpPr>
+          <p:cNvPr id="62" name="Straight Connector 61"/>
+          <p:cNvCxnSpPr>
+            <a:endCxn id="23" idx="0"/>
+          </p:cNvCxnSpPr>
+          <p:nvPr/>
+        </p:nvCxnSpPr>
+        <p:spPr>
+          <a:xfrm flipH="1">
+            <a:off x="7941351" y="4287613"/>
+            <a:ext cx="1540327" cy="425903"/>
+          </a:xfrm>
+          <a:prstGeom prst="line">
+            <a:avLst/>
+          </a:prstGeom>
+        </p:spPr>
+        <p:style>
+          <a:lnRef idx="2">
+            <a:schemeClr val="accent1">
+              <a:shade val="50000"/>
+            </a:schemeClr>
+          </a:lnRef>
+          <a:fillRef idx="1">
+            <a:schemeClr val="accent1"/>
+          </a:fillRef>
+          <a:effectRef idx="0">
+            <a:schemeClr val="accent1"/>
+          </a:effectRef>
+          <a:fontRef idx="minor">
+            <a:schemeClr val="lt1"/>
+          </a:fontRef>
+        </p:style>
+      </p:cxnSp>
+      <p:cxnSp>
+        <p:nvCxnSpPr>
+          <p:cNvPr id="65" name="Straight Connector 64"/>
+          <p:cNvCxnSpPr>
+            <a:stCxn id="22" idx="2"/>
+            <a:endCxn id="24" idx="0"/>
+          </p:cNvCxnSpPr>
+          <p:nvPr/>
+        </p:nvCxnSpPr>
+        <p:spPr>
+          <a:xfrm flipH="1">
+            <a:off x="9481679" y="4280131"/>
+            <a:ext cx="1" cy="433385"/>
+          </a:xfrm>
+          <a:prstGeom prst="line">
+            <a:avLst/>
+          </a:prstGeom>
+        </p:spPr>
+        <p:style>
+          <a:lnRef idx="2">
+            <a:schemeClr val="accent1">
+              <a:shade val="50000"/>
+            </a:schemeClr>
+          </a:lnRef>
+          <a:fillRef idx="1">
+            <a:schemeClr val="accent1"/>
+          </a:fillRef>
+          <a:effectRef idx="0">
+            <a:schemeClr val="accent1"/>
+          </a:effectRef>
+          <a:fontRef idx="minor">
+            <a:schemeClr val="lt1"/>
+          </a:fontRef>
+        </p:style>
+      </p:cxnSp>
+      <p:sp>
+        <p:nvSpPr>
+          <p:cNvPr id="70" name="TextBox 69"/>
+          <p:cNvSpPr txBox="1"/>
+          <p:nvPr/>
+        </p:nvSpPr>
+        <p:spPr>
+          <a:xfrm>
+            <a:off x="2158264" y="5520846"/>
+            <a:ext cx="1643400" cy="523220"/>
           </a:xfrm>
           <a:prstGeom prst="rect">
             <a:avLst/>
           </a:prstGeom>
           <a:noFill/>
-          <a:extLst>
-            <a:ext uri="{909E8E84-426E-40DD-AFC4-6F175D3DCCD1}">
-              <a14:hiddenFill xmlns:a14="http://schemas.microsoft.com/office/drawing/2010/main">
-                <a:solidFill>
-                  <a:srgbClr val="FFFFFF"/>
-                </a:solidFill>
-              </a14:hiddenFill>
-            </a:ext>
-          </a:extLst>
-        </p:spPr>
-        <p:txBody>
-          <a:bodyPr vert="horz" wrap="square" lIns="91440" tIns="45720" rIns="91440" bIns="45720" numCol="1" anchor="t" anchorCtr="0" compatLnSpc="1">
-            <a:prstTxWarp prst="textNoShape">
-              <a:avLst/>
-            </a:prstTxWarp>
-          </a:bodyPr>
-          <a:lstStyle/>
-          <a:p>
-            <a:endParaRPr lang="en-US"/>
-          </a:p>
-        </p:txBody>
-      </p:sp>
-      <p:pic>
-        <p:nvPicPr>
-          <p:cNvPr id="2" name="Picture 1"/>
-          <p:cNvPicPr>
-            <a:picLocks noChangeAspect="1"/>
-          </p:cNvPicPr>
-          <p:nvPr/>
-        </p:nvPicPr>
-        <p:blipFill>
-          <a:blip r:embed="rId2">
-            <a:extLst>
-              <a:ext uri="{28A0092B-C50C-407E-A947-70E740481C1C}">
-                <a14:useLocalDpi xmlns:a14="http://schemas.microsoft.com/office/drawing/2010/main" val="0"/>
-              </a:ext>
-            </a:extLst>
-          </a:blip>
-          <a:stretch>
-            <a:fillRect/>
-          </a:stretch>
-        </p:blipFill>
-        <p:spPr>
-          <a:xfrm>
-            <a:off x="6738831" y="1051559"/>
-            <a:ext cx="2138417" cy="1308110"/>
-          </a:xfrm>
-          <a:prstGeom prst="rect">
-            <a:avLst/>
-          </a:prstGeom>
-        </p:spPr>
-      </p:pic>
-      <p:sp>
-        <p:nvSpPr>
-          <p:cNvPr id="11" name="TextBox 10"/>
-          <p:cNvSpPr txBox="1"/>
-          <p:nvPr/>
-        </p:nvSpPr>
-        <p:spPr>
-          <a:xfrm>
-            <a:off x="8877248" y="2450015"/>
-            <a:ext cx="1902953" cy="523220"/>
-          </a:xfrm>
-          <a:prstGeom prst="rect">
-            <a:avLst/>
-          </a:prstGeom>
-          <a:noFill/>
-        </p:spPr>
-        <p:txBody>
-          <a:bodyPr wrap="square" rtlCol="0">
+        </p:spPr>
+        <p:txBody>
+          <a:bodyPr wrap="none" rtlCol="0">
             <a:spAutoFit/>
           </a:bodyPr>
           <a:lstStyle/>
           <a:p>
-            <a:pPr algn="ctr"/>
-            <a:r>
-              <a:rPr lang="en-US" sz="2800" i="1" dirty="0" smtClean="0">
+            <a:pPr algn="r"/>
+            <a:r>
+              <a:rPr lang="en-US" sz="2800" b="1" i="1" dirty="0" smtClean="0">
                 <a:latin typeface="Arial" panose="020B0604020202020204" pitchFamily="34" charset="0"/>
                 <a:cs typeface="Arial" panose="020B0604020202020204" pitchFamily="34" charset="0"/>
               </a:rPr>
-              <a:t>Express</a:t>
-            </a:r>
-            <a:endParaRPr lang="en-US" sz="2800" i="1" dirty="0">
+              <a:t>Cá Nhân</a:t>
+            </a:r>
+            <a:endParaRPr lang="en-US" sz="2800" b="1" i="1" dirty="0">
               <a:latin typeface="Arial" panose="020B0604020202020204" pitchFamily="34" charset="0"/>
               <a:cs typeface="Arial" panose="020B0604020202020204" pitchFamily="34" charset="0"/>
             </a:endParaRPr>
           </a:p>
         </p:txBody>
       </p:sp>
-      <p:pic>
-        <p:nvPicPr>
-          <p:cNvPr id="7" name="Picture 6"/>
-          <p:cNvPicPr>
-            <a:picLocks noChangeAspect="1"/>
-          </p:cNvPicPr>
-          <p:nvPr/>
-        </p:nvPicPr>
-        <p:blipFill>
-          <a:blip r:embed="rId3">
-            <a:extLst>
-              <a:ext uri="{28A0092B-C50C-407E-A947-70E740481C1C}">
-                <a14:useLocalDpi xmlns:a14="http://schemas.microsoft.com/office/drawing/2010/main" val="0"/>
-              </a:ext>
-            </a:extLst>
-          </a:blip>
-          <a:stretch>
-            <a:fillRect/>
-          </a:stretch>
-        </p:blipFill>
-        <p:spPr>
-          <a:xfrm>
-            <a:off x="6519383" y="2774247"/>
-            <a:ext cx="2357865" cy="2357865"/>
+      <p:sp>
+        <p:nvSpPr>
+          <p:cNvPr id="71" name="TextBox 70"/>
+          <p:cNvSpPr txBox="1"/>
+          <p:nvPr/>
+        </p:nvSpPr>
+        <p:spPr>
+          <a:xfrm>
+            <a:off x="8382177" y="5604105"/>
+            <a:ext cx="1202573" cy="523220"/>
           </a:xfrm>
           <a:prstGeom prst="rect">
             <a:avLst/>
           </a:prstGeom>
-        </p:spPr>
-      </p:pic>
-      <p:pic>
-        <p:nvPicPr>
-          <p:cNvPr id="8" name="Picture 7"/>
-          <p:cNvPicPr>
-            <a:picLocks noChangeAspect="1"/>
-          </p:cNvPicPr>
-          <p:nvPr/>
-        </p:nvPicPr>
-        <p:blipFill>
-          <a:blip r:embed="rId4">
-            <a:extLst>
-              <a:ext uri="{28A0092B-C50C-407E-A947-70E740481C1C}">
-                <a14:useLocalDpi xmlns:a14="http://schemas.microsoft.com/office/drawing/2010/main" val="0"/>
-              </a:ext>
-            </a:extLst>
-          </a:blip>
-          <a:stretch>
-            <a:fillRect/>
-          </a:stretch>
-        </p:blipFill>
-        <p:spPr>
-          <a:xfrm>
-            <a:off x="8990027" y="4333871"/>
-            <a:ext cx="1677394" cy="811642"/>
-          </a:xfrm>
-          <a:prstGeom prst="rect">
-            <a:avLst/>
-          </a:prstGeom>
-        </p:spPr>
-      </p:pic>
-      <p:pic>
-        <p:nvPicPr>
-          <p:cNvPr id="14" name="Picture 13"/>
-          <p:cNvPicPr>
-            <a:picLocks noChangeAspect="1"/>
-          </p:cNvPicPr>
-          <p:nvPr/>
-        </p:nvPicPr>
-        <p:blipFill>
-          <a:blip r:embed="rId5">
-            <a:extLst>
-              <a:ext uri="{28A0092B-C50C-407E-A947-70E740481C1C}">
-                <a14:useLocalDpi xmlns:a14="http://schemas.microsoft.com/office/drawing/2010/main" val="0"/>
-              </a:ext>
-            </a:extLst>
-          </a:blip>
-          <a:stretch>
-            <a:fillRect/>
-          </a:stretch>
-        </p:blipFill>
-        <p:spPr>
-          <a:xfrm>
-            <a:off x="7275119" y="5381456"/>
-            <a:ext cx="1074199" cy="1074199"/>
-          </a:xfrm>
-          <a:prstGeom prst="rect">
-            <a:avLst/>
-          </a:prstGeom>
-        </p:spPr>
-      </p:pic>
-      <p:sp>
-        <p:nvSpPr>
-          <p:cNvPr id="16" name="TextBox 15"/>
-          <p:cNvSpPr txBox="1"/>
-          <p:nvPr/>
-        </p:nvSpPr>
-        <p:spPr>
-          <a:xfrm>
-            <a:off x="8191448" y="5986790"/>
-            <a:ext cx="1902953" cy="523220"/>
-          </a:xfrm>
-          <a:prstGeom prst="rect">
-            <a:avLst/>
-          </a:prstGeom>
           <a:noFill/>
         </p:spPr>
         <p:txBody>
-          <a:bodyPr wrap="square" rtlCol="0">
+          <a:bodyPr wrap="none" rtlCol="0">
             <a:spAutoFit/>
           </a:bodyPr>
           <a:lstStyle/>
           <a:p>
-            <a:pPr algn="ctr"/>
-            <a:r>
-              <a:rPr lang="en-US" sz="2800" i="1" dirty="0" smtClean="0">
+            <a:pPr algn="r"/>
+            <a:r>
+              <a:rPr lang="en-US" sz="2800" b="1" i="1" dirty="0" smtClean="0">
                 <a:latin typeface="Arial" panose="020B0604020202020204" pitchFamily="34" charset="0"/>
                 <a:cs typeface="Arial" panose="020B0604020202020204" pitchFamily="34" charset="0"/>
               </a:rPr>
-              <a:t>Socket.io</a:t>
-            </a:r>
-            <a:endParaRPr lang="en-US" sz="2800" i="1" dirty="0">
+              <a:t>Nhóm</a:t>
+            </a:r>
+            <a:endParaRPr lang="en-US" sz="2800" b="1" i="1" dirty="0">
               <a:latin typeface="Arial" panose="020B0604020202020204" pitchFamily="34" charset="0"/>
               <a:cs typeface="Arial" panose="020B0604020202020204" pitchFamily="34" charset="0"/>
             </a:endParaRPr>
           </a:p>
         </p:txBody>
       </p:sp>
-      <p:pic>
-        <p:nvPicPr>
-          <p:cNvPr id="19" name="Picture 18"/>
-          <p:cNvPicPr>
-            <a:picLocks noChangeAspect="1"/>
-          </p:cNvPicPr>
-          <p:nvPr/>
-        </p:nvPicPr>
-        <p:blipFill>
-          <a:blip r:embed="rId6">
-            <a:extLst>
-              <a:ext uri="{28A0092B-C50C-407E-A947-70E740481C1C}">
-                <a14:useLocalDpi xmlns:a14="http://schemas.microsoft.com/office/drawing/2010/main" val="0"/>
-              </a:ext>
-            </a:extLst>
-          </a:blip>
-          <a:stretch>
-            <a:fillRect/>
-          </a:stretch>
-        </p:blipFill>
-        <p:spPr>
-          <a:xfrm>
-            <a:off x="3373344" y="4299125"/>
-            <a:ext cx="1279350" cy="1279350"/>
+      <p:sp>
+        <p:nvSpPr>
+          <p:cNvPr id="72" name="TextBox 71"/>
+          <p:cNvSpPr txBox="1"/>
+          <p:nvPr/>
+        </p:nvSpPr>
+        <p:spPr>
+          <a:xfrm>
+            <a:off x="5134864" y="2128027"/>
+            <a:ext cx="1337226" cy="307777"/>
           </a:xfrm>
           <a:prstGeom prst="rect">
             <a:avLst/>
           </a:prstGeom>
-        </p:spPr>
-      </p:pic>
-      <p:pic>
-        <p:nvPicPr>
-          <p:cNvPr id="21" name="Picture 20"/>
-          <p:cNvPicPr>
-            <a:picLocks noChangeAspect="1"/>
-          </p:cNvPicPr>
-          <p:nvPr/>
-        </p:nvPicPr>
-        <p:blipFill>
-          <a:blip r:embed="rId7">
-            <a:extLst>
-              <a:ext uri="{28A0092B-C50C-407E-A947-70E740481C1C}">
-                <a14:useLocalDpi xmlns:a14="http://schemas.microsoft.com/office/drawing/2010/main" val="0"/>
-              </a:ext>
-            </a:extLst>
-          </a:blip>
-          <a:stretch>
-            <a:fillRect/>
-          </a:stretch>
-        </p:blipFill>
-        <p:spPr>
-          <a:xfrm>
-            <a:off x="1381178" y="4102169"/>
-            <a:ext cx="1245714" cy="1273891"/>
+          <a:noFill/>
+        </p:spPr>
+        <p:txBody>
+          <a:bodyPr wrap="none" rtlCol="0">
+            <a:spAutoFit/>
+          </a:bodyPr>
+          <a:lstStyle/>
+          <a:p>
+            <a:pPr algn="r"/>
+            <a:r>
+              <a:rPr lang="en-US" sz="1400" b="1" dirty="0" smtClean="0">
+                <a:latin typeface="Arial" panose="020B0604020202020204" pitchFamily="34" charset="0"/>
+                <a:cs typeface="Arial" panose="020B0604020202020204" pitchFamily="34" charset="0"/>
+              </a:rPr>
+              <a:t> ---- BẢNG ----</a:t>
+            </a:r>
+            <a:endParaRPr lang="en-US" sz="1400" b="1" dirty="0">
+              <a:latin typeface="Arial" panose="020B0604020202020204" pitchFamily="34" charset="0"/>
+              <a:cs typeface="Arial" panose="020B0604020202020204" pitchFamily="34" charset="0"/>
+            </a:endParaRPr>
+          </a:p>
+        </p:txBody>
+      </p:sp>
+      <p:sp>
+        <p:nvSpPr>
+          <p:cNvPr id="73" name="TextBox 72"/>
+          <p:cNvSpPr txBox="1"/>
+          <p:nvPr/>
+        </p:nvSpPr>
+        <p:spPr>
+          <a:xfrm>
+            <a:off x="4859949" y="3049234"/>
+            <a:ext cx="1887055" cy="307777"/>
           </a:xfrm>
           <a:prstGeom prst="rect">
             <a:avLst/>
           </a:prstGeom>
-        </p:spPr>
-      </p:pic>
-      <p:pic>
-        <p:nvPicPr>
-          <p:cNvPr id="22" name="Picture 21"/>
-          <p:cNvPicPr>
-            <a:picLocks noChangeAspect="1"/>
-          </p:cNvPicPr>
-          <p:nvPr/>
-        </p:nvPicPr>
-        <p:blipFill>
-          <a:blip r:embed="rId8">
-            <a:extLst>
-              <a:ext uri="{28A0092B-C50C-407E-A947-70E740481C1C}">
-                <a14:useLocalDpi xmlns:a14="http://schemas.microsoft.com/office/drawing/2010/main" val="0"/>
-              </a:ext>
-            </a:extLst>
-          </a:blip>
-          <a:stretch>
-            <a:fillRect/>
-          </a:stretch>
-        </p:blipFill>
-        <p:spPr>
-          <a:xfrm>
-            <a:off x="1059544" y="1204849"/>
-            <a:ext cx="2579799" cy="1102864"/>
+          <a:noFill/>
+        </p:spPr>
+        <p:txBody>
+          <a:bodyPr wrap="none" rtlCol="0">
+            <a:spAutoFit/>
+          </a:bodyPr>
+          <a:lstStyle/>
+          <a:p>
+            <a:pPr algn="r"/>
+            <a:r>
+              <a:rPr lang="en-US" sz="1400" b="1" dirty="0" smtClean="0">
+                <a:latin typeface="Arial" panose="020B0604020202020204" pitchFamily="34" charset="0"/>
+                <a:cs typeface="Arial" panose="020B0604020202020204" pitchFamily="34" charset="0"/>
+              </a:rPr>
+              <a:t> ---- DANH SÁCH ----</a:t>
+            </a:r>
+            <a:endParaRPr lang="en-US" sz="1400" b="1" dirty="0">
+              <a:latin typeface="Arial" panose="020B0604020202020204" pitchFamily="34" charset="0"/>
+              <a:cs typeface="Arial" panose="020B0604020202020204" pitchFamily="34" charset="0"/>
+            </a:endParaRPr>
+          </a:p>
+        </p:txBody>
+      </p:sp>
+      <p:sp>
+        <p:nvSpPr>
+          <p:cNvPr id="74" name="TextBox 73"/>
+          <p:cNvSpPr txBox="1"/>
+          <p:nvPr/>
+        </p:nvSpPr>
+        <p:spPr>
+          <a:xfrm>
+            <a:off x="5219822" y="3905122"/>
+            <a:ext cx="1167307" cy="307777"/>
           </a:xfrm>
           <a:prstGeom prst="rect">
             <a:avLst/>
           </a:prstGeom>
-        </p:spPr>
-      </p:pic>
-      <p:pic>
-        <p:nvPicPr>
-          <p:cNvPr id="23" name="Picture 22"/>
-          <p:cNvPicPr>
-            <a:picLocks noChangeAspect="1"/>
-          </p:cNvPicPr>
-          <p:nvPr/>
-        </p:nvPicPr>
-        <p:blipFill>
-          <a:blip r:embed="rId9">
-            <a:extLst>
-              <a:ext uri="{28A0092B-C50C-407E-A947-70E740481C1C}">
-                <a14:useLocalDpi xmlns:a14="http://schemas.microsoft.com/office/drawing/2010/main" val="0"/>
-              </a:ext>
-            </a:extLst>
-          </a:blip>
-          <a:stretch>
-            <a:fillRect/>
-          </a:stretch>
-        </p:blipFill>
-        <p:spPr>
-          <a:xfrm>
-            <a:off x="3901904" y="1094293"/>
-            <a:ext cx="1323975" cy="1323975"/>
+          <a:noFill/>
+        </p:spPr>
+        <p:txBody>
+          <a:bodyPr wrap="none" rtlCol="0">
+            <a:spAutoFit/>
+          </a:bodyPr>
+          <a:lstStyle/>
+          <a:p>
+            <a:pPr algn="r"/>
+            <a:r>
+              <a:rPr lang="en-US" sz="1400" b="1" dirty="0" smtClean="0">
+                <a:latin typeface="Arial" panose="020B0604020202020204" pitchFamily="34" charset="0"/>
+                <a:cs typeface="Arial" panose="020B0604020202020204" pitchFamily="34" charset="0"/>
+              </a:rPr>
+              <a:t> ---- THẺ ----</a:t>
+            </a:r>
+            <a:endParaRPr lang="en-US" sz="1400" b="1" dirty="0">
+              <a:latin typeface="Arial" panose="020B0604020202020204" pitchFamily="34" charset="0"/>
+              <a:cs typeface="Arial" panose="020B0604020202020204" pitchFamily="34" charset="0"/>
+            </a:endParaRPr>
+          </a:p>
+        </p:txBody>
+      </p:sp>
+      <p:sp>
+        <p:nvSpPr>
+          <p:cNvPr id="75" name="TextBox 74"/>
+          <p:cNvSpPr txBox="1"/>
+          <p:nvPr/>
+        </p:nvSpPr>
+        <p:spPr>
+          <a:xfrm>
+            <a:off x="4895213" y="4820631"/>
+            <a:ext cx="1816523" cy="307777"/>
           </a:xfrm>
           <a:prstGeom prst="rect">
             <a:avLst/>
           </a:prstGeom>
-        </p:spPr>
-      </p:pic>
-      <p:pic>
-        <p:nvPicPr>
-          <p:cNvPr id="24" name="Picture 23"/>
-          <p:cNvPicPr>
-            <a:picLocks noChangeAspect="1"/>
-          </p:cNvPicPr>
-          <p:nvPr/>
-        </p:nvPicPr>
-        <p:blipFill>
-          <a:blip r:embed="rId10">
-            <a:extLst>
-              <a:ext uri="{28A0092B-C50C-407E-A947-70E740481C1C}">
-                <a14:useLocalDpi xmlns:a14="http://schemas.microsoft.com/office/drawing/2010/main" val="0"/>
-              </a:ext>
-            </a:extLst>
-          </a:blip>
-          <a:stretch>
-            <a:fillRect/>
-          </a:stretch>
-        </p:blipFill>
-        <p:spPr>
-          <a:xfrm>
-            <a:off x="2626892" y="2506310"/>
-            <a:ext cx="1571625" cy="1571625"/>
-          </a:xfrm>
-          <a:prstGeom prst="rect">
-            <a:avLst/>
-          </a:prstGeom>
-        </p:spPr>
-      </p:pic>
+          <a:noFill/>
+        </p:spPr>
+        <p:txBody>
+          <a:bodyPr wrap="none" rtlCol="0">
+            <a:spAutoFit/>
+          </a:bodyPr>
+          <a:lstStyle/>
+          <a:p>
+            <a:pPr algn="r"/>
+            <a:r>
+              <a:rPr lang="en-US" sz="1400" b="1" dirty="0" smtClean="0">
+                <a:latin typeface="Arial" panose="020B0604020202020204" pitchFamily="34" charset="0"/>
+                <a:cs typeface="Arial" panose="020B0604020202020204" pitchFamily="34" charset="0"/>
+              </a:rPr>
+              <a:t> ---- CÔNG VIỆC ----</a:t>
+            </a:r>
+            <a:endParaRPr lang="en-US" sz="1400" b="1" dirty="0">
+              <a:latin typeface="Arial" panose="020B0604020202020204" pitchFamily="34" charset="0"/>
+              <a:cs typeface="Arial" panose="020B0604020202020204" pitchFamily="34" charset="0"/>
+            </a:endParaRPr>
+          </a:p>
+        </p:txBody>
+      </p:sp>
     </p:spTree>
     <p:extLst>
       <p:ext uri="{BB962C8B-B14F-4D97-AF65-F5344CB8AC3E}">
-        <p14:creationId xmlns:p14="http://schemas.microsoft.com/office/powerpoint/2010/main" val="802297981"/>
+        <p14:creationId xmlns:p14="http://schemas.microsoft.com/office/powerpoint/2010/main" val="2209560747"/>
       </p:ext>
     </p:extLst>
   </p:cSld>
@@ -9759,9 +11288,1408 @@
   <p:timing>
     <p:tnLst>
       <p:par>
-        <p:cTn id="1" dur="indefinite" restart="never" nodeType="tmRoot"/>
+        <p:cTn id="1" dur="indefinite" restart="never" nodeType="tmRoot">
+          <p:childTnLst>
+            <p:seq concurrent="1" nextAc="seek">
+              <p:cTn id="2" dur="indefinite" nodeType="mainSeq">
+                <p:childTnLst>
+                  <p:par>
+                    <p:cTn id="3" fill="hold">
+                      <p:stCondLst>
+                        <p:cond delay="indefinite"/>
+                      </p:stCondLst>
+                      <p:childTnLst>
+                        <p:par>
+                          <p:cTn id="4" fill="hold">
+                            <p:stCondLst>
+                              <p:cond delay="0"/>
+                            </p:stCondLst>
+                            <p:childTnLst>
+                              <p:par>
+                                <p:cTn id="5" presetID="10" presetClass="entr" presetSubtype="0" fill="hold" grpId="0" nodeType="clickEffect">
+                                  <p:stCondLst>
+                                    <p:cond delay="0"/>
+                                  </p:stCondLst>
+                                  <p:childTnLst>
+                                    <p:set>
+                                      <p:cBhvr>
+                                        <p:cTn id="6" dur="1" fill="hold">
+                                          <p:stCondLst>
+                                            <p:cond delay="0"/>
+                                          </p:stCondLst>
+                                        </p:cTn>
+                                        <p:tgtEl>
+                                          <p:spTgt spid="17"/>
+                                        </p:tgtEl>
+                                        <p:attrNameLst>
+                                          <p:attrName>style.visibility</p:attrName>
+                                        </p:attrNameLst>
+                                      </p:cBhvr>
+                                      <p:to>
+                                        <p:strVal val="visible"/>
+                                      </p:to>
+                                    </p:set>
+                                    <p:animEffect transition="in" filter="fade">
+                                      <p:cBhvr>
+                                        <p:cTn id="7" dur="500"/>
+                                        <p:tgtEl>
+                                          <p:spTgt spid="17"/>
+                                        </p:tgtEl>
+                                      </p:cBhvr>
+                                    </p:animEffect>
+                                  </p:childTnLst>
+                                </p:cTn>
+                              </p:par>
+                              <p:par>
+                                <p:cTn id="8" presetID="10" presetClass="entr" presetSubtype="0" fill="hold" grpId="0" nodeType="withEffect">
+                                  <p:stCondLst>
+                                    <p:cond delay="0"/>
+                                  </p:stCondLst>
+                                  <p:childTnLst>
+                                    <p:set>
+                                      <p:cBhvr>
+                                        <p:cTn id="9" dur="1" fill="hold">
+                                          <p:stCondLst>
+                                            <p:cond delay="0"/>
+                                          </p:stCondLst>
+                                        </p:cTn>
+                                        <p:tgtEl>
+                                          <p:spTgt spid="18"/>
+                                        </p:tgtEl>
+                                        <p:attrNameLst>
+                                          <p:attrName>style.visibility</p:attrName>
+                                        </p:attrNameLst>
+                                      </p:cBhvr>
+                                      <p:to>
+                                        <p:strVal val="visible"/>
+                                      </p:to>
+                                    </p:set>
+                                    <p:animEffect transition="in" filter="fade">
+                                      <p:cBhvr>
+                                        <p:cTn id="10" dur="500"/>
+                                        <p:tgtEl>
+                                          <p:spTgt spid="18"/>
+                                        </p:tgtEl>
+                                      </p:cBhvr>
+                                    </p:animEffect>
+                                  </p:childTnLst>
+                                </p:cTn>
+                              </p:par>
+                              <p:par>
+                                <p:cTn id="11" presetID="10" presetClass="entr" presetSubtype="0" fill="hold" grpId="0" nodeType="withEffect">
+                                  <p:stCondLst>
+                                    <p:cond delay="0"/>
+                                  </p:stCondLst>
+                                  <p:childTnLst>
+                                    <p:set>
+                                      <p:cBhvr>
+                                        <p:cTn id="12" dur="1" fill="hold">
+                                          <p:stCondLst>
+                                            <p:cond delay="0"/>
+                                          </p:stCondLst>
+                                        </p:cTn>
+                                        <p:tgtEl>
+                                          <p:spTgt spid="19"/>
+                                        </p:tgtEl>
+                                        <p:attrNameLst>
+                                          <p:attrName>style.visibility</p:attrName>
+                                        </p:attrNameLst>
+                                      </p:cBhvr>
+                                      <p:to>
+                                        <p:strVal val="visible"/>
+                                      </p:to>
+                                    </p:set>
+                                    <p:animEffect transition="in" filter="fade">
+                                      <p:cBhvr>
+                                        <p:cTn id="13" dur="500"/>
+                                        <p:tgtEl>
+                                          <p:spTgt spid="19"/>
+                                        </p:tgtEl>
+                                      </p:cBhvr>
+                                    </p:animEffect>
+                                  </p:childTnLst>
+                                </p:cTn>
+                              </p:par>
+                              <p:par>
+                                <p:cTn id="14" presetID="10" presetClass="entr" presetSubtype="0" fill="hold" grpId="0" nodeType="withEffect">
+                                  <p:stCondLst>
+                                    <p:cond delay="0"/>
+                                  </p:stCondLst>
+                                  <p:childTnLst>
+                                    <p:set>
+                                      <p:cBhvr>
+                                        <p:cTn id="15" dur="1" fill="hold">
+                                          <p:stCondLst>
+                                            <p:cond delay="0"/>
+                                          </p:stCondLst>
+                                        </p:cTn>
+                                        <p:tgtEl>
+                                          <p:spTgt spid="20"/>
+                                        </p:tgtEl>
+                                        <p:attrNameLst>
+                                          <p:attrName>style.visibility</p:attrName>
+                                        </p:attrNameLst>
+                                      </p:cBhvr>
+                                      <p:to>
+                                        <p:strVal val="visible"/>
+                                      </p:to>
+                                    </p:set>
+                                    <p:animEffect transition="in" filter="fade">
+                                      <p:cBhvr>
+                                        <p:cTn id="16" dur="500"/>
+                                        <p:tgtEl>
+                                          <p:spTgt spid="20"/>
+                                        </p:tgtEl>
+                                      </p:cBhvr>
+                                    </p:animEffect>
+                                  </p:childTnLst>
+                                </p:cTn>
+                              </p:par>
+                              <p:par>
+                                <p:cTn id="17" presetID="10" presetClass="entr" presetSubtype="0" fill="hold" grpId="0" nodeType="withEffect">
+                                  <p:stCondLst>
+                                    <p:cond delay="0"/>
+                                  </p:stCondLst>
+                                  <p:childTnLst>
+                                    <p:set>
+                                      <p:cBhvr>
+                                        <p:cTn id="18" dur="1" fill="hold">
+                                          <p:stCondLst>
+                                            <p:cond delay="0"/>
+                                          </p:stCondLst>
+                                        </p:cTn>
+                                        <p:tgtEl>
+                                          <p:spTgt spid="21"/>
+                                        </p:tgtEl>
+                                        <p:attrNameLst>
+                                          <p:attrName>style.visibility</p:attrName>
+                                        </p:attrNameLst>
+                                      </p:cBhvr>
+                                      <p:to>
+                                        <p:strVal val="visible"/>
+                                      </p:to>
+                                    </p:set>
+                                    <p:animEffect transition="in" filter="fade">
+                                      <p:cBhvr>
+                                        <p:cTn id="19" dur="500"/>
+                                        <p:tgtEl>
+                                          <p:spTgt spid="21"/>
+                                        </p:tgtEl>
+                                      </p:cBhvr>
+                                    </p:animEffect>
+                                  </p:childTnLst>
+                                </p:cTn>
+                              </p:par>
+                              <p:par>
+                                <p:cTn id="20" presetID="10" presetClass="entr" presetSubtype="0" fill="hold" grpId="0" nodeType="withEffect">
+                                  <p:stCondLst>
+                                    <p:cond delay="0"/>
+                                  </p:stCondLst>
+                                  <p:childTnLst>
+                                    <p:set>
+                                      <p:cBhvr>
+                                        <p:cTn id="21" dur="1" fill="hold">
+                                          <p:stCondLst>
+                                            <p:cond delay="0"/>
+                                          </p:stCondLst>
+                                        </p:cTn>
+                                        <p:tgtEl>
+                                          <p:spTgt spid="22"/>
+                                        </p:tgtEl>
+                                        <p:attrNameLst>
+                                          <p:attrName>style.visibility</p:attrName>
+                                        </p:attrNameLst>
+                                      </p:cBhvr>
+                                      <p:to>
+                                        <p:strVal val="visible"/>
+                                      </p:to>
+                                    </p:set>
+                                    <p:animEffect transition="in" filter="fade">
+                                      <p:cBhvr>
+                                        <p:cTn id="22" dur="500"/>
+                                        <p:tgtEl>
+                                          <p:spTgt spid="22"/>
+                                        </p:tgtEl>
+                                      </p:cBhvr>
+                                    </p:animEffect>
+                                  </p:childTnLst>
+                                </p:cTn>
+                              </p:par>
+                              <p:par>
+                                <p:cTn id="23" presetID="10" presetClass="entr" presetSubtype="0" fill="hold" grpId="0" nodeType="withEffect">
+                                  <p:stCondLst>
+                                    <p:cond delay="0"/>
+                                  </p:stCondLst>
+                                  <p:childTnLst>
+                                    <p:set>
+                                      <p:cBhvr>
+                                        <p:cTn id="24" dur="1" fill="hold">
+                                          <p:stCondLst>
+                                            <p:cond delay="0"/>
+                                          </p:stCondLst>
+                                        </p:cTn>
+                                        <p:tgtEl>
+                                          <p:spTgt spid="23"/>
+                                        </p:tgtEl>
+                                        <p:attrNameLst>
+                                          <p:attrName>style.visibility</p:attrName>
+                                        </p:attrNameLst>
+                                      </p:cBhvr>
+                                      <p:to>
+                                        <p:strVal val="visible"/>
+                                      </p:to>
+                                    </p:set>
+                                    <p:animEffect transition="in" filter="fade">
+                                      <p:cBhvr>
+                                        <p:cTn id="25" dur="500"/>
+                                        <p:tgtEl>
+                                          <p:spTgt spid="23"/>
+                                        </p:tgtEl>
+                                      </p:cBhvr>
+                                    </p:animEffect>
+                                  </p:childTnLst>
+                                </p:cTn>
+                              </p:par>
+                              <p:par>
+                                <p:cTn id="26" presetID="10" presetClass="entr" presetSubtype="0" fill="hold" grpId="0" nodeType="withEffect">
+                                  <p:stCondLst>
+                                    <p:cond delay="0"/>
+                                  </p:stCondLst>
+                                  <p:childTnLst>
+                                    <p:set>
+                                      <p:cBhvr>
+                                        <p:cTn id="27" dur="1" fill="hold">
+                                          <p:stCondLst>
+                                            <p:cond delay="0"/>
+                                          </p:stCondLst>
+                                        </p:cTn>
+                                        <p:tgtEl>
+                                          <p:spTgt spid="24"/>
+                                        </p:tgtEl>
+                                        <p:attrNameLst>
+                                          <p:attrName>style.visibility</p:attrName>
+                                        </p:attrNameLst>
+                                      </p:cBhvr>
+                                      <p:to>
+                                        <p:strVal val="visible"/>
+                                      </p:to>
+                                    </p:set>
+                                    <p:animEffect transition="in" filter="fade">
+                                      <p:cBhvr>
+                                        <p:cTn id="28" dur="500"/>
+                                        <p:tgtEl>
+                                          <p:spTgt spid="24"/>
+                                        </p:tgtEl>
+                                      </p:cBhvr>
+                                    </p:animEffect>
+                                  </p:childTnLst>
+                                </p:cTn>
+                              </p:par>
+                              <p:par>
+                                <p:cTn id="29" presetID="10" presetClass="entr" presetSubtype="0" fill="hold" nodeType="withEffect">
+                                  <p:stCondLst>
+                                    <p:cond delay="0"/>
+                                  </p:stCondLst>
+                                  <p:childTnLst>
+                                    <p:set>
+                                      <p:cBhvr>
+                                        <p:cTn id="30" dur="1" fill="hold">
+                                          <p:stCondLst>
+                                            <p:cond delay="0"/>
+                                          </p:stCondLst>
+                                        </p:cTn>
+                                        <p:tgtEl>
+                                          <p:spTgt spid="47"/>
+                                        </p:tgtEl>
+                                        <p:attrNameLst>
+                                          <p:attrName>style.visibility</p:attrName>
+                                        </p:attrNameLst>
+                                      </p:cBhvr>
+                                      <p:to>
+                                        <p:strVal val="visible"/>
+                                      </p:to>
+                                    </p:set>
+                                    <p:animEffect transition="in" filter="fade">
+                                      <p:cBhvr>
+                                        <p:cTn id="31" dur="500"/>
+                                        <p:tgtEl>
+                                          <p:spTgt spid="47"/>
+                                        </p:tgtEl>
+                                      </p:cBhvr>
+                                    </p:animEffect>
+                                  </p:childTnLst>
+                                </p:cTn>
+                              </p:par>
+                              <p:par>
+                                <p:cTn id="32" presetID="10" presetClass="entr" presetSubtype="0" fill="hold" nodeType="withEffect">
+                                  <p:stCondLst>
+                                    <p:cond delay="0"/>
+                                  </p:stCondLst>
+                                  <p:childTnLst>
+                                    <p:set>
+                                      <p:cBhvr>
+                                        <p:cTn id="33" dur="1" fill="hold">
+                                          <p:stCondLst>
+                                            <p:cond delay="0"/>
+                                          </p:stCondLst>
+                                        </p:cTn>
+                                        <p:tgtEl>
+                                          <p:spTgt spid="50"/>
+                                        </p:tgtEl>
+                                        <p:attrNameLst>
+                                          <p:attrName>style.visibility</p:attrName>
+                                        </p:attrNameLst>
+                                      </p:cBhvr>
+                                      <p:to>
+                                        <p:strVal val="visible"/>
+                                      </p:to>
+                                    </p:set>
+                                    <p:animEffect transition="in" filter="fade">
+                                      <p:cBhvr>
+                                        <p:cTn id="34" dur="500"/>
+                                        <p:tgtEl>
+                                          <p:spTgt spid="50"/>
+                                        </p:tgtEl>
+                                      </p:cBhvr>
+                                    </p:animEffect>
+                                  </p:childTnLst>
+                                </p:cTn>
+                              </p:par>
+                              <p:par>
+                                <p:cTn id="35" presetID="10" presetClass="entr" presetSubtype="0" fill="hold" nodeType="withEffect">
+                                  <p:stCondLst>
+                                    <p:cond delay="0"/>
+                                  </p:stCondLst>
+                                  <p:childTnLst>
+                                    <p:set>
+                                      <p:cBhvr>
+                                        <p:cTn id="36" dur="1" fill="hold">
+                                          <p:stCondLst>
+                                            <p:cond delay="0"/>
+                                          </p:stCondLst>
+                                        </p:cTn>
+                                        <p:tgtEl>
+                                          <p:spTgt spid="53"/>
+                                        </p:tgtEl>
+                                        <p:attrNameLst>
+                                          <p:attrName>style.visibility</p:attrName>
+                                        </p:attrNameLst>
+                                      </p:cBhvr>
+                                      <p:to>
+                                        <p:strVal val="visible"/>
+                                      </p:to>
+                                    </p:set>
+                                    <p:animEffect transition="in" filter="fade">
+                                      <p:cBhvr>
+                                        <p:cTn id="37" dur="500"/>
+                                        <p:tgtEl>
+                                          <p:spTgt spid="53"/>
+                                        </p:tgtEl>
+                                      </p:cBhvr>
+                                    </p:animEffect>
+                                  </p:childTnLst>
+                                </p:cTn>
+                              </p:par>
+                              <p:par>
+                                <p:cTn id="38" presetID="10" presetClass="entr" presetSubtype="0" fill="hold" nodeType="withEffect">
+                                  <p:stCondLst>
+                                    <p:cond delay="0"/>
+                                  </p:stCondLst>
+                                  <p:childTnLst>
+                                    <p:set>
+                                      <p:cBhvr>
+                                        <p:cTn id="39" dur="1" fill="hold">
+                                          <p:stCondLst>
+                                            <p:cond delay="0"/>
+                                          </p:stCondLst>
+                                        </p:cTn>
+                                        <p:tgtEl>
+                                          <p:spTgt spid="56"/>
+                                        </p:tgtEl>
+                                        <p:attrNameLst>
+                                          <p:attrName>style.visibility</p:attrName>
+                                        </p:attrNameLst>
+                                      </p:cBhvr>
+                                      <p:to>
+                                        <p:strVal val="visible"/>
+                                      </p:to>
+                                    </p:set>
+                                    <p:animEffect transition="in" filter="fade">
+                                      <p:cBhvr>
+                                        <p:cTn id="40" dur="500"/>
+                                        <p:tgtEl>
+                                          <p:spTgt spid="56"/>
+                                        </p:tgtEl>
+                                      </p:cBhvr>
+                                    </p:animEffect>
+                                  </p:childTnLst>
+                                </p:cTn>
+                              </p:par>
+                              <p:par>
+                                <p:cTn id="41" presetID="10" presetClass="entr" presetSubtype="0" fill="hold" nodeType="withEffect">
+                                  <p:stCondLst>
+                                    <p:cond delay="0"/>
+                                  </p:stCondLst>
+                                  <p:childTnLst>
+                                    <p:set>
+                                      <p:cBhvr>
+                                        <p:cTn id="42" dur="1" fill="hold">
+                                          <p:stCondLst>
+                                            <p:cond delay="0"/>
+                                          </p:stCondLst>
+                                        </p:cTn>
+                                        <p:tgtEl>
+                                          <p:spTgt spid="59"/>
+                                        </p:tgtEl>
+                                        <p:attrNameLst>
+                                          <p:attrName>style.visibility</p:attrName>
+                                        </p:attrNameLst>
+                                      </p:cBhvr>
+                                      <p:to>
+                                        <p:strVal val="visible"/>
+                                      </p:to>
+                                    </p:set>
+                                    <p:animEffect transition="in" filter="fade">
+                                      <p:cBhvr>
+                                        <p:cTn id="43" dur="500"/>
+                                        <p:tgtEl>
+                                          <p:spTgt spid="59"/>
+                                        </p:tgtEl>
+                                      </p:cBhvr>
+                                    </p:animEffect>
+                                  </p:childTnLst>
+                                </p:cTn>
+                              </p:par>
+                              <p:par>
+                                <p:cTn id="44" presetID="10" presetClass="entr" presetSubtype="0" fill="hold" nodeType="withEffect">
+                                  <p:stCondLst>
+                                    <p:cond delay="0"/>
+                                  </p:stCondLst>
+                                  <p:childTnLst>
+                                    <p:set>
+                                      <p:cBhvr>
+                                        <p:cTn id="45" dur="1" fill="hold">
+                                          <p:stCondLst>
+                                            <p:cond delay="0"/>
+                                          </p:stCondLst>
+                                        </p:cTn>
+                                        <p:tgtEl>
+                                          <p:spTgt spid="62"/>
+                                        </p:tgtEl>
+                                        <p:attrNameLst>
+                                          <p:attrName>style.visibility</p:attrName>
+                                        </p:attrNameLst>
+                                      </p:cBhvr>
+                                      <p:to>
+                                        <p:strVal val="visible"/>
+                                      </p:to>
+                                    </p:set>
+                                    <p:animEffect transition="in" filter="fade">
+                                      <p:cBhvr>
+                                        <p:cTn id="46" dur="500"/>
+                                        <p:tgtEl>
+                                          <p:spTgt spid="62"/>
+                                        </p:tgtEl>
+                                      </p:cBhvr>
+                                    </p:animEffect>
+                                  </p:childTnLst>
+                                </p:cTn>
+                              </p:par>
+                              <p:par>
+                                <p:cTn id="47" presetID="10" presetClass="entr" presetSubtype="0" fill="hold" nodeType="withEffect">
+                                  <p:stCondLst>
+                                    <p:cond delay="0"/>
+                                  </p:stCondLst>
+                                  <p:childTnLst>
+                                    <p:set>
+                                      <p:cBhvr>
+                                        <p:cTn id="48" dur="1" fill="hold">
+                                          <p:stCondLst>
+                                            <p:cond delay="0"/>
+                                          </p:stCondLst>
+                                        </p:cTn>
+                                        <p:tgtEl>
+                                          <p:spTgt spid="65"/>
+                                        </p:tgtEl>
+                                        <p:attrNameLst>
+                                          <p:attrName>style.visibility</p:attrName>
+                                        </p:attrNameLst>
+                                      </p:cBhvr>
+                                      <p:to>
+                                        <p:strVal val="visible"/>
+                                      </p:to>
+                                    </p:set>
+                                    <p:animEffect transition="in" filter="fade">
+                                      <p:cBhvr>
+                                        <p:cTn id="49" dur="500"/>
+                                        <p:tgtEl>
+                                          <p:spTgt spid="65"/>
+                                        </p:tgtEl>
+                                      </p:cBhvr>
+                                    </p:animEffect>
+                                  </p:childTnLst>
+                                </p:cTn>
+                              </p:par>
+                              <p:par>
+                                <p:cTn id="50" presetID="10" presetClass="entr" presetSubtype="0" fill="hold" grpId="0" nodeType="withEffect">
+                                  <p:stCondLst>
+                                    <p:cond delay="0"/>
+                                  </p:stCondLst>
+                                  <p:childTnLst>
+                                    <p:set>
+                                      <p:cBhvr>
+                                        <p:cTn id="51" dur="1" fill="hold">
+                                          <p:stCondLst>
+                                            <p:cond delay="0"/>
+                                          </p:stCondLst>
+                                        </p:cTn>
+                                        <p:tgtEl>
+                                          <p:spTgt spid="71"/>
+                                        </p:tgtEl>
+                                        <p:attrNameLst>
+                                          <p:attrName>style.visibility</p:attrName>
+                                        </p:attrNameLst>
+                                      </p:cBhvr>
+                                      <p:to>
+                                        <p:strVal val="visible"/>
+                                      </p:to>
+                                    </p:set>
+                                    <p:animEffect transition="in" filter="fade">
+                                      <p:cBhvr>
+                                        <p:cTn id="52" dur="500"/>
+                                        <p:tgtEl>
+                                          <p:spTgt spid="71"/>
+                                        </p:tgtEl>
+                                      </p:cBhvr>
+                                    </p:animEffect>
+                                  </p:childTnLst>
+                                </p:cTn>
+                              </p:par>
+                              <p:par>
+                                <p:cTn id="53" presetID="10" presetClass="entr" presetSubtype="0" fill="hold" nodeType="withEffect">
+                                  <p:stCondLst>
+                                    <p:cond delay="0"/>
+                                  </p:stCondLst>
+                                  <p:childTnLst>
+                                    <p:set>
+                                      <p:cBhvr>
+                                        <p:cTn id="54" dur="1" fill="hold">
+                                          <p:stCondLst>
+                                            <p:cond delay="0"/>
+                                          </p:stCondLst>
+                                        </p:cTn>
+                                        <p:tgtEl>
+                                          <p:spTgt spid="3"/>
+                                        </p:tgtEl>
+                                        <p:attrNameLst>
+                                          <p:attrName>style.visibility</p:attrName>
+                                        </p:attrNameLst>
+                                      </p:cBhvr>
+                                      <p:to>
+                                        <p:strVal val="visible"/>
+                                      </p:to>
+                                    </p:set>
+                                    <p:animEffect transition="in" filter="fade">
+                                      <p:cBhvr>
+                                        <p:cTn id="55" dur="500"/>
+                                        <p:tgtEl>
+                                          <p:spTgt spid="3"/>
+                                        </p:tgtEl>
+                                      </p:cBhvr>
+                                    </p:animEffect>
+                                  </p:childTnLst>
+                                </p:cTn>
+                              </p:par>
+                              <p:par>
+                                <p:cTn id="56" presetID="10" presetClass="entr" presetSubtype="0" fill="hold" nodeType="withEffect">
+                                  <p:stCondLst>
+                                    <p:cond delay="0"/>
+                                  </p:stCondLst>
+                                  <p:childTnLst>
+                                    <p:set>
+                                      <p:cBhvr>
+                                        <p:cTn id="57" dur="1" fill="hold">
+                                          <p:stCondLst>
+                                            <p:cond delay="0"/>
+                                          </p:stCondLst>
+                                        </p:cTn>
+                                        <p:tgtEl>
+                                          <p:spTgt spid="31"/>
+                                        </p:tgtEl>
+                                        <p:attrNameLst>
+                                          <p:attrName>style.visibility</p:attrName>
+                                        </p:attrNameLst>
+                                      </p:cBhvr>
+                                      <p:to>
+                                        <p:strVal val="visible"/>
+                                      </p:to>
+                                    </p:set>
+                                    <p:animEffect transition="in" filter="fade">
+                                      <p:cBhvr>
+                                        <p:cTn id="58" dur="500"/>
+                                        <p:tgtEl>
+                                          <p:spTgt spid="31"/>
+                                        </p:tgtEl>
+                                      </p:cBhvr>
+                                    </p:animEffect>
+                                  </p:childTnLst>
+                                </p:cTn>
+                              </p:par>
+                              <p:par>
+                                <p:cTn id="59" presetID="10" presetClass="entr" presetSubtype="0" fill="hold" nodeType="withEffect">
+                                  <p:stCondLst>
+                                    <p:cond delay="0"/>
+                                  </p:stCondLst>
+                                  <p:childTnLst>
+                                    <p:set>
+                                      <p:cBhvr>
+                                        <p:cTn id="60" dur="1" fill="hold">
+                                          <p:stCondLst>
+                                            <p:cond delay="0"/>
+                                          </p:stCondLst>
+                                        </p:cTn>
+                                        <p:tgtEl>
+                                          <p:spTgt spid="34"/>
+                                        </p:tgtEl>
+                                        <p:attrNameLst>
+                                          <p:attrName>style.visibility</p:attrName>
+                                        </p:attrNameLst>
+                                      </p:cBhvr>
+                                      <p:to>
+                                        <p:strVal val="visible"/>
+                                      </p:to>
+                                    </p:set>
+                                    <p:animEffect transition="in" filter="fade">
+                                      <p:cBhvr>
+                                        <p:cTn id="61" dur="500"/>
+                                        <p:tgtEl>
+                                          <p:spTgt spid="34"/>
+                                        </p:tgtEl>
+                                      </p:cBhvr>
+                                    </p:animEffect>
+                                  </p:childTnLst>
+                                </p:cTn>
+                              </p:par>
+                              <p:par>
+                                <p:cTn id="62" presetID="10" presetClass="entr" presetSubtype="0" fill="hold" nodeType="withEffect">
+                                  <p:stCondLst>
+                                    <p:cond delay="0"/>
+                                  </p:stCondLst>
+                                  <p:childTnLst>
+                                    <p:set>
+                                      <p:cBhvr>
+                                        <p:cTn id="63" dur="1" fill="hold">
+                                          <p:stCondLst>
+                                            <p:cond delay="0"/>
+                                          </p:stCondLst>
+                                        </p:cTn>
+                                        <p:tgtEl>
+                                          <p:spTgt spid="37"/>
+                                        </p:tgtEl>
+                                        <p:attrNameLst>
+                                          <p:attrName>style.visibility</p:attrName>
+                                        </p:attrNameLst>
+                                      </p:cBhvr>
+                                      <p:to>
+                                        <p:strVal val="visible"/>
+                                      </p:to>
+                                    </p:set>
+                                    <p:animEffect transition="in" filter="fade">
+                                      <p:cBhvr>
+                                        <p:cTn id="64" dur="500"/>
+                                        <p:tgtEl>
+                                          <p:spTgt spid="37"/>
+                                        </p:tgtEl>
+                                      </p:cBhvr>
+                                    </p:animEffect>
+                                  </p:childTnLst>
+                                </p:cTn>
+                              </p:par>
+                              <p:par>
+                                <p:cTn id="65" presetID="10" presetClass="entr" presetSubtype="0" fill="hold" nodeType="withEffect">
+                                  <p:stCondLst>
+                                    <p:cond delay="0"/>
+                                  </p:stCondLst>
+                                  <p:childTnLst>
+                                    <p:set>
+                                      <p:cBhvr>
+                                        <p:cTn id="66" dur="1" fill="hold">
+                                          <p:stCondLst>
+                                            <p:cond delay="0"/>
+                                          </p:stCondLst>
+                                        </p:cTn>
+                                        <p:tgtEl>
+                                          <p:spTgt spid="41"/>
+                                        </p:tgtEl>
+                                        <p:attrNameLst>
+                                          <p:attrName>style.visibility</p:attrName>
+                                        </p:attrNameLst>
+                                      </p:cBhvr>
+                                      <p:to>
+                                        <p:strVal val="visible"/>
+                                      </p:to>
+                                    </p:set>
+                                    <p:animEffect transition="in" filter="fade">
+                                      <p:cBhvr>
+                                        <p:cTn id="67" dur="500"/>
+                                        <p:tgtEl>
+                                          <p:spTgt spid="41"/>
+                                        </p:tgtEl>
+                                      </p:cBhvr>
+                                    </p:animEffect>
+                                  </p:childTnLst>
+                                </p:cTn>
+                              </p:par>
+                              <p:par>
+                                <p:cTn id="68" presetID="10" presetClass="entr" presetSubtype="0" fill="hold" grpId="0" nodeType="withEffect">
+                                  <p:stCondLst>
+                                    <p:cond delay="0"/>
+                                  </p:stCondLst>
+                                  <p:childTnLst>
+                                    <p:set>
+                                      <p:cBhvr>
+                                        <p:cTn id="69" dur="1" fill="hold">
+                                          <p:stCondLst>
+                                            <p:cond delay="0"/>
+                                          </p:stCondLst>
+                                        </p:cTn>
+                                        <p:tgtEl>
+                                          <p:spTgt spid="6"/>
+                                        </p:tgtEl>
+                                        <p:attrNameLst>
+                                          <p:attrName>style.visibility</p:attrName>
+                                        </p:attrNameLst>
+                                      </p:cBhvr>
+                                      <p:to>
+                                        <p:strVal val="visible"/>
+                                      </p:to>
+                                    </p:set>
+                                    <p:animEffect transition="in" filter="fade">
+                                      <p:cBhvr>
+                                        <p:cTn id="70" dur="500"/>
+                                        <p:tgtEl>
+                                          <p:spTgt spid="6"/>
+                                        </p:tgtEl>
+                                      </p:cBhvr>
+                                    </p:animEffect>
+                                  </p:childTnLst>
+                                </p:cTn>
+                              </p:par>
+                              <p:par>
+                                <p:cTn id="71" presetID="10" presetClass="entr" presetSubtype="0" fill="hold" grpId="0" nodeType="withEffect">
+                                  <p:stCondLst>
+                                    <p:cond delay="0"/>
+                                  </p:stCondLst>
+                                  <p:childTnLst>
+                                    <p:set>
+                                      <p:cBhvr>
+                                        <p:cTn id="72" dur="1" fill="hold">
+                                          <p:stCondLst>
+                                            <p:cond delay="0"/>
+                                          </p:stCondLst>
+                                        </p:cTn>
+                                        <p:tgtEl>
+                                          <p:spTgt spid="9"/>
+                                        </p:tgtEl>
+                                        <p:attrNameLst>
+                                          <p:attrName>style.visibility</p:attrName>
+                                        </p:attrNameLst>
+                                      </p:cBhvr>
+                                      <p:to>
+                                        <p:strVal val="visible"/>
+                                      </p:to>
+                                    </p:set>
+                                    <p:animEffect transition="in" filter="fade">
+                                      <p:cBhvr>
+                                        <p:cTn id="73" dur="500"/>
+                                        <p:tgtEl>
+                                          <p:spTgt spid="9"/>
+                                        </p:tgtEl>
+                                      </p:cBhvr>
+                                    </p:animEffect>
+                                  </p:childTnLst>
+                                </p:cTn>
+                              </p:par>
+                              <p:par>
+                                <p:cTn id="74" presetID="10" presetClass="entr" presetSubtype="0" fill="hold" grpId="0" nodeType="withEffect">
+                                  <p:stCondLst>
+                                    <p:cond delay="0"/>
+                                  </p:stCondLst>
+                                  <p:childTnLst>
+                                    <p:set>
+                                      <p:cBhvr>
+                                        <p:cTn id="75" dur="1" fill="hold">
+                                          <p:stCondLst>
+                                            <p:cond delay="0"/>
+                                          </p:stCondLst>
+                                        </p:cTn>
+                                        <p:tgtEl>
+                                          <p:spTgt spid="11"/>
+                                        </p:tgtEl>
+                                        <p:attrNameLst>
+                                          <p:attrName>style.visibility</p:attrName>
+                                        </p:attrNameLst>
+                                      </p:cBhvr>
+                                      <p:to>
+                                        <p:strVal val="visible"/>
+                                      </p:to>
+                                    </p:set>
+                                    <p:animEffect transition="in" filter="fade">
+                                      <p:cBhvr>
+                                        <p:cTn id="76" dur="500"/>
+                                        <p:tgtEl>
+                                          <p:spTgt spid="11"/>
+                                        </p:tgtEl>
+                                      </p:cBhvr>
+                                    </p:animEffect>
+                                  </p:childTnLst>
+                                </p:cTn>
+                              </p:par>
+                              <p:par>
+                                <p:cTn id="77" presetID="10" presetClass="entr" presetSubtype="0" fill="hold" grpId="0" nodeType="withEffect">
+                                  <p:stCondLst>
+                                    <p:cond delay="0"/>
+                                  </p:stCondLst>
+                                  <p:childTnLst>
+                                    <p:set>
+                                      <p:cBhvr>
+                                        <p:cTn id="78" dur="1" fill="hold">
+                                          <p:stCondLst>
+                                            <p:cond delay="0"/>
+                                          </p:stCondLst>
+                                        </p:cTn>
+                                        <p:tgtEl>
+                                          <p:spTgt spid="12"/>
+                                        </p:tgtEl>
+                                        <p:attrNameLst>
+                                          <p:attrName>style.visibility</p:attrName>
+                                        </p:attrNameLst>
+                                      </p:cBhvr>
+                                      <p:to>
+                                        <p:strVal val="visible"/>
+                                      </p:to>
+                                    </p:set>
+                                    <p:animEffect transition="in" filter="fade">
+                                      <p:cBhvr>
+                                        <p:cTn id="79" dur="500"/>
+                                        <p:tgtEl>
+                                          <p:spTgt spid="12"/>
+                                        </p:tgtEl>
+                                      </p:cBhvr>
+                                    </p:animEffect>
+                                  </p:childTnLst>
+                                </p:cTn>
+                              </p:par>
+                              <p:par>
+                                <p:cTn id="80" presetID="10" presetClass="entr" presetSubtype="0" fill="hold" grpId="0" nodeType="withEffect">
+                                  <p:stCondLst>
+                                    <p:cond delay="0"/>
+                                  </p:stCondLst>
+                                  <p:childTnLst>
+                                    <p:set>
+                                      <p:cBhvr>
+                                        <p:cTn id="81" dur="1" fill="hold">
+                                          <p:stCondLst>
+                                            <p:cond delay="0"/>
+                                          </p:stCondLst>
+                                        </p:cTn>
+                                        <p:tgtEl>
+                                          <p:spTgt spid="13"/>
+                                        </p:tgtEl>
+                                        <p:attrNameLst>
+                                          <p:attrName>style.visibility</p:attrName>
+                                        </p:attrNameLst>
+                                      </p:cBhvr>
+                                      <p:to>
+                                        <p:strVal val="visible"/>
+                                      </p:to>
+                                    </p:set>
+                                    <p:animEffect transition="in" filter="fade">
+                                      <p:cBhvr>
+                                        <p:cTn id="82" dur="500"/>
+                                        <p:tgtEl>
+                                          <p:spTgt spid="13"/>
+                                        </p:tgtEl>
+                                      </p:cBhvr>
+                                    </p:animEffect>
+                                  </p:childTnLst>
+                                </p:cTn>
+                              </p:par>
+                              <p:par>
+                                <p:cTn id="83" presetID="10" presetClass="entr" presetSubtype="0" fill="hold" grpId="0" nodeType="withEffect">
+                                  <p:stCondLst>
+                                    <p:cond delay="0"/>
+                                  </p:stCondLst>
+                                  <p:childTnLst>
+                                    <p:set>
+                                      <p:cBhvr>
+                                        <p:cTn id="84" dur="1" fill="hold">
+                                          <p:stCondLst>
+                                            <p:cond delay="0"/>
+                                          </p:stCondLst>
+                                        </p:cTn>
+                                        <p:tgtEl>
+                                          <p:spTgt spid="14"/>
+                                        </p:tgtEl>
+                                        <p:attrNameLst>
+                                          <p:attrName>style.visibility</p:attrName>
+                                        </p:attrNameLst>
+                                      </p:cBhvr>
+                                      <p:to>
+                                        <p:strVal val="visible"/>
+                                      </p:to>
+                                    </p:set>
+                                    <p:animEffect transition="in" filter="fade">
+                                      <p:cBhvr>
+                                        <p:cTn id="85" dur="500"/>
+                                        <p:tgtEl>
+                                          <p:spTgt spid="14"/>
+                                        </p:tgtEl>
+                                      </p:cBhvr>
+                                    </p:animEffect>
+                                  </p:childTnLst>
+                                </p:cTn>
+                              </p:par>
+                              <p:par>
+                                <p:cTn id="86" presetID="10" presetClass="entr" presetSubtype="0" fill="hold" grpId="0" nodeType="withEffect">
+                                  <p:stCondLst>
+                                    <p:cond delay="0"/>
+                                  </p:stCondLst>
+                                  <p:childTnLst>
+                                    <p:set>
+                                      <p:cBhvr>
+                                        <p:cTn id="87" dur="1" fill="hold">
+                                          <p:stCondLst>
+                                            <p:cond delay="0"/>
+                                          </p:stCondLst>
+                                        </p:cTn>
+                                        <p:tgtEl>
+                                          <p:spTgt spid="15"/>
+                                        </p:tgtEl>
+                                        <p:attrNameLst>
+                                          <p:attrName>style.visibility</p:attrName>
+                                        </p:attrNameLst>
+                                      </p:cBhvr>
+                                      <p:to>
+                                        <p:strVal val="visible"/>
+                                      </p:to>
+                                    </p:set>
+                                    <p:animEffect transition="in" filter="fade">
+                                      <p:cBhvr>
+                                        <p:cTn id="88" dur="500"/>
+                                        <p:tgtEl>
+                                          <p:spTgt spid="15"/>
+                                        </p:tgtEl>
+                                      </p:cBhvr>
+                                    </p:animEffect>
+                                  </p:childTnLst>
+                                </p:cTn>
+                              </p:par>
+                              <p:par>
+                                <p:cTn id="89" presetID="10" presetClass="entr" presetSubtype="0" fill="hold" grpId="0" nodeType="withEffect">
+                                  <p:stCondLst>
+                                    <p:cond delay="0"/>
+                                  </p:stCondLst>
+                                  <p:childTnLst>
+                                    <p:set>
+                                      <p:cBhvr>
+                                        <p:cTn id="90" dur="1" fill="hold">
+                                          <p:stCondLst>
+                                            <p:cond delay="0"/>
+                                          </p:stCondLst>
+                                        </p:cTn>
+                                        <p:tgtEl>
+                                          <p:spTgt spid="16"/>
+                                        </p:tgtEl>
+                                        <p:attrNameLst>
+                                          <p:attrName>style.visibility</p:attrName>
+                                        </p:attrNameLst>
+                                      </p:cBhvr>
+                                      <p:to>
+                                        <p:strVal val="visible"/>
+                                      </p:to>
+                                    </p:set>
+                                    <p:animEffect transition="in" filter="fade">
+                                      <p:cBhvr>
+                                        <p:cTn id="91" dur="500"/>
+                                        <p:tgtEl>
+                                          <p:spTgt spid="16"/>
+                                        </p:tgtEl>
+                                      </p:cBhvr>
+                                    </p:animEffect>
+                                  </p:childTnLst>
+                                </p:cTn>
+                              </p:par>
+                              <p:par>
+                                <p:cTn id="92" presetID="10" presetClass="entr" presetSubtype="0" fill="hold" grpId="0" nodeType="withEffect">
+                                  <p:stCondLst>
+                                    <p:cond delay="0"/>
+                                  </p:stCondLst>
+                                  <p:childTnLst>
+                                    <p:set>
+                                      <p:cBhvr>
+                                        <p:cTn id="93" dur="1" fill="hold">
+                                          <p:stCondLst>
+                                            <p:cond delay="0"/>
+                                          </p:stCondLst>
+                                        </p:cTn>
+                                        <p:tgtEl>
+                                          <p:spTgt spid="70"/>
+                                        </p:tgtEl>
+                                        <p:attrNameLst>
+                                          <p:attrName>style.visibility</p:attrName>
+                                        </p:attrNameLst>
+                                      </p:cBhvr>
+                                      <p:to>
+                                        <p:strVal val="visible"/>
+                                      </p:to>
+                                    </p:set>
+                                    <p:animEffect transition="in" filter="fade">
+                                      <p:cBhvr>
+                                        <p:cTn id="94" dur="500"/>
+                                        <p:tgtEl>
+                                          <p:spTgt spid="70"/>
+                                        </p:tgtEl>
+                                      </p:cBhvr>
+                                    </p:animEffect>
+                                  </p:childTnLst>
+                                </p:cTn>
+                              </p:par>
+                              <p:par>
+                                <p:cTn id="95" presetID="10" presetClass="entr" presetSubtype="0" fill="hold" grpId="0" nodeType="withEffect">
+                                  <p:stCondLst>
+                                    <p:cond delay="0"/>
+                                  </p:stCondLst>
+                                  <p:childTnLst>
+                                    <p:set>
+                                      <p:cBhvr>
+                                        <p:cTn id="96" dur="1" fill="hold">
+                                          <p:stCondLst>
+                                            <p:cond delay="0"/>
+                                          </p:stCondLst>
+                                        </p:cTn>
+                                        <p:tgtEl>
+                                          <p:spTgt spid="7"/>
+                                        </p:tgtEl>
+                                        <p:attrNameLst>
+                                          <p:attrName>style.visibility</p:attrName>
+                                        </p:attrNameLst>
+                                      </p:cBhvr>
+                                      <p:to>
+                                        <p:strVal val="visible"/>
+                                      </p:to>
+                                    </p:set>
+                                    <p:animEffect transition="in" filter="fade">
+                                      <p:cBhvr>
+                                        <p:cTn id="97" dur="500"/>
+                                        <p:tgtEl>
+                                          <p:spTgt spid="7"/>
+                                        </p:tgtEl>
+                                      </p:cBhvr>
+                                    </p:animEffect>
+                                  </p:childTnLst>
+                                </p:cTn>
+                              </p:par>
+                              <p:par>
+                                <p:cTn id="98" presetID="10" presetClass="entr" presetSubtype="0" fill="hold" grpId="0" nodeType="withEffect">
+                                  <p:stCondLst>
+                                    <p:cond delay="0"/>
+                                  </p:stCondLst>
+                                  <p:childTnLst>
+                                    <p:set>
+                                      <p:cBhvr>
+                                        <p:cTn id="99" dur="1" fill="hold">
+                                          <p:stCondLst>
+                                            <p:cond delay="0"/>
+                                          </p:stCondLst>
+                                        </p:cTn>
+                                        <p:tgtEl>
+                                          <p:spTgt spid="10"/>
+                                        </p:tgtEl>
+                                        <p:attrNameLst>
+                                          <p:attrName>style.visibility</p:attrName>
+                                        </p:attrNameLst>
+                                      </p:cBhvr>
+                                      <p:to>
+                                        <p:strVal val="visible"/>
+                                      </p:to>
+                                    </p:set>
+                                    <p:animEffect transition="in" filter="fade">
+                                      <p:cBhvr>
+                                        <p:cTn id="100" dur="500"/>
+                                        <p:tgtEl>
+                                          <p:spTgt spid="10"/>
+                                        </p:tgtEl>
+                                      </p:cBhvr>
+                                    </p:animEffect>
+                                  </p:childTnLst>
+                                </p:cTn>
+                              </p:par>
+                            </p:childTnLst>
+                          </p:cTn>
+                        </p:par>
+                      </p:childTnLst>
+                    </p:cTn>
+                  </p:par>
+                  <p:par>
+                    <p:cTn id="101" fill="hold">
+                      <p:stCondLst>
+                        <p:cond delay="indefinite"/>
+                      </p:stCondLst>
+                      <p:childTnLst>
+                        <p:par>
+                          <p:cTn id="102" fill="hold">
+                            <p:stCondLst>
+                              <p:cond delay="0"/>
+                            </p:stCondLst>
+                            <p:childTnLst>
+                              <p:par>
+                                <p:cTn id="103" presetID="10" presetClass="entr" presetSubtype="0" fill="hold" grpId="0" nodeType="clickEffect">
+                                  <p:stCondLst>
+                                    <p:cond delay="0"/>
+                                  </p:stCondLst>
+                                  <p:childTnLst>
+                                    <p:set>
+                                      <p:cBhvr>
+                                        <p:cTn id="104" dur="1" fill="hold">
+                                          <p:stCondLst>
+                                            <p:cond delay="0"/>
+                                          </p:stCondLst>
+                                        </p:cTn>
+                                        <p:tgtEl>
+                                          <p:spTgt spid="72"/>
+                                        </p:tgtEl>
+                                        <p:attrNameLst>
+                                          <p:attrName>style.visibility</p:attrName>
+                                        </p:attrNameLst>
+                                      </p:cBhvr>
+                                      <p:to>
+                                        <p:strVal val="visible"/>
+                                      </p:to>
+                                    </p:set>
+                                    <p:animEffect transition="in" filter="fade">
+                                      <p:cBhvr>
+                                        <p:cTn id="105" dur="500"/>
+                                        <p:tgtEl>
+                                          <p:spTgt spid="72"/>
+                                        </p:tgtEl>
+                                      </p:cBhvr>
+                                    </p:animEffect>
+                                  </p:childTnLst>
+                                </p:cTn>
+                              </p:par>
+                            </p:childTnLst>
+                          </p:cTn>
+                        </p:par>
+                      </p:childTnLst>
+                    </p:cTn>
+                  </p:par>
+                  <p:par>
+                    <p:cTn id="106" fill="hold">
+                      <p:stCondLst>
+                        <p:cond delay="indefinite"/>
+                      </p:stCondLst>
+                      <p:childTnLst>
+                        <p:par>
+                          <p:cTn id="107" fill="hold">
+                            <p:stCondLst>
+                              <p:cond delay="0"/>
+                            </p:stCondLst>
+                            <p:childTnLst>
+                              <p:par>
+                                <p:cTn id="108" presetID="10" presetClass="entr" presetSubtype="0" fill="hold" grpId="0" nodeType="clickEffect">
+                                  <p:stCondLst>
+                                    <p:cond delay="0"/>
+                                  </p:stCondLst>
+                                  <p:childTnLst>
+                                    <p:set>
+                                      <p:cBhvr>
+                                        <p:cTn id="109" dur="1" fill="hold">
+                                          <p:stCondLst>
+                                            <p:cond delay="0"/>
+                                          </p:stCondLst>
+                                        </p:cTn>
+                                        <p:tgtEl>
+                                          <p:spTgt spid="73"/>
+                                        </p:tgtEl>
+                                        <p:attrNameLst>
+                                          <p:attrName>style.visibility</p:attrName>
+                                        </p:attrNameLst>
+                                      </p:cBhvr>
+                                      <p:to>
+                                        <p:strVal val="visible"/>
+                                      </p:to>
+                                    </p:set>
+                                    <p:animEffect transition="in" filter="fade">
+                                      <p:cBhvr>
+                                        <p:cTn id="110" dur="500"/>
+                                        <p:tgtEl>
+                                          <p:spTgt spid="73"/>
+                                        </p:tgtEl>
+                                      </p:cBhvr>
+                                    </p:animEffect>
+                                  </p:childTnLst>
+                                </p:cTn>
+                              </p:par>
+                            </p:childTnLst>
+                          </p:cTn>
+                        </p:par>
+                      </p:childTnLst>
+                    </p:cTn>
+                  </p:par>
+                  <p:par>
+                    <p:cTn id="111" fill="hold">
+                      <p:stCondLst>
+                        <p:cond delay="indefinite"/>
+                      </p:stCondLst>
+                      <p:childTnLst>
+                        <p:par>
+                          <p:cTn id="112" fill="hold">
+                            <p:stCondLst>
+                              <p:cond delay="0"/>
+                            </p:stCondLst>
+                            <p:childTnLst>
+                              <p:par>
+                                <p:cTn id="113" presetID="10" presetClass="entr" presetSubtype="0" fill="hold" grpId="0" nodeType="clickEffect">
+                                  <p:stCondLst>
+                                    <p:cond delay="0"/>
+                                  </p:stCondLst>
+                                  <p:childTnLst>
+                                    <p:set>
+                                      <p:cBhvr>
+                                        <p:cTn id="114" dur="1" fill="hold">
+                                          <p:stCondLst>
+                                            <p:cond delay="0"/>
+                                          </p:stCondLst>
+                                        </p:cTn>
+                                        <p:tgtEl>
+                                          <p:spTgt spid="74"/>
+                                        </p:tgtEl>
+                                        <p:attrNameLst>
+                                          <p:attrName>style.visibility</p:attrName>
+                                        </p:attrNameLst>
+                                      </p:cBhvr>
+                                      <p:to>
+                                        <p:strVal val="visible"/>
+                                      </p:to>
+                                    </p:set>
+                                    <p:animEffect transition="in" filter="fade">
+                                      <p:cBhvr>
+                                        <p:cTn id="115" dur="500"/>
+                                        <p:tgtEl>
+                                          <p:spTgt spid="74"/>
+                                        </p:tgtEl>
+                                      </p:cBhvr>
+                                    </p:animEffect>
+                                  </p:childTnLst>
+                                </p:cTn>
+                              </p:par>
+                            </p:childTnLst>
+                          </p:cTn>
+                        </p:par>
+                      </p:childTnLst>
+                    </p:cTn>
+                  </p:par>
+                  <p:par>
+                    <p:cTn id="116" fill="hold">
+                      <p:stCondLst>
+                        <p:cond delay="indefinite"/>
+                      </p:stCondLst>
+                      <p:childTnLst>
+                        <p:par>
+                          <p:cTn id="117" fill="hold">
+                            <p:stCondLst>
+                              <p:cond delay="0"/>
+                            </p:stCondLst>
+                            <p:childTnLst>
+                              <p:par>
+                                <p:cTn id="118" presetID="10" presetClass="entr" presetSubtype="0" fill="hold" grpId="0" nodeType="clickEffect">
+                                  <p:stCondLst>
+                                    <p:cond delay="0"/>
+                                  </p:stCondLst>
+                                  <p:childTnLst>
+                                    <p:set>
+                                      <p:cBhvr>
+                                        <p:cTn id="119" dur="1" fill="hold">
+                                          <p:stCondLst>
+                                            <p:cond delay="0"/>
+                                          </p:stCondLst>
+                                        </p:cTn>
+                                        <p:tgtEl>
+                                          <p:spTgt spid="75"/>
+                                        </p:tgtEl>
+                                        <p:attrNameLst>
+                                          <p:attrName>style.visibility</p:attrName>
+                                        </p:attrNameLst>
+                                      </p:cBhvr>
+                                      <p:to>
+                                        <p:strVal val="visible"/>
+                                      </p:to>
+                                    </p:set>
+                                    <p:animEffect transition="in" filter="fade">
+                                      <p:cBhvr>
+                                        <p:cTn id="120" dur="500"/>
+                                        <p:tgtEl>
+                                          <p:spTgt spid="75"/>
+                                        </p:tgtEl>
+                                      </p:cBhvr>
+                                    </p:animEffect>
+                                  </p:childTnLst>
+                                </p:cTn>
+                              </p:par>
+                            </p:childTnLst>
+                          </p:cTn>
+                        </p:par>
+                      </p:childTnLst>
+                    </p:cTn>
+                  </p:par>
+                </p:childTnLst>
+              </p:cTn>
+              <p:prevCondLst>
+                <p:cond evt="onPrev" delay="0">
+                  <p:tgtEl>
+                    <p:sldTgt/>
+                  </p:tgtEl>
+                </p:cond>
+              </p:prevCondLst>
+              <p:nextCondLst>
+                <p:cond evt="onNext" delay="0">
+                  <p:tgtEl>
+                    <p:sldTgt/>
+                  </p:tgtEl>
+                </p:cond>
+              </p:nextCondLst>
+            </p:seq>
+          </p:childTnLst>
+        </p:cTn>
       </p:par>
     </p:tnLst>
+    <p:bldLst>
+      <p:bldP spid="6" grpId="0" animBg="1"/>
+      <p:bldP spid="7" grpId="0" animBg="1"/>
+      <p:bldP spid="9" grpId="0" animBg="1"/>
+      <p:bldP spid="10" grpId="0" animBg="1"/>
+      <p:bldP spid="11" grpId="0" animBg="1"/>
+      <p:bldP spid="12" grpId="0" animBg="1"/>
+      <p:bldP spid="13" grpId="0" animBg="1"/>
+      <p:bldP spid="14" grpId="0" animBg="1"/>
+      <p:bldP spid="15" grpId="0" animBg="1"/>
+      <p:bldP spid="16" grpId="0" animBg="1"/>
+      <p:bldP spid="17" grpId="0" animBg="1"/>
+      <p:bldP spid="18" grpId="0" animBg="1"/>
+      <p:bldP spid="19" grpId="0" animBg="1"/>
+      <p:bldP spid="20" grpId="0" animBg="1"/>
+      <p:bldP spid="21" grpId="0" animBg="1"/>
+      <p:bldP spid="22" grpId="0" animBg="1"/>
+      <p:bldP spid="23" grpId="0" animBg="1"/>
+      <p:bldP spid="24" grpId="0" animBg="1"/>
+      <p:bldP spid="70" grpId="0"/>
+      <p:bldP spid="71" grpId="0"/>
+      <p:bldP spid="72" grpId="0"/>
+      <p:bldP spid="73" grpId="0"/>
+      <p:bldP spid="74" grpId="0"/>
+      <p:bldP spid="75" grpId="0"/>
+    </p:bldLst>
   </p:timing>
 </p:sld>
 </file>
@@ -9815,8 +12743,8 @@
         </p:nvSpPr>
         <p:spPr>
           <a:xfrm>
-            <a:off x="7840659" y="281927"/>
-            <a:ext cx="3664786" cy="523220"/>
+            <a:off x="7225619" y="281927"/>
+            <a:ext cx="4279826" cy="523220"/>
           </a:xfrm>
           <a:prstGeom prst="rect">
             <a:avLst/>
@@ -9835,7 +12763,7 @@
                 <a:latin typeface="Arial" panose="020B0604020202020204" pitchFamily="34" charset="0"/>
                 <a:cs typeface="Arial" panose="020B0604020202020204" pitchFamily="34" charset="0"/>
               </a:rPr>
-              <a:t>BẢNG + CÔNG VIỆC</a:t>
+              <a:t>PHÂN CHIA CÔNG VIỆC</a:t>
             </a:r>
             <a:endParaRPr lang="en-US" sz="2800" b="1" dirty="0">
               <a:latin typeface="Arial" panose="020B0604020202020204" pitchFamily="34" charset="0"/>
@@ -9844,10 +12772,318 @@
           </a:p>
         </p:txBody>
       </p:sp>
+      <p:pic>
+        <p:nvPicPr>
+          <p:cNvPr id="6" name="Picture 5"/>
+          <p:cNvPicPr>
+            <a:picLocks noChangeAspect="1"/>
+          </p:cNvPicPr>
+          <p:nvPr/>
+        </p:nvPicPr>
+        <p:blipFill>
+          <a:blip r:embed="rId2"/>
+          <a:stretch>
+            <a:fillRect/>
+          </a:stretch>
+        </p:blipFill>
+        <p:spPr>
+          <a:xfrm>
+            <a:off x="3109509" y="2375728"/>
+            <a:ext cx="5744377" cy="1143160"/>
+          </a:xfrm>
+          <a:prstGeom prst="rect">
+            <a:avLst/>
+          </a:prstGeom>
+        </p:spPr>
+      </p:pic>
+      <p:sp>
+        <p:nvSpPr>
+          <p:cNvPr id="7" name="TextBox 6"/>
+          <p:cNvSpPr txBox="1"/>
+          <p:nvPr/>
+        </p:nvSpPr>
+        <p:spPr>
+          <a:xfrm>
+            <a:off x="3788228" y="1784509"/>
+            <a:ext cx="1572866" cy="338554"/>
+          </a:xfrm>
+          <a:prstGeom prst="rect">
+            <a:avLst/>
+          </a:prstGeom>
+          <a:noFill/>
+        </p:spPr>
+        <p:txBody>
+          <a:bodyPr wrap="none" rtlCol="0">
+            <a:spAutoFit/>
+          </a:bodyPr>
+          <a:lstStyle/>
+          <a:p>
+            <a:r>
+              <a:rPr lang="vi-VN" sz="1600" b="1" dirty="0" smtClean="0"/>
+              <a:t>Tê</a:t>
+            </a:r>
+            <a:r>
+              <a:rPr lang="en-US" sz="1600" b="1" dirty="0" smtClean="0"/>
+              <a:t>n Công Việc</a:t>
+            </a:r>
+            <a:endParaRPr lang="en-US" sz="1600" b="1" dirty="0"/>
+          </a:p>
+        </p:txBody>
+      </p:sp>
+      <p:sp>
+        <p:nvSpPr>
+          <p:cNvPr id="8" name="TextBox 7"/>
+          <p:cNvSpPr txBox="1"/>
+          <p:nvPr/>
+        </p:nvSpPr>
+        <p:spPr>
+          <a:xfrm>
+            <a:off x="1387131" y="2586781"/>
+            <a:ext cx="1198341" cy="338554"/>
+          </a:xfrm>
+          <a:prstGeom prst="rect">
+            <a:avLst/>
+          </a:prstGeom>
+          <a:noFill/>
+        </p:spPr>
+        <p:txBody>
+          <a:bodyPr wrap="none" rtlCol="0">
+            <a:spAutoFit/>
+          </a:bodyPr>
+          <a:lstStyle/>
+          <a:p>
+            <a:r>
+              <a:rPr lang="en-US" sz="1600" b="1" dirty="0" smtClean="0"/>
+              <a:t>Trạng Thái</a:t>
+            </a:r>
+            <a:endParaRPr lang="en-US" sz="1600" b="1" dirty="0"/>
+          </a:p>
+        </p:txBody>
+      </p:sp>
+      <p:sp>
+        <p:nvSpPr>
+          <p:cNvPr id="9" name="TextBox 8"/>
+          <p:cNvSpPr txBox="1"/>
+          <p:nvPr/>
+        </p:nvSpPr>
+        <p:spPr>
+          <a:xfrm>
+            <a:off x="2389413" y="3678057"/>
+            <a:ext cx="2269147" cy="338554"/>
+          </a:xfrm>
+          <a:prstGeom prst="rect">
+            <a:avLst/>
+          </a:prstGeom>
+          <a:noFill/>
+        </p:spPr>
+        <p:txBody>
+          <a:bodyPr wrap="none" rtlCol="0">
+            <a:spAutoFit/>
+          </a:bodyPr>
+          <a:lstStyle/>
+          <a:p>
+            <a:r>
+              <a:rPr lang="en-US" sz="1600" b="1" dirty="0" smtClean="0"/>
+              <a:t>Thành Viên Phụ Trách</a:t>
+            </a:r>
+            <a:endParaRPr lang="en-US" sz="1600" b="1" dirty="0"/>
+          </a:p>
+        </p:txBody>
+      </p:sp>
+      <p:sp>
+        <p:nvSpPr>
+          <p:cNvPr id="10" name="TextBox 9"/>
+          <p:cNvSpPr txBox="1"/>
+          <p:nvPr/>
+        </p:nvSpPr>
+        <p:spPr>
+          <a:xfrm>
+            <a:off x="5926508" y="3935904"/>
+            <a:ext cx="2289025" cy="338554"/>
+          </a:xfrm>
+          <a:prstGeom prst="rect">
+            <a:avLst/>
+          </a:prstGeom>
+          <a:noFill/>
+        </p:spPr>
+        <p:txBody>
+          <a:bodyPr wrap="none" rtlCol="0">
+            <a:spAutoFit/>
+          </a:bodyPr>
+          <a:lstStyle/>
+          <a:p>
+            <a:r>
+              <a:rPr lang="en-US" sz="1600" b="1" dirty="0" smtClean="0"/>
+              <a:t>Thời Hạn Hoàn Thành</a:t>
+            </a:r>
+            <a:endParaRPr lang="en-US" sz="1600" b="1" dirty="0"/>
+          </a:p>
+        </p:txBody>
+      </p:sp>
+      <p:sp>
+        <p:nvSpPr>
+          <p:cNvPr id="11" name="Down Arrow 10"/>
+          <p:cNvSpPr/>
+          <p:nvPr/>
+        </p:nvSpPr>
+        <p:spPr>
+          <a:xfrm>
+            <a:off x="4408713" y="2102568"/>
+            <a:ext cx="87087" cy="484214"/>
+          </a:xfrm>
+          <a:prstGeom prst="downArrow">
+            <a:avLst/>
+          </a:prstGeom>
+        </p:spPr>
+        <p:style>
+          <a:lnRef idx="2">
+            <a:schemeClr val="accent1">
+              <a:shade val="50000"/>
+            </a:schemeClr>
+          </a:lnRef>
+          <a:fillRef idx="1">
+            <a:schemeClr val="accent1"/>
+          </a:fillRef>
+          <a:effectRef idx="0">
+            <a:schemeClr val="accent1"/>
+          </a:effectRef>
+          <a:fontRef idx="minor">
+            <a:schemeClr val="lt1"/>
+          </a:fontRef>
+        </p:style>
+        <p:txBody>
+          <a:bodyPr rtlCol="0" anchor="ctr"/>
+          <a:lstStyle/>
+          <a:p>
+            <a:pPr algn="ctr"/>
+            <a:endParaRPr lang="en-US"/>
+          </a:p>
+        </p:txBody>
+      </p:sp>
+      <p:sp>
+        <p:nvSpPr>
+          <p:cNvPr id="12" name="Down Arrow 11"/>
+          <p:cNvSpPr/>
+          <p:nvPr/>
+        </p:nvSpPr>
+        <p:spPr>
+          <a:xfrm rot="16200000">
+            <a:off x="2844552" y="2456818"/>
+            <a:ext cx="80322" cy="598481"/>
+          </a:xfrm>
+          <a:prstGeom prst="downArrow">
+            <a:avLst/>
+          </a:prstGeom>
+        </p:spPr>
+        <p:style>
+          <a:lnRef idx="2">
+            <a:schemeClr val="accent1">
+              <a:shade val="50000"/>
+            </a:schemeClr>
+          </a:lnRef>
+          <a:fillRef idx="1">
+            <a:schemeClr val="accent1"/>
+          </a:fillRef>
+          <a:effectRef idx="0">
+            <a:schemeClr val="accent1"/>
+          </a:effectRef>
+          <a:fontRef idx="minor">
+            <a:schemeClr val="lt1"/>
+          </a:fontRef>
+        </p:style>
+        <p:txBody>
+          <a:bodyPr rtlCol="0" anchor="ctr"/>
+          <a:lstStyle/>
+          <a:p>
+            <a:pPr algn="ctr"/>
+            <a:endParaRPr lang="en-US"/>
+          </a:p>
+        </p:txBody>
+      </p:sp>
+      <p:sp>
+        <p:nvSpPr>
+          <p:cNvPr id="13" name="Down Arrow 12"/>
+          <p:cNvSpPr/>
+          <p:nvPr/>
+        </p:nvSpPr>
+        <p:spPr>
+          <a:xfrm rot="14633807">
+            <a:off x="3730362" y="3018504"/>
+            <a:ext cx="115733" cy="785184"/>
+          </a:xfrm>
+          <a:prstGeom prst="downArrow">
+            <a:avLst/>
+          </a:prstGeom>
+        </p:spPr>
+        <p:style>
+          <a:lnRef idx="2">
+            <a:schemeClr val="accent1">
+              <a:shade val="50000"/>
+            </a:schemeClr>
+          </a:lnRef>
+          <a:fillRef idx="1">
+            <a:schemeClr val="accent1"/>
+          </a:fillRef>
+          <a:effectRef idx="0">
+            <a:schemeClr val="accent1"/>
+          </a:effectRef>
+          <a:fontRef idx="minor">
+            <a:schemeClr val="lt1"/>
+          </a:fontRef>
+        </p:style>
+        <p:txBody>
+          <a:bodyPr rtlCol="0" anchor="ctr"/>
+          <a:lstStyle/>
+          <a:p>
+            <a:pPr algn="ctr"/>
+            <a:endParaRPr lang="en-US"/>
+          </a:p>
+        </p:txBody>
+      </p:sp>
+      <p:sp>
+        <p:nvSpPr>
+          <p:cNvPr id="14" name="Down Arrow 13"/>
+          <p:cNvSpPr/>
+          <p:nvPr/>
+        </p:nvSpPr>
+        <p:spPr>
+          <a:xfrm rot="7269374">
+            <a:off x="5878776" y="3258632"/>
+            <a:ext cx="95465" cy="838850"/>
+          </a:xfrm>
+          <a:prstGeom prst="downArrow">
+            <a:avLst/>
+          </a:prstGeom>
+        </p:spPr>
+        <p:style>
+          <a:lnRef idx="2">
+            <a:schemeClr val="accent1">
+              <a:shade val="50000"/>
+            </a:schemeClr>
+          </a:lnRef>
+          <a:fillRef idx="1">
+            <a:schemeClr val="accent1"/>
+          </a:fillRef>
+          <a:effectRef idx="0">
+            <a:schemeClr val="accent1"/>
+          </a:effectRef>
+          <a:fontRef idx="minor">
+            <a:schemeClr val="lt1"/>
+          </a:fontRef>
+        </p:style>
+        <p:txBody>
+          <a:bodyPr rtlCol="0" anchor="ctr"/>
+          <a:lstStyle/>
+          <a:p>
+            <a:pPr algn="ctr"/>
+            <a:endParaRPr lang="en-US"/>
+          </a:p>
+        </p:txBody>
+      </p:sp>
     </p:spTree>
     <p:extLst>
       <p:ext uri="{BB962C8B-B14F-4D97-AF65-F5344CB8AC3E}">
-        <p14:creationId xmlns:p14="http://schemas.microsoft.com/office/powerpoint/2010/main" val="2209560747"/>
+        <p14:creationId xmlns:p14="http://schemas.microsoft.com/office/powerpoint/2010/main" val="1600144416"/>
       </p:ext>
     </p:extLst>
   </p:cSld>
@@ -9913,8 +13149,8 @@
         </p:nvSpPr>
         <p:spPr>
           <a:xfrm>
-            <a:off x="9520606" y="281927"/>
-            <a:ext cx="1984839" cy="523220"/>
+            <a:off x="4857473" y="281927"/>
+            <a:ext cx="6647974" cy="523220"/>
           </a:xfrm>
           <a:prstGeom prst="rect">
             <a:avLst/>
@@ -9933,7 +13169,7 @@
                 <a:latin typeface="Arial" panose="020B0604020202020204" pitchFamily="34" charset="0"/>
                 <a:cs typeface="Arial" panose="020B0604020202020204" pitchFamily="34" charset="0"/>
               </a:rPr>
-              <a:t>NỘI DUNG</a:t>
+              <a:t>BÌNH LUẬN + LỊCH SỬ + THÔNG BÁO</a:t>
             </a:r>
             <a:endParaRPr lang="en-US" sz="2800" b="1" dirty="0">
               <a:latin typeface="Arial" panose="020B0604020202020204" pitchFamily="34" charset="0"/>
@@ -9944,14 +13180,14 @@
       </p:sp>
       <p:sp>
         <p:nvSpPr>
-          <p:cNvPr id="2" name="TextBox 1"/>
+          <p:cNvPr id="6" name="TextBox 5"/>
           <p:cNvSpPr txBox="1"/>
           <p:nvPr/>
         </p:nvSpPr>
         <p:spPr>
           <a:xfrm>
-            <a:off x="5276850" y="2628900"/>
-            <a:ext cx="1793696" cy="461665"/>
+            <a:off x="464598" y="1424927"/>
+            <a:ext cx="3139001" cy="461665"/>
           </a:xfrm>
           <a:prstGeom prst="rect">
             <a:avLst/>
@@ -9965,17 +13201,165 @@
           <a:lstStyle/>
           <a:p>
             <a:r>
-              <a:rPr lang="en-US" sz="2400" b="1" dirty="0" smtClean="0"/>
-              <a:t>Thank You!</a:t>
-            </a:r>
-            <a:endParaRPr lang="en-US" sz="2400" b="1" dirty="0"/>
+              <a:rPr lang="en-US" sz="2400" b="1" dirty="0" smtClean="0">
+                <a:latin typeface="Arial" panose="020B0604020202020204" pitchFamily="34" charset="0"/>
+                <a:cs typeface="Arial" panose="020B0604020202020204" pitchFamily="34" charset="0"/>
+              </a:rPr>
+              <a:t>Hoạt động của </a:t>
+            </a:r>
+            <a:r>
+              <a:rPr lang="en-US" sz="2400" b="1" dirty="0">
+                <a:latin typeface="Arial" panose="020B0604020202020204" pitchFamily="34" charset="0"/>
+                <a:cs typeface="Arial" panose="020B0604020202020204" pitchFamily="34" charset="0"/>
+              </a:rPr>
+              <a:t>b</a:t>
+            </a:r>
+            <a:r>
+              <a:rPr lang="en-US" sz="2400" b="1" dirty="0" smtClean="0">
+                <a:latin typeface="Arial" panose="020B0604020202020204" pitchFamily="34" charset="0"/>
+                <a:cs typeface="Arial" panose="020B0604020202020204" pitchFamily="34" charset="0"/>
+              </a:rPr>
+              <a:t>ảng</a:t>
+            </a:r>
+            <a:endParaRPr lang="en-US" sz="2400" b="1" dirty="0">
+              <a:latin typeface="Arial" panose="020B0604020202020204" pitchFamily="34" charset="0"/>
+              <a:cs typeface="Arial" panose="020B0604020202020204" pitchFamily="34" charset="0"/>
+            </a:endParaRPr>
+          </a:p>
+        </p:txBody>
+      </p:sp>
+      <p:sp>
+        <p:nvSpPr>
+          <p:cNvPr id="7" name="TextBox 6"/>
+          <p:cNvSpPr txBox="1"/>
+          <p:nvPr/>
+        </p:nvSpPr>
+        <p:spPr>
+          <a:xfrm>
+            <a:off x="734399" y="1886592"/>
+            <a:ext cx="4737194" cy="461665"/>
+          </a:xfrm>
+          <a:prstGeom prst="rect">
+            <a:avLst/>
+          </a:prstGeom>
+          <a:noFill/>
+        </p:spPr>
+        <p:txBody>
+          <a:bodyPr wrap="none" rtlCol="0">
+            <a:spAutoFit/>
+          </a:bodyPr>
+          <a:lstStyle/>
+          <a:p>
+            <a:r>
+              <a:rPr lang="en-US" sz="2400" b="1" dirty="0" smtClean="0">
+                <a:latin typeface="Arial" panose="020B0604020202020204" pitchFamily="34" charset="0"/>
+                <a:cs typeface="Arial" panose="020B0604020202020204" pitchFamily="34" charset="0"/>
+              </a:rPr>
+              <a:t>+ Tạo, cập nhật, xóa danh sách</a:t>
+            </a:r>
+          </a:p>
+        </p:txBody>
+      </p:sp>
+      <p:sp>
+        <p:nvSpPr>
+          <p:cNvPr id="8" name="TextBox 7"/>
+          <p:cNvSpPr txBox="1"/>
+          <p:nvPr/>
+        </p:nvSpPr>
+        <p:spPr>
+          <a:xfrm>
+            <a:off x="464598" y="3509057"/>
+            <a:ext cx="2866490" cy="461665"/>
+          </a:xfrm>
+          <a:prstGeom prst="rect">
+            <a:avLst/>
+          </a:prstGeom>
+          <a:noFill/>
+        </p:spPr>
+        <p:txBody>
+          <a:bodyPr wrap="none" rtlCol="0">
+            <a:spAutoFit/>
+          </a:bodyPr>
+          <a:lstStyle/>
+          <a:p>
+            <a:pPr algn="r"/>
+            <a:r>
+              <a:rPr lang="en-US" sz="2400" b="1" dirty="0" smtClean="0">
+                <a:latin typeface="Arial" panose="020B0604020202020204" pitchFamily="34" charset="0"/>
+                <a:cs typeface="Arial" panose="020B0604020202020204" pitchFamily="34" charset="0"/>
+              </a:rPr>
+              <a:t>Hoạt động của thẻ</a:t>
+            </a:r>
+            <a:endParaRPr lang="en-US" sz="2400" b="1" dirty="0">
+              <a:latin typeface="Arial" panose="020B0604020202020204" pitchFamily="34" charset="0"/>
+              <a:cs typeface="Arial" panose="020B0604020202020204" pitchFamily="34" charset="0"/>
+            </a:endParaRPr>
+          </a:p>
+        </p:txBody>
+      </p:sp>
+      <p:sp>
+        <p:nvSpPr>
+          <p:cNvPr id="9" name="TextBox 8"/>
+          <p:cNvSpPr txBox="1"/>
+          <p:nvPr/>
+        </p:nvSpPr>
+        <p:spPr>
+          <a:xfrm>
+            <a:off x="734399" y="3970722"/>
+            <a:ext cx="4188967" cy="1569660"/>
+          </a:xfrm>
+          <a:prstGeom prst="rect">
+            <a:avLst/>
+          </a:prstGeom>
+          <a:noFill/>
+        </p:spPr>
+        <p:txBody>
+          <a:bodyPr wrap="none" rtlCol="0">
+            <a:spAutoFit/>
+          </a:bodyPr>
+          <a:lstStyle/>
+          <a:p>
+            <a:r>
+              <a:rPr lang="en-US" sz="2400" b="1" dirty="0" smtClean="0">
+                <a:latin typeface="Arial" panose="020B0604020202020204" pitchFamily="34" charset="0"/>
+                <a:cs typeface="Arial" panose="020B0604020202020204" pitchFamily="34" charset="0"/>
+              </a:rPr>
+              <a:t>+ Bình Luận</a:t>
+            </a:r>
+          </a:p>
+          <a:p>
+            <a:r>
+              <a:rPr lang="en-US" sz="2400" b="1" dirty="0" smtClean="0">
+                <a:latin typeface="Arial" panose="020B0604020202020204" pitchFamily="34" charset="0"/>
+                <a:cs typeface="Arial" panose="020B0604020202020204" pitchFamily="34" charset="0"/>
+              </a:rPr>
+              <a:t>+ Tạo, cập nhật công việc,..</a:t>
+            </a:r>
+          </a:p>
+          <a:p>
+            <a:r>
+              <a:rPr lang="en-US" sz="2400" b="1" dirty="0" smtClean="0">
+                <a:latin typeface="Arial" panose="020B0604020202020204" pitchFamily="34" charset="0"/>
+                <a:cs typeface="Arial" panose="020B0604020202020204" pitchFamily="34" charset="0"/>
+              </a:rPr>
+              <a:t>+ Chỉ định thành viên</a:t>
+            </a:r>
+          </a:p>
+          <a:p>
+            <a:r>
+              <a:rPr lang="en-US" sz="2400" b="1" dirty="0" smtClean="0">
+                <a:latin typeface="Arial" panose="020B0604020202020204" pitchFamily="34" charset="0"/>
+                <a:cs typeface="Arial" panose="020B0604020202020204" pitchFamily="34" charset="0"/>
+              </a:rPr>
+              <a:t>+ Đánh dấu hoàn thành</a:t>
+            </a:r>
           </a:p>
         </p:txBody>
       </p:sp>
     </p:spTree>
     <p:extLst>
       <p:ext uri="{BB962C8B-B14F-4D97-AF65-F5344CB8AC3E}">
-        <p14:creationId xmlns:p14="http://schemas.microsoft.com/office/powerpoint/2010/main" val="1600144416"/>
+        <p14:creationId xmlns:p14="http://schemas.microsoft.com/office/powerpoint/2010/main" val="1985435802"/>
       </p:ext>
     </p:extLst>
   </p:cSld>
@@ -10041,8 +13425,8 @@
         </p:nvSpPr>
         <p:spPr>
           <a:xfrm>
-            <a:off x="9520606" y="281927"/>
-            <a:ext cx="1984839" cy="523220"/>
+            <a:off x="7802187" y="281927"/>
+            <a:ext cx="3703258" cy="523220"/>
           </a:xfrm>
           <a:prstGeom prst="rect">
             <a:avLst/>
@@ -10061,7 +13445,7 @@
                 <a:latin typeface="Arial" panose="020B0604020202020204" pitchFamily="34" charset="0"/>
                 <a:cs typeface="Arial" panose="020B0604020202020204" pitchFamily="34" charset="0"/>
               </a:rPr>
-              <a:t>NỘI DUNG</a:t>
+              <a:t>NHẮC NHỞ TIẾN ĐỘ</a:t>
             </a:r>
             <a:endParaRPr lang="en-US" sz="2800" b="1" dirty="0">
               <a:latin typeface="Arial" panose="020B0604020202020204" pitchFamily="34" charset="0"/>
@@ -10078,8 +13462,8 @@
         </p:nvSpPr>
         <p:spPr>
           <a:xfrm>
-            <a:off x="5276850" y="2628900"/>
-            <a:ext cx="1793696" cy="461665"/>
+            <a:off x="864870" y="1409700"/>
+            <a:ext cx="3503780" cy="830997"/>
           </a:xfrm>
           <a:prstGeom prst="rect">
             <a:avLst/>
@@ -10094,16 +13478,256 @@
           <a:p>
             <a:r>
               <a:rPr lang="en-US" sz="2400" b="1" dirty="0" smtClean="0"/>
-              <a:t>Thank You!</a:t>
+              <a:t>Trước 2 Ngày Deadline</a:t>
+            </a:r>
+          </a:p>
+          <a:p>
+            <a:r>
+              <a:rPr lang="en-US" sz="2400" b="1" dirty="0" smtClean="0"/>
+              <a:t>08:00:00</a:t>
             </a:r>
             <a:endParaRPr lang="en-US" sz="2400" b="1" dirty="0"/>
           </a:p>
         </p:txBody>
       </p:sp>
+      <p:pic>
+        <p:nvPicPr>
+          <p:cNvPr id="3" name="Picture 2"/>
+          <p:cNvPicPr>
+            <a:picLocks noChangeAspect="1"/>
+          </p:cNvPicPr>
+          <p:nvPr/>
+        </p:nvPicPr>
+        <p:blipFill>
+          <a:blip r:embed="rId2">
+            <a:extLst>
+              <a:ext uri="{28A0092B-C50C-407E-A947-70E740481C1C}">
+                <a14:useLocalDpi xmlns:a14="http://schemas.microsoft.com/office/drawing/2010/main" val="0"/>
+              </a:ext>
+            </a:extLst>
+          </a:blip>
+          <a:stretch>
+            <a:fillRect/>
+          </a:stretch>
+        </p:blipFill>
+        <p:spPr>
+          <a:xfrm>
+            <a:off x="1793953" y="2369004"/>
+            <a:ext cx="1645614" cy="1645614"/>
+          </a:xfrm>
+          <a:prstGeom prst="rect">
+            <a:avLst/>
+          </a:prstGeom>
+        </p:spPr>
+      </p:pic>
+      <p:pic>
+        <p:nvPicPr>
+          <p:cNvPr id="6" name="Picture 5"/>
+          <p:cNvPicPr>
+            <a:picLocks noChangeAspect="1"/>
+          </p:cNvPicPr>
+          <p:nvPr/>
+        </p:nvPicPr>
+        <p:blipFill>
+          <a:blip r:embed="rId3">
+            <a:extLst>
+              <a:ext uri="{28A0092B-C50C-407E-A947-70E740481C1C}">
+                <a14:useLocalDpi xmlns:a14="http://schemas.microsoft.com/office/drawing/2010/main" val="0"/>
+              </a:ext>
+            </a:extLst>
+          </a:blip>
+          <a:stretch>
+            <a:fillRect/>
+          </a:stretch>
+        </p:blipFill>
+        <p:spPr>
+          <a:xfrm>
+            <a:off x="4915816" y="2635703"/>
+            <a:ext cx="786891" cy="786891"/>
+          </a:xfrm>
+          <a:prstGeom prst="rect">
+            <a:avLst/>
+          </a:prstGeom>
+        </p:spPr>
+      </p:pic>
+      <p:pic>
+        <p:nvPicPr>
+          <p:cNvPr id="7" name="Picture 6"/>
+          <p:cNvPicPr>
+            <a:picLocks noChangeAspect="1"/>
+          </p:cNvPicPr>
+          <p:nvPr/>
+        </p:nvPicPr>
+        <p:blipFill>
+          <a:blip r:embed="rId4">
+            <a:extLst>
+              <a:ext uri="{28A0092B-C50C-407E-A947-70E740481C1C}">
+                <a14:useLocalDpi xmlns:a14="http://schemas.microsoft.com/office/drawing/2010/main" val="0"/>
+              </a:ext>
+            </a:extLst>
+          </a:blip>
+          <a:stretch>
+            <a:fillRect/>
+          </a:stretch>
+        </p:blipFill>
+        <p:spPr>
+          <a:xfrm>
+            <a:off x="6843676" y="2521403"/>
+            <a:ext cx="1493215" cy="1493215"/>
+          </a:xfrm>
+          <a:prstGeom prst="rect">
+            <a:avLst/>
+          </a:prstGeom>
+        </p:spPr>
+      </p:pic>
+      <p:sp>
+        <p:nvSpPr>
+          <p:cNvPr id="8" name="Rectangle 7"/>
+          <p:cNvSpPr/>
+          <p:nvPr/>
+        </p:nvSpPr>
+        <p:spPr>
+          <a:xfrm>
+            <a:off x="4313836" y="2973012"/>
+            <a:ext cx="533400" cy="83820"/>
+          </a:xfrm>
+          <a:prstGeom prst="rect">
+            <a:avLst/>
+          </a:prstGeom>
+        </p:spPr>
+        <p:style>
+          <a:lnRef idx="2">
+            <a:schemeClr val="accent1">
+              <a:shade val="50000"/>
+            </a:schemeClr>
+          </a:lnRef>
+          <a:fillRef idx="1">
+            <a:schemeClr val="accent1"/>
+          </a:fillRef>
+          <a:effectRef idx="0">
+            <a:schemeClr val="accent1"/>
+          </a:effectRef>
+          <a:fontRef idx="minor">
+            <a:schemeClr val="lt1"/>
+          </a:fontRef>
+        </p:style>
+        <p:txBody>
+          <a:bodyPr rtlCol="0" anchor="ctr"/>
+          <a:lstStyle/>
+          <a:p>
+            <a:pPr algn="ctr"/>
+            <a:endParaRPr lang="en-US"/>
+          </a:p>
+        </p:txBody>
+      </p:sp>
+      <p:sp>
+        <p:nvSpPr>
+          <p:cNvPr id="9" name="Rectangle 8"/>
+          <p:cNvSpPr/>
+          <p:nvPr/>
+        </p:nvSpPr>
+        <p:spPr>
+          <a:xfrm>
+            <a:off x="4054756" y="3184190"/>
+            <a:ext cx="810110" cy="99060"/>
+          </a:xfrm>
+          <a:prstGeom prst="rect">
+            <a:avLst/>
+          </a:prstGeom>
+        </p:spPr>
+        <p:style>
+          <a:lnRef idx="2">
+            <a:schemeClr val="accent1">
+              <a:shade val="50000"/>
+            </a:schemeClr>
+          </a:lnRef>
+          <a:fillRef idx="1">
+            <a:schemeClr val="accent1"/>
+          </a:fillRef>
+          <a:effectRef idx="0">
+            <a:schemeClr val="accent1"/>
+          </a:effectRef>
+          <a:fontRef idx="minor">
+            <a:schemeClr val="lt1"/>
+          </a:fontRef>
+        </p:style>
+        <p:txBody>
+          <a:bodyPr rtlCol="0" anchor="ctr"/>
+          <a:lstStyle/>
+          <a:p>
+            <a:pPr algn="ctr"/>
+            <a:endParaRPr lang="en-US"/>
+          </a:p>
+        </p:txBody>
+      </p:sp>
+      <p:sp>
+        <p:nvSpPr>
+          <p:cNvPr id="10" name="Right Arrow 9"/>
+          <p:cNvSpPr/>
+          <p:nvPr/>
+        </p:nvSpPr>
+        <p:spPr>
+          <a:xfrm>
+            <a:off x="3728111" y="3549952"/>
+            <a:ext cx="2827020" cy="114300"/>
+          </a:xfrm>
+          <a:prstGeom prst="rightArrow">
+            <a:avLst/>
+          </a:prstGeom>
+        </p:spPr>
+        <p:style>
+          <a:lnRef idx="2">
+            <a:schemeClr val="accent5">
+              <a:shade val="50000"/>
+            </a:schemeClr>
+          </a:lnRef>
+          <a:fillRef idx="1">
+            <a:schemeClr val="accent5"/>
+          </a:fillRef>
+          <a:effectRef idx="0">
+            <a:schemeClr val="accent5"/>
+          </a:effectRef>
+          <a:fontRef idx="minor">
+            <a:schemeClr val="lt1"/>
+          </a:fontRef>
+        </p:style>
+        <p:txBody>
+          <a:bodyPr rtlCol="0" anchor="ctr"/>
+          <a:lstStyle/>
+          <a:p>
+            <a:pPr algn="ctr"/>
+            <a:endParaRPr lang="en-US"/>
+          </a:p>
+        </p:txBody>
+      </p:sp>
+      <p:pic>
+        <p:nvPicPr>
+          <p:cNvPr id="11" name="Picture 10"/>
+          <p:cNvPicPr>
+            <a:picLocks noChangeAspect="1"/>
+          </p:cNvPicPr>
+          <p:nvPr/>
+        </p:nvPicPr>
+        <p:blipFill>
+          <a:blip r:embed="rId5"/>
+          <a:stretch>
+            <a:fillRect/>
+          </a:stretch>
+        </p:blipFill>
+        <p:spPr>
+          <a:xfrm>
+            <a:off x="5047848" y="4487849"/>
+            <a:ext cx="5315352" cy="1672048"/>
+          </a:xfrm>
+          <a:prstGeom prst="rect">
+            <a:avLst/>
+          </a:prstGeom>
+        </p:spPr>
+      </p:pic>
     </p:spTree>
     <p:extLst>
       <p:ext uri="{BB962C8B-B14F-4D97-AF65-F5344CB8AC3E}">
-        <p14:creationId xmlns:p14="http://schemas.microsoft.com/office/powerpoint/2010/main" val="1985435802"/>
+        <p14:creationId xmlns:p14="http://schemas.microsoft.com/office/powerpoint/2010/main" val="802791485"/>
       </p:ext>
     </p:extLst>
   </p:cSld>
